--- a/BeersAndBreweries/EDA I – Part 1.pptx
+++ b/BeersAndBreweries/EDA I – Part 1.pptx
@@ -4,16 +4,24 @@
   <p:sldMasterIdLst>
     <p:sldMasterId id="2147483678" r:id="rId1"/>
   </p:sldMasterIdLst>
+  <p:notesMasterIdLst>
+    <p:notesMasterId r:id="rId16"/>
+  </p:notesMasterIdLst>
   <p:sldIdLst>
     <p:sldId id="256" r:id="rId2"/>
-    <p:sldId id="257" r:id="rId3"/>
-    <p:sldId id="258" r:id="rId4"/>
-    <p:sldId id="259" r:id="rId5"/>
-    <p:sldId id="260" r:id="rId6"/>
-    <p:sldId id="261" r:id="rId7"/>
-    <p:sldId id="262" r:id="rId8"/>
-    <p:sldId id="263" r:id="rId9"/>
-    <p:sldId id="264" r:id="rId10"/>
+    <p:sldId id="265" r:id="rId3"/>
+    <p:sldId id="257" r:id="rId4"/>
+    <p:sldId id="266" r:id="rId5"/>
+    <p:sldId id="258" r:id="rId6"/>
+    <p:sldId id="259" r:id="rId7"/>
+    <p:sldId id="260" r:id="rId8"/>
+    <p:sldId id="261" r:id="rId9"/>
+    <p:sldId id="267" r:id="rId10"/>
+    <p:sldId id="262" r:id="rId11"/>
+    <p:sldId id="263" r:id="rId12"/>
+    <p:sldId id="269" r:id="rId13"/>
+    <p:sldId id="268" r:id="rId14"/>
+    <p:sldId id="264" r:id="rId15"/>
   </p:sldIdLst>
   <p:sldSz cx="12192000" cy="6858000"/>
   <p:notesSz cx="6858000" cy="9144000"/>
@@ -118,6 +126,697 @@
     </p:ext>
   </p:extLst>
 </p:presentation>
+</file>
+
+<file path=ppt/notesMasters/notesMaster1.xml><?xml version="1.0" encoding="utf-8"?>
+<p:notesMaster xmlns:a="http://schemas.openxmlformats.org/drawingml/2006/main" xmlns:r="http://schemas.openxmlformats.org/officeDocument/2006/relationships" xmlns:p="http://schemas.openxmlformats.org/presentationml/2006/main">
+  <p:cSld>
+    <p:bg>
+      <p:bgRef idx="1001">
+        <a:schemeClr val="bg1"/>
+      </p:bgRef>
+    </p:bg>
+    <p:spTree>
+      <p:nvGrpSpPr>
+        <p:cNvPr id="1" name=""/>
+        <p:cNvGrpSpPr/>
+        <p:nvPr/>
+      </p:nvGrpSpPr>
+      <p:grpSpPr>
+        <a:xfrm>
+          <a:off x="0" y="0"/>
+          <a:ext cx="0" cy="0"/>
+          <a:chOff x="0" y="0"/>
+          <a:chExt cx="0" cy="0"/>
+        </a:xfrm>
+      </p:grpSpPr>
+      <p:sp>
+        <p:nvSpPr>
+          <p:cNvPr id="2" name="Header Placeholder 1"/>
+          <p:cNvSpPr>
+            <a:spLocks noGrp="1"/>
+          </p:cNvSpPr>
+          <p:nvPr>
+            <p:ph type="hdr" sz="quarter"/>
+          </p:nvPr>
+        </p:nvSpPr>
+        <p:spPr>
+          <a:xfrm>
+            <a:off x="0" y="0"/>
+            <a:ext cx="2971800" cy="458788"/>
+          </a:xfrm>
+          <a:prstGeom prst="rect">
+            <a:avLst/>
+          </a:prstGeom>
+        </p:spPr>
+        <p:txBody>
+          <a:bodyPr vert="horz" lIns="91440" tIns="45720" rIns="91440" bIns="45720" rtlCol="0"/>
+          <a:lstStyle>
+            <a:lvl1pPr algn="l">
+              <a:defRPr sz="1200"/>
+            </a:lvl1pPr>
+          </a:lstStyle>
+          <a:p>
+            <a:endParaRPr lang="en-US"/>
+          </a:p>
+        </p:txBody>
+      </p:sp>
+      <p:sp>
+        <p:nvSpPr>
+          <p:cNvPr id="3" name="Date Placeholder 2"/>
+          <p:cNvSpPr>
+            <a:spLocks noGrp="1"/>
+          </p:cNvSpPr>
+          <p:nvPr>
+            <p:ph type="dt" idx="1"/>
+          </p:nvPr>
+        </p:nvSpPr>
+        <p:spPr>
+          <a:xfrm>
+            <a:off x="3884613" y="0"/>
+            <a:ext cx="2971800" cy="458788"/>
+          </a:xfrm>
+          <a:prstGeom prst="rect">
+            <a:avLst/>
+          </a:prstGeom>
+        </p:spPr>
+        <p:txBody>
+          <a:bodyPr vert="horz" lIns="91440" tIns="45720" rIns="91440" bIns="45720" rtlCol="0"/>
+          <a:lstStyle>
+            <a:lvl1pPr algn="r">
+              <a:defRPr sz="1200"/>
+            </a:lvl1pPr>
+          </a:lstStyle>
+          <a:p>
+            <a:fld id="{9F696B56-8B5D-B24B-AD03-72F94C57230D}" type="datetimeFigureOut">
+              <a:rPr lang="en-US" smtClean="0"/>
+              <a:t>3/2/2023</a:t>
+            </a:fld>
+            <a:endParaRPr lang="en-US"/>
+          </a:p>
+        </p:txBody>
+      </p:sp>
+      <p:sp>
+        <p:nvSpPr>
+          <p:cNvPr id="4" name="Slide Image Placeholder 3"/>
+          <p:cNvSpPr>
+            <a:spLocks noGrp="1" noRot="1" noChangeAspect="1"/>
+          </p:cNvSpPr>
+          <p:nvPr>
+            <p:ph type="sldImg" idx="2"/>
+          </p:nvPr>
+        </p:nvSpPr>
+        <p:spPr>
+          <a:xfrm>
+            <a:off x="685800" y="1143000"/>
+            <a:ext cx="5486400" cy="3086100"/>
+          </a:xfrm>
+          <a:prstGeom prst="rect">
+            <a:avLst/>
+          </a:prstGeom>
+          <a:noFill/>
+          <a:ln w="12700">
+            <a:solidFill>
+              <a:prstClr val="black"/>
+            </a:solidFill>
+          </a:ln>
+        </p:spPr>
+        <p:txBody>
+          <a:bodyPr vert="horz" lIns="91440" tIns="45720" rIns="91440" bIns="45720" rtlCol="0" anchor="ctr"/>
+          <a:lstStyle/>
+          <a:p>
+            <a:endParaRPr lang="en-US"/>
+          </a:p>
+        </p:txBody>
+      </p:sp>
+      <p:sp>
+        <p:nvSpPr>
+          <p:cNvPr id="5" name="Notes Placeholder 4"/>
+          <p:cNvSpPr>
+            <a:spLocks noGrp="1"/>
+          </p:cNvSpPr>
+          <p:nvPr>
+            <p:ph type="body" sz="quarter" idx="3"/>
+          </p:nvPr>
+        </p:nvSpPr>
+        <p:spPr>
+          <a:xfrm>
+            <a:off x="685800" y="4400550"/>
+            <a:ext cx="5486400" cy="3600450"/>
+          </a:xfrm>
+          <a:prstGeom prst="rect">
+            <a:avLst/>
+          </a:prstGeom>
+        </p:spPr>
+        <p:txBody>
+          <a:bodyPr vert="horz" lIns="91440" tIns="45720" rIns="91440" bIns="45720" rtlCol="0"/>
+          <a:lstStyle/>
+          <a:p>
+            <a:pPr lvl="0"/>
+            <a:r>
+              <a:rPr lang="en-US"/>
+              <a:t>Click to edit Master text styles</a:t>
+            </a:r>
+          </a:p>
+          <a:p>
+            <a:pPr lvl="1"/>
+            <a:r>
+              <a:rPr lang="en-US"/>
+              <a:t>Second level</a:t>
+            </a:r>
+          </a:p>
+          <a:p>
+            <a:pPr lvl="2"/>
+            <a:r>
+              <a:rPr lang="en-US"/>
+              <a:t>Third level</a:t>
+            </a:r>
+          </a:p>
+          <a:p>
+            <a:pPr lvl="3"/>
+            <a:r>
+              <a:rPr lang="en-US"/>
+              <a:t>Fourth level</a:t>
+            </a:r>
+          </a:p>
+          <a:p>
+            <a:pPr lvl="4"/>
+            <a:r>
+              <a:rPr lang="en-US"/>
+              <a:t>Fifth level</a:t>
+            </a:r>
+          </a:p>
+        </p:txBody>
+      </p:sp>
+      <p:sp>
+        <p:nvSpPr>
+          <p:cNvPr id="6" name="Footer Placeholder 5"/>
+          <p:cNvSpPr>
+            <a:spLocks noGrp="1"/>
+          </p:cNvSpPr>
+          <p:nvPr>
+            <p:ph type="ftr" sz="quarter" idx="4"/>
+          </p:nvPr>
+        </p:nvSpPr>
+        <p:spPr>
+          <a:xfrm>
+            <a:off x="0" y="8685213"/>
+            <a:ext cx="2971800" cy="458787"/>
+          </a:xfrm>
+          <a:prstGeom prst="rect">
+            <a:avLst/>
+          </a:prstGeom>
+        </p:spPr>
+        <p:txBody>
+          <a:bodyPr vert="horz" lIns="91440" tIns="45720" rIns="91440" bIns="45720" rtlCol="0" anchor="b"/>
+          <a:lstStyle>
+            <a:lvl1pPr algn="l">
+              <a:defRPr sz="1200"/>
+            </a:lvl1pPr>
+          </a:lstStyle>
+          <a:p>
+            <a:endParaRPr lang="en-US"/>
+          </a:p>
+        </p:txBody>
+      </p:sp>
+      <p:sp>
+        <p:nvSpPr>
+          <p:cNvPr id="7" name="Slide Number Placeholder 6"/>
+          <p:cNvSpPr>
+            <a:spLocks noGrp="1"/>
+          </p:cNvSpPr>
+          <p:nvPr>
+            <p:ph type="sldNum" sz="quarter" idx="5"/>
+          </p:nvPr>
+        </p:nvSpPr>
+        <p:spPr>
+          <a:xfrm>
+            <a:off x="3884613" y="8685213"/>
+            <a:ext cx="2971800" cy="458787"/>
+          </a:xfrm>
+          <a:prstGeom prst="rect">
+            <a:avLst/>
+          </a:prstGeom>
+        </p:spPr>
+        <p:txBody>
+          <a:bodyPr vert="horz" lIns="91440" tIns="45720" rIns="91440" bIns="45720" rtlCol="0" anchor="b"/>
+          <a:lstStyle>
+            <a:lvl1pPr algn="r">
+              <a:defRPr sz="1200"/>
+            </a:lvl1pPr>
+          </a:lstStyle>
+          <a:p>
+            <a:fld id="{4AD95DC2-40AE-E946-862F-B5F17F0F0D43}" type="slidenum">
+              <a:rPr lang="en-US" smtClean="0"/>
+              <a:t>‹#›</a:t>
+            </a:fld>
+            <a:endParaRPr lang="en-US"/>
+          </a:p>
+        </p:txBody>
+      </p:sp>
+    </p:spTree>
+    <p:extLst>
+      <p:ext uri="{BB962C8B-B14F-4D97-AF65-F5344CB8AC3E}">
+        <p14:creationId xmlns:p14="http://schemas.microsoft.com/office/powerpoint/2010/main" val="3576927821"/>
+      </p:ext>
+    </p:extLst>
+  </p:cSld>
+  <p:clrMap bg1="lt1" tx1="dk1" bg2="lt2" tx2="dk2" accent1="accent1" accent2="accent2" accent3="accent3" accent4="accent4" accent5="accent5" accent6="accent6" hlink="hlink" folHlink="folHlink"/>
+  <p:notesStyle>
+    <a:lvl1pPr marL="0" algn="l" defTabSz="914400" rtl="0" eaLnBrk="1" latinLnBrk="0" hangingPunct="1">
+      <a:defRPr sz="1200" kern="1200">
+        <a:solidFill>
+          <a:schemeClr val="tx1"/>
+        </a:solidFill>
+        <a:latin typeface="+mn-lt"/>
+        <a:ea typeface="+mn-ea"/>
+        <a:cs typeface="+mn-cs"/>
+      </a:defRPr>
+    </a:lvl1pPr>
+    <a:lvl2pPr marL="457200" algn="l" defTabSz="914400" rtl="0" eaLnBrk="1" latinLnBrk="0" hangingPunct="1">
+      <a:defRPr sz="1200" kern="1200">
+        <a:solidFill>
+          <a:schemeClr val="tx1"/>
+        </a:solidFill>
+        <a:latin typeface="+mn-lt"/>
+        <a:ea typeface="+mn-ea"/>
+        <a:cs typeface="+mn-cs"/>
+      </a:defRPr>
+    </a:lvl2pPr>
+    <a:lvl3pPr marL="914400" algn="l" defTabSz="914400" rtl="0" eaLnBrk="1" latinLnBrk="0" hangingPunct="1">
+      <a:defRPr sz="1200" kern="1200">
+        <a:solidFill>
+          <a:schemeClr val="tx1"/>
+        </a:solidFill>
+        <a:latin typeface="+mn-lt"/>
+        <a:ea typeface="+mn-ea"/>
+        <a:cs typeface="+mn-cs"/>
+      </a:defRPr>
+    </a:lvl3pPr>
+    <a:lvl4pPr marL="1371600" algn="l" defTabSz="914400" rtl="0" eaLnBrk="1" latinLnBrk="0" hangingPunct="1">
+      <a:defRPr sz="1200" kern="1200">
+        <a:solidFill>
+          <a:schemeClr val="tx1"/>
+        </a:solidFill>
+        <a:latin typeface="+mn-lt"/>
+        <a:ea typeface="+mn-ea"/>
+        <a:cs typeface="+mn-cs"/>
+      </a:defRPr>
+    </a:lvl4pPr>
+    <a:lvl5pPr marL="1828800" algn="l" defTabSz="914400" rtl="0" eaLnBrk="1" latinLnBrk="0" hangingPunct="1">
+      <a:defRPr sz="1200" kern="1200">
+        <a:solidFill>
+          <a:schemeClr val="tx1"/>
+        </a:solidFill>
+        <a:latin typeface="+mn-lt"/>
+        <a:ea typeface="+mn-ea"/>
+        <a:cs typeface="+mn-cs"/>
+      </a:defRPr>
+    </a:lvl5pPr>
+    <a:lvl6pPr marL="2286000" algn="l" defTabSz="914400" rtl="0" eaLnBrk="1" latinLnBrk="0" hangingPunct="1">
+      <a:defRPr sz="1200" kern="1200">
+        <a:solidFill>
+          <a:schemeClr val="tx1"/>
+        </a:solidFill>
+        <a:latin typeface="+mn-lt"/>
+        <a:ea typeface="+mn-ea"/>
+        <a:cs typeface="+mn-cs"/>
+      </a:defRPr>
+    </a:lvl6pPr>
+    <a:lvl7pPr marL="2743200" algn="l" defTabSz="914400" rtl="0" eaLnBrk="1" latinLnBrk="0" hangingPunct="1">
+      <a:defRPr sz="1200" kern="1200">
+        <a:solidFill>
+          <a:schemeClr val="tx1"/>
+        </a:solidFill>
+        <a:latin typeface="+mn-lt"/>
+        <a:ea typeface="+mn-ea"/>
+        <a:cs typeface="+mn-cs"/>
+      </a:defRPr>
+    </a:lvl7pPr>
+    <a:lvl8pPr marL="3200400" algn="l" defTabSz="914400" rtl="0" eaLnBrk="1" latinLnBrk="0" hangingPunct="1">
+      <a:defRPr sz="1200" kern="1200">
+        <a:solidFill>
+          <a:schemeClr val="tx1"/>
+        </a:solidFill>
+        <a:latin typeface="+mn-lt"/>
+        <a:ea typeface="+mn-ea"/>
+        <a:cs typeface="+mn-cs"/>
+      </a:defRPr>
+    </a:lvl8pPr>
+    <a:lvl9pPr marL="3657600" algn="l" defTabSz="914400" rtl="0" eaLnBrk="1" latinLnBrk="0" hangingPunct="1">
+      <a:defRPr sz="1200" kern="1200">
+        <a:solidFill>
+          <a:schemeClr val="tx1"/>
+        </a:solidFill>
+        <a:latin typeface="+mn-lt"/>
+        <a:ea typeface="+mn-ea"/>
+        <a:cs typeface="+mn-cs"/>
+      </a:defRPr>
+    </a:lvl9pPr>
+  </p:notesStyle>
+</p:notesMaster>
+</file>
+
+<file path=ppt/notesSlides/notesSlide1.xml><?xml version="1.0" encoding="utf-8"?>
+<p:notes xmlns:a="http://schemas.openxmlformats.org/drawingml/2006/main" xmlns:r="http://schemas.openxmlformats.org/officeDocument/2006/relationships" xmlns:p="http://schemas.openxmlformats.org/presentationml/2006/main">
+  <p:cSld>
+    <p:spTree>
+      <p:nvGrpSpPr>
+        <p:cNvPr id="1" name=""/>
+        <p:cNvGrpSpPr/>
+        <p:nvPr/>
+      </p:nvGrpSpPr>
+      <p:grpSpPr>
+        <a:xfrm>
+          <a:off x="0" y="0"/>
+          <a:ext cx="0" cy="0"/>
+          <a:chOff x="0" y="0"/>
+          <a:chExt cx="0" cy="0"/>
+        </a:xfrm>
+      </p:grpSpPr>
+      <p:sp>
+        <p:nvSpPr>
+          <p:cNvPr id="2" name="Slide Image Placeholder 1"/>
+          <p:cNvSpPr>
+            <a:spLocks noGrp="1" noRot="1" noChangeAspect="1"/>
+          </p:cNvSpPr>
+          <p:nvPr>
+            <p:ph type="sldImg"/>
+          </p:nvPr>
+        </p:nvSpPr>
+        <p:spPr/>
+      </p:sp>
+      <p:sp>
+        <p:nvSpPr>
+          <p:cNvPr id="3" name="Notes Placeholder 2"/>
+          <p:cNvSpPr>
+            <a:spLocks noGrp="1"/>
+          </p:cNvSpPr>
+          <p:nvPr>
+            <p:ph type="body" idx="1"/>
+          </p:nvPr>
+        </p:nvSpPr>
+        <p:spPr/>
+        <p:txBody>
+          <a:bodyPr/>
+          <a:lstStyle/>
+          <a:p>
+            <a:r>
+              <a:rPr lang="en-US" dirty="0"/>
+              <a:t>There are 558 breweries in our data set, and the top 5  states compromises of 31% of the breweries (175).</a:t>
+            </a:r>
+          </a:p>
+        </p:txBody>
+      </p:sp>
+      <p:sp>
+        <p:nvSpPr>
+          <p:cNvPr id="4" name="Slide Number Placeholder 3"/>
+          <p:cNvSpPr>
+            <a:spLocks noGrp="1"/>
+          </p:cNvSpPr>
+          <p:nvPr>
+            <p:ph type="sldNum" sz="quarter" idx="5"/>
+          </p:nvPr>
+        </p:nvSpPr>
+        <p:spPr/>
+        <p:txBody>
+          <a:bodyPr/>
+          <a:lstStyle/>
+          <a:p>
+            <a:fld id="{4AD95DC2-40AE-E946-862F-B5F17F0F0D43}" type="slidenum">
+              <a:rPr lang="en-US" smtClean="0"/>
+              <a:t>2</a:t>
+            </a:fld>
+            <a:endParaRPr lang="en-US"/>
+          </a:p>
+        </p:txBody>
+      </p:sp>
+    </p:spTree>
+    <p:extLst>
+      <p:ext uri="{BB962C8B-B14F-4D97-AF65-F5344CB8AC3E}">
+        <p14:creationId xmlns:p14="http://schemas.microsoft.com/office/powerpoint/2010/main" val="2821883882"/>
+      </p:ext>
+    </p:extLst>
+  </p:cSld>
+  <p:clrMapOvr>
+    <a:masterClrMapping/>
+  </p:clrMapOvr>
+</p:notes>
+</file>
+
+<file path=ppt/notesSlides/notesSlide2.xml><?xml version="1.0" encoding="utf-8"?>
+<p:notes xmlns:a="http://schemas.openxmlformats.org/drawingml/2006/main" xmlns:r="http://schemas.openxmlformats.org/officeDocument/2006/relationships" xmlns:p="http://schemas.openxmlformats.org/presentationml/2006/main">
+  <p:cSld>
+    <p:spTree>
+      <p:nvGrpSpPr>
+        <p:cNvPr id="1" name=""/>
+        <p:cNvGrpSpPr/>
+        <p:nvPr/>
+      </p:nvGrpSpPr>
+      <p:grpSpPr>
+        <a:xfrm>
+          <a:off x="0" y="0"/>
+          <a:ext cx="0" cy="0"/>
+          <a:chOff x="0" y="0"/>
+          <a:chExt cx="0" cy="0"/>
+        </a:xfrm>
+      </p:grpSpPr>
+      <p:sp>
+        <p:nvSpPr>
+          <p:cNvPr id="2" name="Slide Image Placeholder 1"/>
+          <p:cNvSpPr>
+            <a:spLocks noGrp="1" noRot="1" noChangeAspect="1"/>
+          </p:cNvSpPr>
+          <p:nvPr>
+            <p:ph type="sldImg"/>
+          </p:nvPr>
+        </p:nvSpPr>
+        <p:spPr/>
+      </p:sp>
+      <p:sp>
+        <p:nvSpPr>
+          <p:cNvPr id="3" name="Notes Placeholder 2"/>
+          <p:cNvSpPr>
+            <a:spLocks noGrp="1"/>
+          </p:cNvSpPr>
+          <p:nvPr>
+            <p:ph type="body" idx="1"/>
+          </p:nvPr>
+        </p:nvSpPr>
+        <p:spPr/>
+        <p:txBody>
+          <a:bodyPr/>
+          <a:lstStyle/>
+          <a:p>
+            <a:r>
+              <a:rPr lang="en-US" sz="1800" b="0" i="0" u="none" strike="noStrike" dirty="0">
+                <a:solidFill>
+                  <a:srgbClr val="000000"/>
+                </a:solidFill>
+                <a:effectLst/>
+                <a:latin typeface="Calibri" panose="020F0502020204030204" pitchFamily="34" charset="0"/>
+              </a:rPr>
+              <a:t>Top 3 for </a:t>
+            </a:r>
+            <a:r>
+              <a:rPr lang="en-US" sz="1800" b="1" i="0" u="none" strike="noStrike" dirty="0">
+                <a:solidFill>
+                  <a:srgbClr val="000000"/>
+                </a:solidFill>
+                <a:effectLst/>
+                <a:latin typeface="Calibri" panose="020F0502020204030204" pitchFamily="34" charset="0"/>
+              </a:rPr>
+              <a:t>IBU</a:t>
+            </a:r>
+            <a:r>
+              <a:rPr lang="en-US" sz="1800" b="0" i="0" u="none" strike="noStrike" dirty="0">
+                <a:solidFill>
+                  <a:srgbClr val="000000"/>
+                </a:solidFill>
+                <a:effectLst/>
+                <a:latin typeface="Calibri" panose="020F0502020204030204" pitchFamily="34" charset="0"/>
+              </a:rPr>
+              <a:t>, Montana (80), </a:t>
+            </a:r>
+            <a:r>
+              <a:rPr lang="en-US" dirty="0"/>
+              <a:t> </a:t>
+            </a:r>
+            <a:r>
+              <a:rPr lang="en-US" sz="1800" b="0" i="0" u="none" strike="noStrike" dirty="0">
+                <a:solidFill>
+                  <a:srgbClr val="000000"/>
+                </a:solidFill>
+                <a:effectLst/>
+                <a:latin typeface="Calibri" panose="020F0502020204030204" pitchFamily="34" charset="0"/>
+              </a:rPr>
+              <a:t>Delaware (77.5), </a:t>
+            </a:r>
+            <a:r>
+              <a:rPr lang="en-US" sz="2800" b="0" i="0" u="none" strike="noStrike" dirty="0">
+                <a:solidFill>
+                  <a:srgbClr val="BDC1C6"/>
+                </a:solidFill>
+                <a:effectLst/>
+                <a:latin typeface="arial" panose="020B0604020202020204" pitchFamily="34" charset="0"/>
+              </a:rPr>
+              <a:t>Vermont(75), top 3 for median </a:t>
+            </a:r>
+            <a:r>
+              <a:rPr lang="en-US" sz="2800" b="1" i="0" u="none" strike="noStrike" dirty="0">
+                <a:solidFill>
+                  <a:srgbClr val="BDC1C6"/>
+                </a:solidFill>
+                <a:effectLst/>
+                <a:latin typeface="arial" panose="020B0604020202020204" pitchFamily="34" charset="0"/>
+              </a:rPr>
+              <a:t>ABV</a:t>
+            </a:r>
+            <a:r>
+              <a:rPr lang="en-US" sz="2800" b="0" i="0" u="none" strike="noStrike" dirty="0">
+                <a:solidFill>
+                  <a:srgbClr val="BDC1C6"/>
+                </a:solidFill>
+                <a:effectLst/>
+                <a:latin typeface="arial" panose="020B0604020202020204" pitchFamily="34" charset="0"/>
+              </a:rPr>
+              <a:t> = Nevada (.085), South Carolina (.0765), and Vermont (.0715) &amp; </a:t>
+            </a:r>
+            <a:r>
+              <a:rPr lang="en-US" b="0" i="0" u="none" strike="noStrike" dirty="0">
+                <a:solidFill>
+                  <a:srgbClr val="BDC1C6"/>
+                </a:solidFill>
+                <a:effectLst/>
+                <a:latin typeface="arial" panose="020B0604020202020204" pitchFamily="34" charset="0"/>
+              </a:rPr>
+              <a:t>Kansas (.0715)</a:t>
+            </a:r>
+            <a:endParaRPr lang="en-US" dirty="0"/>
+          </a:p>
+        </p:txBody>
+      </p:sp>
+      <p:sp>
+        <p:nvSpPr>
+          <p:cNvPr id="4" name="Slide Number Placeholder 3"/>
+          <p:cNvSpPr>
+            <a:spLocks noGrp="1"/>
+          </p:cNvSpPr>
+          <p:nvPr>
+            <p:ph type="sldNum" sz="quarter" idx="5"/>
+          </p:nvPr>
+        </p:nvSpPr>
+        <p:spPr/>
+        <p:txBody>
+          <a:bodyPr/>
+          <a:lstStyle/>
+          <a:p>
+            <a:fld id="{4AD95DC2-40AE-E946-862F-B5F17F0F0D43}" type="slidenum">
+              <a:rPr lang="en-US" smtClean="0"/>
+              <a:t>4</a:t>
+            </a:fld>
+            <a:endParaRPr lang="en-US"/>
+          </a:p>
+        </p:txBody>
+      </p:sp>
+    </p:spTree>
+    <p:extLst>
+      <p:ext uri="{BB962C8B-B14F-4D97-AF65-F5344CB8AC3E}">
+        <p14:creationId xmlns:p14="http://schemas.microsoft.com/office/powerpoint/2010/main" val="4058351770"/>
+      </p:ext>
+    </p:extLst>
+  </p:cSld>
+  <p:clrMapOvr>
+    <a:masterClrMapping/>
+  </p:clrMapOvr>
+</p:notes>
+</file>
+
+<file path=ppt/notesSlides/notesSlide3.xml><?xml version="1.0" encoding="utf-8"?>
+<p:notes xmlns:a="http://schemas.openxmlformats.org/drawingml/2006/main" xmlns:r="http://schemas.openxmlformats.org/officeDocument/2006/relationships" xmlns:p="http://schemas.openxmlformats.org/presentationml/2006/main">
+  <p:cSld>
+    <p:spTree>
+      <p:nvGrpSpPr>
+        <p:cNvPr id="1" name=""/>
+        <p:cNvGrpSpPr/>
+        <p:nvPr/>
+      </p:nvGrpSpPr>
+      <p:grpSpPr>
+        <a:xfrm>
+          <a:off x="0" y="0"/>
+          <a:ext cx="0" cy="0"/>
+          <a:chOff x="0" y="0"/>
+          <a:chExt cx="0" cy="0"/>
+        </a:xfrm>
+      </p:grpSpPr>
+      <p:sp>
+        <p:nvSpPr>
+          <p:cNvPr id="2" name="Slide Image Placeholder 1"/>
+          <p:cNvSpPr>
+            <a:spLocks noGrp="1" noRot="1" noChangeAspect="1"/>
+          </p:cNvSpPr>
+          <p:nvPr>
+            <p:ph type="sldImg"/>
+          </p:nvPr>
+        </p:nvSpPr>
+        <p:spPr/>
+      </p:sp>
+      <p:sp>
+        <p:nvSpPr>
+          <p:cNvPr id="3" name="Notes Placeholder 2"/>
+          <p:cNvSpPr>
+            <a:spLocks noGrp="1"/>
+          </p:cNvSpPr>
+          <p:nvPr>
+            <p:ph type="body" idx="1"/>
+          </p:nvPr>
+        </p:nvSpPr>
+        <p:spPr/>
+        <p:txBody>
+          <a:bodyPr/>
+          <a:lstStyle/>
+          <a:p>
+            <a:r>
+              <a:rPr lang="en-US" dirty="0"/>
+              <a:t>2,410 beer in our data set, right-tailed plot (mean is greater than the median). Our mean alcohol content for all the bears was 5.97%, and the median ABV was 5.60%. </a:t>
+            </a:r>
+          </a:p>
+        </p:txBody>
+      </p:sp>
+      <p:sp>
+        <p:nvSpPr>
+          <p:cNvPr id="4" name="Slide Number Placeholder 3"/>
+          <p:cNvSpPr>
+            <a:spLocks noGrp="1"/>
+          </p:cNvSpPr>
+          <p:nvPr>
+            <p:ph type="sldNum" sz="quarter" idx="5"/>
+          </p:nvPr>
+        </p:nvSpPr>
+        <p:spPr/>
+        <p:txBody>
+          <a:bodyPr/>
+          <a:lstStyle/>
+          <a:p>
+            <a:fld id="{4AD95DC2-40AE-E946-862F-B5F17F0F0D43}" type="slidenum">
+              <a:rPr lang="en-US" smtClean="0"/>
+              <a:t>9</a:t>
+            </a:fld>
+            <a:endParaRPr lang="en-US"/>
+          </a:p>
+        </p:txBody>
+      </p:sp>
+    </p:spTree>
+    <p:extLst>
+      <p:ext uri="{BB962C8B-B14F-4D97-AF65-F5344CB8AC3E}">
+        <p14:creationId xmlns:p14="http://schemas.microsoft.com/office/powerpoint/2010/main" val="158500451"/>
+      </p:ext>
+    </p:extLst>
+  </p:cSld>
+  <p:clrMapOvr>
+    <a:masterClrMapping/>
+  </p:clrMapOvr>
+</p:notes>
 </file>
 
 <file path=ppt/slideLayouts/slideLayout1.xml><?xml version="1.0" encoding="utf-8"?>
@@ -451,7 +1150,7 @@
           <a:p>
             <a:fld id="{46BF16B6-8507-4900-B3DF-8BA44FFCABEE}" type="datetimeFigureOut">
               <a:rPr lang="en-US" smtClean="0"/>
-              <a:t>2/20/2023</a:t>
+              <a:t>3/2/2023</a:t>
             </a:fld>
             <a:endParaRPr lang="en-US"/>
           </a:p>
@@ -549,6 +1248,9 @@
   <p:clrMapOvr>
     <a:masterClrMapping/>
   </p:clrMapOvr>
+  <p:transition spd="slow">
+    <p:push dir="u"/>
+  </p:transition>
 </p:sldLayout>
 </file>
 
@@ -775,7 +1477,7 @@
           <a:p>
             <a:fld id="{46BF16B6-8507-4900-B3DF-8BA44FFCABEE}" type="datetimeFigureOut">
               <a:rPr lang="en-US" smtClean="0"/>
-              <a:t>2/20/2023</a:t>
+              <a:t>3/2/2023</a:t>
             </a:fld>
             <a:endParaRPr lang="en-US"/>
           </a:p>
@@ -833,6 +1535,9 @@
   <p:clrMapOvr>
     <a:masterClrMapping/>
   </p:clrMapOvr>
+  <p:transition spd="slow">
+    <p:push dir="u"/>
+  </p:transition>
 </p:sldLayout>
 </file>
 
@@ -1023,7 +1728,7 @@
           <a:p>
             <a:fld id="{46BF16B6-8507-4900-B3DF-8BA44FFCABEE}" type="datetimeFigureOut">
               <a:rPr lang="en-US" smtClean="0"/>
-              <a:t>2/20/2023</a:t>
+              <a:t>3/2/2023</a:t>
             </a:fld>
             <a:endParaRPr lang="en-US"/>
           </a:p>
@@ -1112,6 +1817,9 @@
   <p:clrMapOvr>
     <a:masterClrMapping/>
   </p:clrMapOvr>
+  <p:transition spd="slow">
+    <p:push dir="u"/>
+  </p:transition>
 </p:sldLayout>
 </file>
 
@@ -1362,7 +2070,7 @@
           <a:p>
             <a:fld id="{46BF16B6-8507-4900-B3DF-8BA44FFCABEE}" type="datetimeFigureOut">
               <a:rPr lang="en-US" smtClean="0"/>
-              <a:t>2/20/2023</a:t>
+              <a:t>3/2/2023</a:t>
             </a:fld>
             <a:endParaRPr lang="en-US"/>
           </a:p>
@@ -1519,6 +2227,9 @@
   <p:clrMapOvr>
     <a:masterClrMapping/>
   </p:clrMapOvr>
+  <p:transition spd="slow">
+    <p:push dir="u"/>
+  </p:transition>
 </p:sldLayout>
 </file>
 
@@ -1709,7 +2420,7 @@
           <a:p>
             <a:fld id="{46BF16B6-8507-4900-B3DF-8BA44FFCABEE}" type="datetimeFigureOut">
               <a:rPr lang="en-US" smtClean="0"/>
-              <a:t>2/20/2023</a:t>
+              <a:t>3/2/2023</a:t>
             </a:fld>
             <a:endParaRPr lang="en-US"/>
           </a:p>
@@ -1767,6 +2478,9 @@
   <p:clrMapOvr>
     <a:masterClrMapping/>
   </p:clrMapOvr>
+  <p:transition spd="slow">
+    <p:push dir="u"/>
+  </p:transition>
 </p:sldLayout>
 </file>
 
@@ -2083,7 +2797,7 @@
           <a:p>
             <a:fld id="{46BF16B6-8507-4900-B3DF-8BA44FFCABEE}" type="datetimeFigureOut">
               <a:rPr lang="en-US" smtClean="0"/>
-              <a:t>2/20/2023</a:t>
+              <a:t>3/2/2023</a:t>
             </a:fld>
             <a:endParaRPr lang="en-US"/>
           </a:p>
@@ -2240,6 +2954,9 @@
   <p:clrMapOvr>
     <a:masterClrMapping/>
   </p:clrMapOvr>
+  <p:transition spd="slow">
+    <p:push dir="u"/>
+  </p:transition>
 </p:sldLayout>
 </file>
 
@@ -2553,7 +3270,7 @@
           <a:p>
             <a:fld id="{46BF16B6-8507-4900-B3DF-8BA44FFCABEE}" type="datetimeFigureOut">
               <a:rPr lang="en-US" smtClean="0"/>
-              <a:t>2/20/2023</a:t>
+              <a:t>3/2/2023</a:t>
             </a:fld>
             <a:endParaRPr lang="en-US"/>
           </a:p>
@@ -2642,6 +3359,9 @@
   <p:clrMapOvr>
     <a:masterClrMapping/>
   </p:clrMapOvr>
+  <p:transition spd="slow">
+    <p:push dir="u"/>
+  </p:transition>
 </p:sldLayout>
 </file>
 
@@ -2758,7 +3478,7 @@
           <a:p>
             <a:fld id="{46BF16B6-8507-4900-B3DF-8BA44FFCABEE}" type="datetimeFigureOut">
               <a:rPr lang="en-US" smtClean="0"/>
-              <a:t>2/20/2023</a:t>
+              <a:t>3/2/2023</a:t>
             </a:fld>
             <a:endParaRPr lang="en-US"/>
           </a:p>
@@ -2847,6 +3567,9 @@
   <p:clrMapOvr>
     <a:masterClrMapping/>
   </p:clrMapOvr>
+  <p:transition spd="slow">
+    <p:push dir="u"/>
+  </p:transition>
 </p:sldLayout>
 </file>
 
@@ -2969,7 +3692,7 @@
           <a:p>
             <a:fld id="{46BF16B6-8507-4900-B3DF-8BA44FFCABEE}" type="datetimeFigureOut">
               <a:rPr lang="en-US" smtClean="0"/>
-              <a:t>2/20/2023</a:t>
+              <a:t>3/2/2023</a:t>
             </a:fld>
             <a:endParaRPr lang="en-US"/>
           </a:p>
@@ -3058,6 +3781,9 @@
   <p:clrMapOvr>
     <a:masterClrMapping/>
   </p:clrMapOvr>
+  <p:transition spd="slow">
+    <p:push dir="u"/>
+  </p:transition>
 </p:sldLayout>
 </file>
 
@@ -3201,7 +3927,7 @@
           <a:p>
             <a:fld id="{46BF16B6-8507-4900-B3DF-8BA44FFCABEE}" type="datetimeFigureOut">
               <a:rPr lang="en-US" smtClean="0"/>
-              <a:t>2/20/2023</a:t>
+              <a:t>3/2/2023</a:t>
             </a:fld>
             <a:endParaRPr lang="en-US"/>
           </a:p>
@@ -3259,6 +3985,9 @@
   <p:clrMapOvr>
     <a:masterClrMapping/>
   </p:clrMapOvr>
+  <p:transition spd="slow">
+    <p:push dir="u"/>
+  </p:transition>
 </p:sldLayout>
 </file>
 
@@ -3449,7 +4178,7 @@
           <a:p>
             <a:fld id="{46BF16B6-8507-4900-B3DF-8BA44FFCABEE}" type="datetimeFigureOut">
               <a:rPr lang="en-US" smtClean="0"/>
-              <a:t>2/20/2023</a:t>
+              <a:t>3/2/2023</a:t>
             </a:fld>
             <a:endParaRPr lang="en-US"/>
           </a:p>
@@ -3538,6 +4267,9 @@
   <p:clrMapOvr>
     <a:masterClrMapping/>
   </p:clrMapOvr>
+  <p:transition spd="slow">
+    <p:push dir="u"/>
+  </p:transition>
 </p:sldLayout>
 </file>
 
@@ -3716,7 +4448,7 @@
           <a:p>
             <a:fld id="{46BF16B6-8507-4900-B3DF-8BA44FFCABEE}" type="datetimeFigureOut">
               <a:rPr lang="en-US" smtClean="0"/>
-              <a:t>2/20/2023</a:t>
+              <a:t>3/2/2023</a:t>
             </a:fld>
             <a:endParaRPr lang="en-US"/>
           </a:p>
@@ -3805,6 +4537,9 @@
   <p:clrMapOvr>
     <a:masterClrMapping/>
   </p:clrMapOvr>
+  <p:transition spd="slow">
+    <p:push dir="u"/>
+  </p:transition>
 </p:sldLayout>
 </file>
 
@@ -4129,7 +4864,7 @@
           <a:p>
             <a:fld id="{46BF16B6-8507-4900-B3DF-8BA44FFCABEE}" type="datetimeFigureOut">
               <a:rPr lang="en-US" smtClean="0"/>
-              <a:t>2/20/2023</a:t>
+              <a:t>3/2/2023</a:t>
             </a:fld>
             <a:endParaRPr lang="en-US"/>
           </a:p>
@@ -4218,6 +4953,9 @@
   <p:clrMapOvr>
     <a:masterClrMapping/>
   </p:clrMapOvr>
+  <p:transition spd="slow">
+    <p:push dir="u"/>
+  </p:transition>
 </p:sldLayout>
 </file>
 
@@ -4278,7 +5016,7 @@
           <a:p>
             <a:fld id="{46BF16B6-8507-4900-B3DF-8BA44FFCABEE}" type="datetimeFigureOut">
               <a:rPr lang="en-US" smtClean="0"/>
-              <a:t>2/20/2023</a:t>
+              <a:t>3/2/2023</a:t>
             </a:fld>
             <a:endParaRPr lang="en-US"/>
           </a:p>
@@ -4367,6 +5105,9 @@
   <p:clrMapOvr>
     <a:masterClrMapping/>
   </p:clrMapOvr>
+  <p:transition spd="slow">
+    <p:push dir="u"/>
+  </p:transition>
 </p:sldLayout>
 </file>
 
@@ -4404,7 +5145,7 @@
           <a:p>
             <a:fld id="{46BF16B6-8507-4900-B3DF-8BA44FFCABEE}" type="datetimeFigureOut">
               <a:rPr lang="en-US" smtClean="0"/>
-              <a:t>2/20/2023</a:t>
+              <a:t>3/2/2023</a:t>
             </a:fld>
             <a:endParaRPr lang="en-US"/>
           </a:p>
@@ -4462,6 +5203,9 @@
   <p:clrMapOvr>
     <a:masterClrMapping/>
   </p:clrMapOvr>
+  <p:transition spd="slow">
+    <p:push dir="u"/>
+  </p:transition>
 </p:sldLayout>
 </file>
 
@@ -4659,7 +5403,7 @@
           <a:p>
             <a:fld id="{46BF16B6-8507-4900-B3DF-8BA44FFCABEE}" type="datetimeFigureOut">
               <a:rPr lang="en-US" smtClean="0"/>
-              <a:t>2/20/2023</a:t>
+              <a:t>3/2/2023</a:t>
             </a:fld>
             <a:endParaRPr lang="en-US"/>
           </a:p>
@@ -4748,6 +5492,9 @@
   <p:clrMapOvr>
     <a:masterClrMapping/>
   </p:clrMapOvr>
+  <p:transition spd="slow">
+    <p:push dir="u"/>
+  </p:transition>
 </p:sldLayout>
 </file>
 
@@ -4974,7 +5721,7 @@
           <a:p>
             <a:fld id="{46BF16B6-8507-4900-B3DF-8BA44FFCABEE}" type="datetimeFigureOut">
               <a:rPr lang="en-US" smtClean="0"/>
-              <a:t>2/20/2023</a:t>
+              <a:t>3/2/2023</a:t>
             </a:fld>
             <a:endParaRPr lang="en-US"/>
           </a:p>
@@ -5032,6 +5779,9 @@
   <p:clrMapOvr>
     <a:masterClrMapping/>
   </p:clrMapOvr>
+  <p:transition spd="slow">
+    <p:push dir="u"/>
+  </p:transition>
 </p:sldLayout>
 </file>
 
@@ -5325,7 +6075,7 @@
           <a:p>
             <a:fld id="{46BF16B6-8507-4900-B3DF-8BA44FFCABEE}" type="datetimeFigureOut">
               <a:rPr lang="en-US" smtClean="0"/>
-              <a:t>2/20/2023</a:t>
+              <a:t>3/2/2023</a:t>
             </a:fld>
             <a:endParaRPr lang="en-US"/>
           </a:p>
@@ -5436,6 +6186,9 @@
     <p:sldLayoutId id="2147483694" r:id="rId16"/>
     <p:sldLayoutId id="2147483695" r:id="rId17"/>
   </p:sldLayoutIdLst>
+  <p:transition spd="slow">
+    <p:push dir="u"/>
+  </p:transition>
   <p:txStyles>
     <p:titleStyle>
       <a:lvl1pPr algn="ctr" defTabSz="457200" rtl="0" eaLnBrk="1" latinLnBrk="0" hangingPunct="1">
@@ -5948,10 +6701,13 @@
   <p:clrMapOvr>
     <a:masterClrMapping/>
   </p:clrMapOvr>
+  <p:transition spd="slow">
+    <p:push dir="u"/>
+  </p:transition>
 </p:sld>
 </file>
 
-<file path=ppt/slides/slide2.xml><?xml version="1.0" encoding="utf-8"?>
+<file path=ppt/slides/slide10.xml><?xml version="1.0" encoding="utf-8"?>
 <p:sld xmlns:a="http://schemas.openxmlformats.org/drawingml/2006/main" xmlns:r="http://schemas.openxmlformats.org/officeDocument/2006/relationships" xmlns:p="http://schemas.openxmlformats.org/presentationml/2006/main">
   <p:cSld>
     <p:spTree>
@@ -5973,6 +6729,1658 @@
           <p:cNvPr id="2" name="Title 1">
             <a:extLst>
               <a:ext uri="{FF2B5EF4-FFF2-40B4-BE49-F238E27FC236}">
+                <a16:creationId xmlns:a16="http://schemas.microsoft.com/office/drawing/2014/main" id="{A1F9B205-BC44-DE80-0AC0-958BC21E264E}"/>
+              </a:ext>
+            </a:extLst>
+          </p:cNvPr>
+          <p:cNvSpPr>
+            <a:spLocks noGrp="1"/>
+          </p:cNvSpPr>
+          <p:nvPr>
+            <p:ph type="title"/>
+          </p:nvPr>
+        </p:nvSpPr>
+        <p:spPr/>
+        <p:txBody>
+          <a:bodyPr/>
+          <a:lstStyle/>
+          <a:p>
+            <a:r>
+              <a:rPr lang="en-US" dirty="0"/>
+              <a:t>ABV/IBU Compared</a:t>
+            </a:r>
+          </a:p>
+        </p:txBody>
+      </p:sp>
+      <p:sp>
+        <p:nvSpPr>
+          <p:cNvPr id="3" name="Content Placeholder 2">
+            <a:extLst>
+              <a:ext uri="{FF2B5EF4-FFF2-40B4-BE49-F238E27FC236}">
+                <a16:creationId xmlns:a16="http://schemas.microsoft.com/office/drawing/2014/main" id="{490CA8B0-495E-F2FE-FDAC-3398E7EC7A41}"/>
+              </a:ext>
+            </a:extLst>
+          </p:cNvPr>
+          <p:cNvSpPr>
+            <a:spLocks noGrp="1"/>
+          </p:cNvSpPr>
+          <p:nvPr>
+            <p:ph idx="1"/>
+          </p:nvPr>
+        </p:nvSpPr>
+        <p:spPr/>
+        <p:txBody>
+          <a:bodyPr/>
+          <a:lstStyle/>
+          <a:p>
+            <a:r>
+              <a:rPr lang="en-US" dirty="0"/>
+              <a:t>There is a clear relationship between ABV and IBU as noted earlier</a:t>
+            </a:r>
+          </a:p>
+          <a:p>
+            <a:r>
+              <a:rPr lang="en-US" dirty="0"/>
+              <a:t>This relationship could assist in imputing missing column value in either column:</a:t>
+            </a:r>
+          </a:p>
+        </p:txBody>
+      </p:sp>
+      <p:pic>
+        <p:nvPicPr>
+          <p:cNvPr id="12" name="Picture 11">
+            <a:extLst>
+              <a:ext uri="{FF2B5EF4-FFF2-40B4-BE49-F238E27FC236}">
+                <a16:creationId xmlns:a16="http://schemas.microsoft.com/office/drawing/2014/main" id="{676B810F-B735-2257-5074-A1AEB5BFC8B0}"/>
+              </a:ext>
+            </a:extLst>
+          </p:cNvPr>
+          <p:cNvPicPr>
+            <a:picLocks noChangeAspect="1"/>
+          </p:cNvPicPr>
+          <p:nvPr/>
+        </p:nvPicPr>
+        <p:blipFill>
+          <a:blip r:embed="rId2"/>
+          <a:stretch>
+            <a:fillRect/>
+          </a:stretch>
+        </p:blipFill>
+        <p:spPr>
+          <a:xfrm>
+            <a:off x="3152191" y="3486821"/>
+            <a:ext cx="5887617" cy="2802860"/>
+          </a:xfrm>
+          <a:prstGeom prst="rect">
+            <a:avLst/>
+          </a:prstGeom>
+        </p:spPr>
+      </p:pic>
+    </p:spTree>
+    <p:extLst>
+      <p:ext uri="{BB962C8B-B14F-4D97-AF65-F5344CB8AC3E}">
+        <p14:creationId xmlns:p14="http://schemas.microsoft.com/office/powerpoint/2010/main" val="264932617"/>
+      </p:ext>
+    </p:extLst>
+  </p:cSld>
+  <p:clrMapOvr>
+    <a:masterClrMapping/>
+  </p:clrMapOvr>
+  <p:transition spd="slow">
+    <p:push dir="u"/>
+  </p:transition>
+  <p:timing>
+    <p:tnLst>
+      <p:par>
+        <p:cTn id="1" dur="indefinite" restart="never" nodeType="tmRoot">
+          <p:childTnLst>
+            <p:seq concurrent="1" nextAc="seek">
+              <p:cTn id="2" dur="indefinite" nodeType="mainSeq">
+                <p:childTnLst>
+                  <p:par>
+                    <p:cTn id="3" fill="hold">
+                      <p:stCondLst>
+                        <p:cond delay="indefinite"/>
+                      </p:stCondLst>
+                      <p:childTnLst>
+                        <p:par>
+                          <p:cTn id="4" fill="hold">
+                            <p:stCondLst>
+                              <p:cond delay="0"/>
+                            </p:stCondLst>
+                            <p:childTnLst>
+                              <p:par>
+                                <p:cTn id="5" presetID="10" presetClass="entr" presetSubtype="0" fill="hold" grpId="0" nodeType="clickEffect">
+                                  <p:stCondLst>
+                                    <p:cond delay="0"/>
+                                  </p:stCondLst>
+                                  <p:childTnLst>
+                                    <p:set>
+                                      <p:cBhvr>
+                                        <p:cTn id="6" dur="1" fill="hold">
+                                          <p:stCondLst>
+                                            <p:cond delay="0"/>
+                                          </p:stCondLst>
+                                        </p:cTn>
+                                        <p:tgtEl>
+                                          <p:spTgt spid="3">
+                                            <p:txEl>
+                                              <p:pRg st="0" end="0"/>
+                                            </p:txEl>
+                                          </p:spTgt>
+                                        </p:tgtEl>
+                                        <p:attrNameLst>
+                                          <p:attrName>style.visibility</p:attrName>
+                                        </p:attrNameLst>
+                                      </p:cBhvr>
+                                      <p:to>
+                                        <p:strVal val="visible"/>
+                                      </p:to>
+                                    </p:set>
+                                    <p:animEffect transition="in" filter="fade">
+                                      <p:cBhvr>
+                                        <p:cTn id="7" dur="500"/>
+                                        <p:tgtEl>
+                                          <p:spTgt spid="3">
+                                            <p:txEl>
+                                              <p:pRg st="0" end="0"/>
+                                            </p:txEl>
+                                          </p:spTgt>
+                                        </p:tgtEl>
+                                      </p:cBhvr>
+                                    </p:animEffect>
+                                  </p:childTnLst>
+                                </p:cTn>
+                              </p:par>
+                            </p:childTnLst>
+                          </p:cTn>
+                        </p:par>
+                      </p:childTnLst>
+                    </p:cTn>
+                  </p:par>
+                  <p:par>
+                    <p:cTn id="8" fill="hold">
+                      <p:stCondLst>
+                        <p:cond delay="indefinite"/>
+                      </p:stCondLst>
+                      <p:childTnLst>
+                        <p:par>
+                          <p:cTn id="9" fill="hold">
+                            <p:stCondLst>
+                              <p:cond delay="0"/>
+                            </p:stCondLst>
+                            <p:childTnLst>
+                              <p:par>
+                                <p:cTn id="10" presetID="10" presetClass="entr" presetSubtype="0" fill="hold" grpId="0" nodeType="clickEffect">
+                                  <p:stCondLst>
+                                    <p:cond delay="0"/>
+                                  </p:stCondLst>
+                                  <p:childTnLst>
+                                    <p:set>
+                                      <p:cBhvr>
+                                        <p:cTn id="11" dur="1" fill="hold">
+                                          <p:stCondLst>
+                                            <p:cond delay="0"/>
+                                          </p:stCondLst>
+                                        </p:cTn>
+                                        <p:tgtEl>
+                                          <p:spTgt spid="3">
+                                            <p:txEl>
+                                              <p:pRg st="1" end="1"/>
+                                            </p:txEl>
+                                          </p:spTgt>
+                                        </p:tgtEl>
+                                        <p:attrNameLst>
+                                          <p:attrName>style.visibility</p:attrName>
+                                        </p:attrNameLst>
+                                      </p:cBhvr>
+                                      <p:to>
+                                        <p:strVal val="visible"/>
+                                      </p:to>
+                                    </p:set>
+                                    <p:animEffect transition="in" filter="fade">
+                                      <p:cBhvr>
+                                        <p:cTn id="12" dur="500"/>
+                                        <p:tgtEl>
+                                          <p:spTgt spid="3">
+                                            <p:txEl>
+                                              <p:pRg st="1" end="1"/>
+                                            </p:txEl>
+                                          </p:spTgt>
+                                        </p:tgtEl>
+                                      </p:cBhvr>
+                                    </p:animEffect>
+                                  </p:childTnLst>
+                                </p:cTn>
+                              </p:par>
+                            </p:childTnLst>
+                          </p:cTn>
+                        </p:par>
+                      </p:childTnLst>
+                    </p:cTn>
+                  </p:par>
+                  <p:par>
+                    <p:cTn id="13" fill="hold">
+                      <p:stCondLst>
+                        <p:cond delay="indefinite"/>
+                      </p:stCondLst>
+                      <p:childTnLst>
+                        <p:par>
+                          <p:cTn id="14" fill="hold">
+                            <p:stCondLst>
+                              <p:cond delay="0"/>
+                            </p:stCondLst>
+                            <p:childTnLst>
+                              <p:par>
+                                <p:cTn id="15" presetID="10" presetClass="entr" presetSubtype="0" fill="hold" nodeType="clickEffect">
+                                  <p:stCondLst>
+                                    <p:cond delay="0"/>
+                                  </p:stCondLst>
+                                  <p:childTnLst>
+                                    <p:set>
+                                      <p:cBhvr>
+                                        <p:cTn id="16" dur="1" fill="hold">
+                                          <p:stCondLst>
+                                            <p:cond delay="0"/>
+                                          </p:stCondLst>
+                                        </p:cTn>
+                                        <p:tgtEl>
+                                          <p:spTgt spid="12"/>
+                                        </p:tgtEl>
+                                        <p:attrNameLst>
+                                          <p:attrName>style.visibility</p:attrName>
+                                        </p:attrNameLst>
+                                      </p:cBhvr>
+                                      <p:to>
+                                        <p:strVal val="visible"/>
+                                      </p:to>
+                                    </p:set>
+                                    <p:animEffect transition="in" filter="fade">
+                                      <p:cBhvr>
+                                        <p:cTn id="17" dur="500"/>
+                                        <p:tgtEl>
+                                          <p:spTgt spid="12"/>
+                                        </p:tgtEl>
+                                      </p:cBhvr>
+                                    </p:animEffect>
+                                  </p:childTnLst>
+                                </p:cTn>
+                              </p:par>
+                            </p:childTnLst>
+                          </p:cTn>
+                        </p:par>
+                      </p:childTnLst>
+                    </p:cTn>
+                  </p:par>
+                </p:childTnLst>
+              </p:cTn>
+              <p:prevCondLst>
+                <p:cond evt="onPrev" delay="0">
+                  <p:tgtEl>
+                    <p:sldTgt/>
+                  </p:tgtEl>
+                </p:cond>
+              </p:prevCondLst>
+              <p:nextCondLst>
+                <p:cond evt="onNext" delay="0">
+                  <p:tgtEl>
+                    <p:sldTgt/>
+                  </p:tgtEl>
+                </p:cond>
+              </p:nextCondLst>
+            </p:seq>
+          </p:childTnLst>
+        </p:cTn>
+      </p:par>
+    </p:tnLst>
+    <p:bldLst>
+      <p:bldP spid="3" grpId="0" build="p"/>
+    </p:bldLst>
+  </p:timing>
+</p:sld>
+</file>
+
+<file path=ppt/slides/slide11.xml><?xml version="1.0" encoding="utf-8"?>
+<p:sld xmlns:a="http://schemas.openxmlformats.org/drawingml/2006/main" xmlns:r="http://schemas.openxmlformats.org/officeDocument/2006/relationships" xmlns:p="http://schemas.openxmlformats.org/presentationml/2006/main">
+  <p:cSld>
+    <p:spTree>
+      <p:nvGrpSpPr>
+        <p:cNvPr id="1" name=""/>
+        <p:cNvGrpSpPr/>
+        <p:nvPr/>
+      </p:nvGrpSpPr>
+      <p:grpSpPr>
+        <a:xfrm>
+          <a:off x="0" y="0"/>
+          <a:ext cx="0" cy="0"/>
+          <a:chOff x="0" y="0"/>
+          <a:chExt cx="0" cy="0"/>
+        </a:xfrm>
+      </p:grpSpPr>
+      <p:sp>
+        <p:nvSpPr>
+          <p:cNvPr id="2" name="Title 1">
+            <a:extLst>
+              <a:ext uri="{FF2B5EF4-FFF2-40B4-BE49-F238E27FC236}">
+                <a16:creationId xmlns:a16="http://schemas.microsoft.com/office/drawing/2014/main" id="{91C5DCB6-4D6C-A4BC-4583-0DD4B7D989DC}"/>
+              </a:ext>
+            </a:extLst>
+          </p:cNvPr>
+          <p:cNvSpPr>
+            <a:spLocks noGrp="1"/>
+          </p:cNvSpPr>
+          <p:nvPr>
+            <p:ph type="title"/>
+          </p:nvPr>
+        </p:nvSpPr>
+        <p:spPr/>
+        <p:txBody>
+          <a:bodyPr/>
+          <a:lstStyle/>
+          <a:p>
+            <a:r>
+              <a:rPr lang="en-US" dirty="0"/>
+              <a:t>ABV/IBU Compared (cont.)</a:t>
+            </a:r>
+          </a:p>
+        </p:txBody>
+      </p:sp>
+      <p:sp>
+        <p:nvSpPr>
+          <p:cNvPr id="3" name="Content Placeholder 2">
+            <a:extLst>
+              <a:ext uri="{FF2B5EF4-FFF2-40B4-BE49-F238E27FC236}">
+                <a16:creationId xmlns:a16="http://schemas.microsoft.com/office/drawing/2014/main" id="{A916A680-E22D-1D5B-7519-10DCEBF9700F}"/>
+              </a:ext>
+            </a:extLst>
+          </p:cNvPr>
+          <p:cNvSpPr>
+            <a:spLocks noGrp="1"/>
+          </p:cNvSpPr>
+          <p:nvPr>
+            <p:ph idx="1"/>
+          </p:nvPr>
+        </p:nvSpPr>
+        <p:spPr/>
+        <p:txBody>
+          <a:bodyPr/>
+          <a:lstStyle/>
+          <a:p>
+            <a:r>
+              <a:rPr lang="en-US" dirty="0"/>
+              <a:t>Interestingly, we see a wall at ABV=10%, where many states have historically set boundaries</a:t>
+            </a:r>
+            <a:r>
+              <a:rPr lang="en-US" baseline="30000" dirty="0">
+                <a:hlinkClick r:id="rId2" action="ppaction://hlinksldjump"/>
+              </a:rPr>
+              <a:t>1</a:t>
+            </a:r>
+            <a:r>
+              <a:rPr lang="en-US" dirty="0"/>
+              <a:t> on sales and distribution for higher alcohol-content beverages:</a:t>
+            </a:r>
+          </a:p>
+        </p:txBody>
+      </p:sp>
+      <p:pic>
+        <p:nvPicPr>
+          <p:cNvPr id="8" name="Picture 7">
+            <a:extLst>
+              <a:ext uri="{FF2B5EF4-FFF2-40B4-BE49-F238E27FC236}">
+                <a16:creationId xmlns:a16="http://schemas.microsoft.com/office/drawing/2014/main" id="{E0C9FA61-D24F-0F57-32CD-06BDA795F53A}"/>
+              </a:ext>
+            </a:extLst>
+          </p:cNvPr>
+          <p:cNvPicPr>
+            <a:picLocks noChangeAspect="1"/>
+          </p:cNvPicPr>
+          <p:nvPr/>
+        </p:nvPicPr>
+        <p:blipFill>
+          <a:blip r:embed="rId3"/>
+          <a:stretch>
+            <a:fillRect/>
+          </a:stretch>
+        </p:blipFill>
+        <p:spPr>
+          <a:xfrm>
+            <a:off x="2967133" y="3339565"/>
+            <a:ext cx="6257731" cy="2979056"/>
+          </a:xfrm>
+          <a:prstGeom prst="rect">
+            <a:avLst/>
+          </a:prstGeom>
+        </p:spPr>
+      </p:pic>
+    </p:spTree>
+    <p:extLst>
+      <p:ext uri="{BB962C8B-B14F-4D97-AF65-F5344CB8AC3E}">
+        <p14:creationId xmlns:p14="http://schemas.microsoft.com/office/powerpoint/2010/main" val="421673782"/>
+      </p:ext>
+    </p:extLst>
+  </p:cSld>
+  <p:clrMapOvr>
+    <a:masterClrMapping/>
+  </p:clrMapOvr>
+  <p:transition spd="slow">
+    <p:push dir="u"/>
+  </p:transition>
+  <p:timing>
+    <p:tnLst>
+      <p:par>
+        <p:cTn id="1" dur="indefinite" restart="never" nodeType="tmRoot">
+          <p:childTnLst>
+            <p:seq concurrent="1" nextAc="seek">
+              <p:cTn id="2" dur="indefinite" nodeType="mainSeq">
+                <p:childTnLst>
+                  <p:par>
+                    <p:cTn id="3" fill="hold">
+                      <p:stCondLst>
+                        <p:cond delay="indefinite"/>
+                      </p:stCondLst>
+                      <p:childTnLst>
+                        <p:par>
+                          <p:cTn id="4" fill="hold">
+                            <p:stCondLst>
+                              <p:cond delay="0"/>
+                            </p:stCondLst>
+                            <p:childTnLst>
+                              <p:par>
+                                <p:cTn id="5" presetID="10" presetClass="entr" presetSubtype="0" fill="hold" grpId="0" nodeType="clickEffect">
+                                  <p:stCondLst>
+                                    <p:cond delay="0"/>
+                                  </p:stCondLst>
+                                  <p:childTnLst>
+                                    <p:set>
+                                      <p:cBhvr>
+                                        <p:cTn id="6" dur="1" fill="hold">
+                                          <p:stCondLst>
+                                            <p:cond delay="0"/>
+                                          </p:stCondLst>
+                                        </p:cTn>
+                                        <p:tgtEl>
+                                          <p:spTgt spid="3">
+                                            <p:txEl>
+                                              <p:pRg st="0" end="0"/>
+                                            </p:txEl>
+                                          </p:spTgt>
+                                        </p:tgtEl>
+                                        <p:attrNameLst>
+                                          <p:attrName>style.visibility</p:attrName>
+                                        </p:attrNameLst>
+                                      </p:cBhvr>
+                                      <p:to>
+                                        <p:strVal val="visible"/>
+                                      </p:to>
+                                    </p:set>
+                                    <p:animEffect transition="in" filter="fade">
+                                      <p:cBhvr>
+                                        <p:cTn id="7" dur="500"/>
+                                        <p:tgtEl>
+                                          <p:spTgt spid="3">
+                                            <p:txEl>
+                                              <p:pRg st="0" end="0"/>
+                                            </p:txEl>
+                                          </p:spTgt>
+                                        </p:tgtEl>
+                                      </p:cBhvr>
+                                    </p:animEffect>
+                                  </p:childTnLst>
+                                </p:cTn>
+                              </p:par>
+                            </p:childTnLst>
+                          </p:cTn>
+                        </p:par>
+                      </p:childTnLst>
+                    </p:cTn>
+                  </p:par>
+                  <p:par>
+                    <p:cTn id="8" fill="hold">
+                      <p:stCondLst>
+                        <p:cond delay="indefinite"/>
+                      </p:stCondLst>
+                      <p:childTnLst>
+                        <p:par>
+                          <p:cTn id="9" fill="hold">
+                            <p:stCondLst>
+                              <p:cond delay="0"/>
+                            </p:stCondLst>
+                            <p:childTnLst>
+                              <p:par>
+                                <p:cTn id="10" presetID="10" presetClass="entr" presetSubtype="0" fill="hold" nodeType="clickEffect">
+                                  <p:stCondLst>
+                                    <p:cond delay="0"/>
+                                  </p:stCondLst>
+                                  <p:childTnLst>
+                                    <p:set>
+                                      <p:cBhvr>
+                                        <p:cTn id="11" dur="1" fill="hold">
+                                          <p:stCondLst>
+                                            <p:cond delay="0"/>
+                                          </p:stCondLst>
+                                        </p:cTn>
+                                        <p:tgtEl>
+                                          <p:spTgt spid="8"/>
+                                        </p:tgtEl>
+                                        <p:attrNameLst>
+                                          <p:attrName>style.visibility</p:attrName>
+                                        </p:attrNameLst>
+                                      </p:cBhvr>
+                                      <p:to>
+                                        <p:strVal val="visible"/>
+                                      </p:to>
+                                    </p:set>
+                                    <p:animEffect transition="in" filter="fade">
+                                      <p:cBhvr>
+                                        <p:cTn id="12" dur="500"/>
+                                        <p:tgtEl>
+                                          <p:spTgt spid="8"/>
+                                        </p:tgtEl>
+                                      </p:cBhvr>
+                                    </p:animEffect>
+                                  </p:childTnLst>
+                                </p:cTn>
+                              </p:par>
+                            </p:childTnLst>
+                          </p:cTn>
+                        </p:par>
+                      </p:childTnLst>
+                    </p:cTn>
+                  </p:par>
+                </p:childTnLst>
+              </p:cTn>
+              <p:prevCondLst>
+                <p:cond evt="onPrev" delay="0">
+                  <p:tgtEl>
+                    <p:sldTgt/>
+                  </p:tgtEl>
+                </p:cond>
+              </p:prevCondLst>
+              <p:nextCondLst>
+                <p:cond evt="onNext" delay="0">
+                  <p:tgtEl>
+                    <p:sldTgt/>
+                  </p:tgtEl>
+                </p:cond>
+              </p:nextCondLst>
+            </p:seq>
+          </p:childTnLst>
+        </p:cTn>
+      </p:par>
+    </p:tnLst>
+    <p:bldLst>
+      <p:bldP spid="3" grpId="0" build="p"/>
+    </p:bldLst>
+  </p:timing>
+</p:sld>
+</file>
+
+<file path=ppt/slides/slide12.xml><?xml version="1.0" encoding="utf-8"?>
+<p:sld xmlns:a="http://schemas.openxmlformats.org/drawingml/2006/main" xmlns:r="http://schemas.openxmlformats.org/officeDocument/2006/relationships" xmlns:p="http://schemas.openxmlformats.org/presentationml/2006/main">
+  <p:cSld>
+    <p:spTree>
+      <p:nvGrpSpPr>
+        <p:cNvPr id="1" name=""/>
+        <p:cNvGrpSpPr/>
+        <p:nvPr/>
+      </p:nvGrpSpPr>
+      <p:grpSpPr>
+        <a:xfrm>
+          <a:off x="0" y="0"/>
+          <a:ext cx="0" cy="0"/>
+          <a:chOff x="0" y="0"/>
+          <a:chExt cx="0" cy="0"/>
+        </a:xfrm>
+      </p:grpSpPr>
+      <p:sp>
+        <p:nvSpPr>
+          <p:cNvPr id="2" name="Title 1">
+            <a:extLst>
+              <a:ext uri="{FF2B5EF4-FFF2-40B4-BE49-F238E27FC236}">
+                <a16:creationId xmlns:a16="http://schemas.microsoft.com/office/drawing/2014/main" id="{053AB85A-282A-9B76-5F93-876A345F6AEE}"/>
+              </a:ext>
+            </a:extLst>
+          </p:cNvPr>
+          <p:cNvSpPr>
+            <a:spLocks noGrp="1"/>
+          </p:cNvSpPr>
+          <p:nvPr>
+            <p:ph type="title"/>
+          </p:nvPr>
+        </p:nvSpPr>
+        <p:spPr/>
+        <p:txBody>
+          <a:bodyPr/>
+          <a:lstStyle/>
+          <a:p>
+            <a:r>
+              <a:rPr lang="en-US" dirty="0"/>
+              <a:t>Predicting Ales and IPAs</a:t>
+            </a:r>
+          </a:p>
+        </p:txBody>
+      </p:sp>
+      <p:sp>
+        <p:nvSpPr>
+          <p:cNvPr id="3" name="Content Placeholder 2">
+            <a:extLst>
+              <a:ext uri="{FF2B5EF4-FFF2-40B4-BE49-F238E27FC236}">
+                <a16:creationId xmlns:a16="http://schemas.microsoft.com/office/drawing/2014/main" id="{0A6FD725-7E73-F193-5354-181EC2DED8CD}"/>
+              </a:ext>
+            </a:extLst>
+          </p:cNvPr>
+          <p:cNvSpPr>
+            <a:spLocks noGrp="1"/>
+          </p:cNvSpPr>
+          <p:nvPr>
+            <p:ph idx="1"/>
+          </p:nvPr>
+        </p:nvSpPr>
+        <p:spPr/>
+        <p:txBody>
+          <a:bodyPr/>
+          <a:lstStyle/>
+          <a:p>
+            <a:r>
+              <a:rPr lang="en-US" dirty="0"/>
+              <a:t>Using K-Nearest Neighbors, able to predict IPAs and non-IPAs with 79.6% accuracy:</a:t>
+            </a:r>
+          </a:p>
+          <a:p>
+            <a:endParaRPr lang="en-US" dirty="0"/>
+          </a:p>
+        </p:txBody>
+      </p:sp>
+      <p:pic>
+        <p:nvPicPr>
+          <p:cNvPr id="7" name="Picture 6">
+            <a:extLst>
+              <a:ext uri="{FF2B5EF4-FFF2-40B4-BE49-F238E27FC236}">
+                <a16:creationId xmlns:a16="http://schemas.microsoft.com/office/drawing/2014/main" id="{4B87C2A8-3C5F-7352-A2EE-A235CDBE5E1D}"/>
+              </a:ext>
+            </a:extLst>
+          </p:cNvPr>
+          <p:cNvPicPr>
+            <a:picLocks noChangeAspect="1"/>
+          </p:cNvPicPr>
+          <p:nvPr/>
+        </p:nvPicPr>
+        <p:blipFill>
+          <a:blip r:embed="rId2"/>
+          <a:stretch>
+            <a:fillRect/>
+          </a:stretch>
+        </p:blipFill>
+        <p:spPr>
+          <a:xfrm>
+            <a:off x="1475721" y="3429000"/>
+            <a:ext cx="3172268" cy="2029108"/>
+          </a:xfrm>
+          <a:prstGeom prst="rect">
+            <a:avLst/>
+          </a:prstGeom>
+        </p:spPr>
+      </p:pic>
+      <p:pic>
+        <p:nvPicPr>
+          <p:cNvPr id="9" name="Picture 8">
+            <a:extLst>
+              <a:ext uri="{FF2B5EF4-FFF2-40B4-BE49-F238E27FC236}">
+                <a16:creationId xmlns:a16="http://schemas.microsoft.com/office/drawing/2014/main" id="{860E7B1E-E8F5-8E5D-6797-A771390DD00B}"/>
+              </a:ext>
+            </a:extLst>
+          </p:cNvPr>
+          <p:cNvPicPr>
+            <a:picLocks noChangeAspect="1"/>
+          </p:cNvPicPr>
+          <p:nvPr/>
+        </p:nvPicPr>
+        <p:blipFill>
+          <a:blip r:embed="rId3"/>
+          <a:stretch>
+            <a:fillRect/>
+          </a:stretch>
+        </p:blipFill>
+        <p:spPr>
+          <a:xfrm>
+            <a:off x="6768936" y="3138629"/>
+            <a:ext cx="3840134" cy="2737239"/>
+          </a:xfrm>
+          <a:prstGeom prst="rect">
+            <a:avLst/>
+          </a:prstGeom>
+        </p:spPr>
+      </p:pic>
+    </p:spTree>
+    <p:extLst>
+      <p:ext uri="{BB962C8B-B14F-4D97-AF65-F5344CB8AC3E}">
+        <p14:creationId xmlns:p14="http://schemas.microsoft.com/office/powerpoint/2010/main" val="1700981271"/>
+      </p:ext>
+    </p:extLst>
+  </p:cSld>
+  <p:clrMapOvr>
+    <a:masterClrMapping/>
+  </p:clrMapOvr>
+  <p:transition spd="slow">
+    <p:push dir="u"/>
+  </p:transition>
+</p:sld>
+</file>
+
+<file path=ppt/slides/slide13.xml><?xml version="1.0" encoding="utf-8"?>
+<p:sld xmlns:a="http://schemas.openxmlformats.org/drawingml/2006/main" xmlns:r="http://schemas.openxmlformats.org/officeDocument/2006/relationships" xmlns:p="http://schemas.openxmlformats.org/presentationml/2006/main">
+  <p:cSld>
+    <p:spTree>
+      <p:nvGrpSpPr>
+        <p:cNvPr id="1" name=""/>
+        <p:cNvGrpSpPr/>
+        <p:nvPr/>
+      </p:nvGrpSpPr>
+      <p:grpSpPr>
+        <a:xfrm>
+          <a:off x="0" y="0"/>
+          <a:ext cx="0" cy="0"/>
+          <a:chOff x="0" y="0"/>
+          <a:chExt cx="0" cy="0"/>
+        </a:xfrm>
+      </p:grpSpPr>
+      <p:sp>
+        <p:nvSpPr>
+          <p:cNvPr id="2" name="Title 1">
+            <a:extLst>
+              <a:ext uri="{FF2B5EF4-FFF2-40B4-BE49-F238E27FC236}">
+                <a16:creationId xmlns:a16="http://schemas.microsoft.com/office/drawing/2014/main" id="{E7004EB8-F4AD-60E9-CC2D-E521F0253052}"/>
+              </a:ext>
+            </a:extLst>
+          </p:cNvPr>
+          <p:cNvSpPr>
+            <a:spLocks noGrp="1"/>
+          </p:cNvSpPr>
+          <p:nvPr>
+            <p:ph type="title"/>
+          </p:nvPr>
+        </p:nvSpPr>
+        <p:spPr/>
+        <p:txBody>
+          <a:bodyPr/>
+          <a:lstStyle/>
+          <a:p>
+            <a:r>
+              <a:rPr lang="en-US" dirty="0"/>
+              <a:t>Questions?</a:t>
+            </a:r>
+          </a:p>
+        </p:txBody>
+      </p:sp>
+      <p:sp>
+        <p:nvSpPr>
+          <p:cNvPr id="3" name="Content Placeholder 2">
+            <a:extLst>
+              <a:ext uri="{FF2B5EF4-FFF2-40B4-BE49-F238E27FC236}">
+                <a16:creationId xmlns:a16="http://schemas.microsoft.com/office/drawing/2014/main" id="{90776434-650B-493B-A498-74C9EBFDE1FB}"/>
+              </a:ext>
+            </a:extLst>
+          </p:cNvPr>
+          <p:cNvSpPr>
+            <a:spLocks noGrp="1"/>
+          </p:cNvSpPr>
+          <p:nvPr>
+            <p:ph idx="1"/>
+          </p:nvPr>
+        </p:nvSpPr>
+        <p:spPr/>
+        <p:txBody>
+          <a:bodyPr>
+            <a:normAutofit/>
+          </a:bodyPr>
+          <a:lstStyle/>
+          <a:p>
+            <a:r>
+              <a:rPr lang="en-US" dirty="0"/>
+              <a:t>Please reach out to:</a:t>
+            </a:r>
+          </a:p>
+          <a:p>
+            <a:pPr lvl="1"/>
+            <a:r>
+              <a:rPr lang="en-US" dirty="0"/>
+              <a:t>O’Neal Gray</a:t>
+            </a:r>
+          </a:p>
+          <a:p>
+            <a:pPr lvl="2"/>
+            <a:r>
+              <a:rPr lang="en-US" dirty="0"/>
+              <a:t>(214) 724-2020</a:t>
+            </a:r>
+          </a:p>
+          <a:p>
+            <a:pPr lvl="2"/>
+            <a:r>
+              <a:rPr lang="en-US" dirty="0">
+                <a:hlinkClick r:id="rId2"/>
+              </a:rPr>
+              <a:t>ogray@mail.smu.edu</a:t>
+            </a:r>
+            <a:endParaRPr lang="en-US" dirty="0"/>
+          </a:p>
+          <a:p>
+            <a:pPr lvl="1"/>
+            <a:r>
+              <a:rPr lang="en-US" dirty="0"/>
+              <a:t>David Laurel</a:t>
+            </a:r>
+          </a:p>
+          <a:p>
+            <a:pPr lvl="2"/>
+            <a:r>
+              <a:rPr lang="en-US" dirty="0"/>
+              <a:t>(956) 635-6463</a:t>
+            </a:r>
+          </a:p>
+          <a:p>
+            <a:pPr lvl="2"/>
+            <a:r>
+              <a:rPr lang="en-US" dirty="0">
+                <a:hlinkClick r:id="rId3"/>
+              </a:rPr>
+              <a:t>dlaurel@mail.smu.edu</a:t>
+            </a:r>
+            <a:endParaRPr lang="en-US" dirty="0"/>
+          </a:p>
+          <a:p>
+            <a:pPr marL="457200" lvl="1" indent="0">
+              <a:buNone/>
+            </a:pPr>
+            <a:endParaRPr lang="en-US" dirty="0"/>
+          </a:p>
+        </p:txBody>
+      </p:sp>
+    </p:spTree>
+    <p:extLst>
+      <p:ext uri="{BB962C8B-B14F-4D97-AF65-F5344CB8AC3E}">
+        <p14:creationId xmlns:p14="http://schemas.microsoft.com/office/powerpoint/2010/main" val="4249194332"/>
+      </p:ext>
+    </p:extLst>
+  </p:cSld>
+  <p:clrMapOvr>
+    <a:masterClrMapping/>
+  </p:clrMapOvr>
+  <p:transition spd="slow">
+    <p:push dir="u"/>
+  </p:transition>
+</p:sld>
+</file>
+
+<file path=ppt/slides/slide14.xml><?xml version="1.0" encoding="utf-8"?>
+<p:sld xmlns:a="http://schemas.openxmlformats.org/drawingml/2006/main" xmlns:r="http://schemas.openxmlformats.org/officeDocument/2006/relationships" xmlns:p="http://schemas.openxmlformats.org/presentationml/2006/main">
+  <p:cSld>
+    <p:spTree>
+      <p:nvGrpSpPr>
+        <p:cNvPr id="1" name=""/>
+        <p:cNvGrpSpPr/>
+        <p:nvPr/>
+      </p:nvGrpSpPr>
+      <p:grpSpPr>
+        <a:xfrm>
+          <a:off x="0" y="0"/>
+          <a:ext cx="0" cy="0"/>
+          <a:chOff x="0" y="0"/>
+          <a:chExt cx="0" cy="0"/>
+        </a:xfrm>
+      </p:grpSpPr>
+      <p:sp>
+        <p:nvSpPr>
+          <p:cNvPr id="2" name="Title 1">
+            <a:extLst>
+              <a:ext uri="{FF2B5EF4-FFF2-40B4-BE49-F238E27FC236}">
+                <a16:creationId xmlns:a16="http://schemas.microsoft.com/office/drawing/2014/main" id="{0BFCE0AC-E09B-F04D-3F8D-42952B9DE6B8}"/>
+              </a:ext>
+            </a:extLst>
+          </p:cNvPr>
+          <p:cNvSpPr>
+            <a:spLocks noGrp="1"/>
+          </p:cNvSpPr>
+          <p:nvPr>
+            <p:ph type="title"/>
+          </p:nvPr>
+        </p:nvSpPr>
+        <p:spPr/>
+        <p:txBody>
+          <a:bodyPr/>
+          <a:lstStyle/>
+          <a:p>
+            <a:r>
+              <a:rPr lang="en-US" dirty="0"/>
+              <a:t>References</a:t>
+            </a:r>
+          </a:p>
+        </p:txBody>
+      </p:sp>
+      <p:sp>
+        <p:nvSpPr>
+          <p:cNvPr id="3" name="Content Placeholder 2">
+            <a:extLst>
+              <a:ext uri="{FF2B5EF4-FFF2-40B4-BE49-F238E27FC236}">
+                <a16:creationId xmlns:a16="http://schemas.microsoft.com/office/drawing/2014/main" id="{68148F9D-97AE-F1DC-8285-C101EC05E742}"/>
+              </a:ext>
+            </a:extLst>
+          </p:cNvPr>
+          <p:cNvSpPr>
+            <a:spLocks noGrp="1"/>
+          </p:cNvSpPr>
+          <p:nvPr>
+            <p:ph idx="1"/>
+          </p:nvPr>
+        </p:nvSpPr>
+        <p:spPr/>
+        <p:txBody>
+          <a:bodyPr/>
+          <a:lstStyle/>
+          <a:p>
+            <a:pPr marL="457200" indent="-457200">
+              <a:buFont typeface="+mj-lt"/>
+              <a:buAutoNum type="arabicPeriod"/>
+            </a:pPr>
+            <a:r>
+              <a:rPr lang="en-US" dirty="0"/>
+              <a:t>https://reason.com/2021/09/20/why-is-this-beer-banned-in-15-states/</a:t>
+            </a:r>
+          </a:p>
+        </p:txBody>
+      </p:sp>
+    </p:spTree>
+    <p:extLst>
+      <p:ext uri="{BB962C8B-B14F-4D97-AF65-F5344CB8AC3E}">
+        <p14:creationId xmlns:p14="http://schemas.microsoft.com/office/powerpoint/2010/main" val="2881525147"/>
+      </p:ext>
+    </p:extLst>
+  </p:cSld>
+  <p:clrMapOvr>
+    <a:masterClrMapping/>
+  </p:clrMapOvr>
+  <p:transition spd="slow">
+    <p:push dir="u"/>
+  </p:transition>
+</p:sld>
+</file>
+
+<file path=ppt/slides/slide2.xml><?xml version="1.0" encoding="utf-8"?>
+<p:sld xmlns:a="http://schemas.openxmlformats.org/drawingml/2006/main" xmlns:r="http://schemas.openxmlformats.org/officeDocument/2006/relationships" xmlns:p="http://schemas.openxmlformats.org/presentationml/2006/main">
+  <p:cSld>
+    <p:bg>
+      <p:bgPr>
+        <a:blipFill>
+          <a:blip r:embed="rId3"/>
+          <a:stretch/>
+        </a:blipFill>
+        <a:effectLst/>
+      </p:bgPr>
+    </p:bg>
+    <p:spTree>
+      <p:nvGrpSpPr>
+        <p:cNvPr id="1" name=""/>
+        <p:cNvGrpSpPr/>
+        <p:nvPr/>
+      </p:nvGrpSpPr>
+      <p:grpSpPr>
+        <a:xfrm>
+          <a:off x="0" y="0"/>
+          <a:ext cx="0" cy="0"/>
+          <a:chOff x="0" y="0"/>
+          <a:chExt cx="0" cy="0"/>
+        </a:xfrm>
+      </p:grpSpPr>
+      <p:sp>
+        <p:nvSpPr>
+          <p:cNvPr id="2" name="Title 1">
+            <a:extLst>
+              <a:ext uri="{FF2B5EF4-FFF2-40B4-BE49-F238E27FC236}">
+                <a16:creationId xmlns:a16="http://schemas.microsoft.com/office/drawing/2014/main" id="{F4D1C839-0D33-1B27-4843-81391A04A1FA}"/>
+              </a:ext>
+            </a:extLst>
+          </p:cNvPr>
+          <p:cNvSpPr>
+            <a:spLocks noGrp="1"/>
+          </p:cNvSpPr>
+          <p:nvPr>
+            <p:ph type="title"/>
+          </p:nvPr>
+        </p:nvSpPr>
+        <p:spPr/>
+        <p:txBody>
+          <a:bodyPr>
+            <a:normAutofit/>
+          </a:bodyPr>
+          <a:lstStyle/>
+          <a:p>
+            <a:pPr>
+              <a:lnSpc>
+                <a:spcPct val="90000"/>
+              </a:lnSpc>
+            </a:pPr>
+            <a:r>
+              <a:rPr lang="en-US" sz="4100" dirty="0"/>
+              <a:t>Breweries by State</a:t>
+            </a:r>
+          </a:p>
+        </p:txBody>
+      </p:sp>
+      <p:sp>
+        <p:nvSpPr>
+          <p:cNvPr id="8" name="Content Placeholder 7">
+            <a:extLst>
+              <a:ext uri="{FF2B5EF4-FFF2-40B4-BE49-F238E27FC236}">
+                <a16:creationId xmlns:a16="http://schemas.microsoft.com/office/drawing/2014/main" id="{6B2432AF-9331-7EE6-A803-31BAF32D703E}"/>
+              </a:ext>
+            </a:extLst>
+          </p:cNvPr>
+          <p:cNvSpPr>
+            <a:spLocks noGrp="1"/>
+          </p:cNvSpPr>
+          <p:nvPr>
+            <p:ph idx="1"/>
+          </p:nvPr>
+        </p:nvSpPr>
+        <p:spPr>
+          <a:xfrm>
+            <a:off x="8488195" y="2594692"/>
+            <a:ext cx="1998954" cy="499839"/>
+          </a:xfrm>
+        </p:spPr>
+        <p:txBody>
+          <a:bodyPr>
+            <a:normAutofit lnSpcReduction="10000"/>
+          </a:bodyPr>
+          <a:lstStyle/>
+          <a:p>
+            <a:pPr marL="0" indent="0" algn="ctr">
+              <a:buNone/>
+            </a:pPr>
+            <a:r>
+              <a:rPr lang="en-US" dirty="0"/>
+              <a:t>Top 5</a:t>
+            </a:r>
+          </a:p>
+          <a:p>
+            <a:pPr marL="457200" lvl="1" indent="0">
+              <a:buNone/>
+            </a:pPr>
+            <a:endParaRPr lang="en-US" dirty="0"/>
+          </a:p>
+        </p:txBody>
+      </p:sp>
+      <p:graphicFrame>
+        <p:nvGraphicFramePr>
+          <p:cNvPr id="6" name="Table 6">
+            <a:extLst>
+              <a:ext uri="{FF2B5EF4-FFF2-40B4-BE49-F238E27FC236}">
+                <a16:creationId xmlns:a16="http://schemas.microsoft.com/office/drawing/2014/main" id="{2541E99F-9C49-1255-8622-819FF3FB5F25}"/>
+              </a:ext>
+            </a:extLst>
+          </p:cNvPr>
+          <p:cNvGraphicFramePr>
+            <a:graphicFrameLocks noGrp="1"/>
+          </p:cNvGraphicFramePr>
+          <p:nvPr>
+            <p:extLst>
+              <p:ext uri="{D42A27DB-BD31-4B8C-83A1-F6EECF244321}">
+                <p14:modId xmlns:p14="http://schemas.microsoft.com/office/powerpoint/2010/main" val="32287472"/>
+              </p:ext>
+            </p:extLst>
+          </p:nvPr>
+        </p:nvGraphicFramePr>
+        <p:xfrm>
+          <a:off x="8488195" y="3112410"/>
+          <a:ext cx="1998954" cy="2919750"/>
+        </p:xfrm>
+        <a:graphic>
+          <a:graphicData uri="http://schemas.openxmlformats.org/drawingml/2006/table">
+            <a:tbl>
+              <a:tblPr firstRow="1" bandRow="1">
+                <a:tableStyleId>{5C22544A-7EE6-4342-B048-85BDC9FD1C3A}</a:tableStyleId>
+              </a:tblPr>
+              <a:tblGrid>
+                <a:gridCol w="999477">
+                  <a:extLst>
+                    <a:ext uri="{9D8B030D-6E8A-4147-A177-3AD203B41FA5}">
+                      <a16:colId xmlns:a16="http://schemas.microsoft.com/office/drawing/2014/main" val="3169309753"/>
+                    </a:ext>
+                  </a:extLst>
+                </a:gridCol>
+                <a:gridCol w="999477">
+                  <a:extLst>
+                    <a:ext uri="{9D8B030D-6E8A-4147-A177-3AD203B41FA5}">
+                      <a16:colId xmlns:a16="http://schemas.microsoft.com/office/drawing/2014/main" val="2205383043"/>
+                    </a:ext>
+                  </a:extLst>
+                </a:gridCol>
+              </a:tblGrid>
+              <a:tr h="486625">
+                <a:tc>
+                  <a:txBody>
+                    <a:bodyPr/>
+                    <a:lstStyle/>
+                    <a:p>
+                      <a:pPr algn="ctr"/>
+                      <a:r>
+                        <a:rPr lang="en-US" dirty="0"/>
+                        <a:t>Count</a:t>
+                      </a:r>
+                    </a:p>
+                  </a:txBody>
+                  <a:tcPr anchor="ctr"/>
+                </a:tc>
+                <a:tc>
+                  <a:txBody>
+                    <a:bodyPr/>
+                    <a:lstStyle/>
+                    <a:p>
+                      <a:pPr algn="ctr"/>
+                      <a:r>
+                        <a:rPr lang="en-US" dirty="0"/>
+                        <a:t>State</a:t>
+                      </a:r>
+                    </a:p>
+                  </a:txBody>
+                  <a:tcPr anchor="ctr"/>
+                </a:tc>
+                <a:extLst>
+                  <a:ext uri="{0D108BD9-81ED-4DB2-BD59-A6C34878D82A}">
+                    <a16:rowId xmlns:a16="http://schemas.microsoft.com/office/drawing/2014/main" val="98704238"/>
+                  </a:ext>
+                </a:extLst>
+              </a:tr>
+              <a:tr h="486625">
+                <a:tc>
+                  <a:txBody>
+                    <a:bodyPr/>
+                    <a:lstStyle/>
+                    <a:p>
+                      <a:pPr algn="ctr" fontAlgn="b"/>
+                      <a:r>
+                        <a:rPr lang="en-US" sz="1600" b="0" i="0" u="none" strike="noStrike" dirty="0">
+                          <a:solidFill>
+                            <a:srgbClr val="000000"/>
+                          </a:solidFill>
+                          <a:effectLst/>
+                          <a:latin typeface="Calibri" panose="020F0502020204030204" pitchFamily="34" charset="0"/>
+                        </a:rPr>
+                        <a:t>47</a:t>
+                      </a:r>
+                    </a:p>
+                  </a:txBody>
+                  <a:tcPr marL="9525" marR="9525" marT="9525" marB="0" anchor="ctr"/>
+                </a:tc>
+                <a:tc>
+                  <a:txBody>
+                    <a:bodyPr/>
+                    <a:lstStyle/>
+                    <a:p>
+                      <a:pPr algn="ctr" fontAlgn="b"/>
+                      <a:r>
+                        <a:rPr lang="en-US" sz="1600" b="0" i="0" u="none" strike="noStrike" dirty="0">
+                          <a:solidFill>
+                            <a:srgbClr val="000000"/>
+                          </a:solidFill>
+                          <a:effectLst/>
+                          <a:latin typeface="Calibri" panose="020F0502020204030204" pitchFamily="34" charset="0"/>
+                        </a:rPr>
+                        <a:t>Colorado</a:t>
+                      </a:r>
+                    </a:p>
+                  </a:txBody>
+                  <a:tcPr marL="9525" marR="9525" marT="9525" marB="0" anchor="ctr"/>
+                </a:tc>
+                <a:extLst>
+                  <a:ext uri="{0D108BD9-81ED-4DB2-BD59-A6C34878D82A}">
+                    <a16:rowId xmlns:a16="http://schemas.microsoft.com/office/drawing/2014/main" val="2979867957"/>
+                  </a:ext>
+                </a:extLst>
+              </a:tr>
+              <a:tr h="486625">
+                <a:tc>
+                  <a:txBody>
+                    <a:bodyPr/>
+                    <a:lstStyle/>
+                    <a:p>
+                      <a:pPr algn="ctr" fontAlgn="b"/>
+                      <a:r>
+                        <a:rPr lang="en-US" sz="1600" b="0" i="0" u="none" strike="noStrike">
+                          <a:solidFill>
+                            <a:srgbClr val="000000"/>
+                          </a:solidFill>
+                          <a:effectLst/>
+                          <a:latin typeface="Calibri" panose="020F0502020204030204" pitchFamily="34" charset="0"/>
+                        </a:rPr>
+                        <a:t>39</a:t>
+                      </a:r>
+                    </a:p>
+                  </a:txBody>
+                  <a:tcPr marL="9525" marR="9525" marT="9525" marB="0" anchor="ctr"/>
+                </a:tc>
+                <a:tc>
+                  <a:txBody>
+                    <a:bodyPr/>
+                    <a:lstStyle/>
+                    <a:p>
+                      <a:pPr algn="ctr" fontAlgn="b"/>
+                      <a:r>
+                        <a:rPr lang="en-US" sz="1600" b="0" i="0" u="none" strike="noStrike" dirty="0">
+                          <a:solidFill>
+                            <a:srgbClr val="000000"/>
+                          </a:solidFill>
+                          <a:effectLst/>
+                          <a:latin typeface="Calibri" panose="020F0502020204030204" pitchFamily="34" charset="0"/>
+                        </a:rPr>
+                        <a:t>California</a:t>
+                      </a:r>
+                    </a:p>
+                  </a:txBody>
+                  <a:tcPr marL="9525" marR="9525" marT="9525" marB="0" anchor="ctr"/>
+                </a:tc>
+                <a:extLst>
+                  <a:ext uri="{0D108BD9-81ED-4DB2-BD59-A6C34878D82A}">
+                    <a16:rowId xmlns:a16="http://schemas.microsoft.com/office/drawing/2014/main" val="28781957"/>
+                  </a:ext>
+                </a:extLst>
+              </a:tr>
+              <a:tr h="486625">
+                <a:tc>
+                  <a:txBody>
+                    <a:bodyPr/>
+                    <a:lstStyle/>
+                    <a:p>
+                      <a:pPr algn="ctr" fontAlgn="b"/>
+                      <a:r>
+                        <a:rPr lang="en-US" sz="1600" b="0" i="0" u="none" strike="noStrike">
+                          <a:solidFill>
+                            <a:srgbClr val="000000"/>
+                          </a:solidFill>
+                          <a:effectLst/>
+                          <a:latin typeface="Calibri" panose="020F0502020204030204" pitchFamily="34" charset="0"/>
+                        </a:rPr>
+                        <a:t>32</a:t>
+                      </a:r>
+                    </a:p>
+                  </a:txBody>
+                  <a:tcPr marL="9525" marR="9525" marT="9525" marB="0" anchor="ctr"/>
+                </a:tc>
+                <a:tc>
+                  <a:txBody>
+                    <a:bodyPr/>
+                    <a:lstStyle/>
+                    <a:p>
+                      <a:pPr algn="ctr" fontAlgn="b"/>
+                      <a:r>
+                        <a:rPr lang="en-US" sz="1600" b="0" i="0" u="none" strike="noStrike" dirty="0">
+                          <a:solidFill>
+                            <a:srgbClr val="000000"/>
+                          </a:solidFill>
+                          <a:effectLst/>
+                          <a:latin typeface="Calibri" panose="020F0502020204030204" pitchFamily="34" charset="0"/>
+                        </a:rPr>
+                        <a:t>Michigan</a:t>
+                      </a:r>
+                    </a:p>
+                  </a:txBody>
+                  <a:tcPr marL="9525" marR="9525" marT="9525" marB="0" anchor="ctr"/>
+                </a:tc>
+                <a:extLst>
+                  <a:ext uri="{0D108BD9-81ED-4DB2-BD59-A6C34878D82A}">
+                    <a16:rowId xmlns:a16="http://schemas.microsoft.com/office/drawing/2014/main" val="3927011731"/>
+                  </a:ext>
+                </a:extLst>
+              </a:tr>
+              <a:tr h="486625">
+                <a:tc>
+                  <a:txBody>
+                    <a:bodyPr/>
+                    <a:lstStyle/>
+                    <a:p>
+                      <a:pPr algn="ctr" fontAlgn="b"/>
+                      <a:r>
+                        <a:rPr lang="en-US" sz="1600" b="0" i="0" u="none" strike="noStrike">
+                          <a:solidFill>
+                            <a:srgbClr val="000000"/>
+                          </a:solidFill>
+                          <a:effectLst/>
+                          <a:latin typeface="Calibri" panose="020F0502020204030204" pitchFamily="34" charset="0"/>
+                        </a:rPr>
+                        <a:t>29</a:t>
+                      </a:r>
+                    </a:p>
+                  </a:txBody>
+                  <a:tcPr marL="9525" marR="9525" marT="9525" marB="0" anchor="ctr"/>
+                </a:tc>
+                <a:tc>
+                  <a:txBody>
+                    <a:bodyPr/>
+                    <a:lstStyle/>
+                    <a:p>
+                      <a:pPr algn="ctr" fontAlgn="b"/>
+                      <a:r>
+                        <a:rPr lang="en-US" sz="1600" b="0" i="0" u="none" strike="noStrike" dirty="0">
+                          <a:solidFill>
+                            <a:srgbClr val="000000"/>
+                          </a:solidFill>
+                          <a:effectLst/>
+                          <a:latin typeface="Calibri" panose="020F0502020204030204" pitchFamily="34" charset="0"/>
+                        </a:rPr>
+                        <a:t>Oregon</a:t>
+                      </a:r>
+                    </a:p>
+                  </a:txBody>
+                  <a:tcPr marL="9525" marR="9525" marT="9525" marB="0" anchor="ctr"/>
+                </a:tc>
+                <a:extLst>
+                  <a:ext uri="{0D108BD9-81ED-4DB2-BD59-A6C34878D82A}">
+                    <a16:rowId xmlns:a16="http://schemas.microsoft.com/office/drawing/2014/main" val="2859610718"/>
+                  </a:ext>
+                </a:extLst>
+              </a:tr>
+              <a:tr h="486625">
+                <a:tc>
+                  <a:txBody>
+                    <a:bodyPr/>
+                    <a:lstStyle/>
+                    <a:p>
+                      <a:pPr algn="ctr" fontAlgn="b"/>
+                      <a:r>
+                        <a:rPr lang="en-US" sz="1600" b="0" i="0" u="none" strike="noStrike" dirty="0">
+                          <a:solidFill>
+                            <a:srgbClr val="000000"/>
+                          </a:solidFill>
+                          <a:effectLst/>
+                          <a:latin typeface="Calibri" panose="020F0502020204030204" pitchFamily="34" charset="0"/>
+                        </a:rPr>
+                        <a:t>28</a:t>
+                      </a:r>
+                    </a:p>
+                  </a:txBody>
+                  <a:tcPr marL="9525" marR="9525" marT="9525" marB="0" anchor="ctr"/>
+                </a:tc>
+                <a:tc>
+                  <a:txBody>
+                    <a:bodyPr/>
+                    <a:lstStyle/>
+                    <a:p>
+                      <a:pPr algn="ctr" fontAlgn="b"/>
+                      <a:r>
+                        <a:rPr lang="en-US" sz="1600" b="0" i="0" u="none" strike="noStrike" dirty="0">
+                          <a:solidFill>
+                            <a:srgbClr val="000000"/>
+                          </a:solidFill>
+                          <a:effectLst/>
+                          <a:latin typeface="Calibri" panose="020F0502020204030204" pitchFamily="34" charset="0"/>
+                        </a:rPr>
+                        <a:t>Texas</a:t>
+                      </a:r>
+                    </a:p>
+                  </a:txBody>
+                  <a:tcPr marL="9525" marR="9525" marT="9525" marB="0" anchor="ctr"/>
+                </a:tc>
+                <a:extLst>
+                  <a:ext uri="{0D108BD9-81ED-4DB2-BD59-A6C34878D82A}">
+                    <a16:rowId xmlns:a16="http://schemas.microsoft.com/office/drawing/2014/main" val="793476554"/>
+                  </a:ext>
+                </a:extLst>
+              </a:tr>
+            </a:tbl>
+          </a:graphicData>
+        </a:graphic>
+      </p:graphicFrame>
+      <p:pic>
+        <p:nvPicPr>
+          <p:cNvPr id="9" name="Picture 8">
+            <a:extLst>
+              <a:ext uri="{FF2B5EF4-FFF2-40B4-BE49-F238E27FC236}">
+                <a16:creationId xmlns:a16="http://schemas.microsoft.com/office/drawing/2014/main" id="{1216EEA2-B34A-C803-ECC0-E18A395FF7DF}"/>
+              </a:ext>
+            </a:extLst>
+          </p:cNvPr>
+          <p:cNvPicPr>
+            <a:picLocks noChangeAspect="1"/>
+          </p:cNvPicPr>
+          <p:nvPr/>
+        </p:nvPicPr>
+        <p:blipFill>
+          <a:blip r:embed="rId4"/>
+          <a:stretch>
+            <a:fillRect/>
+          </a:stretch>
+        </p:blipFill>
+        <p:spPr>
+          <a:xfrm>
+            <a:off x="1295402" y="2594692"/>
+            <a:ext cx="6874936" cy="3437468"/>
+          </a:xfrm>
+          <a:prstGeom prst="rect">
+            <a:avLst/>
+          </a:prstGeom>
+        </p:spPr>
+      </p:pic>
+    </p:spTree>
+    <p:extLst>
+      <p:ext uri="{BB962C8B-B14F-4D97-AF65-F5344CB8AC3E}">
+        <p14:creationId xmlns:p14="http://schemas.microsoft.com/office/powerpoint/2010/main" val="3952958225"/>
+      </p:ext>
+    </p:extLst>
+  </p:cSld>
+  <p:clrMapOvr>
+    <a:masterClrMapping/>
+  </p:clrMapOvr>
+  <p:transition spd="slow">
+    <p:push dir="u"/>
+  </p:transition>
+  <p:timing>
+    <p:tnLst>
+      <p:par>
+        <p:cTn id="1" dur="indefinite" restart="never" nodeType="tmRoot">
+          <p:childTnLst>
+            <p:seq concurrent="1" nextAc="seek">
+              <p:cTn id="2" dur="indefinite" nodeType="mainSeq">
+                <p:childTnLst>
+                  <p:par>
+                    <p:cTn id="3" fill="hold">
+                      <p:stCondLst>
+                        <p:cond delay="indefinite"/>
+                      </p:stCondLst>
+                      <p:childTnLst>
+                        <p:par>
+                          <p:cTn id="4" fill="hold">
+                            <p:stCondLst>
+                              <p:cond delay="0"/>
+                            </p:stCondLst>
+                            <p:childTnLst>
+                              <p:par>
+                                <p:cTn id="5" presetID="10" presetClass="entr" presetSubtype="0" fill="hold" nodeType="clickEffect">
+                                  <p:stCondLst>
+                                    <p:cond delay="0"/>
+                                  </p:stCondLst>
+                                  <p:childTnLst>
+                                    <p:set>
+                                      <p:cBhvr>
+                                        <p:cTn id="6" dur="1" fill="hold">
+                                          <p:stCondLst>
+                                            <p:cond delay="0"/>
+                                          </p:stCondLst>
+                                        </p:cTn>
+                                        <p:tgtEl>
+                                          <p:spTgt spid="9"/>
+                                        </p:tgtEl>
+                                        <p:attrNameLst>
+                                          <p:attrName>style.visibility</p:attrName>
+                                        </p:attrNameLst>
+                                      </p:cBhvr>
+                                      <p:to>
+                                        <p:strVal val="visible"/>
+                                      </p:to>
+                                    </p:set>
+                                    <p:animEffect transition="in" filter="fade">
+                                      <p:cBhvr>
+                                        <p:cTn id="7" dur="500"/>
+                                        <p:tgtEl>
+                                          <p:spTgt spid="9"/>
+                                        </p:tgtEl>
+                                      </p:cBhvr>
+                                    </p:animEffect>
+                                  </p:childTnLst>
+                                </p:cTn>
+                              </p:par>
+                            </p:childTnLst>
+                          </p:cTn>
+                        </p:par>
+                      </p:childTnLst>
+                    </p:cTn>
+                  </p:par>
+                  <p:par>
+                    <p:cTn id="8" fill="hold">
+                      <p:stCondLst>
+                        <p:cond delay="indefinite"/>
+                      </p:stCondLst>
+                      <p:childTnLst>
+                        <p:par>
+                          <p:cTn id="9" fill="hold">
+                            <p:stCondLst>
+                              <p:cond delay="0"/>
+                            </p:stCondLst>
+                            <p:childTnLst>
+                              <p:par>
+                                <p:cTn id="10" presetID="10" presetClass="entr" presetSubtype="0" fill="hold" nodeType="clickEffect">
+                                  <p:stCondLst>
+                                    <p:cond delay="0"/>
+                                  </p:stCondLst>
+                                  <p:childTnLst>
+                                    <p:set>
+                                      <p:cBhvr>
+                                        <p:cTn id="11" dur="1" fill="hold">
+                                          <p:stCondLst>
+                                            <p:cond delay="0"/>
+                                          </p:stCondLst>
+                                        </p:cTn>
+                                        <p:tgtEl>
+                                          <p:spTgt spid="6"/>
+                                        </p:tgtEl>
+                                        <p:attrNameLst>
+                                          <p:attrName>style.visibility</p:attrName>
+                                        </p:attrNameLst>
+                                      </p:cBhvr>
+                                      <p:to>
+                                        <p:strVal val="visible"/>
+                                      </p:to>
+                                    </p:set>
+                                    <p:animEffect transition="in" filter="fade">
+                                      <p:cBhvr>
+                                        <p:cTn id="12" dur="500"/>
+                                        <p:tgtEl>
+                                          <p:spTgt spid="6"/>
+                                        </p:tgtEl>
+                                      </p:cBhvr>
+                                    </p:animEffect>
+                                  </p:childTnLst>
+                                </p:cTn>
+                              </p:par>
+                              <p:par>
+                                <p:cTn id="13" presetID="10" presetClass="entr" presetSubtype="0" fill="hold" grpId="0" nodeType="withEffect">
+                                  <p:stCondLst>
+                                    <p:cond delay="0"/>
+                                  </p:stCondLst>
+                                  <p:childTnLst>
+                                    <p:set>
+                                      <p:cBhvr>
+                                        <p:cTn id="14" dur="1" fill="hold">
+                                          <p:stCondLst>
+                                            <p:cond delay="0"/>
+                                          </p:stCondLst>
+                                        </p:cTn>
+                                        <p:tgtEl>
+                                          <p:spTgt spid="8">
+                                            <p:txEl>
+                                              <p:pRg st="0" end="0"/>
+                                            </p:txEl>
+                                          </p:spTgt>
+                                        </p:tgtEl>
+                                        <p:attrNameLst>
+                                          <p:attrName>style.visibility</p:attrName>
+                                        </p:attrNameLst>
+                                      </p:cBhvr>
+                                      <p:to>
+                                        <p:strVal val="visible"/>
+                                      </p:to>
+                                    </p:set>
+                                    <p:animEffect transition="in" filter="fade">
+                                      <p:cBhvr>
+                                        <p:cTn id="15" dur="500"/>
+                                        <p:tgtEl>
+                                          <p:spTgt spid="8">
+                                            <p:txEl>
+                                              <p:pRg st="0" end="0"/>
+                                            </p:txEl>
+                                          </p:spTgt>
+                                        </p:tgtEl>
+                                      </p:cBhvr>
+                                    </p:animEffect>
+                                  </p:childTnLst>
+                                </p:cTn>
+                              </p:par>
+                            </p:childTnLst>
+                          </p:cTn>
+                        </p:par>
+                      </p:childTnLst>
+                    </p:cTn>
+                  </p:par>
+                </p:childTnLst>
+              </p:cTn>
+              <p:prevCondLst>
+                <p:cond evt="onPrev" delay="0">
+                  <p:tgtEl>
+                    <p:sldTgt/>
+                  </p:tgtEl>
+                </p:cond>
+              </p:prevCondLst>
+              <p:nextCondLst>
+                <p:cond evt="onNext" delay="0">
+                  <p:tgtEl>
+                    <p:sldTgt/>
+                  </p:tgtEl>
+                </p:cond>
+              </p:nextCondLst>
+            </p:seq>
+          </p:childTnLst>
+        </p:cTn>
+      </p:par>
+    </p:tnLst>
+    <p:bldLst>
+      <p:bldP spid="8" grpId="0" build="p"/>
+    </p:bldLst>
+  </p:timing>
+</p:sld>
+</file>
+
+<file path=ppt/slides/slide3.xml><?xml version="1.0" encoding="utf-8"?>
+<p:sld xmlns:a="http://schemas.openxmlformats.org/drawingml/2006/main" xmlns:r="http://schemas.openxmlformats.org/officeDocument/2006/relationships" xmlns:p="http://schemas.openxmlformats.org/presentationml/2006/main">
+  <p:cSld>
+    <p:spTree>
+      <p:nvGrpSpPr>
+        <p:cNvPr id="1" name=""/>
+        <p:cNvGrpSpPr/>
+        <p:nvPr/>
+      </p:nvGrpSpPr>
+      <p:grpSpPr>
+        <a:xfrm>
+          <a:off x="0" y="0"/>
+          <a:ext cx="0" cy="0"/>
+          <a:chOff x="0" y="0"/>
+          <a:chExt cx="0" cy="0"/>
+        </a:xfrm>
+      </p:grpSpPr>
+      <p:sp>
+        <p:nvSpPr>
+          <p:cNvPr id="2" name="Title 1">
+            <a:extLst>
+              <a:ext uri="{FF2B5EF4-FFF2-40B4-BE49-F238E27FC236}">
                 <a16:creationId xmlns:a16="http://schemas.microsoft.com/office/drawing/2014/main" id="{AB41E4DC-C636-4A60-21AA-2ACC13AF1CAA}"/>
               </a:ext>
             </a:extLst>
@@ -6019,7 +8427,7 @@
           <a:p>
             <a:r>
               <a:rPr lang="en-US" dirty="0"/>
-              <a:t>Quickly determined </a:t>
+              <a:t>Determined </a:t>
             </a:r>
             <a:r>
               <a:rPr lang="en-US" b="1" dirty="0"/>
@@ -6071,18 +8479,20 @@
             </a:br>
             <a:r>
               <a:rPr lang="en-US" dirty="0"/>
-              <a:t>mean imputation since the missing data looks like </a:t>
-            </a:r>
-            <a:r>
-              <a:rPr lang="en-US" b="1" dirty="0"/>
-              <a:t>MAR</a:t>
-            </a:r>
-            <a:endParaRPr lang="en-US" dirty="0"/>
+              <a:t>mean imputation</a:t>
+            </a:r>
           </a:p>
           <a:p>
             <a:r>
               <a:rPr lang="en-US" dirty="0"/>
-              <a:t>Using the mice package, we’re able to do multivariate imputations, but we weren’t sure how to specify ABV as a predictor for IBU or vice versa, given their correlated status</a:t>
+              <a:t>Using the mice package, we’re able to do multivariate imputations</a:t>
+            </a:r>
+          </a:p>
+          <a:p>
+            <a:pPr lvl="1"/>
+            <a:r>
+              <a:rPr lang="en-US" dirty="0"/>
+              <a:t>Unsure how to specify ABV as a predictor for IBU or vice versa</a:t>
             </a:r>
           </a:p>
         </p:txBody>
@@ -6147,6 +8557,36 @@
           </a:prstGeom>
         </p:spPr>
       </p:pic>
+      <p:pic>
+        <p:nvPicPr>
+          <p:cNvPr id="6" name="Picture 5">
+            <a:extLst>
+              <a:ext uri="{FF2B5EF4-FFF2-40B4-BE49-F238E27FC236}">
+                <a16:creationId xmlns:a16="http://schemas.microsoft.com/office/drawing/2014/main" id="{3FDADD43-0683-0565-BDBC-04ED117A1E24}"/>
+              </a:ext>
+            </a:extLst>
+          </p:cNvPr>
+          <p:cNvPicPr>
+            <a:picLocks noChangeAspect="1"/>
+          </p:cNvPicPr>
+          <p:nvPr/>
+        </p:nvPicPr>
+        <p:blipFill>
+          <a:blip r:embed="rId4"/>
+          <a:stretch>
+            <a:fillRect/>
+          </a:stretch>
+        </p:blipFill>
+        <p:spPr>
+          <a:xfrm>
+            <a:off x="8215314" y="5150289"/>
+            <a:ext cx="3476864" cy="1238423"/>
+          </a:xfrm>
+          <a:prstGeom prst="rect">
+            <a:avLst/>
+          </a:prstGeom>
+        </p:spPr>
+      </p:pic>
     </p:spTree>
     <p:extLst>
       <p:ext uri="{BB962C8B-B14F-4D97-AF65-F5344CB8AC3E}">
@@ -6157,10 +8597,834 @@
   <p:clrMapOvr>
     <a:masterClrMapping/>
   </p:clrMapOvr>
+  <p:transition spd="slow">
+    <p:push dir="u"/>
+  </p:transition>
+  <p:timing>
+    <p:tnLst>
+      <p:par>
+        <p:cTn id="1" dur="indefinite" restart="never" nodeType="tmRoot">
+          <p:childTnLst>
+            <p:seq concurrent="1" nextAc="seek">
+              <p:cTn id="2" dur="indefinite" nodeType="mainSeq">
+                <p:childTnLst>
+                  <p:par>
+                    <p:cTn id="3" fill="hold">
+                      <p:stCondLst>
+                        <p:cond delay="indefinite"/>
+                      </p:stCondLst>
+                      <p:childTnLst>
+                        <p:par>
+                          <p:cTn id="4" fill="hold">
+                            <p:stCondLst>
+                              <p:cond delay="0"/>
+                            </p:stCondLst>
+                            <p:childTnLst>
+                              <p:par>
+                                <p:cTn id="5" presetID="10" presetClass="entr" presetSubtype="0" fill="hold" grpId="0" nodeType="clickEffect">
+                                  <p:stCondLst>
+                                    <p:cond delay="0"/>
+                                  </p:stCondLst>
+                                  <p:childTnLst>
+                                    <p:set>
+                                      <p:cBhvr>
+                                        <p:cTn id="6" dur="1" fill="hold">
+                                          <p:stCondLst>
+                                            <p:cond delay="0"/>
+                                          </p:stCondLst>
+                                        </p:cTn>
+                                        <p:tgtEl>
+                                          <p:spTgt spid="3">
+                                            <p:txEl>
+                                              <p:pRg st="0" end="0"/>
+                                            </p:txEl>
+                                          </p:spTgt>
+                                        </p:tgtEl>
+                                        <p:attrNameLst>
+                                          <p:attrName>style.visibility</p:attrName>
+                                        </p:attrNameLst>
+                                      </p:cBhvr>
+                                      <p:to>
+                                        <p:strVal val="visible"/>
+                                      </p:to>
+                                    </p:set>
+                                    <p:animEffect transition="in" filter="fade">
+                                      <p:cBhvr>
+                                        <p:cTn id="7" dur="500"/>
+                                        <p:tgtEl>
+                                          <p:spTgt spid="3">
+                                            <p:txEl>
+                                              <p:pRg st="0" end="0"/>
+                                            </p:txEl>
+                                          </p:spTgt>
+                                        </p:tgtEl>
+                                      </p:cBhvr>
+                                    </p:animEffect>
+                                  </p:childTnLst>
+                                </p:cTn>
+                              </p:par>
+                            </p:childTnLst>
+                          </p:cTn>
+                        </p:par>
+                      </p:childTnLst>
+                    </p:cTn>
+                  </p:par>
+                  <p:par>
+                    <p:cTn id="8" fill="hold">
+                      <p:stCondLst>
+                        <p:cond delay="indefinite"/>
+                      </p:stCondLst>
+                      <p:childTnLst>
+                        <p:par>
+                          <p:cTn id="9" fill="hold">
+                            <p:stCondLst>
+                              <p:cond delay="0"/>
+                            </p:stCondLst>
+                            <p:childTnLst>
+                              <p:par>
+                                <p:cTn id="10" presetID="10" presetClass="entr" presetSubtype="0" fill="hold" nodeType="clickEffect">
+                                  <p:stCondLst>
+                                    <p:cond delay="0"/>
+                                  </p:stCondLst>
+                                  <p:childTnLst>
+                                    <p:set>
+                                      <p:cBhvr>
+                                        <p:cTn id="11" dur="1" fill="hold">
+                                          <p:stCondLst>
+                                            <p:cond delay="0"/>
+                                          </p:stCondLst>
+                                        </p:cTn>
+                                        <p:tgtEl>
+                                          <p:spTgt spid="5"/>
+                                        </p:tgtEl>
+                                        <p:attrNameLst>
+                                          <p:attrName>style.visibility</p:attrName>
+                                        </p:attrNameLst>
+                                      </p:cBhvr>
+                                      <p:to>
+                                        <p:strVal val="visible"/>
+                                      </p:to>
+                                    </p:set>
+                                    <p:animEffect transition="in" filter="fade">
+                                      <p:cBhvr>
+                                        <p:cTn id="12" dur="500"/>
+                                        <p:tgtEl>
+                                          <p:spTgt spid="5"/>
+                                        </p:tgtEl>
+                                      </p:cBhvr>
+                                    </p:animEffect>
+                                  </p:childTnLst>
+                                </p:cTn>
+                              </p:par>
+                            </p:childTnLst>
+                          </p:cTn>
+                        </p:par>
+                      </p:childTnLst>
+                    </p:cTn>
+                  </p:par>
+                  <p:par>
+                    <p:cTn id="13" fill="hold">
+                      <p:stCondLst>
+                        <p:cond delay="indefinite"/>
+                      </p:stCondLst>
+                      <p:childTnLst>
+                        <p:par>
+                          <p:cTn id="14" fill="hold">
+                            <p:stCondLst>
+                              <p:cond delay="0"/>
+                            </p:stCondLst>
+                            <p:childTnLst>
+                              <p:par>
+                                <p:cTn id="15" presetID="10" presetClass="entr" presetSubtype="0" fill="hold" grpId="0" nodeType="clickEffect">
+                                  <p:stCondLst>
+                                    <p:cond delay="0"/>
+                                  </p:stCondLst>
+                                  <p:childTnLst>
+                                    <p:set>
+                                      <p:cBhvr>
+                                        <p:cTn id="16" dur="1" fill="hold">
+                                          <p:stCondLst>
+                                            <p:cond delay="0"/>
+                                          </p:stCondLst>
+                                        </p:cTn>
+                                        <p:tgtEl>
+                                          <p:spTgt spid="3">
+                                            <p:txEl>
+                                              <p:pRg st="1" end="1"/>
+                                            </p:txEl>
+                                          </p:spTgt>
+                                        </p:tgtEl>
+                                        <p:attrNameLst>
+                                          <p:attrName>style.visibility</p:attrName>
+                                        </p:attrNameLst>
+                                      </p:cBhvr>
+                                      <p:to>
+                                        <p:strVal val="visible"/>
+                                      </p:to>
+                                    </p:set>
+                                    <p:animEffect transition="in" filter="fade">
+                                      <p:cBhvr>
+                                        <p:cTn id="17" dur="500"/>
+                                        <p:tgtEl>
+                                          <p:spTgt spid="3">
+                                            <p:txEl>
+                                              <p:pRg st="1" end="1"/>
+                                            </p:txEl>
+                                          </p:spTgt>
+                                        </p:tgtEl>
+                                      </p:cBhvr>
+                                    </p:animEffect>
+                                  </p:childTnLst>
+                                </p:cTn>
+                              </p:par>
+                            </p:childTnLst>
+                          </p:cTn>
+                        </p:par>
+                      </p:childTnLst>
+                    </p:cTn>
+                  </p:par>
+                  <p:par>
+                    <p:cTn id="18" fill="hold">
+                      <p:stCondLst>
+                        <p:cond delay="indefinite"/>
+                      </p:stCondLst>
+                      <p:childTnLst>
+                        <p:par>
+                          <p:cTn id="19" fill="hold">
+                            <p:stCondLst>
+                              <p:cond delay="0"/>
+                            </p:stCondLst>
+                            <p:childTnLst>
+                              <p:par>
+                                <p:cTn id="20" presetID="10" presetClass="entr" presetSubtype="0" fill="hold" grpId="0" nodeType="clickEffect">
+                                  <p:stCondLst>
+                                    <p:cond delay="0"/>
+                                  </p:stCondLst>
+                                  <p:childTnLst>
+                                    <p:set>
+                                      <p:cBhvr>
+                                        <p:cTn id="21" dur="1" fill="hold">
+                                          <p:stCondLst>
+                                            <p:cond delay="0"/>
+                                          </p:stCondLst>
+                                        </p:cTn>
+                                        <p:tgtEl>
+                                          <p:spTgt spid="3">
+                                            <p:txEl>
+                                              <p:pRg st="2" end="2"/>
+                                            </p:txEl>
+                                          </p:spTgt>
+                                        </p:tgtEl>
+                                        <p:attrNameLst>
+                                          <p:attrName>style.visibility</p:attrName>
+                                        </p:attrNameLst>
+                                      </p:cBhvr>
+                                      <p:to>
+                                        <p:strVal val="visible"/>
+                                      </p:to>
+                                    </p:set>
+                                    <p:animEffect transition="in" filter="fade">
+                                      <p:cBhvr>
+                                        <p:cTn id="22" dur="500"/>
+                                        <p:tgtEl>
+                                          <p:spTgt spid="3">
+                                            <p:txEl>
+                                              <p:pRg st="2" end="2"/>
+                                            </p:txEl>
+                                          </p:spTgt>
+                                        </p:tgtEl>
+                                      </p:cBhvr>
+                                    </p:animEffect>
+                                  </p:childTnLst>
+                                </p:cTn>
+                              </p:par>
+                              <p:par>
+                                <p:cTn id="23" presetID="10" presetClass="entr" presetSubtype="0" fill="hold" grpId="0" nodeType="withEffect">
+                                  <p:stCondLst>
+                                    <p:cond delay="0"/>
+                                  </p:stCondLst>
+                                  <p:childTnLst>
+                                    <p:set>
+                                      <p:cBhvr>
+                                        <p:cTn id="24" dur="1" fill="hold">
+                                          <p:stCondLst>
+                                            <p:cond delay="0"/>
+                                          </p:stCondLst>
+                                        </p:cTn>
+                                        <p:tgtEl>
+                                          <p:spTgt spid="3">
+                                            <p:txEl>
+                                              <p:pRg st="3" end="3"/>
+                                            </p:txEl>
+                                          </p:spTgt>
+                                        </p:tgtEl>
+                                        <p:attrNameLst>
+                                          <p:attrName>style.visibility</p:attrName>
+                                        </p:attrNameLst>
+                                      </p:cBhvr>
+                                      <p:to>
+                                        <p:strVal val="visible"/>
+                                      </p:to>
+                                    </p:set>
+                                    <p:animEffect transition="in" filter="fade">
+                                      <p:cBhvr>
+                                        <p:cTn id="25" dur="500"/>
+                                        <p:tgtEl>
+                                          <p:spTgt spid="3">
+                                            <p:txEl>
+                                              <p:pRg st="3" end="3"/>
+                                            </p:txEl>
+                                          </p:spTgt>
+                                        </p:tgtEl>
+                                      </p:cBhvr>
+                                    </p:animEffect>
+                                  </p:childTnLst>
+                                </p:cTn>
+                              </p:par>
+                            </p:childTnLst>
+                          </p:cTn>
+                        </p:par>
+                      </p:childTnLst>
+                    </p:cTn>
+                  </p:par>
+                  <p:par>
+                    <p:cTn id="26" fill="hold">
+                      <p:stCondLst>
+                        <p:cond delay="indefinite"/>
+                      </p:stCondLst>
+                      <p:childTnLst>
+                        <p:par>
+                          <p:cTn id="27" fill="hold">
+                            <p:stCondLst>
+                              <p:cond delay="0"/>
+                            </p:stCondLst>
+                            <p:childTnLst>
+                              <p:par>
+                                <p:cTn id="28" presetID="10" presetClass="entr" presetSubtype="0" fill="hold" nodeType="clickEffect">
+                                  <p:stCondLst>
+                                    <p:cond delay="0"/>
+                                  </p:stCondLst>
+                                  <p:childTnLst>
+                                    <p:set>
+                                      <p:cBhvr>
+                                        <p:cTn id="29" dur="1" fill="hold">
+                                          <p:stCondLst>
+                                            <p:cond delay="0"/>
+                                          </p:stCondLst>
+                                        </p:cTn>
+                                        <p:tgtEl>
+                                          <p:spTgt spid="6"/>
+                                        </p:tgtEl>
+                                        <p:attrNameLst>
+                                          <p:attrName>style.visibility</p:attrName>
+                                        </p:attrNameLst>
+                                      </p:cBhvr>
+                                      <p:to>
+                                        <p:strVal val="visible"/>
+                                      </p:to>
+                                    </p:set>
+                                    <p:animEffect transition="in" filter="fade">
+                                      <p:cBhvr>
+                                        <p:cTn id="30" dur="500"/>
+                                        <p:tgtEl>
+                                          <p:spTgt spid="6"/>
+                                        </p:tgtEl>
+                                      </p:cBhvr>
+                                    </p:animEffect>
+                                  </p:childTnLst>
+                                </p:cTn>
+                              </p:par>
+                            </p:childTnLst>
+                          </p:cTn>
+                        </p:par>
+                      </p:childTnLst>
+                    </p:cTn>
+                  </p:par>
+                  <p:par>
+                    <p:cTn id="31" fill="hold">
+                      <p:stCondLst>
+                        <p:cond delay="indefinite"/>
+                      </p:stCondLst>
+                      <p:childTnLst>
+                        <p:par>
+                          <p:cTn id="32" fill="hold">
+                            <p:stCondLst>
+                              <p:cond delay="0"/>
+                            </p:stCondLst>
+                            <p:childTnLst>
+                              <p:par>
+                                <p:cTn id="33" presetID="10" presetClass="entr" presetSubtype="0" fill="hold" nodeType="clickEffect">
+                                  <p:stCondLst>
+                                    <p:cond delay="0"/>
+                                  </p:stCondLst>
+                                  <p:childTnLst>
+                                    <p:set>
+                                      <p:cBhvr>
+                                        <p:cTn id="34" dur="1" fill="hold">
+                                          <p:stCondLst>
+                                            <p:cond delay="0"/>
+                                          </p:stCondLst>
+                                        </p:cTn>
+                                        <p:tgtEl>
+                                          <p:spTgt spid="7"/>
+                                        </p:tgtEl>
+                                        <p:attrNameLst>
+                                          <p:attrName>style.visibility</p:attrName>
+                                        </p:attrNameLst>
+                                      </p:cBhvr>
+                                      <p:to>
+                                        <p:strVal val="visible"/>
+                                      </p:to>
+                                    </p:set>
+                                    <p:animEffect transition="in" filter="fade">
+                                      <p:cBhvr>
+                                        <p:cTn id="35" dur="500"/>
+                                        <p:tgtEl>
+                                          <p:spTgt spid="7"/>
+                                        </p:tgtEl>
+                                      </p:cBhvr>
+                                    </p:animEffect>
+                                  </p:childTnLst>
+                                </p:cTn>
+                              </p:par>
+                            </p:childTnLst>
+                          </p:cTn>
+                        </p:par>
+                      </p:childTnLst>
+                    </p:cTn>
+                  </p:par>
+                </p:childTnLst>
+              </p:cTn>
+              <p:prevCondLst>
+                <p:cond evt="onPrev" delay="0">
+                  <p:tgtEl>
+                    <p:sldTgt/>
+                  </p:tgtEl>
+                </p:cond>
+              </p:prevCondLst>
+              <p:nextCondLst>
+                <p:cond evt="onNext" delay="0">
+                  <p:tgtEl>
+                    <p:sldTgt/>
+                  </p:tgtEl>
+                </p:cond>
+              </p:nextCondLst>
+            </p:seq>
+          </p:childTnLst>
+        </p:cTn>
+      </p:par>
+    </p:tnLst>
+    <p:bldLst>
+      <p:bldP spid="3" grpId="0" uiExpand="1" build="p"/>
+    </p:bldLst>
+  </p:timing>
 </p:sld>
 </file>
 
-<file path=ppt/slides/slide3.xml><?xml version="1.0" encoding="utf-8"?>
+<file path=ppt/slides/slide4.xml><?xml version="1.0" encoding="utf-8"?>
+<p:sld xmlns:a="http://schemas.openxmlformats.org/drawingml/2006/main" xmlns:r="http://schemas.openxmlformats.org/officeDocument/2006/relationships" xmlns:p="http://schemas.openxmlformats.org/presentationml/2006/main">
+  <p:cSld>
+    <p:bg>
+      <p:bgPr>
+        <a:blipFill>
+          <a:blip r:embed="rId3"/>
+          <a:stretch/>
+        </a:blipFill>
+        <a:effectLst/>
+      </p:bgPr>
+    </p:bg>
+    <p:spTree>
+      <p:nvGrpSpPr>
+        <p:cNvPr id="1" name=""/>
+        <p:cNvGrpSpPr/>
+        <p:nvPr/>
+      </p:nvGrpSpPr>
+      <p:grpSpPr>
+        <a:xfrm>
+          <a:off x="0" y="0"/>
+          <a:ext cx="0" cy="0"/>
+          <a:chOff x="0" y="0"/>
+          <a:chExt cx="0" cy="0"/>
+        </a:xfrm>
+      </p:grpSpPr>
+      <p:grpSp>
+        <p:nvGrpSpPr>
+          <p:cNvPr id="151" name="Group 150">
+            <a:extLst>
+              <a:ext uri="{FF2B5EF4-FFF2-40B4-BE49-F238E27FC236}">
+                <a16:creationId xmlns:a16="http://schemas.microsoft.com/office/drawing/2014/main" id="{B77576E5-E7DB-46C7-B0D9-A0AB18787301}"/>
+              </a:ext>
+              <a:ext uri="{C183D7F6-B498-43B3-948B-1728B52AA6E4}">
+                <adec:decorative xmlns:adec="http://schemas.microsoft.com/office/drawing/2017/decorative" val="1"/>
+              </a:ext>
+            </a:extLst>
+          </p:cNvPr>
+          <p:cNvGrpSpPr>
+            <a:grpSpLocks noGrp="1" noUngrp="1" noRot="1" noChangeAspect="1" noMove="1" noResize="1"/>
+          </p:cNvGrpSpPr>
+          <p:nvPr>
+            <p:extLst>
+              <p:ext uri="{386F3935-93C4-4BCD-93E2-E3B085C9AB24}">
+                <p16:designElem xmlns:p16="http://schemas.microsoft.com/office/powerpoint/2015/main" val="1"/>
+              </p:ext>
+            </p:extLst>
+          </p:nvPr>
+        </p:nvGrpSpPr>
+        <p:grpSpPr>
+          <a:xfrm>
+            <a:off x="-15736" y="0"/>
+            <a:ext cx="12229962" cy="6856214"/>
+            <a:chOff x="-15736" y="0"/>
+            <a:chExt cx="12229962" cy="6856214"/>
+          </a:xfrm>
+        </p:grpSpPr>
+        <p:pic>
+          <p:nvPicPr>
+            <p:cNvPr id="152" name="Picture 151">
+              <a:extLst>
+                <a:ext uri="{FF2B5EF4-FFF2-40B4-BE49-F238E27FC236}">
+                  <a16:creationId xmlns:a16="http://schemas.microsoft.com/office/drawing/2014/main" id="{A2C244BC-AB19-460B-9A7B-5BAFE9DEAB00}"/>
+                </a:ext>
+                <a:ext uri="{C183D7F6-B498-43B3-948B-1728B52AA6E4}">
+                  <adec:decorative xmlns:adec="http://schemas.microsoft.com/office/drawing/2017/decorative" val="1"/>
+                </a:ext>
+              </a:extLst>
+            </p:cNvPr>
+            <p:cNvPicPr>
+              <a:picLocks noChangeAspect="1"/>
+            </p:cNvPicPr>
+            <p:nvPr>
+              <p:extLst>
+                <p:ext uri="{386F3935-93C4-4BCD-93E2-E3B085C9AB24}">
+                  <p16:designElem xmlns:p16="http://schemas.microsoft.com/office/powerpoint/2015/main" val="1"/>
+                </p:ext>
+              </p:extLst>
+            </p:nvPr>
+          </p:nvPicPr>
+          <p:blipFill>
+            <a:blip r:embed="rId4">
+              <a:extLst>
+                <a:ext uri="{28A0092B-C50C-407E-A947-70E740481C1C}">
+                  <a14:useLocalDpi xmlns:a14="http://schemas.microsoft.com/office/drawing/2010/main" val="0"/>
+                </a:ext>
+              </a:extLst>
+            </a:blip>
+            <a:stretch>
+              <a:fillRect/>
+            </a:stretch>
+          </p:blipFill>
+          <p:spPr>
+            <a:xfrm>
+              <a:off x="0" y="0"/>
+              <a:ext cx="12188825" cy="6856214"/>
+            </a:xfrm>
+            <a:prstGeom prst="rect">
+              <a:avLst/>
+            </a:prstGeom>
+          </p:spPr>
+        </p:pic>
+        <p:sp>
+          <p:nvSpPr>
+            <p:cNvPr id="153" name="Rectangle 152">
+              <a:extLst>
+                <a:ext uri="{FF2B5EF4-FFF2-40B4-BE49-F238E27FC236}">
+                  <a16:creationId xmlns:a16="http://schemas.microsoft.com/office/drawing/2014/main" id="{C2D7728D-2CB0-4ADE-B6BF-4BA8ED772A31}"/>
+                </a:ext>
+                <a:ext uri="{C183D7F6-B498-43B3-948B-1728B52AA6E4}">
+                  <adec:decorative xmlns:adec="http://schemas.microsoft.com/office/drawing/2017/decorative" val="1"/>
+                </a:ext>
+              </a:extLst>
+            </p:cNvPr>
+            <p:cNvSpPr/>
+            <p:nvPr>
+              <p:extLst>
+                <p:ext uri="{386F3935-93C4-4BCD-93E2-E3B085C9AB24}">
+                  <p16:designElem xmlns:p16="http://schemas.microsoft.com/office/powerpoint/2015/main" val="1"/>
+                </p:ext>
+              </p:extLst>
+            </p:nvPr>
+          </p:nvSpPr>
+          <p:spPr>
+            <a:xfrm>
+              <a:off x="608012" y="609600"/>
+              <a:ext cx="10972800" cy="5638800"/>
+            </a:xfrm>
+            <a:prstGeom prst="rect">
+              <a:avLst/>
+            </a:prstGeom>
+            <a:noFill/>
+            <a:ln w="15875" cap="flat">
+              <a:miter lim="800000"/>
+            </a:ln>
+          </p:spPr>
+          <p:style>
+            <a:lnRef idx="1">
+              <a:schemeClr val="accent1"/>
+            </a:lnRef>
+            <a:fillRef idx="3">
+              <a:schemeClr val="accent1"/>
+            </a:fillRef>
+            <a:effectRef idx="2">
+              <a:schemeClr val="accent1"/>
+            </a:effectRef>
+            <a:fontRef idx="minor">
+              <a:schemeClr val="lt1"/>
+            </a:fontRef>
+          </p:style>
+        </p:sp>
+        <p:pic>
+          <p:nvPicPr>
+            <p:cNvPr id="154" name="Picture 153">
+              <a:extLst>
+                <a:ext uri="{FF2B5EF4-FFF2-40B4-BE49-F238E27FC236}">
+                  <a16:creationId xmlns:a16="http://schemas.microsoft.com/office/drawing/2014/main" id="{A3E0EDB8-8162-4D16-9521-52415777B0B4}"/>
+                </a:ext>
+                <a:ext uri="{C183D7F6-B498-43B3-948B-1728B52AA6E4}">
+                  <adec:decorative xmlns:adec="http://schemas.microsoft.com/office/drawing/2017/decorative" val="1"/>
+                </a:ext>
+              </a:extLst>
+            </p:cNvPr>
+            <p:cNvPicPr>
+              <a:picLocks noChangeAspect="1"/>
+            </p:cNvPicPr>
+            <p:nvPr>
+              <p:extLst>
+                <p:ext uri="{386F3935-93C4-4BCD-93E2-E3B085C9AB24}">
+                  <p16:designElem xmlns:p16="http://schemas.microsoft.com/office/powerpoint/2015/main" val="1"/>
+                </p:ext>
+              </p:extLst>
+            </p:nvPr>
+          </p:nvPicPr>
+          <p:blipFill rotWithShape="1">
+            <a:blip r:embed="rId5">
+              <a:extLst>
+                <a:ext uri="{28A0092B-C50C-407E-A947-70E740481C1C}">
+                  <a14:useLocalDpi xmlns:a14="http://schemas.microsoft.com/office/drawing/2010/main" val="0"/>
+                </a:ext>
+              </a:extLst>
+            </a:blip>
+            <a:srcRect/>
+            <a:stretch/>
+          </p:blipFill>
+          <p:spPr>
+            <a:xfrm>
+              <a:off x="-15736" y="3153832"/>
+              <a:ext cx="777240" cy="606425"/>
+            </a:xfrm>
+            <a:prstGeom prst="rect">
+              <a:avLst/>
+            </a:prstGeom>
+          </p:spPr>
+        </p:pic>
+        <p:pic>
+          <p:nvPicPr>
+            <p:cNvPr id="155" name="Picture 154">
+              <a:extLst>
+                <a:ext uri="{FF2B5EF4-FFF2-40B4-BE49-F238E27FC236}">
+                  <a16:creationId xmlns:a16="http://schemas.microsoft.com/office/drawing/2014/main" id="{27060CB3-C139-4548-A73F-74689C9292D0}"/>
+                </a:ext>
+                <a:ext uri="{C183D7F6-B498-43B3-948B-1728B52AA6E4}">
+                  <adec:decorative xmlns:adec="http://schemas.microsoft.com/office/drawing/2017/decorative" val="1"/>
+                </a:ext>
+              </a:extLst>
+            </p:cNvPr>
+            <p:cNvPicPr>
+              <a:picLocks noChangeAspect="1"/>
+            </p:cNvPicPr>
+            <p:nvPr>
+              <p:extLst>
+                <p:ext uri="{386F3935-93C4-4BCD-93E2-E3B085C9AB24}">
+                  <p16:designElem xmlns:p16="http://schemas.microsoft.com/office/powerpoint/2015/main" val="1"/>
+                </p:ext>
+              </p:extLst>
+            </p:nvPr>
+          </p:nvPicPr>
+          <p:blipFill rotWithShape="1">
+            <a:blip r:embed="rId5">
+              <a:extLst>
+                <a:ext uri="{28A0092B-C50C-407E-A947-70E740481C1C}">
+                  <a14:useLocalDpi xmlns:a14="http://schemas.microsoft.com/office/drawing/2010/main" val="0"/>
+                </a:ext>
+              </a:extLst>
+            </a:blip>
+            <a:srcRect/>
+            <a:stretch/>
+          </p:blipFill>
+          <p:spPr>
+            <a:xfrm>
+              <a:off x="11436986" y="3153832"/>
+              <a:ext cx="777240" cy="606425"/>
+            </a:xfrm>
+            <a:prstGeom prst="rect">
+              <a:avLst/>
+            </a:prstGeom>
+          </p:spPr>
+        </p:pic>
+      </p:grpSp>
+      <p:sp>
+        <p:nvSpPr>
+          <p:cNvPr id="157" name="Rectangle 156">
+            <a:extLst>
+              <a:ext uri="{FF2B5EF4-FFF2-40B4-BE49-F238E27FC236}">
+                <a16:creationId xmlns:a16="http://schemas.microsoft.com/office/drawing/2014/main" id="{23E3CED3-8830-45C9-8D6C-F4ECADD4F114}"/>
+              </a:ext>
+              <a:ext uri="{C183D7F6-B498-43B3-948B-1728B52AA6E4}">
+                <adec:decorative xmlns:adec="http://schemas.microsoft.com/office/drawing/2017/decorative" val="1"/>
+              </a:ext>
+            </a:extLst>
+          </p:cNvPr>
+          <p:cNvSpPr>
+            <a:spLocks noGrp="1" noRot="1" noChangeAspect="1" noMove="1" noResize="1" noEditPoints="1" noAdjustHandles="1" noChangeArrowheads="1" noChangeShapeType="1" noTextEdit="1"/>
+          </p:cNvSpPr>
+          <p:nvPr>
+            <p:extLst>
+              <p:ext uri="{386F3935-93C4-4BCD-93E2-E3B085C9AB24}">
+                <p16:designElem xmlns:p16="http://schemas.microsoft.com/office/powerpoint/2015/main" val="1"/>
+              </p:ext>
+            </p:extLst>
+          </p:nvPr>
+        </p:nvSpPr>
+        <p:spPr>
+          <a:xfrm>
+            <a:off x="0" y="0"/>
+            <a:ext cx="12192000" cy="6858000"/>
+          </a:xfrm>
+          <a:prstGeom prst="rect">
+            <a:avLst/>
+          </a:prstGeom>
+          <a:solidFill>
+            <a:srgbClr val="4E7247"/>
+          </a:solidFill>
+          <a:ln>
+            <a:noFill/>
+          </a:ln>
+        </p:spPr>
+        <p:style>
+          <a:lnRef idx="2">
+            <a:schemeClr val="accent1">
+              <a:shade val="50000"/>
+            </a:schemeClr>
+          </a:lnRef>
+          <a:fillRef idx="1">
+            <a:schemeClr val="accent1"/>
+          </a:fillRef>
+          <a:effectRef idx="0">
+            <a:schemeClr val="accent1"/>
+          </a:effectRef>
+          <a:fontRef idx="minor">
+            <a:schemeClr val="lt1"/>
+          </a:fontRef>
+        </p:style>
+        <p:txBody>
+          <a:bodyPr rtlCol="0" anchor="ctr"/>
+          <a:lstStyle/>
+          <a:p>
+            <a:pPr algn="ctr"/>
+            <a:endParaRPr lang="en-US"/>
+          </a:p>
+        </p:txBody>
+      </p:sp>
+      <p:pic>
+        <p:nvPicPr>
+          <p:cNvPr id="6" name="Picture 5">
+            <a:extLst>
+              <a:ext uri="{FF2B5EF4-FFF2-40B4-BE49-F238E27FC236}">
+                <a16:creationId xmlns:a16="http://schemas.microsoft.com/office/drawing/2014/main" id="{0FE923F4-B321-99D9-3E42-D3DF848E7ED8}"/>
+              </a:ext>
+            </a:extLst>
+          </p:cNvPr>
+          <p:cNvPicPr>
+            <a:picLocks noChangeAspect="1"/>
+          </p:cNvPicPr>
+          <p:nvPr/>
+        </p:nvPicPr>
+        <p:blipFill>
+          <a:blip r:embed="rId6"/>
+          <a:stretch>
+            <a:fillRect/>
+          </a:stretch>
+        </p:blipFill>
+        <p:spPr>
+          <a:xfrm>
+            <a:off x="1514514" y="393282"/>
+            <a:ext cx="9159795" cy="6114162"/>
+          </a:xfrm>
+          <a:prstGeom prst="rect">
+            <a:avLst/>
+          </a:prstGeom>
+        </p:spPr>
+      </p:pic>
+      <p:sp>
+        <p:nvSpPr>
+          <p:cNvPr id="159" name="Rectangle 158">
+            <a:extLst>
+              <a:ext uri="{FF2B5EF4-FFF2-40B4-BE49-F238E27FC236}">
+                <a16:creationId xmlns:a16="http://schemas.microsoft.com/office/drawing/2014/main" id="{66F2D62A-C66C-42DF-8C05-99B0B1A8BED0}"/>
+              </a:ext>
+              <a:ext uri="{C183D7F6-B498-43B3-948B-1728B52AA6E4}">
+                <adec:decorative xmlns:adec="http://schemas.microsoft.com/office/drawing/2017/decorative" val="1"/>
+              </a:ext>
+            </a:extLst>
+          </p:cNvPr>
+          <p:cNvSpPr>
+            <a:spLocks noGrp="1" noRot="1" noChangeAspect="1" noMove="1" noResize="1" noEditPoints="1" noAdjustHandles="1" noChangeArrowheads="1" noChangeShapeType="1" noTextEdit="1"/>
+          </p:cNvSpPr>
+          <p:nvPr>
+            <p:extLst>
+              <p:ext uri="{386F3935-93C4-4BCD-93E2-E3B085C9AB24}">
+                <p16:designElem xmlns:p16="http://schemas.microsoft.com/office/powerpoint/2015/main" val="1"/>
+              </p:ext>
+            </p:extLst>
+          </p:nvPr>
+        </p:nvSpPr>
+        <p:spPr>
+          <a:xfrm>
+            <a:off x="324611" y="350556"/>
+            <a:ext cx="11542779" cy="6156888"/>
+          </a:xfrm>
+          <a:prstGeom prst="rect">
+            <a:avLst/>
+          </a:prstGeom>
+          <a:noFill/>
+          <a:ln w="25400" cap="flat">
+            <a:solidFill>
+              <a:srgbClr val="FE3D00"/>
+            </a:solidFill>
+            <a:miter lim="800000"/>
+          </a:ln>
+        </p:spPr>
+        <p:style>
+          <a:lnRef idx="1">
+            <a:schemeClr val="accent1"/>
+          </a:lnRef>
+          <a:fillRef idx="3">
+            <a:schemeClr val="accent1"/>
+          </a:fillRef>
+          <a:effectRef idx="2">
+            <a:schemeClr val="accent1"/>
+          </a:effectRef>
+          <a:fontRef idx="minor">
+            <a:schemeClr val="lt1"/>
+          </a:fontRef>
+        </p:style>
+      </p:sp>
+    </p:spTree>
+    <p:extLst>
+      <p:ext uri="{BB962C8B-B14F-4D97-AF65-F5344CB8AC3E}">
+        <p14:creationId xmlns:p14="http://schemas.microsoft.com/office/powerpoint/2010/main" val="1890200374"/>
+      </p:ext>
+    </p:extLst>
+  </p:cSld>
+  <p:clrMapOvr>
+    <a:masterClrMapping/>
+  </p:clrMapOvr>
+  <p:transition spd="slow">
+    <p:push dir="u"/>
+  </p:transition>
+</p:sld>
+</file>
+
+<file path=ppt/slides/slide5.xml><?xml version="1.0" encoding="utf-8"?>
 <p:sld xmlns:a="http://schemas.openxmlformats.org/drawingml/2006/main" xmlns:r="http://schemas.openxmlformats.org/officeDocument/2006/relationships" xmlns:p="http://schemas.openxmlformats.org/presentationml/2006/main">
   <p:cSld>
     <p:spTree>
@@ -6230,13 +9494,13 @@
           <a:p>
             <a:r>
               <a:rPr lang="en-US" dirty="0"/>
-              <a:t>We could quickly calculate the maximum ABV value with the given data, but there appeared to be more to the story than simple maximums</a:t>
+              <a:t>We could calculate the maximum ABV value with the given data, but there appeared to be more to the story than simple maximums</a:t>
             </a:r>
           </a:p>
           <a:p>
             <a:r>
               <a:rPr lang="en-US" dirty="0"/>
-              <a:t>We calculated the five states with the highest scoring ABV beers pretty simply from the incomplete, original data (to make sure no made-up data was counted), as there was only one repeat (CO) in the top six candidates:</a:t>
+              <a:t>We calculated the five states with the highest scoring ABV beers from the incomplete, original data (to make sure no made-up data was counted), as there was only one repeat (CO) in the top six candidates:</a:t>
             </a:r>
           </a:p>
           <a:p>
@@ -6315,10 +9579,282 @@
   <p:clrMapOvr>
     <a:masterClrMapping/>
   </p:clrMapOvr>
+  <p:transition spd="slow">
+    <p:push dir="u"/>
+  </p:transition>
+  <p:timing>
+    <p:tnLst>
+      <p:par>
+        <p:cTn id="1" dur="indefinite" restart="never" nodeType="tmRoot">
+          <p:childTnLst>
+            <p:seq concurrent="1" nextAc="seek">
+              <p:cTn id="2" dur="indefinite" nodeType="mainSeq">
+                <p:childTnLst>
+                  <p:par>
+                    <p:cTn id="3" fill="hold">
+                      <p:stCondLst>
+                        <p:cond delay="indefinite"/>
+                      </p:stCondLst>
+                      <p:childTnLst>
+                        <p:par>
+                          <p:cTn id="4" fill="hold">
+                            <p:stCondLst>
+                              <p:cond delay="0"/>
+                            </p:stCondLst>
+                            <p:childTnLst>
+                              <p:par>
+                                <p:cTn id="5" presetID="10" presetClass="entr" presetSubtype="0" fill="hold" grpId="0" nodeType="clickEffect">
+                                  <p:stCondLst>
+                                    <p:cond delay="0"/>
+                                  </p:stCondLst>
+                                  <p:childTnLst>
+                                    <p:set>
+                                      <p:cBhvr>
+                                        <p:cTn id="6" dur="1" fill="hold">
+                                          <p:stCondLst>
+                                            <p:cond delay="0"/>
+                                          </p:stCondLst>
+                                        </p:cTn>
+                                        <p:tgtEl>
+                                          <p:spTgt spid="3">
+                                            <p:txEl>
+                                              <p:pRg st="0" end="0"/>
+                                            </p:txEl>
+                                          </p:spTgt>
+                                        </p:tgtEl>
+                                        <p:attrNameLst>
+                                          <p:attrName>style.visibility</p:attrName>
+                                        </p:attrNameLst>
+                                      </p:cBhvr>
+                                      <p:to>
+                                        <p:strVal val="visible"/>
+                                      </p:to>
+                                    </p:set>
+                                    <p:animEffect transition="in" filter="fade">
+                                      <p:cBhvr>
+                                        <p:cTn id="7" dur="500"/>
+                                        <p:tgtEl>
+                                          <p:spTgt spid="3">
+                                            <p:txEl>
+                                              <p:pRg st="0" end="0"/>
+                                            </p:txEl>
+                                          </p:spTgt>
+                                        </p:tgtEl>
+                                      </p:cBhvr>
+                                    </p:animEffect>
+                                  </p:childTnLst>
+                                </p:cTn>
+                              </p:par>
+                            </p:childTnLst>
+                          </p:cTn>
+                        </p:par>
+                      </p:childTnLst>
+                    </p:cTn>
+                  </p:par>
+                  <p:par>
+                    <p:cTn id="8" fill="hold">
+                      <p:stCondLst>
+                        <p:cond delay="indefinite"/>
+                      </p:stCondLst>
+                      <p:childTnLst>
+                        <p:par>
+                          <p:cTn id="9" fill="hold">
+                            <p:stCondLst>
+                              <p:cond delay="0"/>
+                            </p:stCondLst>
+                            <p:childTnLst>
+                              <p:par>
+                                <p:cTn id="10" presetID="10" presetClass="entr" presetSubtype="0" fill="hold" grpId="0" nodeType="clickEffect">
+                                  <p:stCondLst>
+                                    <p:cond delay="0"/>
+                                  </p:stCondLst>
+                                  <p:childTnLst>
+                                    <p:set>
+                                      <p:cBhvr>
+                                        <p:cTn id="11" dur="1" fill="hold">
+                                          <p:stCondLst>
+                                            <p:cond delay="0"/>
+                                          </p:stCondLst>
+                                        </p:cTn>
+                                        <p:tgtEl>
+                                          <p:spTgt spid="3">
+                                            <p:txEl>
+                                              <p:pRg st="1" end="1"/>
+                                            </p:txEl>
+                                          </p:spTgt>
+                                        </p:tgtEl>
+                                        <p:attrNameLst>
+                                          <p:attrName>style.visibility</p:attrName>
+                                        </p:attrNameLst>
+                                      </p:cBhvr>
+                                      <p:to>
+                                        <p:strVal val="visible"/>
+                                      </p:to>
+                                    </p:set>
+                                    <p:animEffect transition="in" filter="fade">
+                                      <p:cBhvr>
+                                        <p:cTn id="12" dur="500"/>
+                                        <p:tgtEl>
+                                          <p:spTgt spid="3">
+                                            <p:txEl>
+                                              <p:pRg st="1" end="1"/>
+                                            </p:txEl>
+                                          </p:spTgt>
+                                        </p:tgtEl>
+                                      </p:cBhvr>
+                                    </p:animEffect>
+                                  </p:childTnLst>
+                                </p:cTn>
+                              </p:par>
+                            </p:childTnLst>
+                          </p:cTn>
+                        </p:par>
+                      </p:childTnLst>
+                    </p:cTn>
+                  </p:par>
+                  <p:par>
+                    <p:cTn id="13" fill="hold">
+                      <p:stCondLst>
+                        <p:cond delay="indefinite"/>
+                      </p:stCondLst>
+                      <p:childTnLst>
+                        <p:par>
+                          <p:cTn id="14" fill="hold">
+                            <p:stCondLst>
+                              <p:cond delay="0"/>
+                            </p:stCondLst>
+                            <p:childTnLst>
+                              <p:par>
+                                <p:cTn id="15" presetID="10" presetClass="entr" presetSubtype="0" fill="hold" nodeType="clickEffect">
+                                  <p:stCondLst>
+                                    <p:cond delay="0"/>
+                                  </p:stCondLst>
+                                  <p:childTnLst>
+                                    <p:set>
+                                      <p:cBhvr>
+                                        <p:cTn id="16" dur="1" fill="hold">
+                                          <p:stCondLst>
+                                            <p:cond delay="0"/>
+                                          </p:stCondLst>
+                                        </p:cTn>
+                                        <p:tgtEl>
+                                          <p:spTgt spid="7"/>
+                                        </p:tgtEl>
+                                        <p:attrNameLst>
+                                          <p:attrName>style.visibility</p:attrName>
+                                        </p:attrNameLst>
+                                      </p:cBhvr>
+                                      <p:to>
+                                        <p:strVal val="visible"/>
+                                      </p:to>
+                                    </p:set>
+                                    <p:animEffect transition="in" filter="fade">
+                                      <p:cBhvr>
+                                        <p:cTn id="17" dur="500"/>
+                                        <p:tgtEl>
+                                          <p:spTgt spid="7"/>
+                                        </p:tgtEl>
+                                      </p:cBhvr>
+                                    </p:animEffect>
+                                  </p:childTnLst>
+                                </p:cTn>
+                              </p:par>
+                            </p:childTnLst>
+                          </p:cTn>
+                        </p:par>
+                      </p:childTnLst>
+                    </p:cTn>
+                  </p:par>
+                  <p:par>
+                    <p:cTn id="18" fill="hold">
+                      <p:stCondLst>
+                        <p:cond delay="indefinite"/>
+                      </p:stCondLst>
+                      <p:childTnLst>
+                        <p:par>
+                          <p:cTn id="19" fill="hold">
+                            <p:stCondLst>
+                              <p:cond delay="0"/>
+                            </p:stCondLst>
+                            <p:childTnLst>
+                              <p:par>
+                                <p:cTn id="20" presetID="10" presetClass="entr" presetSubtype="0" fill="hold" grpId="0" nodeType="clickEffect">
+                                  <p:stCondLst>
+                                    <p:cond delay="0"/>
+                                  </p:stCondLst>
+                                  <p:childTnLst>
+                                    <p:set>
+                                      <p:cBhvr>
+                                        <p:cTn id="21" dur="1" fill="hold">
+                                          <p:stCondLst>
+                                            <p:cond delay="0"/>
+                                          </p:stCondLst>
+                                        </p:cTn>
+                                        <p:tgtEl>
+                                          <p:spTgt spid="3">
+                                            <p:txEl>
+                                              <p:pRg st="5" end="5"/>
+                                            </p:txEl>
+                                          </p:spTgt>
+                                        </p:tgtEl>
+                                        <p:attrNameLst>
+                                          <p:attrName>style.visibility</p:attrName>
+                                        </p:attrNameLst>
+                                      </p:cBhvr>
+                                      <p:to>
+                                        <p:strVal val="visible"/>
+                                      </p:to>
+                                    </p:set>
+                                    <p:animEffect transition="in" filter="fade">
+                                      <p:cBhvr>
+                                        <p:cTn id="22" dur="500"/>
+                                        <p:tgtEl>
+                                          <p:spTgt spid="3">
+                                            <p:txEl>
+                                              <p:pRg st="5" end="5"/>
+                                            </p:txEl>
+                                          </p:spTgt>
+                                        </p:tgtEl>
+                                      </p:cBhvr>
+                                    </p:animEffect>
+                                  </p:childTnLst>
+                                </p:cTn>
+                              </p:par>
+                            </p:childTnLst>
+                          </p:cTn>
+                        </p:par>
+                      </p:childTnLst>
+                    </p:cTn>
+                  </p:par>
+                </p:childTnLst>
+              </p:cTn>
+              <p:prevCondLst>
+                <p:cond evt="onPrev" delay="0">
+                  <p:tgtEl>
+                    <p:sldTgt/>
+                  </p:tgtEl>
+                </p:cond>
+              </p:prevCondLst>
+              <p:nextCondLst>
+                <p:cond evt="onNext" delay="0">
+                  <p:tgtEl>
+                    <p:sldTgt/>
+                  </p:tgtEl>
+                </p:cond>
+              </p:nextCondLst>
+            </p:seq>
+          </p:childTnLst>
+        </p:cTn>
+      </p:par>
+    </p:tnLst>
+    <p:bldLst>
+      <p:bldP spid="3" grpId="0" uiExpand="1" build="p"/>
+    </p:bldLst>
+  </p:timing>
 </p:sld>
 </file>
 
-<file path=ppt/slides/slide4.xml><?xml version="1.0" encoding="utf-8"?>
+<file path=ppt/slides/slide6.xml><?xml version="1.0" encoding="utf-8"?>
 <p:sld xmlns:a="http://schemas.openxmlformats.org/drawingml/2006/main" xmlns:r="http://schemas.openxmlformats.org/officeDocument/2006/relationships" xmlns:p="http://schemas.openxmlformats.org/presentationml/2006/main">
   <p:cSld>
     <p:spTree>
@@ -6395,10 +9931,10 @@
       </p:sp>
       <p:pic>
         <p:nvPicPr>
-          <p:cNvPr id="7" name="Picture 6">
+          <p:cNvPr id="17" name="Picture 16">
             <a:extLst>
               <a:ext uri="{FF2B5EF4-FFF2-40B4-BE49-F238E27FC236}">
-                <a16:creationId xmlns:a16="http://schemas.microsoft.com/office/drawing/2014/main" id="{CD29D50B-546C-DF74-91C2-C431153F90B6}"/>
+                <a16:creationId xmlns:a16="http://schemas.microsoft.com/office/drawing/2014/main" id="{81844683-952B-FB58-F89D-0A43FCBB0A7C}"/>
               </a:ext>
             </a:extLst>
           </p:cNvPr>
@@ -6415,8 +9951,8 @@
         </p:blipFill>
         <p:spPr>
           <a:xfrm>
-            <a:off x="2743199" y="3147075"/>
-            <a:ext cx="6705600" cy="3101170"/>
+            <a:off x="2747857" y="3178629"/>
+            <a:ext cx="6696283" cy="3139884"/>
           </a:xfrm>
           <a:prstGeom prst="rect">
             <a:avLst/>
@@ -6433,10 +9969,160 @@
   <p:clrMapOvr>
     <a:masterClrMapping/>
   </p:clrMapOvr>
+  <p:transition spd="slow">
+    <p:push dir="u"/>
+  </p:transition>
+  <p:timing>
+    <p:tnLst>
+      <p:par>
+        <p:cTn id="1" dur="indefinite" restart="never" nodeType="tmRoot">
+          <p:childTnLst>
+            <p:seq concurrent="1" nextAc="seek">
+              <p:cTn id="2" dur="indefinite" nodeType="mainSeq">
+                <p:childTnLst>
+                  <p:par>
+                    <p:cTn id="3" fill="hold">
+                      <p:stCondLst>
+                        <p:cond delay="indefinite"/>
+                      </p:stCondLst>
+                      <p:childTnLst>
+                        <p:par>
+                          <p:cTn id="4" fill="hold">
+                            <p:stCondLst>
+                              <p:cond delay="0"/>
+                            </p:stCondLst>
+                            <p:childTnLst>
+                              <p:par>
+                                <p:cTn id="5" presetID="10" presetClass="entr" presetSubtype="0" fill="hold" grpId="0" nodeType="clickEffect">
+                                  <p:stCondLst>
+                                    <p:cond delay="0"/>
+                                  </p:stCondLst>
+                                  <p:childTnLst>
+                                    <p:set>
+                                      <p:cBhvr>
+                                        <p:cTn id="6" dur="1" fill="hold">
+                                          <p:stCondLst>
+                                            <p:cond delay="0"/>
+                                          </p:stCondLst>
+                                        </p:cTn>
+                                        <p:tgtEl>
+                                          <p:spTgt spid="3">
+                                            <p:txEl>
+                                              <p:pRg st="0" end="0"/>
+                                            </p:txEl>
+                                          </p:spTgt>
+                                        </p:tgtEl>
+                                        <p:attrNameLst>
+                                          <p:attrName>style.visibility</p:attrName>
+                                        </p:attrNameLst>
+                                      </p:cBhvr>
+                                      <p:to>
+                                        <p:strVal val="visible"/>
+                                      </p:to>
+                                    </p:set>
+                                    <p:animEffect transition="in" filter="fade">
+                                      <p:cBhvr>
+                                        <p:cTn id="7" dur="500"/>
+                                        <p:tgtEl>
+                                          <p:spTgt spid="3">
+                                            <p:txEl>
+                                              <p:pRg st="0" end="0"/>
+                                            </p:txEl>
+                                          </p:spTgt>
+                                        </p:tgtEl>
+                                      </p:cBhvr>
+                                    </p:animEffect>
+                                  </p:childTnLst>
+                                </p:cTn>
+                              </p:par>
+                            </p:childTnLst>
+                          </p:cTn>
+                        </p:par>
+                      </p:childTnLst>
+                    </p:cTn>
+                  </p:par>
+                  <p:par>
+                    <p:cTn id="8" fill="hold">
+                      <p:stCondLst>
+                        <p:cond delay="indefinite"/>
+                      </p:stCondLst>
+                      <p:childTnLst>
+                        <p:par>
+                          <p:cTn id="9" fill="hold">
+                            <p:stCondLst>
+                              <p:cond delay="0"/>
+                            </p:stCondLst>
+                            <p:childTnLst>
+                              <p:par>
+                                <p:cTn id="10" presetID="10" presetClass="entr" presetSubtype="0" fill="hold" nodeType="clickEffect">
+                                  <p:stCondLst>
+                                    <p:cond delay="0"/>
+                                  </p:stCondLst>
+                                  <p:childTnLst>
+                                    <p:set>
+                                      <p:cBhvr>
+                                        <p:cTn id="11" dur="1" fill="hold">
+                                          <p:stCondLst>
+                                            <p:cond delay="0"/>
+                                          </p:stCondLst>
+                                        </p:cTn>
+                                        <p:tgtEl>
+                                          <p:spTgt spid="17"/>
+                                        </p:tgtEl>
+                                        <p:attrNameLst>
+                                          <p:attrName>style.visibility</p:attrName>
+                                        </p:attrNameLst>
+                                      </p:cBhvr>
+                                      <p:to>
+                                        <p:strVal val="visible"/>
+                                      </p:to>
+                                    </p:set>
+                                    <p:animEffect transition="in" filter="fade">
+                                      <p:cBhvr>
+                                        <p:cTn id="12" dur="500"/>
+                                        <p:tgtEl>
+                                          <p:spTgt spid="17"/>
+                                        </p:tgtEl>
+                                      </p:cBhvr>
+                                    </p:animEffect>
+                                  </p:childTnLst>
+                                </p:cTn>
+                              </p:par>
+                            </p:childTnLst>
+                          </p:cTn>
+                        </p:par>
+                      </p:childTnLst>
+                    </p:cTn>
+                  </p:par>
+                </p:childTnLst>
+              </p:cTn>
+              <p:prevCondLst>
+                <p:cond evt="onPrev" delay="0">
+                  <p:tgtEl>
+                    <p:sldTgt/>
+                  </p:tgtEl>
+                </p:cond>
+              </p:prevCondLst>
+              <p:nextCondLst>
+                <p:cond evt="onNext" delay="0">
+                  <p:tgtEl>
+                    <p:sldTgt/>
+                  </p:tgtEl>
+                </p:cond>
+              </p:nextCondLst>
+            </p:seq>
+          </p:childTnLst>
+        </p:cTn>
+      </p:par>
+    </p:tnLst>
+    <p:bldLst>
+      <p:bldP spid="3" grpId="0" build="p"/>
+    </p:bldLst>
+  </p:timing>
 </p:sld>
 </file>
 
-<file path=ppt/slides/slide5.xml><?xml version="1.0" encoding="utf-8"?>
+<file path=ppt/slides/slide7.xml><?xml version="1.0" encoding="utf-8"?>
 <p:sld xmlns:a="http://schemas.openxmlformats.org/drawingml/2006/main" xmlns:r="http://schemas.openxmlformats.org/officeDocument/2006/relationships" xmlns:p="http://schemas.openxmlformats.org/presentationml/2006/main">
   <p:cSld>
     <p:spTree>
@@ -6573,247 +10259,217 @@
   <p:clrMapOvr>
     <a:masterClrMapping/>
   </p:clrMapOvr>
-</p:sld>
-</file>
-
-<file path=ppt/slides/slide6.xml><?xml version="1.0" encoding="utf-8"?>
-<p:sld xmlns:a="http://schemas.openxmlformats.org/drawingml/2006/main" xmlns:r="http://schemas.openxmlformats.org/officeDocument/2006/relationships" xmlns:p="http://schemas.openxmlformats.org/presentationml/2006/main">
-  <p:cSld>
-    <p:spTree>
-      <p:nvGrpSpPr>
-        <p:cNvPr id="1" name=""/>
-        <p:cNvGrpSpPr/>
-        <p:nvPr/>
-      </p:nvGrpSpPr>
-      <p:grpSpPr>
-        <a:xfrm>
-          <a:off x="0" y="0"/>
-          <a:ext cx="0" cy="0"/>
-          <a:chOff x="0" y="0"/>
-          <a:chExt cx="0" cy="0"/>
-        </a:xfrm>
-      </p:grpSpPr>
-      <p:sp>
-        <p:nvSpPr>
-          <p:cNvPr id="2" name="Title 1">
-            <a:extLst>
-              <a:ext uri="{FF2B5EF4-FFF2-40B4-BE49-F238E27FC236}">
-                <a16:creationId xmlns:a16="http://schemas.microsoft.com/office/drawing/2014/main" id="{D82B5E52-BBA6-B415-A609-3F22CF9713E5}"/>
-              </a:ext>
-            </a:extLst>
-          </p:cNvPr>
-          <p:cNvSpPr>
-            <a:spLocks noGrp="1"/>
-          </p:cNvSpPr>
-          <p:nvPr>
-            <p:ph type="title"/>
-          </p:nvPr>
-        </p:nvSpPr>
-        <p:spPr/>
-        <p:txBody>
-          <a:bodyPr/>
-          <a:lstStyle/>
-          <a:p>
-            <a:r>
-              <a:rPr lang="en-US" dirty="0"/>
-              <a:t>Maximum IBU (cont.)</a:t>
-            </a:r>
-          </a:p>
-        </p:txBody>
-      </p:sp>
-      <p:sp>
-        <p:nvSpPr>
-          <p:cNvPr id="3" name="Content Placeholder 2">
-            <a:extLst>
-              <a:ext uri="{FF2B5EF4-FFF2-40B4-BE49-F238E27FC236}">
-                <a16:creationId xmlns:a16="http://schemas.microsoft.com/office/drawing/2014/main" id="{21790DFD-7C79-9928-1766-F33F5DE9756D}"/>
-              </a:ext>
-            </a:extLst>
-          </p:cNvPr>
-          <p:cNvSpPr>
-            <a:spLocks noGrp="1"/>
-          </p:cNvSpPr>
-          <p:nvPr>
-            <p:ph idx="1"/>
-          </p:nvPr>
-        </p:nvSpPr>
-        <p:spPr/>
-        <p:txBody>
-          <a:bodyPr/>
-          <a:lstStyle/>
-          <a:p>
-            <a:r>
-              <a:rPr lang="en-US" dirty="0"/>
-              <a:t>Again, we see a disparity between density of beers-per-state at the high-end of the IBU spectrum, and the state with the winning IBU beer:</a:t>
-            </a:r>
-          </a:p>
-          <a:p>
-            <a:endParaRPr lang="en-US" dirty="0"/>
-          </a:p>
-        </p:txBody>
-      </p:sp>
-      <p:pic>
-        <p:nvPicPr>
-          <p:cNvPr id="7" name="Picture 6">
-            <a:extLst>
-              <a:ext uri="{FF2B5EF4-FFF2-40B4-BE49-F238E27FC236}">
-                <a16:creationId xmlns:a16="http://schemas.microsoft.com/office/drawing/2014/main" id="{BE6C3C73-894A-2FCC-F094-D646580DAF8C}"/>
-              </a:ext>
-            </a:extLst>
-          </p:cNvPr>
-          <p:cNvPicPr>
-            <a:picLocks noChangeAspect="1"/>
-          </p:cNvPicPr>
-          <p:nvPr/>
-        </p:nvPicPr>
-        <p:blipFill>
-          <a:blip r:embed="rId2"/>
-          <a:stretch>
-            <a:fillRect/>
-          </a:stretch>
-        </p:blipFill>
-        <p:spPr>
-          <a:xfrm>
-            <a:off x="2749138" y="3338370"/>
-            <a:ext cx="6803570" cy="2743115"/>
-          </a:xfrm>
-          <a:prstGeom prst="rect">
-            <a:avLst/>
-          </a:prstGeom>
-        </p:spPr>
-      </p:pic>
-    </p:spTree>
-    <p:extLst>
-      <p:ext uri="{BB962C8B-B14F-4D97-AF65-F5344CB8AC3E}">
-        <p14:creationId xmlns:p14="http://schemas.microsoft.com/office/powerpoint/2010/main" val="1352488180"/>
-      </p:ext>
-    </p:extLst>
-  </p:cSld>
-  <p:clrMapOvr>
-    <a:masterClrMapping/>
-  </p:clrMapOvr>
-</p:sld>
-</file>
-
-<file path=ppt/slides/slide7.xml><?xml version="1.0" encoding="utf-8"?>
-<p:sld xmlns:a="http://schemas.openxmlformats.org/drawingml/2006/main" xmlns:r="http://schemas.openxmlformats.org/officeDocument/2006/relationships" xmlns:p="http://schemas.openxmlformats.org/presentationml/2006/main">
-  <p:cSld>
-    <p:spTree>
-      <p:nvGrpSpPr>
-        <p:cNvPr id="1" name=""/>
-        <p:cNvGrpSpPr/>
-        <p:nvPr/>
-      </p:nvGrpSpPr>
-      <p:grpSpPr>
-        <a:xfrm>
-          <a:off x="0" y="0"/>
-          <a:ext cx="0" cy="0"/>
-          <a:chOff x="0" y="0"/>
-          <a:chExt cx="0" cy="0"/>
-        </a:xfrm>
-      </p:grpSpPr>
-      <p:sp>
-        <p:nvSpPr>
-          <p:cNvPr id="2" name="Title 1">
-            <a:extLst>
-              <a:ext uri="{FF2B5EF4-FFF2-40B4-BE49-F238E27FC236}">
-                <a16:creationId xmlns:a16="http://schemas.microsoft.com/office/drawing/2014/main" id="{A1F9B205-BC44-DE80-0AC0-958BC21E264E}"/>
-              </a:ext>
-            </a:extLst>
-          </p:cNvPr>
-          <p:cNvSpPr>
-            <a:spLocks noGrp="1"/>
-          </p:cNvSpPr>
-          <p:nvPr>
-            <p:ph type="title"/>
-          </p:nvPr>
-        </p:nvSpPr>
-        <p:spPr/>
-        <p:txBody>
-          <a:bodyPr/>
-          <a:lstStyle/>
-          <a:p>
-            <a:r>
-              <a:rPr lang="en-US" dirty="0"/>
-              <a:t>ABV/IBU Compared</a:t>
-            </a:r>
-          </a:p>
-        </p:txBody>
-      </p:sp>
-      <p:sp>
-        <p:nvSpPr>
-          <p:cNvPr id="3" name="Content Placeholder 2">
-            <a:extLst>
-              <a:ext uri="{FF2B5EF4-FFF2-40B4-BE49-F238E27FC236}">
-                <a16:creationId xmlns:a16="http://schemas.microsoft.com/office/drawing/2014/main" id="{490CA8B0-495E-F2FE-FDAC-3398E7EC7A41}"/>
-              </a:ext>
-            </a:extLst>
-          </p:cNvPr>
-          <p:cNvSpPr>
-            <a:spLocks noGrp="1"/>
-          </p:cNvSpPr>
-          <p:nvPr>
-            <p:ph idx="1"/>
-          </p:nvPr>
-        </p:nvSpPr>
-        <p:spPr/>
-        <p:txBody>
-          <a:bodyPr/>
-          <a:lstStyle/>
-          <a:p>
-            <a:r>
-              <a:rPr lang="en-US" dirty="0"/>
-              <a:t>There is a clear relationship between ABV and IBU as noted earlier</a:t>
-            </a:r>
-          </a:p>
-          <a:p>
-            <a:r>
-              <a:rPr lang="en-US" dirty="0"/>
-              <a:t>This relationship could assist in imputing missing column value in either column:</a:t>
-            </a:r>
-          </a:p>
-        </p:txBody>
-      </p:sp>
-      <p:pic>
-        <p:nvPicPr>
-          <p:cNvPr id="5" name="Picture 4">
-            <a:extLst>
-              <a:ext uri="{FF2B5EF4-FFF2-40B4-BE49-F238E27FC236}">
-                <a16:creationId xmlns:a16="http://schemas.microsoft.com/office/drawing/2014/main" id="{FF8AC264-B9DA-3550-4294-B9A833F7268E}"/>
-              </a:ext>
-            </a:extLst>
-          </p:cNvPr>
-          <p:cNvPicPr>
-            <a:picLocks noChangeAspect="1"/>
-          </p:cNvPicPr>
-          <p:nvPr/>
-        </p:nvPicPr>
-        <p:blipFill>
-          <a:blip r:embed="rId2"/>
-          <a:stretch>
-            <a:fillRect/>
-          </a:stretch>
-        </p:blipFill>
-        <p:spPr>
-          <a:xfrm>
-            <a:off x="2945763" y="3532908"/>
-            <a:ext cx="5814268" cy="2500682"/>
-          </a:xfrm>
-          <a:prstGeom prst="rect">
-            <a:avLst/>
-          </a:prstGeom>
-        </p:spPr>
-      </p:pic>
-    </p:spTree>
-    <p:extLst>
-      <p:ext uri="{BB962C8B-B14F-4D97-AF65-F5344CB8AC3E}">
-        <p14:creationId xmlns:p14="http://schemas.microsoft.com/office/powerpoint/2010/main" val="264932617"/>
-      </p:ext>
-    </p:extLst>
-  </p:cSld>
-  <p:clrMapOvr>
-    <a:masterClrMapping/>
-  </p:clrMapOvr>
+  <p:transition spd="slow">
+    <p:push dir="u"/>
+  </p:transition>
+  <p:timing>
+    <p:tnLst>
+      <p:par>
+        <p:cTn id="1" dur="indefinite" restart="never" nodeType="tmRoot">
+          <p:childTnLst>
+            <p:seq concurrent="1" nextAc="seek">
+              <p:cTn id="2" dur="indefinite" nodeType="mainSeq">
+                <p:childTnLst>
+                  <p:par>
+                    <p:cTn id="3" fill="hold">
+                      <p:stCondLst>
+                        <p:cond delay="indefinite"/>
+                      </p:stCondLst>
+                      <p:childTnLst>
+                        <p:par>
+                          <p:cTn id="4" fill="hold">
+                            <p:stCondLst>
+                              <p:cond delay="0"/>
+                            </p:stCondLst>
+                            <p:childTnLst>
+                              <p:par>
+                                <p:cTn id="5" presetID="10" presetClass="entr" presetSubtype="0" fill="hold" grpId="0" nodeType="clickEffect">
+                                  <p:stCondLst>
+                                    <p:cond delay="0"/>
+                                  </p:stCondLst>
+                                  <p:childTnLst>
+                                    <p:set>
+                                      <p:cBhvr>
+                                        <p:cTn id="6" dur="1" fill="hold">
+                                          <p:stCondLst>
+                                            <p:cond delay="0"/>
+                                          </p:stCondLst>
+                                        </p:cTn>
+                                        <p:tgtEl>
+                                          <p:spTgt spid="3">
+                                            <p:txEl>
+                                              <p:pRg st="0" end="0"/>
+                                            </p:txEl>
+                                          </p:spTgt>
+                                        </p:tgtEl>
+                                        <p:attrNameLst>
+                                          <p:attrName>style.visibility</p:attrName>
+                                        </p:attrNameLst>
+                                      </p:cBhvr>
+                                      <p:to>
+                                        <p:strVal val="visible"/>
+                                      </p:to>
+                                    </p:set>
+                                    <p:animEffect transition="in" filter="fade">
+                                      <p:cBhvr>
+                                        <p:cTn id="7" dur="500"/>
+                                        <p:tgtEl>
+                                          <p:spTgt spid="3">
+                                            <p:txEl>
+                                              <p:pRg st="0" end="0"/>
+                                            </p:txEl>
+                                          </p:spTgt>
+                                        </p:tgtEl>
+                                      </p:cBhvr>
+                                    </p:animEffect>
+                                  </p:childTnLst>
+                                </p:cTn>
+                              </p:par>
+                            </p:childTnLst>
+                          </p:cTn>
+                        </p:par>
+                      </p:childTnLst>
+                    </p:cTn>
+                  </p:par>
+                  <p:par>
+                    <p:cTn id="8" fill="hold">
+                      <p:stCondLst>
+                        <p:cond delay="indefinite"/>
+                      </p:stCondLst>
+                      <p:childTnLst>
+                        <p:par>
+                          <p:cTn id="9" fill="hold">
+                            <p:stCondLst>
+                              <p:cond delay="0"/>
+                            </p:stCondLst>
+                            <p:childTnLst>
+                              <p:par>
+                                <p:cTn id="10" presetID="10" presetClass="entr" presetSubtype="0" fill="hold" nodeType="clickEffect">
+                                  <p:stCondLst>
+                                    <p:cond delay="0"/>
+                                  </p:stCondLst>
+                                  <p:childTnLst>
+                                    <p:set>
+                                      <p:cBhvr>
+                                        <p:cTn id="11" dur="1" fill="hold">
+                                          <p:stCondLst>
+                                            <p:cond delay="0"/>
+                                          </p:stCondLst>
+                                        </p:cTn>
+                                        <p:tgtEl>
+                                          <p:spTgt spid="5"/>
+                                        </p:tgtEl>
+                                        <p:attrNameLst>
+                                          <p:attrName>style.visibility</p:attrName>
+                                        </p:attrNameLst>
+                                      </p:cBhvr>
+                                      <p:to>
+                                        <p:strVal val="visible"/>
+                                      </p:to>
+                                    </p:set>
+                                    <p:animEffect transition="in" filter="fade">
+                                      <p:cBhvr>
+                                        <p:cTn id="12" dur="500"/>
+                                        <p:tgtEl>
+                                          <p:spTgt spid="5"/>
+                                        </p:tgtEl>
+                                      </p:cBhvr>
+                                    </p:animEffect>
+                                  </p:childTnLst>
+                                </p:cTn>
+                              </p:par>
+                            </p:childTnLst>
+                          </p:cTn>
+                        </p:par>
+                      </p:childTnLst>
+                    </p:cTn>
+                  </p:par>
+                  <p:par>
+                    <p:cTn id="13" fill="hold">
+                      <p:stCondLst>
+                        <p:cond delay="indefinite"/>
+                      </p:stCondLst>
+                      <p:childTnLst>
+                        <p:par>
+                          <p:cTn id="14" fill="hold">
+                            <p:stCondLst>
+                              <p:cond delay="0"/>
+                            </p:stCondLst>
+                            <p:childTnLst>
+                              <p:par>
+                                <p:cTn id="15" presetID="10" presetClass="entr" presetSubtype="0" fill="hold" grpId="0" nodeType="clickEffect">
+                                  <p:stCondLst>
+                                    <p:cond delay="0"/>
+                                  </p:stCondLst>
+                                  <p:childTnLst>
+                                    <p:set>
+                                      <p:cBhvr>
+                                        <p:cTn id="16" dur="1" fill="hold">
+                                          <p:stCondLst>
+                                            <p:cond delay="0"/>
+                                          </p:stCondLst>
+                                        </p:cTn>
+                                        <p:tgtEl>
+                                          <p:spTgt spid="3">
+                                            <p:txEl>
+                                              <p:pRg st="5" end="5"/>
+                                            </p:txEl>
+                                          </p:spTgt>
+                                        </p:tgtEl>
+                                        <p:attrNameLst>
+                                          <p:attrName>style.visibility</p:attrName>
+                                        </p:attrNameLst>
+                                      </p:cBhvr>
+                                      <p:to>
+                                        <p:strVal val="visible"/>
+                                      </p:to>
+                                    </p:set>
+                                    <p:animEffect transition="in" filter="fade">
+                                      <p:cBhvr>
+                                        <p:cTn id="17" dur="500"/>
+                                        <p:tgtEl>
+                                          <p:spTgt spid="3">
+                                            <p:txEl>
+                                              <p:pRg st="5" end="5"/>
+                                            </p:txEl>
+                                          </p:spTgt>
+                                        </p:tgtEl>
+                                      </p:cBhvr>
+                                    </p:animEffect>
+                                  </p:childTnLst>
+                                </p:cTn>
+                              </p:par>
+                            </p:childTnLst>
+                          </p:cTn>
+                        </p:par>
+                      </p:childTnLst>
+                    </p:cTn>
+                  </p:par>
+                </p:childTnLst>
+              </p:cTn>
+              <p:prevCondLst>
+                <p:cond evt="onPrev" delay="0">
+                  <p:tgtEl>
+                    <p:sldTgt/>
+                  </p:tgtEl>
+                </p:cond>
+              </p:prevCondLst>
+              <p:nextCondLst>
+                <p:cond evt="onNext" delay="0">
+                  <p:tgtEl>
+                    <p:sldTgt/>
+                  </p:tgtEl>
+                </p:cond>
+              </p:nextCondLst>
+            </p:seq>
+          </p:childTnLst>
+        </p:cTn>
+      </p:par>
+    </p:tnLst>
+    <p:bldLst>
+      <p:bldP spid="3" grpId="0" uiExpand="1" build="p"/>
+    </p:bldLst>
+  </p:timing>
 </p:sld>
 </file>
 
@@ -6839,7 +10495,7 @@
           <p:cNvPr id="2" name="Title 1">
             <a:extLst>
               <a:ext uri="{FF2B5EF4-FFF2-40B4-BE49-F238E27FC236}">
-                <a16:creationId xmlns:a16="http://schemas.microsoft.com/office/drawing/2014/main" id="{91C5DCB6-4D6C-A4BC-4583-0DD4B7D989DC}"/>
+                <a16:creationId xmlns:a16="http://schemas.microsoft.com/office/drawing/2014/main" id="{D82B5E52-BBA6-B415-A609-3F22CF9713E5}"/>
               </a:ext>
             </a:extLst>
           </p:cNvPr>
@@ -6857,7 +10513,7 @@
           <a:p>
             <a:r>
               <a:rPr lang="en-US" dirty="0"/>
-              <a:t>ABV/IBU Compared (cont.)</a:t>
+              <a:t>Maximum IBU (cont.)</a:t>
             </a:r>
           </a:p>
         </p:txBody>
@@ -6867,7 +10523,7 @@
           <p:cNvPr id="3" name="Content Placeholder 2">
             <a:extLst>
               <a:ext uri="{FF2B5EF4-FFF2-40B4-BE49-F238E27FC236}">
-                <a16:creationId xmlns:a16="http://schemas.microsoft.com/office/drawing/2014/main" id="{A916A680-E22D-1D5B-7519-10DCEBF9700F}"/>
+                <a16:creationId xmlns:a16="http://schemas.microsoft.com/office/drawing/2014/main" id="{21790DFD-7C79-9928-1766-F33F5DE9756D}"/>
               </a:ext>
             </a:extLst>
           </p:cNvPr>
@@ -6885,27 +10541,20 @@
           <a:p>
             <a:r>
               <a:rPr lang="en-US" dirty="0"/>
-              <a:t>Interestingly, we see a wall at ABV=10%, where many states have historically set boundaries</a:t>
-            </a:r>
-            <a:r>
-              <a:rPr lang="en-US" baseline="30000" dirty="0">
-                <a:hlinkClick r:id="rId2" action="ppaction://hlinksldjump"/>
-              </a:rPr>
-              <a:t>1</a:t>
-            </a:r>
-            <a:r>
-              <a:rPr lang="en-US" dirty="0"/>
-              <a:t> on sales and distribution for higher alcohol-content beverages:</a:t>
-            </a:r>
+              <a:t>Again, we see a disparity between density of beers-per-state at the high-end of the IBU spectrum, and the state with the winning IBU beer:</a:t>
+            </a:r>
+          </a:p>
+          <a:p>
+            <a:endParaRPr lang="en-US" dirty="0"/>
           </a:p>
         </p:txBody>
       </p:sp>
       <p:pic>
         <p:nvPicPr>
-          <p:cNvPr id="7" name="Picture 6">
+          <p:cNvPr id="8" name="Picture 7">
             <a:extLst>
               <a:ext uri="{FF2B5EF4-FFF2-40B4-BE49-F238E27FC236}">
-                <a16:creationId xmlns:a16="http://schemas.microsoft.com/office/drawing/2014/main" id="{F38799F7-1FF2-228D-F9BB-CBE244B709CC}"/>
+                <a16:creationId xmlns:a16="http://schemas.microsoft.com/office/drawing/2014/main" id="{B17870F8-4780-22E6-239F-FBA5FF8759AC}"/>
               </a:ext>
             </a:extLst>
           </p:cNvPr>
@@ -6915,15 +10564,15 @@
           <p:nvPr/>
         </p:nvPicPr>
         <p:blipFill>
-          <a:blip r:embed="rId3"/>
+          <a:blip r:embed="rId2"/>
           <a:stretch>
             <a:fillRect/>
           </a:stretch>
         </p:blipFill>
         <p:spPr>
           <a:xfrm>
-            <a:off x="3057895" y="3429000"/>
-            <a:ext cx="6224649" cy="2682166"/>
+            <a:off x="2904929" y="3313856"/>
+            <a:ext cx="6382139" cy="2984422"/>
           </a:xfrm>
           <a:prstGeom prst="rect">
             <a:avLst/>
@@ -6933,19 +10582,178 @@
     </p:spTree>
     <p:extLst>
       <p:ext uri="{BB962C8B-B14F-4D97-AF65-F5344CB8AC3E}">
-        <p14:creationId xmlns:p14="http://schemas.microsoft.com/office/powerpoint/2010/main" val="421673782"/>
+        <p14:creationId xmlns:p14="http://schemas.microsoft.com/office/powerpoint/2010/main" val="1352488180"/>
       </p:ext>
     </p:extLst>
   </p:cSld>
   <p:clrMapOvr>
     <a:masterClrMapping/>
   </p:clrMapOvr>
+  <p:transition spd="slow">
+    <p:push dir="u"/>
+  </p:transition>
+  <p:timing>
+    <p:tnLst>
+      <p:par>
+        <p:cTn id="1" dur="indefinite" restart="never" nodeType="tmRoot">
+          <p:childTnLst>
+            <p:seq concurrent="1" nextAc="seek">
+              <p:cTn id="2" dur="indefinite" nodeType="mainSeq">
+                <p:childTnLst>
+                  <p:par>
+                    <p:cTn id="3" fill="hold">
+                      <p:stCondLst>
+                        <p:cond delay="indefinite"/>
+                      </p:stCondLst>
+                      <p:childTnLst>
+                        <p:par>
+                          <p:cTn id="4" fill="hold">
+                            <p:stCondLst>
+                              <p:cond delay="0"/>
+                            </p:stCondLst>
+                            <p:childTnLst>
+                              <p:par>
+                                <p:cTn id="5" presetID="10" presetClass="entr" presetSubtype="0" fill="hold" grpId="0" nodeType="clickEffect">
+                                  <p:stCondLst>
+                                    <p:cond delay="0"/>
+                                  </p:stCondLst>
+                                  <p:childTnLst>
+                                    <p:set>
+                                      <p:cBhvr>
+                                        <p:cTn id="6" dur="1" fill="hold">
+                                          <p:stCondLst>
+                                            <p:cond delay="0"/>
+                                          </p:stCondLst>
+                                        </p:cTn>
+                                        <p:tgtEl>
+                                          <p:spTgt spid="3">
+                                            <p:txEl>
+                                              <p:pRg st="0" end="0"/>
+                                            </p:txEl>
+                                          </p:spTgt>
+                                        </p:tgtEl>
+                                        <p:attrNameLst>
+                                          <p:attrName>style.visibility</p:attrName>
+                                        </p:attrNameLst>
+                                      </p:cBhvr>
+                                      <p:to>
+                                        <p:strVal val="visible"/>
+                                      </p:to>
+                                    </p:set>
+                                    <p:animEffect transition="in" filter="fade">
+                                      <p:cBhvr>
+                                        <p:cTn id="7" dur="500"/>
+                                        <p:tgtEl>
+                                          <p:spTgt spid="3">
+                                            <p:txEl>
+                                              <p:pRg st="0" end="0"/>
+                                            </p:txEl>
+                                          </p:spTgt>
+                                        </p:tgtEl>
+                                      </p:cBhvr>
+                                    </p:animEffect>
+                                  </p:childTnLst>
+                                </p:cTn>
+                              </p:par>
+                            </p:childTnLst>
+                          </p:cTn>
+                        </p:par>
+                      </p:childTnLst>
+                    </p:cTn>
+                  </p:par>
+                  <p:par>
+                    <p:cTn id="8" fill="hold">
+                      <p:stCondLst>
+                        <p:cond delay="indefinite"/>
+                      </p:stCondLst>
+                      <p:childTnLst>
+                        <p:par>
+                          <p:cTn id="9" fill="hold">
+                            <p:stCondLst>
+                              <p:cond delay="0"/>
+                            </p:stCondLst>
+                            <p:childTnLst>
+                              <p:par>
+                                <p:cTn id="10" presetID="10" presetClass="entr" presetSubtype="0" fill="hold" nodeType="clickEffect">
+                                  <p:stCondLst>
+                                    <p:cond delay="0"/>
+                                  </p:stCondLst>
+                                  <p:childTnLst>
+                                    <p:set>
+                                      <p:cBhvr>
+                                        <p:cTn id="11" dur="1" fill="hold">
+                                          <p:stCondLst>
+                                            <p:cond delay="0"/>
+                                          </p:stCondLst>
+                                        </p:cTn>
+                                        <p:tgtEl>
+                                          <p:spTgt spid="8"/>
+                                        </p:tgtEl>
+                                        <p:attrNameLst>
+                                          <p:attrName>style.visibility</p:attrName>
+                                        </p:attrNameLst>
+                                      </p:cBhvr>
+                                      <p:to>
+                                        <p:strVal val="visible"/>
+                                      </p:to>
+                                    </p:set>
+                                    <p:animEffect transition="in" filter="fade">
+                                      <p:cBhvr>
+                                        <p:cTn id="12" dur="500"/>
+                                        <p:tgtEl>
+                                          <p:spTgt spid="8"/>
+                                        </p:tgtEl>
+                                      </p:cBhvr>
+                                    </p:animEffect>
+                                  </p:childTnLst>
+                                </p:cTn>
+                              </p:par>
+                            </p:childTnLst>
+                          </p:cTn>
+                        </p:par>
+                      </p:childTnLst>
+                    </p:cTn>
+                  </p:par>
+                </p:childTnLst>
+              </p:cTn>
+              <p:prevCondLst>
+                <p:cond evt="onPrev" delay="0">
+                  <p:tgtEl>
+                    <p:sldTgt/>
+                  </p:tgtEl>
+                </p:cond>
+              </p:prevCondLst>
+              <p:nextCondLst>
+                <p:cond evt="onNext" delay="0">
+                  <p:tgtEl>
+                    <p:sldTgt/>
+                  </p:tgtEl>
+                </p:cond>
+              </p:nextCondLst>
+            </p:seq>
+          </p:childTnLst>
+        </p:cTn>
+      </p:par>
+    </p:tnLst>
+    <p:bldLst>
+      <p:bldP spid="3" grpId="0" build="p"/>
+    </p:bldLst>
+  </p:timing>
 </p:sld>
 </file>
 
 <file path=ppt/slides/slide9.xml><?xml version="1.0" encoding="utf-8"?>
 <p:sld xmlns:a="http://schemas.openxmlformats.org/drawingml/2006/main" xmlns:r="http://schemas.openxmlformats.org/officeDocument/2006/relationships" xmlns:p="http://schemas.openxmlformats.org/presentationml/2006/main">
   <p:cSld>
+    <p:bg>
+      <p:bgPr>
+        <a:blipFill>
+          <a:blip r:embed="rId3"/>
+          <a:stretch/>
+        </a:blipFill>
+        <a:effectLst/>
+      </p:bgPr>
+    </p:bg>
     <p:spTree>
       <p:nvGrpSpPr>
         <p:cNvPr id="1" name=""/>
@@ -6960,12 +10768,314 @@
           <a:chExt cx="0" cy="0"/>
         </a:xfrm>
       </p:grpSpPr>
+      <p:grpSp>
+        <p:nvGrpSpPr>
+          <p:cNvPr id="12" name="Group 11">
+            <a:extLst>
+              <a:ext uri="{FF2B5EF4-FFF2-40B4-BE49-F238E27FC236}">
+                <a16:creationId xmlns:a16="http://schemas.microsoft.com/office/drawing/2014/main" id="{71315106-A7B3-4730-9E6C-5A878C46681B}"/>
+              </a:ext>
+              <a:ext uri="{C183D7F6-B498-43B3-948B-1728B52AA6E4}">
+                <adec:decorative xmlns:adec="http://schemas.microsoft.com/office/drawing/2017/decorative" val="1"/>
+              </a:ext>
+            </a:extLst>
+          </p:cNvPr>
+          <p:cNvGrpSpPr>
+            <a:grpSpLocks noGrp="1" noUngrp="1" noRot="1" noChangeAspect="1" noMove="1" noResize="1"/>
+          </p:cNvGrpSpPr>
+          <p:nvPr>
+            <p:extLst>
+              <p:ext uri="{386F3935-93C4-4BCD-93E2-E3B085C9AB24}">
+                <p16:designElem xmlns:p16="http://schemas.microsoft.com/office/powerpoint/2015/main" val="1"/>
+              </p:ext>
+            </p:extLst>
+          </p:nvPr>
+        </p:nvGrpSpPr>
+        <p:grpSpPr>
+          <a:xfrm>
+            <a:off x="0" y="0"/>
+            <a:ext cx="12192000" cy="6858000"/>
+            <a:chOff x="0" y="0"/>
+            <a:chExt cx="12192000" cy="6858000"/>
+          </a:xfrm>
+        </p:grpSpPr>
+        <p:sp useBgFill="1">
+          <p:nvSpPr>
+            <p:cNvPr id="13" name="Rectangle 12">
+              <a:extLst>
+                <a:ext uri="{FF2B5EF4-FFF2-40B4-BE49-F238E27FC236}">
+                  <a16:creationId xmlns:a16="http://schemas.microsoft.com/office/drawing/2014/main" id="{BD4BC59E-CB55-4DBD-9167-83683CF5CB2E}"/>
+                </a:ext>
+                <a:ext uri="{C183D7F6-B498-43B3-948B-1728B52AA6E4}">
+                  <adec:decorative xmlns:adec="http://schemas.microsoft.com/office/drawing/2017/decorative" val="1"/>
+                </a:ext>
+              </a:extLst>
+            </p:cNvPr>
+            <p:cNvSpPr/>
+            <p:nvPr>
+              <p:extLst>
+                <p:ext uri="{386F3935-93C4-4BCD-93E2-E3B085C9AB24}">
+                  <p16:designElem xmlns:p16="http://schemas.microsoft.com/office/powerpoint/2015/main" val="1"/>
+                </p:ext>
+              </p:extLst>
+            </p:nvPr>
+          </p:nvSpPr>
+          <p:spPr>
+            <a:xfrm>
+              <a:off x="0" y="0"/>
+              <a:ext cx="12192000" cy="6858000"/>
+            </a:xfrm>
+            <a:prstGeom prst="rect">
+              <a:avLst/>
+            </a:prstGeom>
+            <a:ln>
+              <a:noFill/>
+            </a:ln>
+          </p:spPr>
+          <p:style>
+            <a:lnRef idx="2">
+              <a:schemeClr val="accent1">
+                <a:shade val="50000"/>
+              </a:schemeClr>
+            </a:lnRef>
+            <a:fillRef idx="1">
+              <a:schemeClr val="accent1"/>
+            </a:fillRef>
+            <a:effectRef idx="0">
+              <a:schemeClr val="accent1"/>
+            </a:effectRef>
+            <a:fontRef idx="minor">
+              <a:schemeClr val="lt1"/>
+            </a:fontRef>
+          </p:style>
+          <p:txBody>
+            <a:bodyPr rtlCol="0" anchor="ctr"/>
+            <a:lstStyle/>
+            <a:p>
+              <a:pPr algn="ctr"/>
+              <a:endParaRPr lang="en-US"/>
+            </a:p>
+          </p:txBody>
+        </p:sp>
+        <p:grpSp>
+          <p:nvGrpSpPr>
+            <p:cNvPr id="14" name="Group 13">
+              <a:extLst>
+                <a:ext uri="{FF2B5EF4-FFF2-40B4-BE49-F238E27FC236}">
+                  <a16:creationId xmlns:a16="http://schemas.microsoft.com/office/drawing/2014/main" id="{112B0D5C-D671-4BE5-A795-F9E3F4917F78}"/>
+                </a:ext>
+                <a:ext uri="{C183D7F6-B498-43B3-948B-1728B52AA6E4}">
+                  <adec:decorative xmlns:adec="http://schemas.microsoft.com/office/drawing/2017/decorative" val="1"/>
+                </a:ext>
+              </a:extLst>
+            </p:cNvPr>
+            <p:cNvGrpSpPr/>
+            <p:nvPr>
+              <p:extLst>
+                <p:ext uri="{386F3935-93C4-4BCD-93E2-E3B085C9AB24}">
+                  <p16:designElem xmlns:p16="http://schemas.microsoft.com/office/powerpoint/2015/main" val="1"/>
+                </p:ext>
+              </p:extLst>
+            </p:nvPr>
+          </p:nvGrpSpPr>
+          <p:grpSpPr>
+            <a:xfrm>
+              <a:off x="0" y="0"/>
+              <a:ext cx="12188825" cy="6856215"/>
+              <a:chOff x="0" y="0"/>
+              <a:chExt cx="12188825" cy="6856215"/>
+            </a:xfrm>
+          </p:grpSpPr>
+          <p:pic>
+            <p:nvPicPr>
+              <p:cNvPr id="15" name="Picture 14">
+                <a:extLst>
+                  <a:ext uri="{FF2B5EF4-FFF2-40B4-BE49-F238E27FC236}">
+                    <a16:creationId xmlns:a16="http://schemas.microsoft.com/office/drawing/2014/main" id="{9C3C9968-3015-4513-8699-20563F8826FE}"/>
+                  </a:ext>
+                  <a:ext uri="{C183D7F6-B498-43B3-948B-1728B52AA6E4}">
+                    <adec:decorative xmlns:adec="http://schemas.microsoft.com/office/drawing/2017/decorative" val="1"/>
+                  </a:ext>
+                </a:extLst>
+              </p:cNvPr>
+              <p:cNvPicPr>
+                <a:picLocks noChangeAspect="1"/>
+              </p:cNvPicPr>
+              <p:nvPr>
+                <p:extLst>
+                  <p:ext uri="{386F3935-93C4-4BCD-93E2-E3B085C9AB24}">
+                    <p16:designElem xmlns:p16="http://schemas.microsoft.com/office/powerpoint/2015/main" val="1"/>
+                  </p:ext>
+                </p:extLst>
+              </p:nvPr>
+            </p:nvPicPr>
+            <p:blipFill>
+              <a:blip r:embed="rId4">
+                <a:extLst>
+                  <a:ext uri="{28A0092B-C50C-407E-A947-70E740481C1C}">
+                    <a14:useLocalDpi xmlns:a14="http://schemas.microsoft.com/office/drawing/2010/main" val="0"/>
+                  </a:ext>
+                </a:extLst>
+              </a:blip>
+              <a:stretch>
+                <a:fillRect/>
+              </a:stretch>
+            </p:blipFill>
+            <p:spPr>
+              <a:xfrm>
+                <a:off x="0" y="0"/>
+                <a:ext cx="12188825" cy="6856214"/>
+              </a:xfrm>
+              <a:prstGeom prst="rect">
+                <a:avLst/>
+              </a:prstGeom>
+            </p:spPr>
+          </p:pic>
+          <p:sp>
+            <p:nvSpPr>
+              <p:cNvPr id="16" name="Rectangle 15">
+                <a:extLst>
+                  <a:ext uri="{FF2B5EF4-FFF2-40B4-BE49-F238E27FC236}">
+                    <a16:creationId xmlns:a16="http://schemas.microsoft.com/office/drawing/2014/main" id="{FF20E447-AC9A-4615-B8F6-3D2192D83313}"/>
+                  </a:ext>
+                  <a:ext uri="{C183D7F6-B498-43B3-948B-1728B52AA6E4}">
+                    <adec:decorative xmlns:adec="http://schemas.microsoft.com/office/drawing/2017/decorative" val="1"/>
+                  </a:ext>
+                </a:extLst>
+              </p:cNvPr>
+              <p:cNvSpPr/>
+              <p:nvPr>
+                <p:extLst>
+                  <p:ext uri="{386F3935-93C4-4BCD-93E2-E3B085C9AB24}">
+                    <p16:designElem xmlns:p16="http://schemas.microsoft.com/office/powerpoint/2015/main" val="1"/>
+                  </p:ext>
+                </p:extLst>
+              </p:nvPr>
+            </p:nvSpPr>
+            <p:spPr>
+              <a:xfrm>
+                <a:off x="608012" y="609600"/>
+                <a:ext cx="10972800" cy="5638800"/>
+              </a:xfrm>
+              <a:prstGeom prst="rect">
+                <a:avLst/>
+              </a:prstGeom>
+              <a:noFill/>
+              <a:ln w="15875" cap="flat">
+                <a:miter lim="800000"/>
+              </a:ln>
+            </p:spPr>
+            <p:style>
+              <a:lnRef idx="1">
+                <a:schemeClr val="accent1"/>
+              </a:lnRef>
+              <a:fillRef idx="3">
+                <a:schemeClr val="accent1"/>
+              </a:fillRef>
+              <a:effectRef idx="2">
+                <a:schemeClr val="accent1"/>
+              </a:effectRef>
+              <a:fontRef idx="minor">
+                <a:schemeClr val="lt1"/>
+              </a:fontRef>
+            </p:style>
+          </p:sp>
+          <p:pic>
+            <p:nvPicPr>
+              <p:cNvPr id="17" name="Picture 16">
+                <a:extLst>
+                  <a:ext uri="{FF2B5EF4-FFF2-40B4-BE49-F238E27FC236}">
+                    <a16:creationId xmlns:a16="http://schemas.microsoft.com/office/drawing/2014/main" id="{CF0CB558-FAA8-4F42-8DE5-6E14A66A1145}"/>
+                  </a:ext>
+                  <a:ext uri="{C183D7F6-B498-43B3-948B-1728B52AA6E4}">
+                    <adec:decorative xmlns:adec="http://schemas.microsoft.com/office/drawing/2017/decorative" val="1"/>
+                  </a:ext>
+                </a:extLst>
+              </p:cNvPr>
+              <p:cNvPicPr>
+                <a:picLocks noChangeAspect="1"/>
+              </p:cNvPicPr>
+              <p:nvPr>
+                <p:extLst>
+                  <p:ext uri="{386F3935-93C4-4BCD-93E2-E3B085C9AB24}">
+                    <p16:designElem xmlns:p16="http://schemas.microsoft.com/office/powerpoint/2015/main" val="1"/>
+                  </p:ext>
+                </p:extLst>
+              </p:nvPr>
+            </p:nvPicPr>
+            <p:blipFill rotWithShape="1">
+              <a:blip r:embed="rId5">
+                <a:extLst>
+                  <a:ext uri="{28A0092B-C50C-407E-A947-70E740481C1C}">
+                    <a14:useLocalDpi xmlns:a14="http://schemas.microsoft.com/office/drawing/2010/main" val="0"/>
+                  </a:ext>
+                </a:extLst>
+              </a:blip>
+              <a:srcRect r="5093"/>
+              <a:stretch/>
+            </p:blipFill>
+            <p:spPr>
+              <a:xfrm rot="5400000">
+                <a:off x="5706471" y="76265"/>
+                <a:ext cx="758952" cy="606425"/>
+              </a:xfrm>
+              <a:prstGeom prst="rect">
+                <a:avLst/>
+              </a:prstGeom>
+            </p:spPr>
+          </p:pic>
+          <p:pic>
+            <p:nvPicPr>
+              <p:cNvPr id="18" name="Picture 17">
+                <a:extLst>
+                  <a:ext uri="{FF2B5EF4-FFF2-40B4-BE49-F238E27FC236}">
+                    <a16:creationId xmlns:a16="http://schemas.microsoft.com/office/drawing/2014/main" id="{826614F0-52FE-48FC-AA4F-AE0E9CDCE39A}"/>
+                  </a:ext>
+                  <a:ext uri="{C183D7F6-B498-43B3-948B-1728B52AA6E4}">
+                    <adec:decorative xmlns:adec="http://schemas.microsoft.com/office/drawing/2017/decorative" val="1"/>
+                  </a:ext>
+                </a:extLst>
+              </p:cNvPr>
+              <p:cNvPicPr>
+                <a:picLocks noChangeAspect="1"/>
+              </p:cNvPicPr>
+              <p:nvPr>
+                <p:extLst>
+                  <p:ext uri="{386F3935-93C4-4BCD-93E2-E3B085C9AB24}">
+                    <p16:designElem xmlns:p16="http://schemas.microsoft.com/office/powerpoint/2015/main" val="1"/>
+                  </p:ext>
+                </p:extLst>
+              </p:nvPr>
+            </p:nvPicPr>
+            <p:blipFill rotWithShape="1">
+              <a:blip r:embed="rId5">
+                <a:extLst>
+                  <a:ext uri="{28A0092B-C50C-407E-A947-70E740481C1C}">
+                    <a14:useLocalDpi xmlns:a14="http://schemas.microsoft.com/office/drawing/2010/main" val="0"/>
+                  </a:ext>
+                </a:extLst>
+              </a:blip>
+              <a:srcRect r="5093"/>
+              <a:stretch/>
+            </p:blipFill>
+            <p:spPr>
+              <a:xfrm rot="5400000">
+                <a:off x="5706470" y="6173526"/>
+                <a:ext cx="758952" cy="606425"/>
+              </a:xfrm>
+              <a:prstGeom prst="rect">
+                <a:avLst/>
+              </a:prstGeom>
+            </p:spPr>
+          </p:pic>
+        </p:grpSp>
+      </p:grpSp>
       <p:sp>
         <p:nvSpPr>
           <p:cNvPr id="2" name="Title 1">
             <a:extLst>
               <a:ext uri="{FF2B5EF4-FFF2-40B4-BE49-F238E27FC236}">
-                <a16:creationId xmlns:a16="http://schemas.microsoft.com/office/drawing/2014/main" id="{0BFCE0AC-E09B-F04D-3F8D-42952B9DE6B8}"/>
+                <a16:creationId xmlns:a16="http://schemas.microsoft.com/office/drawing/2014/main" id="{294C20CF-4084-93B0-D3E9-5A015C7910AF}"/>
               </a:ext>
             </a:extLst>
           </p:cNvPr>
@@ -6976,60 +11086,577 @@
             <p:ph type="title"/>
           </p:nvPr>
         </p:nvSpPr>
-        <p:spPr/>
-        <p:txBody>
-          <a:bodyPr/>
+        <p:spPr>
+          <a:xfrm>
+            <a:off x="7535825" y="982132"/>
+            <a:ext cx="3360772" cy="1303867"/>
+          </a:xfrm>
+        </p:spPr>
+        <p:txBody>
+          <a:bodyPr>
+            <a:noAutofit/>
+          </a:bodyPr>
           <a:lstStyle/>
           <a:p>
             <a:r>
-              <a:rPr lang="en-US" dirty="0"/>
-              <a:t>References</a:t>
-            </a:r>
-          </a:p>
-        </p:txBody>
-      </p:sp>
-      <p:sp>
-        <p:nvSpPr>
-          <p:cNvPr id="3" name="Content Placeholder 2">
+              <a:rPr lang="en-US" sz="2800" dirty="0"/>
+              <a:t>Alcohol By Volume </a:t>
+            </a:r>
+            <a:r>
+              <a:rPr lang="en-US" sz="2800" b="1" u="sng" dirty="0"/>
+              <a:t>Summary</a:t>
+            </a:r>
+          </a:p>
+        </p:txBody>
+      </p:sp>
+      <p:sp>
+        <p:nvSpPr>
+          <p:cNvPr id="20" name="Rectangle 19">
             <a:extLst>
               <a:ext uri="{FF2B5EF4-FFF2-40B4-BE49-F238E27FC236}">
-                <a16:creationId xmlns:a16="http://schemas.microsoft.com/office/drawing/2014/main" id="{68148F9D-97AE-F1DC-8285-C101EC05E742}"/>
+                <a16:creationId xmlns:a16="http://schemas.microsoft.com/office/drawing/2014/main" id="{E336C991-AA99-423E-8FE1-5BA9C97F2C77}"/>
+              </a:ext>
+              <a:ext uri="{C183D7F6-B498-43B3-948B-1728B52AA6E4}">
+                <adec:decorative xmlns:adec="http://schemas.microsoft.com/office/drawing/2017/decorative" val="1"/>
               </a:ext>
             </a:extLst>
           </p:cNvPr>
           <p:cNvSpPr>
-            <a:spLocks noGrp="1"/>
-          </p:cNvSpPr>
-          <p:nvPr>
-            <p:ph idx="1"/>
-          </p:nvPr>
-        </p:nvSpPr>
-        <p:spPr/>
-        <p:txBody>
-          <a:bodyPr/>
+            <a:spLocks noGrp="1" noRot="1" noChangeAspect="1" noMove="1" noResize="1" noEditPoints="1" noAdjustHandles="1" noChangeArrowheads="1" noChangeShapeType="1" noTextEdit="1"/>
+          </p:cNvSpPr>
+          <p:nvPr>
+            <p:extLst>
+              <p:ext uri="{386F3935-93C4-4BCD-93E2-E3B085C9AB24}">
+                <p16:designElem xmlns:p16="http://schemas.microsoft.com/office/powerpoint/2015/main" val="1"/>
+              </p:ext>
+            </p:extLst>
+          </p:nvPr>
+        </p:nvSpPr>
+        <p:spPr>
+          <a:xfrm>
+            <a:off x="1092643" y="1092200"/>
+            <a:ext cx="5942687" cy="4515104"/>
+          </a:xfrm>
+          <a:prstGeom prst="rect">
+            <a:avLst/>
+          </a:prstGeom>
+          <a:solidFill>
+            <a:schemeClr val="bg1"/>
+          </a:solidFill>
+          <a:ln w="57150" cmpd="thickThin">
+            <a:solidFill>
+              <a:schemeClr val="tx1">
+                <a:lumMod val="50000"/>
+                <a:lumOff val="50000"/>
+              </a:schemeClr>
+            </a:solidFill>
+            <a:miter lim="800000"/>
+          </a:ln>
+        </p:spPr>
+        <p:style>
+          <a:lnRef idx="2">
+            <a:schemeClr val="accent1">
+              <a:shade val="50000"/>
+            </a:schemeClr>
+          </a:lnRef>
+          <a:fillRef idx="1">
+            <a:schemeClr val="accent1"/>
+          </a:fillRef>
+          <a:effectRef idx="0">
+            <a:schemeClr val="accent1"/>
+          </a:effectRef>
+          <a:fontRef idx="minor">
+            <a:schemeClr val="lt1"/>
+          </a:fontRef>
+        </p:style>
+        <p:txBody>
+          <a:bodyPr rtlCol="0" anchor="ctr"/>
           <a:lstStyle/>
           <a:p>
-            <a:pPr marL="457200" indent="-457200">
-              <a:buFont typeface="+mj-lt"/>
-              <a:buAutoNum type="arabicPeriod"/>
-            </a:pPr>
-            <a:r>
-              <a:rPr lang="en-US" dirty="0"/>
-              <a:t>https://reason.com/2021/09/20/why-is-this-beer-banned-in-15-states/</a:t>
-            </a:r>
-          </a:p>
-        </p:txBody>
-      </p:sp>
+            <a:pPr algn="ctr"/>
+            <a:endParaRPr lang="en-US"/>
+          </a:p>
+        </p:txBody>
+      </p:sp>
+      <p:cxnSp>
+        <p:nvCxnSpPr>
+          <p:cNvPr id="22" name="Straight Connector 21">
+            <a:extLst>
+              <a:ext uri="{FF2B5EF4-FFF2-40B4-BE49-F238E27FC236}">
+                <a16:creationId xmlns:a16="http://schemas.microsoft.com/office/drawing/2014/main" id="{D2B860ED-0E27-4D8E-B5F4-C8C3F33C7234}"/>
+              </a:ext>
+              <a:ext uri="{C183D7F6-B498-43B3-948B-1728B52AA6E4}">
+                <adec:decorative xmlns:adec="http://schemas.microsoft.com/office/drawing/2017/decorative" val="1"/>
+              </a:ext>
+            </a:extLst>
+          </p:cNvPr>
+          <p:cNvCxnSpPr>
+            <a:cxnSpLocks noGrp="1" noRot="1" noChangeAspect="1" noMove="1" noResize="1" noEditPoints="1" noAdjustHandles="1" noChangeArrowheads="1" noChangeShapeType="1"/>
+          </p:cNvCxnSpPr>
+          <p:nvPr>
+            <p:extLst>
+              <p:ext uri="{386F3935-93C4-4BCD-93E2-E3B085C9AB24}">
+                <p16:designElem xmlns:p16="http://schemas.microsoft.com/office/powerpoint/2015/main" val="1"/>
+              </p:ext>
+            </p:extLst>
+          </p:nvPr>
+        </p:nvCxnSpPr>
+        <p:spPr>
+          <a:xfrm>
+            <a:off x="7520089" y="2400639"/>
+            <a:ext cx="3376508" cy="0"/>
+          </a:xfrm>
+          <a:prstGeom prst="line">
+            <a:avLst/>
+          </a:prstGeom>
+        </p:spPr>
+        <p:style>
+          <a:lnRef idx="2">
+            <a:schemeClr val="accent1"/>
+          </a:lnRef>
+          <a:fillRef idx="0">
+            <a:schemeClr val="accent1"/>
+          </a:fillRef>
+          <a:effectRef idx="1">
+            <a:schemeClr val="accent1"/>
+          </a:effectRef>
+          <a:fontRef idx="minor">
+            <a:schemeClr val="tx1"/>
+          </a:fontRef>
+        </p:style>
+      </p:cxnSp>
+      <p:graphicFrame>
+        <p:nvGraphicFramePr>
+          <p:cNvPr id="6" name="Table 6">
+            <a:extLst>
+              <a:ext uri="{FF2B5EF4-FFF2-40B4-BE49-F238E27FC236}">
+                <a16:creationId xmlns:a16="http://schemas.microsoft.com/office/drawing/2014/main" id="{C51E8CAF-23F7-B3D2-50C8-9EFDE790E95F}"/>
+              </a:ext>
+            </a:extLst>
+          </p:cNvPr>
+          <p:cNvGraphicFramePr>
+            <a:graphicFrameLocks noGrp="1"/>
+          </p:cNvGraphicFramePr>
+          <p:nvPr>
+            <p:extLst>
+              <p:ext uri="{D42A27DB-BD31-4B8C-83A1-F6EECF244321}">
+                <p14:modId xmlns:p14="http://schemas.microsoft.com/office/powerpoint/2010/main" val="2772269706"/>
+              </p:ext>
+            </p:extLst>
+          </p:nvPr>
+        </p:nvGraphicFramePr>
+        <p:xfrm>
+          <a:off x="7203986" y="2684718"/>
+          <a:ext cx="4008714" cy="685950"/>
+        </p:xfrm>
+        <a:graphic>
+          <a:graphicData uri="http://schemas.openxmlformats.org/drawingml/2006/table">
+            <a:tbl>
+              <a:tblPr firstRow="1" bandRow="1">
+                <a:tableStyleId>{5C22544A-7EE6-4342-B048-85BDC9FD1C3A}</a:tableStyleId>
+              </a:tblPr>
+              <a:tblGrid>
+                <a:gridCol w="668119">
+                  <a:extLst>
+                    <a:ext uri="{9D8B030D-6E8A-4147-A177-3AD203B41FA5}">
+                      <a16:colId xmlns:a16="http://schemas.microsoft.com/office/drawing/2014/main" val="3566453397"/>
+                    </a:ext>
+                  </a:extLst>
+                </a:gridCol>
+                <a:gridCol w="668119">
+                  <a:extLst>
+                    <a:ext uri="{9D8B030D-6E8A-4147-A177-3AD203B41FA5}">
+                      <a16:colId xmlns:a16="http://schemas.microsoft.com/office/drawing/2014/main" val="2096164737"/>
+                    </a:ext>
+                  </a:extLst>
+                </a:gridCol>
+                <a:gridCol w="668119">
+                  <a:extLst>
+                    <a:ext uri="{9D8B030D-6E8A-4147-A177-3AD203B41FA5}">
+                      <a16:colId xmlns:a16="http://schemas.microsoft.com/office/drawing/2014/main" val="1603927473"/>
+                    </a:ext>
+                  </a:extLst>
+                </a:gridCol>
+                <a:gridCol w="668119">
+                  <a:extLst>
+                    <a:ext uri="{9D8B030D-6E8A-4147-A177-3AD203B41FA5}">
+                      <a16:colId xmlns:a16="http://schemas.microsoft.com/office/drawing/2014/main" val="4014329311"/>
+                    </a:ext>
+                  </a:extLst>
+                </a:gridCol>
+                <a:gridCol w="668119">
+                  <a:extLst>
+                    <a:ext uri="{9D8B030D-6E8A-4147-A177-3AD203B41FA5}">
+                      <a16:colId xmlns:a16="http://schemas.microsoft.com/office/drawing/2014/main" val="2131986190"/>
+                    </a:ext>
+                  </a:extLst>
+                </a:gridCol>
+                <a:gridCol w="668119">
+                  <a:extLst>
+                    <a:ext uri="{9D8B030D-6E8A-4147-A177-3AD203B41FA5}">
+                      <a16:colId xmlns:a16="http://schemas.microsoft.com/office/drawing/2014/main" val="3687105609"/>
+                    </a:ext>
+                  </a:extLst>
+                </a:gridCol>
+              </a:tblGrid>
+              <a:tr h="342975">
+                <a:tc>
+                  <a:txBody>
+                    <a:bodyPr/>
+                    <a:lstStyle/>
+                    <a:p>
+                      <a:r>
+                        <a:rPr lang="en-US" sz="900" dirty="0"/>
+                        <a:t>Min</a:t>
+                      </a:r>
+                    </a:p>
+                  </a:txBody>
+                  <a:tcPr/>
+                </a:tc>
+                <a:tc>
+                  <a:txBody>
+                    <a:bodyPr/>
+                    <a:lstStyle/>
+                    <a:p>
+                      <a:r>
+                        <a:rPr lang="en-US" sz="900" dirty="0"/>
+                        <a:t>1st Qu.</a:t>
+                      </a:r>
+                    </a:p>
+                  </a:txBody>
+                  <a:tcPr/>
+                </a:tc>
+                <a:tc>
+                  <a:txBody>
+                    <a:bodyPr/>
+                    <a:lstStyle/>
+                    <a:p>
+                      <a:r>
+                        <a:rPr lang="en-US" sz="900" dirty="0"/>
+                        <a:t>Median</a:t>
+                      </a:r>
+                    </a:p>
+                  </a:txBody>
+                  <a:tcPr/>
+                </a:tc>
+                <a:tc>
+                  <a:txBody>
+                    <a:bodyPr/>
+                    <a:lstStyle/>
+                    <a:p>
+                      <a:r>
+                        <a:rPr lang="en-US" sz="900" dirty="0"/>
+                        <a:t>Mean</a:t>
+                      </a:r>
+                    </a:p>
+                  </a:txBody>
+                  <a:tcPr/>
+                </a:tc>
+                <a:tc>
+                  <a:txBody>
+                    <a:bodyPr/>
+                    <a:lstStyle/>
+                    <a:p>
+                      <a:r>
+                        <a:rPr lang="en-US" sz="900" dirty="0"/>
+                        <a:t>3rd Qu.</a:t>
+                      </a:r>
+                    </a:p>
+                  </a:txBody>
+                  <a:tcPr/>
+                </a:tc>
+                <a:tc>
+                  <a:txBody>
+                    <a:bodyPr/>
+                    <a:lstStyle/>
+                    <a:p>
+                      <a:r>
+                        <a:rPr lang="en-US" sz="900" dirty="0"/>
+                        <a:t>Max</a:t>
+                      </a:r>
+                    </a:p>
+                  </a:txBody>
+                  <a:tcPr/>
+                </a:tc>
+                <a:extLst>
+                  <a:ext uri="{0D108BD9-81ED-4DB2-BD59-A6C34878D82A}">
+                    <a16:rowId xmlns:a16="http://schemas.microsoft.com/office/drawing/2014/main" val="141566369"/>
+                  </a:ext>
+                </a:extLst>
+              </a:tr>
+              <a:tr h="342975">
+                <a:tc>
+                  <a:txBody>
+                    <a:bodyPr/>
+                    <a:lstStyle/>
+                    <a:p>
+                      <a:r>
+                        <a:rPr lang="en-US" sz="1200" b="1" dirty="0"/>
+                        <a:t>0.00100</a:t>
+                      </a:r>
+                      <a:endParaRPr lang="en-US" sz="1000" b="1" dirty="0"/>
+                    </a:p>
+                  </a:txBody>
+                  <a:tcPr/>
+                </a:tc>
+                <a:tc>
+                  <a:txBody>
+                    <a:bodyPr/>
+                    <a:lstStyle/>
+                    <a:p>
+                      <a:r>
+                        <a:rPr lang="en-US" sz="1200" b="1" dirty="0"/>
+                        <a:t>0.05000</a:t>
+                      </a:r>
+                      <a:endParaRPr lang="en-US" sz="1000" b="1" dirty="0"/>
+                    </a:p>
+                  </a:txBody>
+                  <a:tcPr/>
+                </a:tc>
+                <a:tc>
+                  <a:txBody>
+                    <a:bodyPr/>
+                    <a:lstStyle/>
+                    <a:p>
+                      <a:r>
+                        <a:rPr lang="en-US" sz="1200" b="1" dirty="0"/>
+                        <a:t>0.05600</a:t>
+                      </a:r>
+                    </a:p>
+                  </a:txBody>
+                  <a:tcPr/>
+                </a:tc>
+                <a:tc>
+                  <a:txBody>
+                    <a:bodyPr/>
+                    <a:lstStyle/>
+                    <a:p>
+                      <a:r>
+                        <a:rPr lang="en-US" sz="1200" b="1" dirty="0"/>
+                        <a:t>0.05974</a:t>
+                      </a:r>
+                      <a:endParaRPr lang="en-US" sz="1000" b="1" dirty="0"/>
+                    </a:p>
+                  </a:txBody>
+                  <a:tcPr/>
+                </a:tc>
+                <a:tc>
+                  <a:txBody>
+                    <a:bodyPr/>
+                    <a:lstStyle/>
+                    <a:p>
+                      <a:r>
+                        <a:rPr lang="en-US" sz="1200" b="1" dirty="0"/>
+                        <a:t>0.06700</a:t>
+                      </a:r>
+                      <a:endParaRPr lang="en-US" sz="1000" b="1" dirty="0"/>
+                    </a:p>
+                  </a:txBody>
+                  <a:tcPr/>
+                </a:tc>
+                <a:tc>
+                  <a:txBody>
+                    <a:bodyPr/>
+                    <a:lstStyle/>
+                    <a:p>
+                      <a:r>
+                        <a:rPr lang="en-US" sz="1200" b="1" dirty="0"/>
+                        <a:t>0.12800</a:t>
+                      </a:r>
+                      <a:endParaRPr lang="en-US" sz="1000" b="1" dirty="0"/>
+                    </a:p>
+                  </a:txBody>
+                  <a:tcPr/>
+                </a:tc>
+                <a:extLst>
+                  <a:ext uri="{0D108BD9-81ED-4DB2-BD59-A6C34878D82A}">
+                    <a16:rowId xmlns:a16="http://schemas.microsoft.com/office/drawing/2014/main" val="228562967"/>
+                  </a:ext>
+                </a:extLst>
+              </a:tr>
+            </a:tbl>
+          </a:graphicData>
+        </a:graphic>
+      </p:graphicFrame>
+      <p:pic>
+        <p:nvPicPr>
+          <p:cNvPr id="5" name="Picture 4">
+            <a:extLst>
+              <a:ext uri="{FF2B5EF4-FFF2-40B4-BE49-F238E27FC236}">
+                <a16:creationId xmlns:a16="http://schemas.microsoft.com/office/drawing/2014/main" id="{B1B36A3B-3EB4-8A4C-B9DB-48DD8613B677}"/>
+              </a:ext>
+            </a:extLst>
+          </p:cNvPr>
+          <p:cNvPicPr>
+            <a:picLocks noChangeAspect="1"/>
+          </p:cNvPicPr>
+          <p:nvPr/>
+        </p:nvPicPr>
+        <p:blipFill>
+          <a:blip r:embed="rId6"/>
+          <a:stretch>
+            <a:fillRect/>
+          </a:stretch>
+        </p:blipFill>
+        <p:spPr>
+          <a:xfrm>
+            <a:off x="1377388" y="1208211"/>
+            <a:ext cx="5351546" cy="4281237"/>
+          </a:xfrm>
+          <a:prstGeom prst="rect">
+            <a:avLst/>
+          </a:prstGeom>
+        </p:spPr>
+      </p:pic>
     </p:spTree>
     <p:extLst>
       <p:ext uri="{BB962C8B-B14F-4D97-AF65-F5344CB8AC3E}">
-        <p14:creationId xmlns:p14="http://schemas.microsoft.com/office/powerpoint/2010/main" val="2881525147"/>
+        <p14:creationId xmlns:p14="http://schemas.microsoft.com/office/powerpoint/2010/main" val="1225826861"/>
       </p:ext>
     </p:extLst>
   </p:cSld>
   <p:clrMapOvr>
     <a:masterClrMapping/>
   </p:clrMapOvr>
+  <p:transition spd="slow">
+    <p:push dir="u"/>
+  </p:transition>
+  <p:timing>
+    <p:tnLst>
+      <p:par>
+        <p:cTn id="1" dur="indefinite" restart="never" nodeType="tmRoot">
+          <p:childTnLst>
+            <p:seq concurrent="1" nextAc="seek">
+              <p:cTn id="2" dur="indefinite" nodeType="mainSeq">
+                <p:childTnLst>
+                  <p:par>
+                    <p:cTn id="3" fill="hold">
+                      <p:stCondLst>
+                        <p:cond delay="indefinite"/>
+                      </p:stCondLst>
+                      <p:childTnLst>
+                        <p:par>
+                          <p:cTn id="4" fill="hold">
+                            <p:stCondLst>
+                              <p:cond delay="0"/>
+                            </p:stCondLst>
+                            <p:childTnLst>
+                              <p:par>
+                                <p:cTn id="5" presetID="10" presetClass="entr" presetSubtype="0" fill="hold" nodeType="clickEffect">
+                                  <p:stCondLst>
+                                    <p:cond delay="0"/>
+                                  </p:stCondLst>
+                                  <p:childTnLst>
+                                    <p:set>
+                                      <p:cBhvr>
+                                        <p:cTn id="6" dur="1" fill="hold">
+                                          <p:stCondLst>
+                                            <p:cond delay="0"/>
+                                          </p:stCondLst>
+                                        </p:cTn>
+                                        <p:tgtEl>
+                                          <p:spTgt spid="5"/>
+                                        </p:tgtEl>
+                                        <p:attrNameLst>
+                                          <p:attrName>style.visibility</p:attrName>
+                                        </p:attrNameLst>
+                                      </p:cBhvr>
+                                      <p:to>
+                                        <p:strVal val="visible"/>
+                                      </p:to>
+                                    </p:set>
+                                    <p:animEffect transition="in" filter="fade">
+                                      <p:cBhvr>
+                                        <p:cTn id="7" dur="500"/>
+                                        <p:tgtEl>
+                                          <p:spTgt spid="5"/>
+                                        </p:tgtEl>
+                                      </p:cBhvr>
+                                    </p:animEffect>
+                                  </p:childTnLst>
+                                </p:cTn>
+                              </p:par>
+                            </p:childTnLst>
+                          </p:cTn>
+                        </p:par>
+                      </p:childTnLst>
+                    </p:cTn>
+                  </p:par>
+                  <p:par>
+                    <p:cTn id="8" fill="hold">
+                      <p:stCondLst>
+                        <p:cond delay="indefinite"/>
+                      </p:stCondLst>
+                      <p:childTnLst>
+                        <p:par>
+                          <p:cTn id="9" fill="hold">
+                            <p:stCondLst>
+                              <p:cond delay="0"/>
+                            </p:stCondLst>
+                            <p:childTnLst>
+                              <p:par>
+                                <p:cTn id="10" presetID="10" presetClass="entr" presetSubtype="0" fill="hold" nodeType="clickEffect">
+                                  <p:stCondLst>
+                                    <p:cond delay="0"/>
+                                  </p:stCondLst>
+                                  <p:childTnLst>
+                                    <p:set>
+                                      <p:cBhvr>
+                                        <p:cTn id="11" dur="1" fill="hold">
+                                          <p:stCondLst>
+                                            <p:cond delay="0"/>
+                                          </p:stCondLst>
+                                        </p:cTn>
+                                        <p:tgtEl>
+                                          <p:spTgt spid="6"/>
+                                        </p:tgtEl>
+                                        <p:attrNameLst>
+                                          <p:attrName>style.visibility</p:attrName>
+                                        </p:attrNameLst>
+                                      </p:cBhvr>
+                                      <p:to>
+                                        <p:strVal val="visible"/>
+                                      </p:to>
+                                    </p:set>
+                                    <p:animEffect transition="in" filter="fade">
+                                      <p:cBhvr>
+                                        <p:cTn id="12" dur="500"/>
+                                        <p:tgtEl>
+                                          <p:spTgt spid="6"/>
+                                        </p:tgtEl>
+                                      </p:cBhvr>
+                                    </p:animEffect>
+                                  </p:childTnLst>
+                                </p:cTn>
+                              </p:par>
+                            </p:childTnLst>
+                          </p:cTn>
+                        </p:par>
+                      </p:childTnLst>
+                    </p:cTn>
+                  </p:par>
+                </p:childTnLst>
+              </p:cTn>
+              <p:prevCondLst>
+                <p:cond evt="onPrev" delay="0">
+                  <p:tgtEl>
+                    <p:sldTgt/>
+                  </p:tgtEl>
+                </p:cond>
+              </p:prevCondLst>
+              <p:nextCondLst>
+                <p:cond evt="onNext" delay="0">
+                  <p:tgtEl>
+                    <p:sldTgt/>
+                  </p:tgtEl>
+                </p:cond>
+              </p:nextCondLst>
+            </p:seq>
+          </p:childTnLst>
+        </p:cTn>
+      </p:par>
+    </p:tnLst>
+  </p:timing>
 </p:sld>
 </file>
 
@@ -7264,4 +11891,299 @@
     </a:ext>
   </a:extLst>
 </a:theme>
+</file>
+
+<file path=ppt/theme/theme2.xml><?xml version="1.0" encoding="utf-8"?>
+<a:theme xmlns:a="http://schemas.openxmlformats.org/drawingml/2006/main" name="Office Theme">
+  <a:themeElements>
+    <a:clrScheme name="Office">
+      <a:dk1>
+        <a:sysClr val="windowText" lastClr="000000"/>
+      </a:dk1>
+      <a:lt1>
+        <a:sysClr val="window" lastClr="FFFFFF"/>
+      </a:lt1>
+      <a:dk2>
+        <a:srgbClr val="44546A"/>
+      </a:dk2>
+      <a:lt2>
+        <a:srgbClr val="E7E6E6"/>
+      </a:lt2>
+      <a:accent1>
+        <a:srgbClr val="4472C4"/>
+      </a:accent1>
+      <a:accent2>
+        <a:srgbClr val="ED7D31"/>
+      </a:accent2>
+      <a:accent3>
+        <a:srgbClr val="A5A5A5"/>
+      </a:accent3>
+      <a:accent4>
+        <a:srgbClr val="FFC000"/>
+      </a:accent4>
+      <a:accent5>
+        <a:srgbClr val="5B9BD5"/>
+      </a:accent5>
+      <a:accent6>
+        <a:srgbClr val="70AD47"/>
+      </a:accent6>
+      <a:hlink>
+        <a:srgbClr val="0563C1"/>
+      </a:hlink>
+      <a:folHlink>
+        <a:srgbClr val="954F72"/>
+      </a:folHlink>
+    </a:clrScheme>
+    <a:fontScheme name="Office">
+      <a:majorFont>
+        <a:latin typeface="Calibri Light" panose="020F0302020204030204"/>
+        <a:ea typeface=""/>
+        <a:cs typeface=""/>
+        <a:font script="Jpan" typeface="游ゴシック Light"/>
+        <a:font script="Hang" typeface="맑은 고딕"/>
+        <a:font script="Hans" typeface="等线 Light"/>
+        <a:font script="Hant" typeface="新細明體"/>
+        <a:font script="Arab" typeface="Times New Roman"/>
+        <a:font script="Hebr" typeface="Times New Roman"/>
+        <a:font script="Thai" typeface="Angsana New"/>
+        <a:font script="Ethi" typeface="Nyala"/>
+        <a:font script="Beng" typeface="Vrinda"/>
+        <a:font script="Gujr" typeface="Shruti"/>
+        <a:font script="Khmr" typeface="MoolBoran"/>
+        <a:font script="Knda" typeface="Tunga"/>
+        <a:font script="Guru" typeface="Raavi"/>
+        <a:font script="Cans" typeface="Euphemia"/>
+        <a:font script="Cher" typeface="Plantagenet Cherokee"/>
+        <a:font script="Yiii" typeface="Microsoft Yi Baiti"/>
+        <a:font script="Tibt" typeface="Microsoft Himalaya"/>
+        <a:font script="Thaa" typeface="MV Boli"/>
+        <a:font script="Deva" typeface="Mangal"/>
+        <a:font script="Telu" typeface="Gautami"/>
+        <a:font script="Taml" typeface="Latha"/>
+        <a:font script="Syrc" typeface="Estrangelo Edessa"/>
+        <a:font script="Orya" typeface="Kalinga"/>
+        <a:font script="Mlym" typeface="Kartika"/>
+        <a:font script="Laoo" typeface="DokChampa"/>
+        <a:font script="Sinh" typeface="Iskoola Pota"/>
+        <a:font script="Mong" typeface="Mongolian Baiti"/>
+        <a:font script="Viet" typeface="Times New Roman"/>
+        <a:font script="Uigh" typeface="Microsoft Uighur"/>
+        <a:font script="Geor" typeface="Sylfaen"/>
+        <a:font script="Armn" typeface="Arial"/>
+        <a:font script="Bugi" typeface="Leelawadee UI"/>
+        <a:font script="Bopo" typeface="Microsoft JhengHei"/>
+        <a:font script="Java" typeface="Javanese Text"/>
+        <a:font script="Lisu" typeface="Segoe UI"/>
+        <a:font script="Mymr" typeface="Myanmar Text"/>
+        <a:font script="Nkoo" typeface="Ebrima"/>
+        <a:font script="Olck" typeface="Nirmala UI"/>
+        <a:font script="Osma" typeface="Ebrima"/>
+        <a:font script="Phag" typeface="Phagspa"/>
+        <a:font script="Syrn" typeface="Estrangelo Edessa"/>
+        <a:font script="Syrj" typeface="Estrangelo Edessa"/>
+        <a:font script="Syre" typeface="Estrangelo Edessa"/>
+        <a:font script="Sora" typeface="Nirmala UI"/>
+        <a:font script="Tale" typeface="Microsoft Tai Le"/>
+        <a:font script="Talu" typeface="Microsoft New Tai Lue"/>
+        <a:font script="Tfng" typeface="Ebrima"/>
+      </a:majorFont>
+      <a:minorFont>
+        <a:latin typeface="Calibri" panose="020F0502020204030204"/>
+        <a:ea typeface=""/>
+        <a:cs typeface=""/>
+        <a:font script="Jpan" typeface="游ゴシック"/>
+        <a:font script="Hang" typeface="맑은 고딕"/>
+        <a:font script="Hans" typeface="等线"/>
+        <a:font script="Hant" typeface="新細明體"/>
+        <a:font script="Arab" typeface="Arial"/>
+        <a:font script="Hebr" typeface="Arial"/>
+        <a:font script="Thai" typeface="Cordia New"/>
+        <a:font script="Ethi" typeface="Nyala"/>
+        <a:font script="Beng" typeface="Vrinda"/>
+        <a:font script="Gujr" typeface="Shruti"/>
+        <a:font script="Khmr" typeface="DaunPenh"/>
+        <a:font script="Knda" typeface="Tunga"/>
+        <a:font script="Guru" typeface="Raavi"/>
+        <a:font script="Cans" typeface="Euphemia"/>
+        <a:font script="Cher" typeface="Plantagenet Cherokee"/>
+        <a:font script="Yiii" typeface="Microsoft Yi Baiti"/>
+        <a:font script="Tibt" typeface="Microsoft Himalaya"/>
+        <a:font script="Thaa" typeface="MV Boli"/>
+        <a:font script="Deva" typeface="Mangal"/>
+        <a:font script="Telu" typeface="Gautami"/>
+        <a:font script="Taml" typeface="Latha"/>
+        <a:font script="Syrc" typeface="Estrangelo Edessa"/>
+        <a:font script="Orya" typeface="Kalinga"/>
+        <a:font script="Mlym" typeface="Kartika"/>
+        <a:font script="Laoo" typeface="DokChampa"/>
+        <a:font script="Sinh" typeface="Iskoola Pota"/>
+        <a:font script="Mong" typeface="Mongolian Baiti"/>
+        <a:font script="Viet" typeface="Arial"/>
+        <a:font script="Uigh" typeface="Microsoft Uighur"/>
+        <a:font script="Geor" typeface="Sylfaen"/>
+        <a:font script="Armn" typeface="Arial"/>
+        <a:font script="Bugi" typeface="Leelawadee UI"/>
+        <a:font script="Bopo" typeface="Microsoft JhengHei"/>
+        <a:font script="Java" typeface="Javanese Text"/>
+        <a:font script="Lisu" typeface="Segoe UI"/>
+        <a:font script="Mymr" typeface="Myanmar Text"/>
+        <a:font script="Nkoo" typeface="Ebrima"/>
+        <a:font script="Olck" typeface="Nirmala UI"/>
+        <a:font script="Osma" typeface="Ebrima"/>
+        <a:font script="Phag" typeface="Phagspa"/>
+        <a:font script="Syrn" typeface="Estrangelo Edessa"/>
+        <a:font script="Syrj" typeface="Estrangelo Edessa"/>
+        <a:font script="Syre" typeface="Estrangelo Edessa"/>
+        <a:font script="Sora" typeface="Nirmala UI"/>
+        <a:font script="Tale" typeface="Microsoft Tai Le"/>
+        <a:font script="Talu" typeface="Microsoft New Tai Lue"/>
+        <a:font script="Tfng" typeface="Ebrima"/>
+      </a:minorFont>
+    </a:fontScheme>
+    <a:fmtScheme name="Office">
+      <a:fillStyleLst>
+        <a:solidFill>
+          <a:schemeClr val="phClr"/>
+        </a:solidFill>
+        <a:gradFill rotWithShape="1">
+          <a:gsLst>
+            <a:gs pos="0">
+              <a:schemeClr val="phClr">
+                <a:lumMod val="110000"/>
+                <a:satMod val="105000"/>
+                <a:tint val="67000"/>
+              </a:schemeClr>
+            </a:gs>
+            <a:gs pos="50000">
+              <a:schemeClr val="phClr">
+                <a:lumMod val="105000"/>
+                <a:satMod val="103000"/>
+                <a:tint val="73000"/>
+              </a:schemeClr>
+            </a:gs>
+            <a:gs pos="100000">
+              <a:schemeClr val="phClr">
+                <a:lumMod val="105000"/>
+                <a:satMod val="109000"/>
+                <a:tint val="81000"/>
+              </a:schemeClr>
+            </a:gs>
+          </a:gsLst>
+          <a:lin ang="5400000" scaled="0"/>
+        </a:gradFill>
+        <a:gradFill rotWithShape="1">
+          <a:gsLst>
+            <a:gs pos="0">
+              <a:schemeClr val="phClr">
+                <a:satMod val="103000"/>
+                <a:lumMod val="102000"/>
+                <a:tint val="94000"/>
+              </a:schemeClr>
+            </a:gs>
+            <a:gs pos="50000">
+              <a:schemeClr val="phClr">
+                <a:satMod val="110000"/>
+                <a:lumMod val="100000"/>
+                <a:shade val="100000"/>
+              </a:schemeClr>
+            </a:gs>
+            <a:gs pos="100000">
+              <a:schemeClr val="phClr">
+                <a:lumMod val="99000"/>
+                <a:satMod val="120000"/>
+                <a:shade val="78000"/>
+              </a:schemeClr>
+            </a:gs>
+          </a:gsLst>
+          <a:lin ang="5400000" scaled="0"/>
+        </a:gradFill>
+      </a:fillStyleLst>
+      <a:lnStyleLst>
+        <a:ln w="6350" cap="flat" cmpd="sng" algn="ctr">
+          <a:solidFill>
+            <a:schemeClr val="phClr"/>
+          </a:solidFill>
+          <a:prstDash val="solid"/>
+          <a:miter lim="800000"/>
+        </a:ln>
+        <a:ln w="12700" cap="flat" cmpd="sng" algn="ctr">
+          <a:solidFill>
+            <a:schemeClr val="phClr"/>
+          </a:solidFill>
+          <a:prstDash val="solid"/>
+          <a:miter lim="800000"/>
+        </a:ln>
+        <a:ln w="19050" cap="flat" cmpd="sng" algn="ctr">
+          <a:solidFill>
+            <a:schemeClr val="phClr"/>
+          </a:solidFill>
+          <a:prstDash val="solid"/>
+          <a:miter lim="800000"/>
+        </a:ln>
+      </a:lnStyleLst>
+      <a:effectStyleLst>
+        <a:effectStyle>
+          <a:effectLst/>
+        </a:effectStyle>
+        <a:effectStyle>
+          <a:effectLst/>
+        </a:effectStyle>
+        <a:effectStyle>
+          <a:effectLst>
+            <a:outerShdw blurRad="57150" dist="19050" dir="5400000" algn="ctr" rotWithShape="0">
+              <a:srgbClr val="000000">
+                <a:alpha val="63000"/>
+              </a:srgbClr>
+            </a:outerShdw>
+          </a:effectLst>
+        </a:effectStyle>
+      </a:effectStyleLst>
+      <a:bgFillStyleLst>
+        <a:solidFill>
+          <a:schemeClr val="phClr"/>
+        </a:solidFill>
+        <a:solidFill>
+          <a:schemeClr val="phClr">
+            <a:tint val="95000"/>
+            <a:satMod val="170000"/>
+          </a:schemeClr>
+        </a:solidFill>
+        <a:gradFill rotWithShape="1">
+          <a:gsLst>
+            <a:gs pos="0">
+              <a:schemeClr val="phClr">
+                <a:tint val="93000"/>
+                <a:satMod val="150000"/>
+                <a:shade val="98000"/>
+                <a:lumMod val="102000"/>
+              </a:schemeClr>
+            </a:gs>
+            <a:gs pos="50000">
+              <a:schemeClr val="phClr">
+                <a:tint val="98000"/>
+                <a:satMod val="130000"/>
+                <a:shade val="90000"/>
+                <a:lumMod val="103000"/>
+              </a:schemeClr>
+            </a:gs>
+            <a:gs pos="100000">
+              <a:schemeClr val="phClr">
+                <a:shade val="63000"/>
+                <a:satMod val="120000"/>
+              </a:schemeClr>
+            </a:gs>
+          </a:gsLst>
+          <a:lin ang="5400000" scaled="0"/>
+        </a:gradFill>
+      </a:bgFillStyleLst>
+    </a:fmtScheme>
+  </a:themeElements>
+  <a:objectDefaults/>
+  <a:extraClrSchemeLst/>
+  <a:extLst>
+    <a:ext uri="{05A4C25C-085E-4340-85A3-A5531E510DB2}">
+      <thm15:themeFamily xmlns:thm15="http://schemas.microsoft.com/office/thememl/2012/main" name="Office Theme" id="{62F939B6-93AF-4DB8-9C6B-D6C7DFDC589F}" vid="{4A3C46E8-61CC-4603-A589-7422A47A8E4A}"/>
+    </a:ext>
+  </a:extLst>
+</a:theme>
 </file>
--- a/BeersAndBreweries/EDA I – Part 1.pptx
+++ b/BeersAndBreweries/EDA I – Part 1.pptx
@@ -5,7 +5,7 @@
     <p:sldMasterId id="2147483678" r:id="rId1"/>
   </p:sldMasterIdLst>
   <p:notesMasterIdLst>
-    <p:notesMasterId r:id="rId16"/>
+    <p:notesMasterId r:id="rId17"/>
   </p:notesMasterIdLst>
   <p:sldIdLst>
     <p:sldId id="256" r:id="rId2"/>
@@ -20,8 +20,9 @@
     <p:sldId id="262" r:id="rId11"/>
     <p:sldId id="263" r:id="rId12"/>
     <p:sldId id="269" r:id="rId13"/>
-    <p:sldId id="268" r:id="rId14"/>
-    <p:sldId id="264" r:id="rId15"/>
+    <p:sldId id="272" r:id="rId14"/>
+    <p:sldId id="268" r:id="rId15"/>
+    <p:sldId id="264" r:id="rId16"/>
   </p:sldIdLst>
   <p:sldSz cx="12192000" cy="6858000"/>
   <p:notesSz cx="6858000" cy="9144000"/>
@@ -210,7 +211,7 @@
           <a:p>
             <a:fld id="{9F696B56-8B5D-B24B-AD03-72F94C57230D}" type="datetimeFigureOut">
               <a:rPr lang="en-US" smtClean="0"/>
-              <a:t>3/2/2023</a:t>
+              <a:t>3/3/2023</a:t>
             </a:fld>
             <a:endParaRPr lang="en-US"/>
           </a:p>
@@ -810,6 +811,174 @@
     <p:extLst>
       <p:ext uri="{BB962C8B-B14F-4D97-AF65-F5344CB8AC3E}">
         <p14:creationId xmlns:p14="http://schemas.microsoft.com/office/powerpoint/2010/main" val="158500451"/>
+      </p:ext>
+    </p:extLst>
+  </p:cSld>
+  <p:clrMapOvr>
+    <a:masterClrMapping/>
+  </p:clrMapOvr>
+</p:notes>
+</file>
+
+<file path=ppt/notesSlides/notesSlide4.xml><?xml version="1.0" encoding="utf-8"?>
+<p:notes xmlns:a="http://schemas.openxmlformats.org/drawingml/2006/main" xmlns:r="http://schemas.openxmlformats.org/officeDocument/2006/relationships" xmlns:p="http://schemas.openxmlformats.org/presentationml/2006/main">
+  <p:cSld>
+    <p:spTree>
+      <p:nvGrpSpPr>
+        <p:cNvPr id="1" name=""/>
+        <p:cNvGrpSpPr/>
+        <p:nvPr/>
+      </p:nvGrpSpPr>
+      <p:grpSpPr>
+        <a:xfrm>
+          <a:off x="0" y="0"/>
+          <a:ext cx="0" cy="0"/>
+          <a:chOff x="0" y="0"/>
+          <a:chExt cx="0" cy="0"/>
+        </a:xfrm>
+      </p:grpSpPr>
+      <p:sp>
+        <p:nvSpPr>
+          <p:cNvPr id="2" name="Slide Image Placeholder 1"/>
+          <p:cNvSpPr>
+            <a:spLocks noGrp="1" noRot="1" noChangeAspect="1"/>
+          </p:cNvSpPr>
+          <p:nvPr>
+            <p:ph type="sldImg"/>
+          </p:nvPr>
+        </p:nvSpPr>
+        <p:spPr/>
+      </p:sp>
+      <p:sp>
+        <p:nvSpPr>
+          <p:cNvPr id="3" name="Notes Placeholder 2"/>
+          <p:cNvSpPr>
+            <a:spLocks noGrp="1"/>
+          </p:cNvSpPr>
+          <p:nvPr>
+            <p:ph type="body" idx="1"/>
+          </p:nvPr>
+        </p:nvSpPr>
+        <p:spPr/>
+        <p:txBody>
+          <a:bodyPr/>
+          <a:lstStyle/>
+          <a:p>
+            <a:r>
+              <a:rPr lang="en-US" sz="1800" b="0" i="0" u="none" strike="noStrike" dirty="0">
+                <a:solidFill>
+                  <a:srgbClr val="000000"/>
+                </a:solidFill>
+                <a:effectLst/>
+                <a:latin typeface="Calibri" panose="020F0502020204030204" pitchFamily="34" charset="0"/>
+              </a:rPr>
+              <a:t>Top 3 for </a:t>
+            </a:r>
+            <a:r>
+              <a:rPr lang="en-US" sz="1800" b="1" i="0" u="none" strike="noStrike" dirty="0">
+                <a:solidFill>
+                  <a:srgbClr val="000000"/>
+                </a:solidFill>
+                <a:effectLst/>
+                <a:latin typeface="Calibri" panose="020F0502020204030204" pitchFamily="34" charset="0"/>
+              </a:rPr>
+              <a:t>IBU</a:t>
+            </a:r>
+            <a:r>
+              <a:rPr lang="en-US" sz="1800" b="0" i="0" u="none" strike="noStrike" dirty="0">
+                <a:solidFill>
+                  <a:srgbClr val="000000"/>
+                </a:solidFill>
+                <a:effectLst/>
+                <a:latin typeface="Calibri" panose="020F0502020204030204" pitchFamily="34" charset="0"/>
+              </a:rPr>
+              <a:t>, Montana (80), </a:t>
+            </a:r>
+            <a:r>
+              <a:rPr lang="en-US" dirty="0"/>
+              <a:t> </a:t>
+            </a:r>
+            <a:r>
+              <a:rPr lang="en-US" sz="1800" b="0" i="0" u="none" strike="noStrike" dirty="0">
+                <a:solidFill>
+                  <a:srgbClr val="000000"/>
+                </a:solidFill>
+                <a:effectLst/>
+                <a:latin typeface="Calibri" panose="020F0502020204030204" pitchFamily="34" charset="0"/>
+              </a:rPr>
+              <a:t>Delaware (77.5), </a:t>
+            </a:r>
+            <a:r>
+              <a:rPr lang="en-US" sz="2800" b="0" i="0" u="none" strike="noStrike" dirty="0">
+                <a:solidFill>
+                  <a:srgbClr val="BDC1C6"/>
+                </a:solidFill>
+                <a:effectLst/>
+                <a:latin typeface="arial" panose="020B0604020202020204" pitchFamily="34" charset="0"/>
+              </a:rPr>
+              <a:t>Vermont(75), top 3 for median </a:t>
+            </a:r>
+            <a:r>
+              <a:rPr lang="en-US" sz="2800" b="1" i="0" u="none" strike="noStrike" dirty="0">
+                <a:solidFill>
+                  <a:srgbClr val="BDC1C6"/>
+                </a:solidFill>
+                <a:effectLst/>
+                <a:latin typeface="arial" panose="020B0604020202020204" pitchFamily="34" charset="0"/>
+              </a:rPr>
+              <a:t>ABV</a:t>
+            </a:r>
+            <a:r>
+              <a:rPr lang="en-US" sz="2800" b="0" i="0" u="none" strike="noStrike" dirty="0">
+                <a:solidFill>
+                  <a:srgbClr val="BDC1C6"/>
+                </a:solidFill>
+                <a:effectLst/>
+                <a:latin typeface="arial" panose="020B0604020202020204" pitchFamily="34" charset="0"/>
+              </a:rPr>
+              <a:t> = Nevada (.085), South Carolina (.0765), and Vermont (.0715) &amp; </a:t>
+            </a:r>
+            <a:r>
+              <a:rPr lang="en-US" b="0" i="0" u="none" strike="noStrike" dirty="0">
+                <a:solidFill>
+                  <a:srgbClr val="BDC1C6"/>
+                </a:solidFill>
+                <a:effectLst/>
+                <a:latin typeface="arial" panose="020B0604020202020204" pitchFamily="34" charset="0"/>
+              </a:rPr>
+              <a:t>Kansas (.0715)</a:t>
+            </a:r>
+            <a:endParaRPr lang="en-US" dirty="0"/>
+          </a:p>
+        </p:txBody>
+      </p:sp>
+      <p:sp>
+        <p:nvSpPr>
+          <p:cNvPr id="4" name="Slide Number Placeholder 3"/>
+          <p:cNvSpPr>
+            <a:spLocks noGrp="1"/>
+          </p:cNvSpPr>
+          <p:nvPr>
+            <p:ph type="sldNum" sz="quarter" idx="5"/>
+          </p:nvPr>
+        </p:nvSpPr>
+        <p:spPr/>
+        <p:txBody>
+          <a:bodyPr/>
+          <a:lstStyle/>
+          <a:p>
+            <a:fld id="{4AD95DC2-40AE-E946-862F-B5F17F0F0D43}" type="slidenum">
+              <a:rPr lang="en-US" smtClean="0"/>
+              <a:t>13</a:t>
+            </a:fld>
+            <a:endParaRPr lang="en-US"/>
+          </a:p>
+        </p:txBody>
+      </p:sp>
+    </p:spTree>
+    <p:extLst>
+      <p:ext uri="{BB962C8B-B14F-4D97-AF65-F5344CB8AC3E}">
+        <p14:creationId xmlns:p14="http://schemas.microsoft.com/office/powerpoint/2010/main" val="453893184"/>
       </p:ext>
     </p:extLst>
   </p:cSld>
@@ -1150,7 +1319,7 @@
           <a:p>
             <a:fld id="{46BF16B6-8507-4900-B3DF-8BA44FFCABEE}" type="datetimeFigureOut">
               <a:rPr lang="en-US" smtClean="0"/>
-              <a:t>3/2/2023</a:t>
+              <a:t>3/3/2023</a:t>
             </a:fld>
             <a:endParaRPr lang="en-US"/>
           </a:p>
@@ -1477,7 +1646,7 @@
           <a:p>
             <a:fld id="{46BF16B6-8507-4900-B3DF-8BA44FFCABEE}" type="datetimeFigureOut">
               <a:rPr lang="en-US" smtClean="0"/>
-              <a:t>3/2/2023</a:t>
+              <a:t>3/3/2023</a:t>
             </a:fld>
             <a:endParaRPr lang="en-US"/>
           </a:p>
@@ -1728,7 +1897,7 @@
           <a:p>
             <a:fld id="{46BF16B6-8507-4900-B3DF-8BA44FFCABEE}" type="datetimeFigureOut">
               <a:rPr lang="en-US" smtClean="0"/>
-              <a:t>3/2/2023</a:t>
+              <a:t>3/3/2023</a:t>
             </a:fld>
             <a:endParaRPr lang="en-US"/>
           </a:p>
@@ -2070,7 +2239,7 @@
           <a:p>
             <a:fld id="{46BF16B6-8507-4900-B3DF-8BA44FFCABEE}" type="datetimeFigureOut">
               <a:rPr lang="en-US" smtClean="0"/>
-              <a:t>3/2/2023</a:t>
+              <a:t>3/3/2023</a:t>
             </a:fld>
             <a:endParaRPr lang="en-US"/>
           </a:p>
@@ -2420,7 +2589,7 @@
           <a:p>
             <a:fld id="{46BF16B6-8507-4900-B3DF-8BA44FFCABEE}" type="datetimeFigureOut">
               <a:rPr lang="en-US" smtClean="0"/>
-              <a:t>3/2/2023</a:t>
+              <a:t>3/3/2023</a:t>
             </a:fld>
             <a:endParaRPr lang="en-US"/>
           </a:p>
@@ -2797,7 +2966,7 @@
           <a:p>
             <a:fld id="{46BF16B6-8507-4900-B3DF-8BA44FFCABEE}" type="datetimeFigureOut">
               <a:rPr lang="en-US" smtClean="0"/>
-              <a:t>3/2/2023</a:t>
+              <a:t>3/3/2023</a:t>
             </a:fld>
             <a:endParaRPr lang="en-US"/>
           </a:p>
@@ -3270,7 +3439,7 @@
           <a:p>
             <a:fld id="{46BF16B6-8507-4900-B3DF-8BA44FFCABEE}" type="datetimeFigureOut">
               <a:rPr lang="en-US" smtClean="0"/>
-              <a:t>3/2/2023</a:t>
+              <a:t>3/3/2023</a:t>
             </a:fld>
             <a:endParaRPr lang="en-US"/>
           </a:p>
@@ -3478,7 +3647,7 @@
           <a:p>
             <a:fld id="{46BF16B6-8507-4900-B3DF-8BA44FFCABEE}" type="datetimeFigureOut">
               <a:rPr lang="en-US" smtClean="0"/>
-              <a:t>3/2/2023</a:t>
+              <a:t>3/3/2023</a:t>
             </a:fld>
             <a:endParaRPr lang="en-US"/>
           </a:p>
@@ -3692,7 +3861,7 @@
           <a:p>
             <a:fld id="{46BF16B6-8507-4900-B3DF-8BA44FFCABEE}" type="datetimeFigureOut">
               <a:rPr lang="en-US" smtClean="0"/>
-              <a:t>3/2/2023</a:t>
+              <a:t>3/3/2023</a:t>
             </a:fld>
             <a:endParaRPr lang="en-US"/>
           </a:p>
@@ -3927,7 +4096,7 @@
           <a:p>
             <a:fld id="{46BF16B6-8507-4900-B3DF-8BA44FFCABEE}" type="datetimeFigureOut">
               <a:rPr lang="en-US" smtClean="0"/>
-              <a:t>3/2/2023</a:t>
+              <a:t>3/3/2023</a:t>
             </a:fld>
             <a:endParaRPr lang="en-US"/>
           </a:p>
@@ -4178,7 +4347,7 @@
           <a:p>
             <a:fld id="{46BF16B6-8507-4900-B3DF-8BA44FFCABEE}" type="datetimeFigureOut">
               <a:rPr lang="en-US" smtClean="0"/>
-              <a:t>3/2/2023</a:t>
+              <a:t>3/3/2023</a:t>
             </a:fld>
             <a:endParaRPr lang="en-US"/>
           </a:p>
@@ -4448,7 +4617,7 @@
           <a:p>
             <a:fld id="{46BF16B6-8507-4900-B3DF-8BA44FFCABEE}" type="datetimeFigureOut">
               <a:rPr lang="en-US" smtClean="0"/>
-              <a:t>3/2/2023</a:t>
+              <a:t>3/3/2023</a:t>
             </a:fld>
             <a:endParaRPr lang="en-US"/>
           </a:p>
@@ -4864,7 +5033,7 @@
           <a:p>
             <a:fld id="{46BF16B6-8507-4900-B3DF-8BA44FFCABEE}" type="datetimeFigureOut">
               <a:rPr lang="en-US" smtClean="0"/>
-              <a:t>3/2/2023</a:t>
+              <a:t>3/3/2023</a:t>
             </a:fld>
             <a:endParaRPr lang="en-US"/>
           </a:p>
@@ -5016,7 +5185,7 @@
           <a:p>
             <a:fld id="{46BF16B6-8507-4900-B3DF-8BA44FFCABEE}" type="datetimeFigureOut">
               <a:rPr lang="en-US" smtClean="0"/>
-              <a:t>3/2/2023</a:t>
+              <a:t>3/3/2023</a:t>
             </a:fld>
             <a:endParaRPr lang="en-US"/>
           </a:p>
@@ -5145,7 +5314,7 @@
           <a:p>
             <a:fld id="{46BF16B6-8507-4900-B3DF-8BA44FFCABEE}" type="datetimeFigureOut">
               <a:rPr lang="en-US" smtClean="0"/>
-              <a:t>3/2/2023</a:t>
+              <a:t>3/3/2023</a:t>
             </a:fld>
             <a:endParaRPr lang="en-US"/>
           </a:p>
@@ -5403,7 +5572,7 @@
           <a:p>
             <a:fld id="{46BF16B6-8507-4900-B3DF-8BA44FFCABEE}" type="datetimeFigureOut">
               <a:rPr lang="en-US" smtClean="0"/>
-              <a:t>3/2/2023</a:t>
+              <a:t>3/3/2023</a:t>
             </a:fld>
             <a:endParaRPr lang="en-US"/>
           </a:p>
@@ -5721,7 +5890,7 @@
           <a:p>
             <a:fld id="{46BF16B6-8507-4900-B3DF-8BA44FFCABEE}" type="datetimeFigureOut">
               <a:rPr lang="en-US" smtClean="0"/>
-              <a:t>3/2/2023</a:t>
+              <a:t>3/3/2023</a:t>
             </a:fld>
             <a:endParaRPr lang="en-US"/>
           </a:p>
@@ -6075,7 +6244,7 @@
           <a:p>
             <a:fld id="{46BF16B6-8507-4900-B3DF-8BA44FFCABEE}" type="datetimeFigureOut">
               <a:rPr lang="en-US" smtClean="0"/>
-              <a:t>3/2/2023</a:t>
+              <a:t>3/3/2023</a:t>
             </a:fld>
             <a:endParaRPr lang="en-US"/>
           </a:p>
@@ -7394,10 +7563,10 @@
       </p:sp>
       <p:pic>
         <p:nvPicPr>
-          <p:cNvPr id="7" name="Picture 6">
+          <p:cNvPr id="9" name="Picture 8">
             <a:extLst>
               <a:ext uri="{FF2B5EF4-FFF2-40B4-BE49-F238E27FC236}">
-                <a16:creationId xmlns:a16="http://schemas.microsoft.com/office/drawing/2014/main" id="{4B87C2A8-3C5F-7352-A2EE-A235CDBE5E1D}"/>
+                <a16:creationId xmlns:a16="http://schemas.microsoft.com/office/drawing/2014/main" id="{860E7B1E-E8F5-8E5D-6797-A771390DD00B}"/>
               </a:ext>
             </a:extLst>
           </p:cNvPr>
@@ -7414,36 +7583,6 @@
         </p:blipFill>
         <p:spPr>
           <a:xfrm>
-            <a:off x="1475721" y="3429000"/>
-            <a:ext cx="3172268" cy="2029108"/>
-          </a:xfrm>
-          <a:prstGeom prst="rect">
-            <a:avLst/>
-          </a:prstGeom>
-        </p:spPr>
-      </p:pic>
-      <p:pic>
-        <p:nvPicPr>
-          <p:cNvPr id="9" name="Picture 8">
-            <a:extLst>
-              <a:ext uri="{FF2B5EF4-FFF2-40B4-BE49-F238E27FC236}">
-                <a16:creationId xmlns:a16="http://schemas.microsoft.com/office/drawing/2014/main" id="{860E7B1E-E8F5-8E5D-6797-A771390DD00B}"/>
-              </a:ext>
-            </a:extLst>
-          </p:cNvPr>
-          <p:cNvPicPr>
-            <a:picLocks noChangeAspect="1"/>
-          </p:cNvPicPr>
-          <p:nvPr/>
-        </p:nvPicPr>
-        <p:blipFill>
-          <a:blip r:embed="rId3"/>
-          <a:stretch>
-            <a:fillRect/>
-          </a:stretch>
-        </p:blipFill>
-        <p:spPr>
-          <a:xfrm>
             <a:off x="6768936" y="3138629"/>
             <a:ext cx="3840134" cy="2737239"/>
           </a:xfrm>
@@ -7452,6 +7591,418 @@
           </a:prstGeom>
         </p:spPr>
       </p:pic>
+      <p:graphicFrame>
+        <p:nvGraphicFramePr>
+          <p:cNvPr id="4" name="Table 4">
+            <a:extLst>
+              <a:ext uri="{FF2B5EF4-FFF2-40B4-BE49-F238E27FC236}">
+                <a16:creationId xmlns:a16="http://schemas.microsoft.com/office/drawing/2014/main" id="{FCF30509-D683-00B1-A5E3-93E8F13FE2C9}"/>
+              </a:ext>
+            </a:extLst>
+          </p:cNvPr>
+          <p:cNvGraphicFramePr>
+            <a:graphicFrameLocks noGrp="1"/>
+          </p:cNvGraphicFramePr>
+          <p:nvPr>
+            <p:extLst>
+              <p:ext uri="{D42A27DB-BD31-4B8C-83A1-F6EECF244321}">
+                <p14:modId xmlns:p14="http://schemas.microsoft.com/office/powerpoint/2010/main" val="421592694"/>
+              </p:ext>
+            </p:extLst>
+          </p:nvPr>
+        </p:nvGraphicFramePr>
+        <p:xfrm>
+          <a:off x="1695194" y="3732512"/>
+          <a:ext cx="4098204" cy="914400"/>
+        </p:xfrm>
+        <a:graphic>
+          <a:graphicData uri="http://schemas.openxmlformats.org/drawingml/2006/table">
+            <a:tbl>
+              <a:tblPr firstRow="1" bandRow="1">
+                <a:tableStyleId>{5C22544A-7EE6-4342-B048-85BDC9FD1C3A}</a:tableStyleId>
+              </a:tblPr>
+              <a:tblGrid>
+                <a:gridCol w="1366068">
+                  <a:extLst>
+                    <a:ext uri="{9D8B030D-6E8A-4147-A177-3AD203B41FA5}">
+                      <a16:colId xmlns:a16="http://schemas.microsoft.com/office/drawing/2014/main" val="2667131785"/>
+                    </a:ext>
+                  </a:extLst>
+                </a:gridCol>
+                <a:gridCol w="1366068">
+                  <a:extLst>
+                    <a:ext uri="{9D8B030D-6E8A-4147-A177-3AD203B41FA5}">
+                      <a16:colId xmlns:a16="http://schemas.microsoft.com/office/drawing/2014/main" val="78564520"/>
+                    </a:ext>
+                  </a:extLst>
+                </a:gridCol>
+                <a:gridCol w="1366068">
+                  <a:extLst>
+                    <a:ext uri="{9D8B030D-6E8A-4147-A177-3AD203B41FA5}">
+                      <a16:colId xmlns:a16="http://schemas.microsoft.com/office/drawing/2014/main" val="151703454"/>
+                    </a:ext>
+                  </a:extLst>
+                </a:gridCol>
+              </a:tblGrid>
+              <a:tr h="204329">
+                <a:tc>
+                  <a:txBody>
+                    <a:bodyPr/>
+                    <a:lstStyle/>
+                    <a:p>
+                      <a:r>
+                        <a:rPr lang="en-US" sz="1400" dirty="0"/>
+                        <a:t>Prediction</a:t>
+                      </a:r>
+                    </a:p>
+                  </a:txBody>
+                  <a:tcPr/>
+                </a:tc>
+                <a:tc>
+                  <a:txBody>
+                    <a:bodyPr/>
+                    <a:lstStyle/>
+                    <a:p>
+                      <a:r>
+                        <a:rPr lang="en-US" sz="1400" dirty="0"/>
+                        <a:t>False</a:t>
+                      </a:r>
+                    </a:p>
+                  </a:txBody>
+                  <a:tcPr/>
+                </a:tc>
+                <a:tc>
+                  <a:txBody>
+                    <a:bodyPr/>
+                    <a:lstStyle/>
+                    <a:p>
+                      <a:r>
+                        <a:rPr lang="en-US" sz="1400" dirty="0"/>
+                        <a:t>True</a:t>
+                      </a:r>
+                    </a:p>
+                  </a:txBody>
+                  <a:tcPr/>
+                </a:tc>
+                <a:extLst>
+                  <a:ext uri="{0D108BD9-81ED-4DB2-BD59-A6C34878D82A}">
+                    <a16:rowId xmlns:a16="http://schemas.microsoft.com/office/drawing/2014/main" val="4219811719"/>
+                  </a:ext>
+                </a:extLst>
+              </a:tr>
+              <a:tr h="204329">
+                <a:tc>
+                  <a:txBody>
+                    <a:bodyPr/>
+                    <a:lstStyle/>
+                    <a:p>
+                      <a:r>
+                        <a:rPr lang="en-US" sz="1400" dirty="0"/>
+                        <a:t>False</a:t>
+                      </a:r>
+                    </a:p>
+                  </a:txBody>
+                  <a:tcPr/>
+                </a:tc>
+                <a:tc>
+                  <a:txBody>
+                    <a:bodyPr/>
+                    <a:lstStyle/>
+                    <a:p>
+                      <a:r>
+                        <a:rPr lang="en-US" sz="1400" dirty="0"/>
+                        <a:t>250</a:t>
+                      </a:r>
+                    </a:p>
+                  </a:txBody>
+                  <a:tcPr/>
+                </a:tc>
+                <a:tc>
+                  <a:txBody>
+                    <a:bodyPr/>
+                    <a:lstStyle/>
+                    <a:p>
+                      <a:r>
+                        <a:rPr lang="en-US" sz="1400" dirty="0"/>
+                        <a:t>49</a:t>
+                      </a:r>
+                    </a:p>
+                  </a:txBody>
+                  <a:tcPr/>
+                </a:tc>
+                <a:extLst>
+                  <a:ext uri="{0D108BD9-81ED-4DB2-BD59-A6C34878D82A}">
+                    <a16:rowId xmlns:a16="http://schemas.microsoft.com/office/drawing/2014/main" val="2774271538"/>
+                  </a:ext>
+                </a:extLst>
+              </a:tr>
+              <a:tr h="204329">
+                <a:tc>
+                  <a:txBody>
+                    <a:bodyPr/>
+                    <a:lstStyle/>
+                    <a:p>
+                      <a:r>
+                        <a:rPr lang="en-US" sz="1400" dirty="0"/>
+                        <a:t>True</a:t>
+                      </a:r>
+                    </a:p>
+                  </a:txBody>
+                  <a:tcPr/>
+                </a:tc>
+                <a:tc>
+                  <a:txBody>
+                    <a:bodyPr/>
+                    <a:lstStyle/>
+                    <a:p>
+                      <a:r>
+                        <a:rPr lang="en-US" sz="1400" dirty="0"/>
+                        <a:t>45</a:t>
+                      </a:r>
+                    </a:p>
+                  </a:txBody>
+                  <a:tcPr/>
+                </a:tc>
+                <a:tc>
+                  <a:txBody>
+                    <a:bodyPr/>
+                    <a:lstStyle/>
+                    <a:p>
+                      <a:r>
+                        <a:rPr lang="en-US" sz="1400" dirty="0"/>
+                        <a:t>116</a:t>
+                      </a:r>
+                    </a:p>
+                  </a:txBody>
+                  <a:tcPr/>
+                </a:tc>
+                <a:extLst>
+                  <a:ext uri="{0D108BD9-81ED-4DB2-BD59-A6C34878D82A}">
+                    <a16:rowId xmlns:a16="http://schemas.microsoft.com/office/drawing/2014/main" val="3315489689"/>
+                  </a:ext>
+                </a:extLst>
+              </a:tr>
+            </a:tbl>
+          </a:graphicData>
+        </a:graphic>
+      </p:graphicFrame>
+      <p:graphicFrame>
+        <p:nvGraphicFramePr>
+          <p:cNvPr id="5" name="Table 5">
+            <a:extLst>
+              <a:ext uri="{FF2B5EF4-FFF2-40B4-BE49-F238E27FC236}">
+                <a16:creationId xmlns:a16="http://schemas.microsoft.com/office/drawing/2014/main" id="{3DD6D5DB-F268-6D0C-7FFA-450C43DB6F1A}"/>
+              </a:ext>
+            </a:extLst>
+          </p:cNvPr>
+          <p:cNvGraphicFramePr>
+            <a:graphicFrameLocks noGrp="1"/>
+          </p:cNvGraphicFramePr>
+          <p:nvPr>
+            <p:extLst>
+              <p:ext uri="{D42A27DB-BD31-4B8C-83A1-F6EECF244321}">
+                <p14:modId xmlns:p14="http://schemas.microsoft.com/office/powerpoint/2010/main" val="2125716298"/>
+              </p:ext>
+            </p:extLst>
+          </p:nvPr>
+        </p:nvGraphicFramePr>
+        <p:xfrm>
+          <a:off x="1695194" y="4783870"/>
+          <a:ext cx="4098204" cy="1228956"/>
+        </p:xfrm>
+        <a:graphic>
+          <a:graphicData uri="http://schemas.openxmlformats.org/drawingml/2006/table">
+            <a:tbl>
+              <a:tblPr firstRow="1" bandRow="1">
+                <a:tableStyleId>{5C22544A-7EE6-4342-B048-85BDC9FD1C3A}</a:tableStyleId>
+              </a:tblPr>
+              <a:tblGrid>
+                <a:gridCol w="2049102">
+                  <a:extLst>
+                    <a:ext uri="{9D8B030D-6E8A-4147-A177-3AD203B41FA5}">
+                      <a16:colId xmlns:a16="http://schemas.microsoft.com/office/drawing/2014/main" val="486603305"/>
+                    </a:ext>
+                  </a:extLst>
+                </a:gridCol>
+                <a:gridCol w="2049102">
+                  <a:extLst>
+                    <a:ext uri="{9D8B030D-6E8A-4147-A177-3AD203B41FA5}">
+                      <a16:colId xmlns:a16="http://schemas.microsoft.com/office/drawing/2014/main" val="1670374785"/>
+                    </a:ext>
+                  </a:extLst>
+                </a:gridCol>
+              </a:tblGrid>
+              <a:tr h="307239">
+                <a:tc>
+                  <a:txBody>
+                    <a:bodyPr/>
+                    <a:lstStyle/>
+                    <a:p>
+                      <a:r>
+                        <a:rPr lang="en-US" sz="1400" dirty="0"/>
+                        <a:t>Accuracy</a:t>
+                      </a:r>
+                    </a:p>
+                  </a:txBody>
+                  <a:tcPr/>
+                </a:tc>
+                <a:tc>
+                  <a:txBody>
+                    <a:bodyPr/>
+                    <a:lstStyle/>
+                    <a:p>
+                      <a:r>
+                        <a:rPr lang="en-US" sz="1400" dirty="0"/>
+                        <a:t>0.7957</a:t>
+                      </a:r>
+                    </a:p>
+                  </a:txBody>
+                  <a:tcPr/>
+                </a:tc>
+                <a:extLst>
+                  <a:ext uri="{0D108BD9-81ED-4DB2-BD59-A6C34878D82A}">
+                    <a16:rowId xmlns:a16="http://schemas.microsoft.com/office/drawing/2014/main" val="3508490187"/>
+                  </a:ext>
+                </a:extLst>
+              </a:tr>
+              <a:tr h="307239">
+                <a:tc>
+                  <a:txBody>
+                    <a:bodyPr/>
+                    <a:lstStyle/>
+                    <a:p>
+                      <a:r>
+                        <a:rPr lang="en-US" sz="1400" dirty="0"/>
+                        <a:t>95% CI</a:t>
+                      </a:r>
+                    </a:p>
+                  </a:txBody>
+                  <a:tcPr/>
+                </a:tc>
+                <a:tc>
+                  <a:txBody>
+                    <a:bodyPr/>
+                    <a:lstStyle/>
+                    <a:p>
+                      <a:r>
+                        <a:rPr lang="en-US" sz="1400" dirty="0"/>
+                        <a:t>(0.7559, 0.8319)</a:t>
+                      </a:r>
+                    </a:p>
+                  </a:txBody>
+                  <a:tcPr/>
+                </a:tc>
+                <a:extLst>
+                  <a:ext uri="{0D108BD9-81ED-4DB2-BD59-A6C34878D82A}">
+                    <a16:rowId xmlns:a16="http://schemas.microsoft.com/office/drawing/2014/main" val="3729984928"/>
+                  </a:ext>
+                </a:extLst>
+              </a:tr>
+              <a:tr h="307239">
+                <a:tc>
+                  <a:txBody>
+                    <a:bodyPr/>
+                    <a:lstStyle/>
+                    <a:p>
+                      <a:r>
+                        <a:rPr lang="en-US" sz="1400" dirty="0"/>
+                        <a:t>No Information Rate</a:t>
+                      </a:r>
+                    </a:p>
+                  </a:txBody>
+                  <a:tcPr/>
+                </a:tc>
+                <a:tc>
+                  <a:txBody>
+                    <a:bodyPr/>
+                    <a:lstStyle/>
+                    <a:p>
+                      <a:r>
+                        <a:rPr lang="en-US" sz="1400" dirty="0"/>
+                        <a:t>0.6413</a:t>
+                      </a:r>
+                    </a:p>
+                  </a:txBody>
+                  <a:tcPr/>
+                </a:tc>
+                <a:extLst>
+                  <a:ext uri="{0D108BD9-81ED-4DB2-BD59-A6C34878D82A}">
+                    <a16:rowId xmlns:a16="http://schemas.microsoft.com/office/drawing/2014/main" val="170584068"/>
+                  </a:ext>
+                </a:extLst>
+              </a:tr>
+              <a:tr h="307239">
+                <a:tc>
+                  <a:txBody>
+                    <a:bodyPr/>
+                    <a:lstStyle/>
+                    <a:p>
+                      <a:r>
+                        <a:rPr lang="en-US" sz="1400" dirty="0"/>
+                        <a:t>P-Value [Acc &gt; NIR]</a:t>
+                      </a:r>
+                    </a:p>
+                  </a:txBody>
+                  <a:tcPr/>
+                </a:tc>
+                <a:tc>
+                  <a:txBody>
+                    <a:bodyPr/>
+                    <a:lstStyle/>
+                    <a:p>
+                      <a:r>
+                        <a:rPr lang="en-US" sz="1400" dirty="0"/>
+                        <a:t>4.129e-13</a:t>
+                      </a:r>
+                    </a:p>
+                  </a:txBody>
+                  <a:tcPr/>
+                </a:tc>
+                <a:extLst>
+                  <a:ext uri="{0D108BD9-81ED-4DB2-BD59-A6C34878D82A}">
+                    <a16:rowId xmlns:a16="http://schemas.microsoft.com/office/drawing/2014/main" val="3269362653"/>
+                  </a:ext>
+                </a:extLst>
+              </a:tr>
+            </a:tbl>
+          </a:graphicData>
+        </a:graphic>
+      </p:graphicFrame>
+      <p:sp>
+        <p:nvSpPr>
+          <p:cNvPr id="6" name="TextBox 5">
+            <a:extLst>
+              <a:ext uri="{FF2B5EF4-FFF2-40B4-BE49-F238E27FC236}">
+                <a16:creationId xmlns:a16="http://schemas.microsoft.com/office/drawing/2014/main" id="{4565ADF0-0056-25DB-DD59-621B0DD6F725}"/>
+              </a:ext>
+            </a:extLst>
+          </p:cNvPr>
+          <p:cNvSpPr txBox="1"/>
+          <p:nvPr/>
+        </p:nvSpPr>
+        <p:spPr>
+          <a:xfrm>
+            <a:off x="2108271" y="3363180"/>
+            <a:ext cx="3272050" cy="369332"/>
+          </a:xfrm>
+          <a:prstGeom prst="rect">
+            <a:avLst/>
+          </a:prstGeom>
+          <a:noFill/>
+        </p:spPr>
+        <p:txBody>
+          <a:bodyPr wrap="none" rtlCol="0">
+            <a:spAutoFit/>
+          </a:bodyPr>
+          <a:lstStyle/>
+          <a:p>
+            <a:r>
+              <a:rPr lang="en-US" b="1" dirty="0"/>
+              <a:t>Confusion Matrix and Statistics</a:t>
+            </a:r>
+          </a:p>
+        </p:txBody>
+      </p:sp>
     </p:spTree>
     <p:extLst>
       <p:ext uri="{BB962C8B-B14F-4D97-AF65-F5344CB8AC3E}">
@@ -7469,6 +8020,409 @@
 </file>
 
 <file path=ppt/slides/slide13.xml><?xml version="1.0" encoding="utf-8"?>
+<p:sld xmlns:a="http://schemas.openxmlformats.org/drawingml/2006/main" xmlns:r="http://schemas.openxmlformats.org/officeDocument/2006/relationships" xmlns:p="http://schemas.openxmlformats.org/presentationml/2006/main">
+  <p:cSld>
+    <p:bg>
+      <p:bgPr>
+        <a:blipFill>
+          <a:blip r:embed="rId3"/>
+          <a:stretch/>
+        </a:blipFill>
+        <a:effectLst/>
+      </p:bgPr>
+    </p:bg>
+    <p:spTree>
+      <p:nvGrpSpPr>
+        <p:cNvPr id="1" name=""/>
+        <p:cNvGrpSpPr/>
+        <p:nvPr/>
+      </p:nvGrpSpPr>
+      <p:grpSpPr>
+        <a:xfrm>
+          <a:off x="0" y="0"/>
+          <a:ext cx="0" cy="0"/>
+          <a:chOff x="0" y="0"/>
+          <a:chExt cx="0" cy="0"/>
+        </a:xfrm>
+      </p:grpSpPr>
+      <p:grpSp>
+        <p:nvGrpSpPr>
+          <p:cNvPr id="27" name="Group 10">
+            <a:extLst>
+              <a:ext uri="{FF2B5EF4-FFF2-40B4-BE49-F238E27FC236}">
+                <a16:creationId xmlns:a16="http://schemas.microsoft.com/office/drawing/2014/main" id="{B77576E5-E7DB-46C7-B0D9-A0AB18787301}"/>
+              </a:ext>
+              <a:ext uri="{C183D7F6-B498-43B3-948B-1728B52AA6E4}">
+                <adec:decorative xmlns:adec="http://schemas.microsoft.com/office/drawing/2017/decorative" val="1"/>
+              </a:ext>
+            </a:extLst>
+          </p:cNvPr>
+          <p:cNvGrpSpPr>
+            <a:grpSpLocks noGrp="1" noUngrp="1" noRot="1" noChangeAspect="1" noMove="1" noResize="1"/>
+          </p:cNvGrpSpPr>
+          <p:nvPr>
+            <p:extLst>
+              <p:ext uri="{386F3935-93C4-4BCD-93E2-E3B085C9AB24}">
+                <p16:designElem xmlns:p16="http://schemas.microsoft.com/office/powerpoint/2015/main" val="1"/>
+              </p:ext>
+            </p:extLst>
+          </p:nvPr>
+        </p:nvGrpSpPr>
+        <p:grpSpPr>
+          <a:xfrm>
+            <a:off x="-15736" y="0"/>
+            <a:ext cx="12229962" cy="6856214"/>
+            <a:chOff x="-15736" y="0"/>
+            <a:chExt cx="12229962" cy="6856214"/>
+          </a:xfrm>
+        </p:grpSpPr>
+        <p:pic>
+          <p:nvPicPr>
+            <p:cNvPr id="12" name="Picture 11">
+              <a:extLst>
+                <a:ext uri="{FF2B5EF4-FFF2-40B4-BE49-F238E27FC236}">
+                  <a16:creationId xmlns:a16="http://schemas.microsoft.com/office/drawing/2014/main" id="{A2C244BC-AB19-460B-9A7B-5BAFE9DEAB00}"/>
+                </a:ext>
+                <a:ext uri="{C183D7F6-B498-43B3-948B-1728B52AA6E4}">
+                  <adec:decorative xmlns:adec="http://schemas.microsoft.com/office/drawing/2017/decorative" val="1"/>
+                </a:ext>
+              </a:extLst>
+            </p:cNvPr>
+            <p:cNvPicPr>
+              <a:picLocks noChangeAspect="1"/>
+            </p:cNvPicPr>
+            <p:nvPr>
+              <p:extLst>
+                <p:ext uri="{386F3935-93C4-4BCD-93E2-E3B085C9AB24}">
+                  <p16:designElem xmlns:p16="http://schemas.microsoft.com/office/powerpoint/2015/main" val="1"/>
+                </p:ext>
+              </p:extLst>
+            </p:nvPr>
+          </p:nvPicPr>
+          <p:blipFill>
+            <a:blip r:embed="rId4">
+              <a:extLst>
+                <a:ext uri="{28A0092B-C50C-407E-A947-70E740481C1C}">
+                  <a14:useLocalDpi xmlns:a14="http://schemas.microsoft.com/office/drawing/2010/main" val="0"/>
+                </a:ext>
+              </a:extLst>
+            </a:blip>
+            <a:stretch>
+              <a:fillRect/>
+            </a:stretch>
+          </p:blipFill>
+          <p:spPr>
+            <a:xfrm>
+              <a:off x="0" y="0"/>
+              <a:ext cx="12188825" cy="6856214"/>
+            </a:xfrm>
+            <a:prstGeom prst="rect">
+              <a:avLst/>
+            </a:prstGeom>
+          </p:spPr>
+        </p:pic>
+        <p:sp>
+          <p:nvSpPr>
+            <p:cNvPr id="13" name="Rectangle 12">
+              <a:extLst>
+                <a:ext uri="{FF2B5EF4-FFF2-40B4-BE49-F238E27FC236}">
+                  <a16:creationId xmlns:a16="http://schemas.microsoft.com/office/drawing/2014/main" id="{C2D7728D-2CB0-4ADE-B6BF-4BA8ED772A31}"/>
+                </a:ext>
+                <a:ext uri="{C183D7F6-B498-43B3-948B-1728B52AA6E4}">
+                  <adec:decorative xmlns:adec="http://schemas.microsoft.com/office/drawing/2017/decorative" val="1"/>
+                </a:ext>
+              </a:extLst>
+            </p:cNvPr>
+            <p:cNvSpPr/>
+            <p:nvPr>
+              <p:extLst>
+                <p:ext uri="{386F3935-93C4-4BCD-93E2-E3B085C9AB24}">
+                  <p16:designElem xmlns:p16="http://schemas.microsoft.com/office/powerpoint/2015/main" val="1"/>
+                </p:ext>
+              </p:extLst>
+            </p:nvPr>
+          </p:nvSpPr>
+          <p:spPr>
+            <a:xfrm>
+              <a:off x="608012" y="609600"/>
+              <a:ext cx="10972800" cy="5638800"/>
+            </a:xfrm>
+            <a:prstGeom prst="rect">
+              <a:avLst/>
+            </a:prstGeom>
+            <a:noFill/>
+            <a:ln w="15875" cap="flat">
+              <a:miter lim="800000"/>
+            </a:ln>
+          </p:spPr>
+          <p:style>
+            <a:lnRef idx="1">
+              <a:schemeClr val="accent1"/>
+            </a:lnRef>
+            <a:fillRef idx="3">
+              <a:schemeClr val="accent1"/>
+            </a:fillRef>
+            <a:effectRef idx="2">
+              <a:schemeClr val="accent1"/>
+            </a:effectRef>
+            <a:fontRef idx="minor">
+              <a:schemeClr val="lt1"/>
+            </a:fontRef>
+          </p:style>
+        </p:sp>
+        <p:pic>
+          <p:nvPicPr>
+            <p:cNvPr id="14" name="Picture 13">
+              <a:extLst>
+                <a:ext uri="{FF2B5EF4-FFF2-40B4-BE49-F238E27FC236}">
+                  <a16:creationId xmlns:a16="http://schemas.microsoft.com/office/drawing/2014/main" id="{A3E0EDB8-8162-4D16-9521-52415777B0B4}"/>
+                </a:ext>
+                <a:ext uri="{C183D7F6-B498-43B3-948B-1728B52AA6E4}">
+                  <adec:decorative xmlns:adec="http://schemas.microsoft.com/office/drawing/2017/decorative" val="1"/>
+                </a:ext>
+              </a:extLst>
+            </p:cNvPr>
+            <p:cNvPicPr>
+              <a:picLocks noChangeAspect="1"/>
+            </p:cNvPicPr>
+            <p:nvPr>
+              <p:extLst>
+                <p:ext uri="{386F3935-93C4-4BCD-93E2-E3B085C9AB24}">
+                  <p16:designElem xmlns:p16="http://schemas.microsoft.com/office/powerpoint/2015/main" val="1"/>
+                </p:ext>
+              </p:extLst>
+            </p:nvPr>
+          </p:nvPicPr>
+          <p:blipFill rotWithShape="1">
+            <a:blip r:embed="rId5">
+              <a:extLst>
+                <a:ext uri="{28A0092B-C50C-407E-A947-70E740481C1C}">
+                  <a14:useLocalDpi xmlns:a14="http://schemas.microsoft.com/office/drawing/2010/main" val="0"/>
+                </a:ext>
+              </a:extLst>
+            </a:blip>
+            <a:srcRect/>
+            <a:stretch/>
+          </p:blipFill>
+          <p:spPr>
+            <a:xfrm>
+              <a:off x="-15736" y="3153832"/>
+              <a:ext cx="777240" cy="606425"/>
+            </a:xfrm>
+            <a:prstGeom prst="rect">
+              <a:avLst/>
+            </a:prstGeom>
+          </p:spPr>
+        </p:pic>
+        <p:pic>
+          <p:nvPicPr>
+            <p:cNvPr id="15" name="Picture 14">
+              <a:extLst>
+                <a:ext uri="{FF2B5EF4-FFF2-40B4-BE49-F238E27FC236}">
+                  <a16:creationId xmlns:a16="http://schemas.microsoft.com/office/drawing/2014/main" id="{27060CB3-C139-4548-A73F-74689C9292D0}"/>
+                </a:ext>
+                <a:ext uri="{C183D7F6-B498-43B3-948B-1728B52AA6E4}">
+                  <adec:decorative xmlns:adec="http://schemas.microsoft.com/office/drawing/2017/decorative" val="1"/>
+                </a:ext>
+              </a:extLst>
+            </p:cNvPr>
+            <p:cNvPicPr>
+              <a:picLocks noChangeAspect="1"/>
+            </p:cNvPicPr>
+            <p:nvPr>
+              <p:extLst>
+                <p:ext uri="{386F3935-93C4-4BCD-93E2-E3B085C9AB24}">
+                  <p16:designElem xmlns:p16="http://schemas.microsoft.com/office/powerpoint/2015/main" val="1"/>
+                </p:ext>
+              </p:extLst>
+            </p:nvPr>
+          </p:nvPicPr>
+          <p:blipFill rotWithShape="1">
+            <a:blip r:embed="rId5">
+              <a:extLst>
+                <a:ext uri="{28A0092B-C50C-407E-A947-70E740481C1C}">
+                  <a14:useLocalDpi xmlns:a14="http://schemas.microsoft.com/office/drawing/2010/main" val="0"/>
+                </a:ext>
+              </a:extLst>
+            </a:blip>
+            <a:srcRect/>
+            <a:stretch/>
+          </p:blipFill>
+          <p:spPr>
+            <a:xfrm>
+              <a:off x="11436986" y="3153832"/>
+              <a:ext cx="777240" cy="606425"/>
+            </a:xfrm>
+            <a:prstGeom prst="rect">
+              <a:avLst/>
+            </a:prstGeom>
+          </p:spPr>
+        </p:pic>
+      </p:grpSp>
+      <p:sp>
+        <p:nvSpPr>
+          <p:cNvPr id="28" name="Rectangle 16">
+            <a:extLst>
+              <a:ext uri="{FF2B5EF4-FFF2-40B4-BE49-F238E27FC236}">
+                <a16:creationId xmlns:a16="http://schemas.microsoft.com/office/drawing/2014/main" id="{23E3CED3-8830-45C9-8D6C-F4ECADD4F114}"/>
+              </a:ext>
+              <a:ext uri="{C183D7F6-B498-43B3-948B-1728B52AA6E4}">
+                <adec:decorative xmlns:adec="http://schemas.microsoft.com/office/drawing/2017/decorative" val="1"/>
+              </a:ext>
+            </a:extLst>
+          </p:cNvPr>
+          <p:cNvSpPr>
+            <a:spLocks noGrp="1" noRot="1" noChangeAspect="1" noMove="1" noResize="1" noEditPoints="1" noAdjustHandles="1" noChangeArrowheads="1" noChangeShapeType="1" noTextEdit="1"/>
+          </p:cNvSpPr>
+          <p:nvPr>
+            <p:extLst>
+              <p:ext uri="{386F3935-93C4-4BCD-93E2-E3B085C9AB24}">
+                <p16:designElem xmlns:p16="http://schemas.microsoft.com/office/powerpoint/2015/main" val="1"/>
+              </p:ext>
+            </p:extLst>
+          </p:nvPr>
+        </p:nvSpPr>
+        <p:spPr>
+          <a:xfrm>
+            <a:off x="0" y="0"/>
+            <a:ext cx="12192000" cy="6858000"/>
+          </a:xfrm>
+          <a:prstGeom prst="rect">
+            <a:avLst/>
+          </a:prstGeom>
+          <a:solidFill>
+            <a:srgbClr val="4E7247"/>
+          </a:solidFill>
+          <a:ln>
+            <a:noFill/>
+          </a:ln>
+        </p:spPr>
+        <p:style>
+          <a:lnRef idx="2">
+            <a:schemeClr val="accent1">
+              <a:shade val="50000"/>
+            </a:schemeClr>
+          </a:lnRef>
+          <a:fillRef idx="1">
+            <a:schemeClr val="accent1"/>
+          </a:fillRef>
+          <a:effectRef idx="0">
+            <a:schemeClr val="accent1"/>
+          </a:effectRef>
+          <a:fontRef idx="minor">
+            <a:schemeClr val="lt1"/>
+          </a:fontRef>
+        </p:style>
+        <p:txBody>
+          <a:bodyPr rtlCol="0" anchor="ctr"/>
+          <a:lstStyle/>
+          <a:p>
+            <a:pPr algn="ctr"/>
+            <a:endParaRPr lang="en-US"/>
+          </a:p>
+        </p:txBody>
+      </p:sp>
+      <p:sp>
+        <p:nvSpPr>
+          <p:cNvPr id="29" name="Rectangle 18">
+            <a:extLst>
+              <a:ext uri="{FF2B5EF4-FFF2-40B4-BE49-F238E27FC236}">
+                <a16:creationId xmlns:a16="http://schemas.microsoft.com/office/drawing/2014/main" id="{66F2D62A-C66C-42DF-8C05-99B0B1A8BED0}"/>
+              </a:ext>
+              <a:ext uri="{C183D7F6-B498-43B3-948B-1728B52AA6E4}">
+                <adec:decorative xmlns:adec="http://schemas.microsoft.com/office/drawing/2017/decorative" val="1"/>
+              </a:ext>
+            </a:extLst>
+          </p:cNvPr>
+          <p:cNvSpPr>
+            <a:spLocks noGrp="1" noRot="1" noChangeAspect="1" noMove="1" noResize="1" noEditPoints="1" noAdjustHandles="1" noChangeArrowheads="1" noChangeShapeType="1" noTextEdit="1"/>
+          </p:cNvSpPr>
+          <p:nvPr>
+            <p:extLst>
+              <p:ext uri="{386F3935-93C4-4BCD-93E2-E3B085C9AB24}">
+                <p16:designElem xmlns:p16="http://schemas.microsoft.com/office/powerpoint/2015/main" val="1"/>
+              </p:ext>
+            </p:extLst>
+          </p:nvPr>
+        </p:nvSpPr>
+        <p:spPr>
+          <a:xfrm>
+            <a:off x="324611" y="350556"/>
+            <a:ext cx="11542779" cy="6156888"/>
+          </a:xfrm>
+          <a:prstGeom prst="rect">
+            <a:avLst/>
+          </a:prstGeom>
+          <a:noFill/>
+          <a:ln w="25400" cap="flat">
+            <a:solidFill>
+              <a:srgbClr val="FE3D00"/>
+            </a:solidFill>
+            <a:miter lim="800000"/>
+          </a:ln>
+        </p:spPr>
+        <p:style>
+          <a:lnRef idx="1">
+            <a:schemeClr val="accent1"/>
+          </a:lnRef>
+          <a:fillRef idx="3">
+            <a:schemeClr val="accent1"/>
+          </a:fillRef>
+          <a:effectRef idx="2">
+            <a:schemeClr val="accent1"/>
+          </a:effectRef>
+          <a:fontRef idx="minor">
+            <a:schemeClr val="lt1"/>
+          </a:fontRef>
+        </p:style>
+      </p:sp>
+      <p:pic>
+        <p:nvPicPr>
+          <p:cNvPr id="3" name="Picture 2">
+            <a:extLst>
+              <a:ext uri="{FF2B5EF4-FFF2-40B4-BE49-F238E27FC236}">
+                <a16:creationId xmlns:a16="http://schemas.microsoft.com/office/drawing/2014/main" id="{2017899E-E5A3-64CC-B02F-16B10EF5EF1C}"/>
+              </a:ext>
+            </a:extLst>
+          </p:cNvPr>
+          <p:cNvPicPr>
+            <a:picLocks noChangeAspect="1"/>
+          </p:cNvPicPr>
+          <p:nvPr/>
+        </p:nvPicPr>
+        <p:blipFill>
+          <a:blip r:embed="rId6"/>
+          <a:stretch>
+            <a:fillRect/>
+          </a:stretch>
+        </p:blipFill>
+        <p:spPr>
+          <a:xfrm>
+            <a:off x="2028807" y="383977"/>
+            <a:ext cx="8140875" cy="6088260"/>
+          </a:xfrm>
+          <a:prstGeom prst="rect">
+            <a:avLst/>
+          </a:prstGeom>
+        </p:spPr>
+      </p:pic>
+    </p:spTree>
+    <p:extLst>
+      <p:ext uri="{BB962C8B-B14F-4D97-AF65-F5344CB8AC3E}">
+        <p14:creationId xmlns:p14="http://schemas.microsoft.com/office/powerpoint/2010/main" val="1520687581"/>
+      </p:ext>
+    </p:extLst>
+  </p:cSld>
+  <p:clrMapOvr>
+    <a:masterClrMapping/>
+  </p:clrMapOvr>
+  <p:transition spd="slow">
+    <p:push dir="u"/>
+  </p:transition>
+</p:sld>
+</file>
+
+<file path=ppt/slides/slide14.xml><?xml version="1.0" encoding="utf-8"?>
 <p:sld xmlns:a="http://schemas.openxmlformats.org/drawingml/2006/main" xmlns:r="http://schemas.openxmlformats.org/officeDocument/2006/relationships" xmlns:p="http://schemas.openxmlformats.org/presentationml/2006/main">
   <p:cSld>
     <p:spTree>
@@ -7613,7 +8567,7 @@
 </p:sld>
 </file>
 
-<file path=ppt/slides/slide14.xml><?xml version="1.0" encoding="utf-8"?>
+<file path=ppt/slides/slide15.xml><?xml version="1.0" encoding="utf-8"?>
 <p:sld xmlns:a="http://schemas.openxmlformats.org/drawingml/2006/main" xmlns:r="http://schemas.openxmlformats.org/officeDocument/2006/relationships" xmlns:p="http://schemas.openxmlformats.org/presentationml/2006/main">
   <p:cSld>
     <p:spTree>
@@ -8497,96 +9451,352 @@
           </a:p>
         </p:txBody>
       </p:sp>
-      <p:pic>
-        <p:nvPicPr>
-          <p:cNvPr id="5" name="Picture 4">
+      <p:graphicFrame>
+        <p:nvGraphicFramePr>
+          <p:cNvPr id="13" name="Table 12">
             <a:extLst>
               <a:ext uri="{FF2B5EF4-FFF2-40B4-BE49-F238E27FC236}">
-                <a16:creationId xmlns:a16="http://schemas.microsoft.com/office/drawing/2014/main" id="{4EE6B91D-24D7-859D-C5F1-C549E88C9A09}"/>
+                <a16:creationId xmlns:a16="http://schemas.microsoft.com/office/drawing/2014/main" id="{593B503A-6E9C-C82B-B71C-41FEB81AA93E}"/>
               </a:ext>
             </a:extLst>
           </p:cNvPr>
-          <p:cNvPicPr>
-            <a:picLocks noChangeAspect="1"/>
-          </p:cNvPicPr>
-          <p:nvPr/>
-        </p:nvPicPr>
-        <p:blipFill>
-          <a:blip r:embed="rId2"/>
-          <a:stretch>
-            <a:fillRect/>
-          </a:stretch>
-        </p:blipFill>
-        <p:spPr>
-          <a:xfrm>
-            <a:off x="8434173" y="2556932"/>
-            <a:ext cx="3067478" cy="1419423"/>
-          </a:xfrm>
-          <a:prstGeom prst="rect">
-            <a:avLst/>
-          </a:prstGeom>
-        </p:spPr>
-      </p:pic>
-      <p:pic>
-        <p:nvPicPr>
-          <p:cNvPr id="7" name="Picture 6">
-            <a:extLst>
-              <a:ext uri="{FF2B5EF4-FFF2-40B4-BE49-F238E27FC236}">
-                <a16:creationId xmlns:a16="http://schemas.microsoft.com/office/drawing/2014/main" id="{5151C118-FD33-EDF5-FB64-2CDFB52FFFA7}"/>
-              </a:ext>
-            </a:extLst>
-          </p:cNvPr>
-          <p:cNvPicPr>
-            <a:picLocks noChangeAspect="1"/>
-          </p:cNvPicPr>
-          <p:nvPr/>
-        </p:nvPicPr>
-        <p:blipFill>
-          <a:blip r:embed="rId3"/>
-          <a:stretch>
-            <a:fillRect/>
-          </a:stretch>
-        </p:blipFill>
-        <p:spPr>
-          <a:xfrm>
-            <a:off x="1095470" y="5615243"/>
-            <a:ext cx="10406181" cy="308516"/>
-          </a:xfrm>
-          <a:prstGeom prst="rect">
-            <a:avLst/>
-          </a:prstGeom>
-        </p:spPr>
-      </p:pic>
-      <p:pic>
-        <p:nvPicPr>
-          <p:cNvPr id="6" name="Picture 5">
-            <a:extLst>
-              <a:ext uri="{FF2B5EF4-FFF2-40B4-BE49-F238E27FC236}">
-                <a16:creationId xmlns:a16="http://schemas.microsoft.com/office/drawing/2014/main" id="{3FDADD43-0683-0565-BDBC-04ED117A1E24}"/>
-              </a:ext>
-            </a:extLst>
-          </p:cNvPr>
-          <p:cNvPicPr>
-            <a:picLocks noChangeAspect="1"/>
-          </p:cNvPicPr>
-          <p:nvPr/>
-        </p:nvPicPr>
-        <p:blipFill>
-          <a:blip r:embed="rId4"/>
-          <a:stretch>
-            <a:fillRect/>
-          </a:stretch>
-        </p:blipFill>
-        <p:spPr>
-          <a:xfrm>
-            <a:off x="8215314" y="5150289"/>
-            <a:ext cx="3476864" cy="1238423"/>
-          </a:xfrm>
-          <a:prstGeom prst="rect">
-            <a:avLst/>
-          </a:prstGeom>
-        </p:spPr>
-      </p:pic>
+          <p:cNvGraphicFramePr>
+            <a:graphicFrameLocks noGrp="1"/>
+          </p:cNvGraphicFramePr>
+          <p:nvPr>
+            <p:extLst>
+              <p:ext uri="{D42A27DB-BD31-4B8C-83A1-F6EECF244321}">
+                <p14:modId xmlns:p14="http://schemas.microsoft.com/office/powerpoint/2010/main" val="2064318982"/>
+              </p:ext>
+            </p:extLst>
+          </p:nvPr>
+        </p:nvGraphicFramePr>
+        <p:xfrm>
+          <a:off x="8606118" y="2377738"/>
+          <a:ext cx="2830148" cy="2072640"/>
+        </p:xfrm>
+        <a:graphic>
+          <a:graphicData uri="http://schemas.openxmlformats.org/drawingml/2006/table">
+            <a:tbl>
+              <a:tblPr firstRow="1" bandRow="1">
+                <a:tableStyleId>{5C22544A-7EE6-4342-B048-85BDC9FD1C3A}</a:tableStyleId>
+              </a:tblPr>
+              <a:tblGrid>
+                <a:gridCol w="1415074">
+                  <a:extLst>
+                    <a:ext uri="{9D8B030D-6E8A-4147-A177-3AD203B41FA5}">
+                      <a16:colId xmlns:a16="http://schemas.microsoft.com/office/drawing/2014/main" val="3323492245"/>
+                    </a:ext>
+                  </a:extLst>
+                </a:gridCol>
+                <a:gridCol w="1415074">
+                  <a:extLst>
+                    <a:ext uri="{9D8B030D-6E8A-4147-A177-3AD203B41FA5}">
+                      <a16:colId xmlns:a16="http://schemas.microsoft.com/office/drawing/2014/main" val="3610845258"/>
+                    </a:ext>
+                  </a:extLst>
+                </a:gridCol>
+              </a:tblGrid>
+              <a:tr h="257100">
+                <a:tc>
+                  <a:txBody>
+                    <a:bodyPr/>
+                    <a:lstStyle/>
+                    <a:p>
+                      <a:r>
+                        <a:rPr lang="en-US" sz="1100" dirty="0"/>
+                        <a:t>ABV</a:t>
+                      </a:r>
+                    </a:p>
+                  </a:txBody>
+                  <a:tcPr/>
+                </a:tc>
+                <a:tc>
+                  <a:txBody>
+                    <a:bodyPr/>
+                    <a:lstStyle/>
+                    <a:p>
+                      <a:r>
+                        <a:rPr lang="en-US" sz="1100" dirty="0"/>
+                        <a:t>IBU</a:t>
+                      </a:r>
+                    </a:p>
+                  </a:txBody>
+                  <a:tcPr/>
+                </a:tc>
+                <a:extLst>
+                  <a:ext uri="{0D108BD9-81ED-4DB2-BD59-A6C34878D82A}">
+                    <a16:rowId xmlns:a16="http://schemas.microsoft.com/office/drawing/2014/main" val="3692520861"/>
+                  </a:ext>
+                </a:extLst>
+              </a:tr>
+              <a:tr h="257100">
+                <a:tc>
+                  <a:txBody>
+                    <a:bodyPr/>
+                    <a:lstStyle/>
+                    <a:p>
+                      <a:r>
+                        <a:rPr lang="en-US" sz="1100" dirty="0"/>
+                        <a:t>Min: 0.00100</a:t>
+                      </a:r>
+                    </a:p>
+                  </a:txBody>
+                  <a:tcPr/>
+                </a:tc>
+                <a:tc>
+                  <a:txBody>
+                    <a:bodyPr/>
+                    <a:lstStyle/>
+                    <a:p>
+                      <a:r>
+                        <a:rPr lang="en-US" sz="1100" dirty="0"/>
+                        <a:t>Min: 4.00</a:t>
+                      </a:r>
+                    </a:p>
+                  </a:txBody>
+                  <a:tcPr/>
+                </a:tc>
+                <a:extLst>
+                  <a:ext uri="{0D108BD9-81ED-4DB2-BD59-A6C34878D82A}">
+                    <a16:rowId xmlns:a16="http://schemas.microsoft.com/office/drawing/2014/main" val="1711046251"/>
+                  </a:ext>
+                </a:extLst>
+              </a:tr>
+              <a:tr h="257100">
+                <a:tc>
+                  <a:txBody>
+                    <a:bodyPr/>
+                    <a:lstStyle/>
+                    <a:p>
+                      <a:r>
+                        <a:rPr lang="en-US" sz="1100" dirty="0"/>
+                        <a:t>1</a:t>
+                      </a:r>
+                      <a:r>
+                        <a:rPr lang="en-US" sz="1100" baseline="30000" dirty="0"/>
+                        <a:t>st</a:t>
+                      </a:r>
+                      <a:r>
+                        <a:rPr lang="en-US" sz="1100" dirty="0"/>
+                        <a:t> Qu: 0.05000</a:t>
+                      </a:r>
+                    </a:p>
+                  </a:txBody>
+                  <a:tcPr/>
+                </a:tc>
+                <a:tc>
+                  <a:txBody>
+                    <a:bodyPr/>
+                    <a:lstStyle/>
+                    <a:p>
+                      <a:r>
+                        <a:rPr lang="en-US" sz="1100" dirty="0"/>
+                        <a:t>1</a:t>
+                      </a:r>
+                      <a:r>
+                        <a:rPr lang="en-US" sz="1100" baseline="30000" dirty="0"/>
+                        <a:t>st</a:t>
+                      </a:r>
+                      <a:r>
+                        <a:rPr lang="en-US" sz="1100" dirty="0"/>
+                        <a:t> Qu: 21.00</a:t>
+                      </a:r>
+                    </a:p>
+                  </a:txBody>
+                  <a:tcPr/>
+                </a:tc>
+                <a:extLst>
+                  <a:ext uri="{0D108BD9-81ED-4DB2-BD59-A6C34878D82A}">
+                    <a16:rowId xmlns:a16="http://schemas.microsoft.com/office/drawing/2014/main" val="3911587596"/>
+                  </a:ext>
+                </a:extLst>
+              </a:tr>
+              <a:tr h="257100">
+                <a:tc>
+                  <a:txBody>
+                    <a:bodyPr/>
+                    <a:lstStyle/>
+                    <a:p>
+                      <a:r>
+                        <a:rPr lang="en-US" sz="1100" dirty="0"/>
+                        <a:t>Median: 0.05600</a:t>
+                      </a:r>
+                    </a:p>
+                  </a:txBody>
+                  <a:tcPr/>
+                </a:tc>
+                <a:tc>
+                  <a:txBody>
+                    <a:bodyPr/>
+                    <a:lstStyle/>
+                    <a:p>
+                      <a:r>
+                        <a:rPr lang="en-US" sz="1100" dirty="0"/>
+                        <a:t>Median: 35.00</a:t>
+                      </a:r>
+                    </a:p>
+                  </a:txBody>
+                  <a:tcPr/>
+                </a:tc>
+                <a:extLst>
+                  <a:ext uri="{0D108BD9-81ED-4DB2-BD59-A6C34878D82A}">
+                    <a16:rowId xmlns:a16="http://schemas.microsoft.com/office/drawing/2014/main" val="3933644114"/>
+                  </a:ext>
+                </a:extLst>
+              </a:tr>
+              <a:tr h="257100">
+                <a:tc>
+                  <a:txBody>
+                    <a:bodyPr/>
+                    <a:lstStyle/>
+                    <a:p>
+                      <a:r>
+                        <a:rPr lang="en-US" sz="1100" dirty="0"/>
+                        <a:t>Mean: 0.05977</a:t>
+                      </a:r>
+                    </a:p>
+                  </a:txBody>
+                  <a:tcPr/>
+                </a:tc>
+                <a:tc>
+                  <a:txBody>
+                    <a:bodyPr/>
+                    <a:lstStyle/>
+                    <a:p>
+                      <a:r>
+                        <a:rPr lang="en-US" sz="1100" dirty="0"/>
+                        <a:t>Mean: 42.71</a:t>
+                      </a:r>
+                    </a:p>
+                  </a:txBody>
+                  <a:tcPr/>
+                </a:tc>
+                <a:extLst>
+                  <a:ext uri="{0D108BD9-81ED-4DB2-BD59-A6C34878D82A}">
+                    <a16:rowId xmlns:a16="http://schemas.microsoft.com/office/drawing/2014/main" val="3558733962"/>
+                  </a:ext>
+                </a:extLst>
+              </a:tr>
+              <a:tr h="257100">
+                <a:tc>
+                  <a:txBody>
+                    <a:bodyPr/>
+                    <a:lstStyle/>
+                    <a:p>
+                      <a:r>
+                        <a:rPr lang="en-US" sz="1100" dirty="0"/>
+                        <a:t>3</a:t>
+                      </a:r>
+                      <a:r>
+                        <a:rPr lang="en-US" sz="1100" baseline="30000" dirty="0"/>
+                        <a:t>rd</a:t>
+                      </a:r>
+                      <a:r>
+                        <a:rPr lang="en-US" sz="1100" dirty="0"/>
+                        <a:t> Qu: 0.06700</a:t>
+                      </a:r>
+                    </a:p>
+                  </a:txBody>
+                  <a:tcPr/>
+                </a:tc>
+                <a:tc>
+                  <a:txBody>
+                    <a:bodyPr/>
+                    <a:lstStyle/>
+                    <a:p>
+                      <a:r>
+                        <a:rPr lang="en-US" sz="1100" dirty="0"/>
+                        <a:t>3</a:t>
+                      </a:r>
+                      <a:r>
+                        <a:rPr lang="en-US" sz="1100" baseline="30000" dirty="0"/>
+                        <a:t>rd</a:t>
+                      </a:r>
+                      <a:r>
+                        <a:rPr lang="en-US" sz="1100" dirty="0"/>
+                        <a:t> Qu: 64.00</a:t>
+                      </a:r>
+                    </a:p>
+                  </a:txBody>
+                  <a:tcPr/>
+                </a:tc>
+                <a:extLst>
+                  <a:ext uri="{0D108BD9-81ED-4DB2-BD59-A6C34878D82A}">
+                    <a16:rowId xmlns:a16="http://schemas.microsoft.com/office/drawing/2014/main" val="2187865415"/>
+                  </a:ext>
+                </a:extLst>
+              </a:tr>
+              <a:tr h="257100">
+                <a:tc>
+                  <a:txBody>
+                    <a:bodyPr/>
+                    <a:lstStyle/>
+                    <a:p>
+                      <a:r>
+                        <a:rPr lang="en-US" sz="1100" dirty="0"/>
+                        <a:t>Max: 0.12800</a:t>
+                      </a:r>
+                    </a:p>
+                  </a:txBody>
+                  <a:tcPr/>
+                </a:tc>
+                <a:tc>
+                  <a:txBody>
+                    <a:bodyPr/>
+                    <a:lstStyle/>
+                    <a:p>
+                      <a:r>
+                        <a:rPr lang="en-US" sz="1100" dirty="0"/>
+                        <a:t>Max: 138.00</a:t>
+                      </a:r>
+                    </a:p>
+                  </a:txBody>
+                  <a:tcPr/>
+                </a:tc>
+                <a:extLst>
+                  <a:ext uri="{0D108BD9-81ED-4DB2-BD59-A6C34878D82A}">
+                    <a16:rowId xmlns:a16="http://schemas.microsoft.com/office/drawing/2014/main" val="3578588388"/>
+                  </a:ext>
+                </a:extLst>
+              </a:tr>
+              <a:tr h="257100">
+                <a:tc>
+                  <a:txBody>
+                    <a:bodyPr/>
+                    <a:lstStyle/>
+                    <a:p>
+                      <a:r>
+                        <a:rPr lang="en-US" sz="1100" dirty="0"/>
+                        <a:t>Na’s: 62</a:t>
+                      </a:r>
+                    </a:p>
+                  </a:txBody>
+                  <a:tcPr/>
+                </a:tc>
+                <a:tc>
+                  <a:txBody>
+                    <a:bodyPr/>
+                    <a:lstStyle/>
+                    <a:p>
+                      <a:r>
+                        <a:rPr lang="en-US" sz="1100" dirty="0"/>
+                        <a:t>Na’s:1005</a:t>
+                      </a:r>
+                    </a:p>
+                  </a:txBody>
+                  <a:tcPr/>
+                </a:tc>
+                <a:extLst>
+                  <a:ext uri="{0D108BD9-81ED-4DB2-BD59-A6C34878D82A}">
+                    <a16:rowId xmlns:a16="http://schemas.microsoft.com/office/drawing/2014/main" val="1892470815"/>
+                  </a:ext>
+                </a:extLst>
+              </a:tr>
+            </a:tbl>
+          </a:graphicData>
+        </a:graphic>
+      </p:graphicFrame>
     </p:spTree>
     <p:extLst>
       <p:ext uri="{BB962C8B-B14F-4D97-AF65-F5344CB8AC3E}">
@@ -8682,7 +9892,7 @@
                             </p:stCondLst>
                             <p:childTnLst>
                               <p:par>
-                                <p:cTn id="10" presetID="10" presetClass="entr" presetSubtype="0" fill="hold" nodeType="clickEffect">
+                                <p:cTn id="10" presetID="10" presetClass="entr" presetSubtype="0" fill="hold" grpId="0" nodeType="clickEffect">
                                   <p:stCondLst>
                                     <p:cond delay="0"/>
                                   </p:stCondLst>
@@ -8695,7 +9905,11 @@
                                           </p:stCondLst>
                                         </p:cTn>
                                         <p:tgtEl>
-                                          <p:spTgt spid="5"/>
+                                          <p:spTgt spid="3">
+                                            <p:txEl>
+                                              <p:pRg st="1" end="1"/>
+                                            </p:txEl>
+                                          </p:spTgt>
                                         </p:tgtEl>
                                         <p:attrNameLst>
                                           <p:attrName>style.visibility</p:attrName>
@@ -8709,7 +9923,11 @@
                                       <p:cBhvr>
                                         <p:cTn id="12" dur="500"/>
                                         <p:tgtEl>
-                                          <p:spTgt spid="5"/>
+                                          <p:spTgt spid="3">
+                                            <p:txEl>
+                                              <p:pRg st="1" end="1"/>
+                                            </p:txEl>
+                                          </p:spTgt>
                                         </p:tgtEl>
                                       </p:cBhvr>
                                     </p:animEffect>
@@ -8750,7 +9968,7 @@
                                         <p:tgtEl>
                                           <p:spTgt spid="3">
                                             <p:txEl>
-                                              <p:pRg st="1" end="1"/>
+                                              <p:pRg st="2" end="2"/>
                                             </p:txEl>
                                           </p:spTgt>
                                         </p:tgtEl>
@@ -8768,67 +9986,6 @@
                                         <p:tgtEl>
                                           <p:spTgt spid="3">
                                             <p:txEl>
-                                              <p:pRg st="1" end="1"/>
-                                            </p:txEl>
-                                          </p:spTgt>
-                                        </p:tgtEl>
-                                      </p:cBhvr>
-                                    </p:animEffect>
-                                  </p:childTnLst>
-                                </p:cTn>
-                              </p:par>
-                            </p:childTnLst>
-                          </p:cTn>
-                        </p:par>
-                      </p:childTnLst>
-                    </p:cTn>
-                  </p:par>
-                  <p:par>
-                    <p:cTn id="18" fill="hold">
-                      <p:stCondLst>
-                        <p:cond delay="indefinite"/>
-                      </p:stCondLst>
-                      <p:childTnLst>
-                        <p:par>
-                          <p:cTn id="19" fill="hold">
-                            <p:stCondLst>
-                              <p:cond delay="0"/>
-                            </p:stCondLst>
-                            <p:childTnLst>
-                              <p:par>
-                                <p:cTn id="20" presetID="10" presetClass="entr" presetSubtype="0" fill="hold" grpId="0" nodeType="clickEffect">
-                                  <p:stCondLst>
-                                    <p:cond delay="0"/>
-                                  </p:stCondLst>
-                                  <p:childTnLst>
-                                    <p:set>
-                                      <p:cBhvr>
-                                        <p:cTn id="21" dur="1" fill="hold">
-                                          <p:stCondLst>
-                                            <p:cond delay="0"/>
-                                          </p:stCondLst>
-                                        </p:cTn>
-                                        <p:tgtEl>
-                                          <p:spTgt spid="3">
-                                            <p:txEl>
-                                              <p:pRg st="2" end="2"/>
-                                            </p:txEl>
-                                          </p:spTgt>
-                                        </p:tgtEl>
-                                        <p:attrNameLst>
-                                          <p:attrName>style.visibility</p:attrName>
-                                        </p:attrNameLst>
-                                      </p:cBhvr>
-                                      <p:to>
-                                        <p:strVal val="visible"/>
-                                      </p:to>
-                                    </p:set>
-                                    <p:animEffect transition="in" filter="fade">
-                                      <p:cBhvr>
-                                        <p:cTn id="22" dur="500"/>
-                                        <p:tgtEl>
-                                          <p:spTgt spid="3">
-                                            <p:txEl>
                                               <p:pRg st="2" end="2"/>
                                             </p:txEl>
                                           </p:spTgt>
@@ -8839,14 +9996,14 @@
                                 </p:cTn>
                               </p:par>
                               <p:par>
-                                <p:cTn id="23" presetID="10" presetClass="entr" presetSubtype="0" fill="hold" grpId="0" nodeType="withEffect">
+                                <p:cTn id="18" presetID="10" presetClass="entr" presetSubtype="0" fill="hold" grpId="0" nodeType="withEffect">
                                   <p:stCondLst>
                                     <p:cond delay="0"/>
                                   </p:stCondLst>
                                   <p:childTnLst>
                                     <p:set>
                                       <p:cBhvr>
-                                        <p:cTn id="24" dur="1" fill="hold">
+                                        <p:cTn id="19" dur="1" fill="hold">
                                           <p:stCondLst>
                                             <p:cond delay="0"/>
                                           </p:stCondLst>
@@ -8868,119 +10025,13 @@
                                     </p:set>
                                     <p:animEffect transition="in" filter="fade">
                                       <p:cBhvr>
-                                        <p:cTn id="25" dur="500"/>
+                                        <p:cTn id="20" dur="500"/>
                                         <p:tgtEl>
                                           <p:spTgt spid="3">
                                             <p:txEl>
                                               <p:pRg st="3" end="3"/>
                                             </p:txEl>
                                           </p:spTgt>
-                                        </p:tgtEl>
-                                      </p:cBhvr>
-                                    </p:animEffect>
-                                  </p:childTnLst>
-                                </p:cTn>
-                              </p:par>
-                            </p:childTnLst>
-                          </p:cTn>
-                        </p:par>
-                      </p:childTnLst>
-                    </p:cTn>
-                  </p:par>
-                  <p:par>
-                    <p:cTn id="26" fill="hold">
-                      <p:stCondLst>
-                        <p:cond delay="indefinite"/>
-                      </p:stCondLst>
-                      <p:childTnLst>
-                        <p:par>
-                          <p:cTn id="27" fill="hold">
-                            <p:stCondLst>
-                              <p:cond delay="0"/>
-                            </p:stCondLst>
-                            <p:childTnLst>
-                              <p:par>
-                                <p:cTn id="28" presetID="10" presetClass="entr" presetSubtype="0" fill="hold" nodeType="clickEffect">
-                                  <p:stCondLst>
-                                    <p:cond delay="0"/>
-                                  </p:stCondLst>
-                                  <p:childTnLst>
-                                    <p:set>
-                                      <p:cBhvr>
-                                        <p:cTn id="29" dur="1" fill="hold">
-                                          <p:stCondLst>
-                                            <p:cond delay="0"/>
-                                          </p:stCondLst>
-                                        </p:cTn>
-                                        <p:tgtEl>
-                                          <p:spTgt spid="6"/>
-                                        </p:tgtEl>
-                                        <p:attrNameLst>
-                                          <p:attrName>style.visibility</p:attrName>
-                                        </p:attrNameLst>
-                                      </p:cBhvr>
-                                      <p:to>
-                                        <p:strVal val="visible"/>
-                                      </p:to>
-                                    </p:set>
-                                    <p:animEffect transition="in" filter="fade">
-                                      <p:cBhvr>
-                                        <p:cTn id="30" dur="500"/>
-                                        <p:tgtEl>
-                                          <p:spTgt spid="6"/>
-                                        </p:tgtEl>
-                                      </p:cBhvr>
-                                    </p:animEffect>
-                                  </p:childTnLst>
-                                </p:cTn>
-                              </p:par>
-                            </p:childTnLst>
-                          </p:cTn>
-                        </p:par>
-                      </p:childTnLst>
-                    </p:cTn>
-                  </p:par>
-                  <p:par>
-                    <p:cTn id="31" fill="hold">
-                      <p:stCondLst>
-                        <p:cond delay="indefinite"/>
-                      </p:stCondLst>
-                      <p:childTnLst>
-                        <p:par>
-                          <p:cTn id="32" fill="hold">
-                            <p:stCondLst>
-                              <p:cond delay="0"/>
-                            </p:stCondLst>
-                            <p:childTnLst>
-                              <p:par>
-                                <p:cTn id="33" presetID="10" presetClass="entr" presetSubtype="0" fill="hold" nodeType="clickEffect">
-                                  <p:stCondLst>
-                                    <p:cond delay="0"/>
-                                  </p:stCondLst>
-                                  <p:childTnLst>
-                                    <p:set>
-                                      <p:cBhvr>
-                                        <p:cTn id="34" dur="1" fill="hold">
-                                          <p:stCondLst>
-                                            <p:cond delay="0"/>
-                                          </p:stCondLst>
-                                        </p:cTn>
-                                        <p:tgtEl>
-                                          <p:spTgt spid="7"/>
-                                        </p:tgtEl>
-                                        <p:attrNameLst>
-                                          <p:attrName>style.visibility</p:attrName>
-                                        </p:attrNameLst>
-                                      </p:cBhvr>
-                                      <p:to>
-                                        <p:strVal val="visible"/>
-                                      </p:to>
-                                    </p:set>
-                                    <p:animEffect transition="in" filter="fade">
-                                      <p:cBhvr>
-                                        <p:cTn id="35" dur="500"/>
-                                        <p:tgtEl>
-                                          <p:spTgt spid="7"/>
                                         </p:tgtEl>
                                       </p:cBhvr>
                                     </p:animEffect>
@@ -9427,6 +10478,15 @@
 <file path=ppt/slides/slide5.xml><?xml version="1.0" encoding="utf-8"?>
 <p:sld xmlns:a="http://schemas.openxmlformats.org/drawingml/2006/main" xmlns:r="http://schemas.openxmlformats.org/officeDocument/2006/relationships" xmlns:p="http://schemas.openxmlformats.org/presentationml/2006/main">
   <p:cSld>
+    <p:bg>
+      <p:bgPr>
+        <a:blipFill>
+          <a:blip r:embed="rId2"/>
+          <a:stretch/>
+        </a:blipFill>
+        <a:effectLst/>
+      </p:bgPr>
+    </p:bg>
     <p:spTree>
       <p:nvGrpSpPr>
         <p:cNvPr id="1" name=""/>
@@ -9441,6 +10501,308 @@
           <a:chExt cx="0" cy="0"/>
         </a:xfrm>
       </p:grpSpPr>
+      <p:grpSp>
+        <p:nvGrpSpPr>
+          <p:cNvPr id="9" name="Group 8">
+            <a:extLst>
+              <a:ext uri="{FF2B5EF4-FFF2-40B4-BE49-F238E27FC236}">
+                <a16:creationId xmlns:a16="http://schemas.microsoft.com/office/drawing/2014/main" id="{247C940C-BCEA-4B94-ADAB-E5DF93AD2501}"/>
+              </a:ext>
+              <a:ext uri="{C183D7F6-B498-43B3-948B-1728B52AA6E4}">
+                <adec:decorative xmlns:adec="http://schemas.microsoft.com/office/drawing/2017/decorative" val="1"/>
+              </a:ext>
+            </a:extLst>
+          </p:cNvPr>
+          <p:cNvGrpSpPr>
+            <a:grpSpLocks noGrp="1" noUngrp="1" noRot="1" noChangeAspect="1" noMove="1" noResize="1"/>
+          </p:cNvGrpSpPr>
+          <p:nvPr>
+            <p:extLst>
+              <p:ext uri="{386F3935-93C4-4BCD-93E2-E3B085C9AB24}">
+                <p16:designElem xmlns:p16="http://schemas.microsoft.com/office/powerpoint/2015/main" val="1"/>
+              </p:ext>
+            </p:extLst>
+          </p:nvPr>
+        </p:nvGrpSpPr>
+        <p:grpSpPr>
+          <a:xfrm>
+            <a:off x="0" y="0"/>
+            <a:ext cx="12192000" cy="6858000"/>
+            <a:chOff x="0" y="0"/>
+            <a:chExt cx="12192000" cy="6858000"/>
+          </a:xfrm>
+        </p:grpSpPr>
+        <p:sp useBgFill="1">
+          <p:nvSpPr>
+            <p:cNvPr id="10" name="Rectangle 9">
+              <a:extLst>
+                <a:ext uri="{FF2B5EF4-FFF2-40B4-BE49-F238E27FC236}">
+                  <a16:creationId xmlns:a16="http://schemas.microsoft.com/office/drawing/2014/main" id="{43355E07-D27F-496A-A202-82B978528A76}"/>
+                </a:ext>
+                <a:ext uri="{C183D7F6-B498-43B3-948B-1728B52AA6E4}">
+                  <adec:decorative xmlns:adec="http://schemas.microsoft.com/office/drawing/2017/decorative" val="1"/>
+                </a:ext>
+              </a:extLst>
+            </p:cNvPr>
+            <p:cNvSpPr/>
+            <p:nvPr>
+              <p:extLst>
+                <p:ext uri="{386F3935-93C4-4BCD-93E2-E3B085C9AB24}">
+                  <p16:designElem xmlns:p16="http://schemas.microsoft.com/office/powerpoint/2015/main" val="1"/>
+                </p:ext>
+              </p:extLst>
+            </p:nvPr>
+          </p:nvSpPr>
+          <p:spPr>
+            <a:xfrm>
+              <a:off x="0" y="0"/>
+              <a:ext cx="12192000" cy="6858000"/>
+            </a:xfrm>
+            <a:prstGeom prst="rect">
+              <a:avLst/>
+            </a:prstGeom>
+            <a:ln>
+              <a:noFill/>
+            </a:ln>
+          </p:spPr>
+          <p:style>
+            <a:lnRef idx="2">
+              <a:schemeClr val="accent1">
+                <a:shade val="50000"/>
+              </a:schemeClr>
+            </a:lnRef>
+            <a:fillRef idx="1">
+              <a:schemeClr val="accent1"/>
+            </a:fillRef>
+            <a:effectRef idx="0">
+              <a:schemeClr val="accent1"/>
+            </a:effectRef>
+            <a:fontRef idx="minor">
+              <a:schemeClr val="lt1"/>
+            </a:fontRef>
+          </p:style>
+          <p:txBody>
+            <a:bodyPr rtlCol="0" anchor="ctr"/>
+            <a:lstStyle/>
+            <a:p>
+              <a:pPr algn="ctr"/>
+              <a:endParaRPr lang="en-US"/>
+            </a:p>
+          </p:txBody>
+        </p:sp>
+        <p:grpSp>
+          <p:nvGrpSpPr>
+            <p:cNvPr id="11" name="Group 10">
+              <a:extLst>
+                <a:ext uri="{FF2B5EF4-FFF2-40B4-BE49-F238E27FC236}">
+                  <a16:creationId xmlns:a16="http://schemas.microsoft.com/office/drawing/2014/main" id="{7ABE8173-1154-4FFD-A647-BE335D1BFCD7}"/>
+                </a:ext>
+                <a:ext uri="{C183D7F6-B498-43B3-948B-1728B52AA6E4}">
+                  <adec:decorative xmlns:adec="http://schemas.microsoft.com/office/drawing/2017/decorative" val="1"/>
+                </a:ext>
+              </a:extLst>
+            </p:cNvPr>
+            <p:cNvGrpSpPr/>
+            <p:nvPr>
+              <p:extLst>
+                <p:ext uri="{386F3935-93C4-4BCD-93E2-E3B085C9AB24}">
+                  <p16:designElem xmlns:p16="http://schemas.microsoft.com/office/powerpoint/2015/main" val="1"/>
+                </p:ext>
+              </p:extLst>
+            </p:nvPr>
+          </p:nvGrpSpPr>
+          <p:grpSpPr>
+            <a:xfrm>
+              <a:off x="0" y="0"/>
+              <a:ext cx="12188825" cy="6856215"/>
+              <a:chOff x="0" y="0"/>
+              <a:chExt cx="12188825" cy="6856215"/>
+            </a:xfrm>
+          </p:grpSpPr>
+          <p:pic>
+            <p:nvPicPr>
+              <p:cNvPr id="12" name="Picture 11">
+                <a:extLst>
+                  <a:ext uri="{FF2B5EF4-FFF2-40B4-BE49-F238E27FC236}">
+                    <a16:creationId xmlns:a16="http://schemas.microsoft.com/office/drawing/2014/main" id="{372EFA8A-6EE3-4B25-873B-F4CED90537E0}"/>
+                  </a:ext>
+                  <a:ext uri="{C183D7F6-B498-43B3-948B-1728B52AA6E4}">
+                    <adec:decorative xmlns:adec="http://schemas.microsoft.com/office/drawing/2017/decorative" val="1"/>
+                  </a:ext>
+                </a:extLst>
+              </p:cNvPr>
+              <p:cNvPicPr>
+                <a:picLocks noChangeAspect="1"/>
+              </p:cNvPicPr>
+              <p:nvPr>
+                <p:extLst>
+                  <p:ext uri="{386F3935-93C4-4BCD-93E2-E3B085C9AB24}">
+                    <p16:designElem xmlns:p16="http://schemas.microsoft.com/office/powerpoint/2015/main" val="1"/>
+                  </p:ext>
+                </p:extLst>
+              </p:nvPr>
+            </p:nvPicPr>
+            <p:blipFill>
+              <a:blip r:embed="rId3">
+                <a:extLst>
+                  <a:ext uri="{28A0092B-C50C-407E-A947-70E740481C1C}">
+                    <a14:useLocalDpi xmlns:a14="http://schemas.microsoft.com/office/drawing/2010/main" val="0"/>
+                  </a:ext>
+                </a:extLst>
+              </a:blip>
+              <a:stretch>
+                <a:fillRect/>
+              </a:stretch>
+            </p:blipFill>
+            <p:spPr>
+              <a:xfrm>
+                <a:off x="0" y="0"/>
+                <a:ext cx="12188825" cy="6856214"/>
+              </a:xfrm>
+              <a:prstGeom prst="rect">
+                <a:avLst/>
+              </a:prstGeom>
+            </p:spPr>
+          </p:pic>
+          <p:sp>
+            <p:nvSpPr>
+              <p:cNvPr id="13" name="Rectangle 12">
+                <a:extLst>
+                  <a:ext uri="{FF2B5EF4-FFF2-40B4-BE49-F238E27FC236}">
+                    <a16:creationId xmlns:a16="http://schemas.microsoft.com/office/drawing/2014/main" id="{18C03B2B-142C-4AD5-8F21-0FC939548A69}"/>
+                  </a:ext>
+                  <a:ext uri="{C183D7F6-B498-43B3-948B-1728B52AA6E4}">
+                    <adec:decorative xmlns:adec="http://schemas.microsoft.com/office/drawing/2017/decorative" val="1"/>
+                  </a:ext>
+                </a:extLst>
+              </p:cNvPr>
+              <p:cNvSpPr/>
+              <p:nvPr>
+                <p:extLst>
+                  <p:ext uri="{386F3935-93C4-4BCD-93E2-E3B085C9AB24}">
+                    <p16:designElem xmlns:p16="http://schemas.microsoft.com/office/powerpoint/2015/main" val="1"/>
+                  </p:ext>
+                </p:extLst>
+              </p:nvPr>
+            </p:nvSpPr>
+            <p:spPr>
+              <a:xfrm>
+                <a:off x="608012" y="609600"/>
+                <a:ext cx="10972800" cy="5638800"/>
+              </a:xfrm>
+              <a:prstGeom prst="rect">
+                <a:avLst/>
+              </a:prstGeom>
+              <a:noFill/>
+              <a:ln w="15875" cap="flat">
+                <a:miter lim="800000"/>
+              </a:ln>
+            </p:spPr>
+            <p:style>
+              <a:lnRef idx="1">
+                <a:schemeClr val="accent1"/>
+              </a:lnRef>
+              <a:fillRef idx="3">
+                <a:schemeClr val="accent1"/>
+              </a:fillRef>
+              <a:effectRef idx="2">
+                <a:schemeClr val="accent1"/>
+              </a:effectRef>
+              <a:fontRef idx="minor">
+                <a:schemeClr val="lt1"/>
+              </a:fontRef>
+            </p:style>
+          </p:sp>
+          <p:pic>
+            <p:nvPicPr>
+              <p:cNvPr id="14" name="Picture 13">
+                <a:extLst>
+                  <a:ext uri="{FF2B5EF4-FFF2-40B4-BE49-F238E27FC236}">
+                    <a16:creationId xmlns:a16="http://schemas.microsoft.com/office/drawing/2014/main" id="{C6FAF349-1EBC-4906-8CCB-C668CAE69004}"/>
+                  </a:ext>
+                  <a:ext uri="{C183D7F6-B498-43B3-948B-1728B52AA6E4}">
+                    <adec:decorative xmlns:adec="http://schemas.microsoft.com/office/drawing/2017/decorative" val="1"/>
+                  </a:ext>
+                </a:extLst>
+              </p:cNvPr>
+              <p:cNvPicPr>
+                <a:picLocks noChangeAspect="1"/>
+              </p:cNvPicPr>
+              <p:nvPr>
+                <p:extLst>
+                  <p:ext uri="{386F3935-93C4-4BCD-93E2-E3B085C9AB24}">
+                    <p16:designElem xmlns:p16="http://schemas.microsoft.com/office/powerpoint/2015/main" val="1"/>
+                  </p:ext>
+                </p:extLst>
+              </p:nvPr>
+            </p:nvPicPr>
+            <p:blipFill rotWithShape="1">
+              <a:blip r:embed="rId4">
+                <a:extLst>
+                  <a:ext uri="{28A0092B-C50C-407E-A947-70E740481C1C}">
+                    <a14:useLocalDpi xmlns:a14="http://schemas.microsoft.com/office/drawing/2010/main" val="0"/>
+                  </a:ext>
+                </a:extLst>
+              </a:blip>
+              <a:srcRect r="5093"/>
+              <a:stretch/>
+            </p:blipFill>
+            <p:spPr>
+              <a:xfrm rot="5400000">
+                <a:off x="5706471" y="76265"/>
+                <a:ext cx="758952" cy="606425"/>
+              </a:xfrm>
+              <a:prstGeom prst="rect">
+                <a:avLst/>
+              </a:prstGeom>
+            </p:spPr>
+          </p:pic>
+          <p:pic>
+            <p:nvPicPr>
+              <p:cNvPr id="15" name="Picture 14">
+                <a:extLst>
+                  <a:ext uri="{FF2B5EF4-FFF2-40B4-BE49-F238E27FC236}">
+                    <a16:creationId xmlns:a16="http://schemas.microsoft.com/office/drawing/2014/main" id="{15541360-9082-4D4C-A106-460B85E98C33}"/>
+                  </a:ext>
+                  <a:ext uri="{C183D7F6-B498-43B3-948B-1728B52AA6E4}">
+                    <adec:decorative xmlns:adec="http://schemas.microsoft.com/office/drawing/2017/decorative" val="1"/>
+                  </a:ext>
+                </a:extLst>
+              </p:cNvPr>
+              <p:cNvPicPr>
+                <a:picLocks noChangeAspect="1"/>
+              </p:cNvPicPr>
+              <p:nvPr>
+                <p:extLst>
+                  <p:ext uri="{386F3935-93C4-4BCD-93E2-E3B085C9AB24}">
+                    <p16:designElem xmlns:p16="http://schemas.microsoft.com/office/powerpoint/2015/main" val="1"/>
+                  </p:ext>
+                </p:extLst>
+              </p:nvPr>
+            </p:nvPicPr>
+            <p:blipFill rotWithShape="1">
+              <a:blip r:embed="rId4">
+                <a:extLst>
+                  <a:ext uri="{28A0092B-C50C-407E-A947-70E740481C1C}">
+                    <a14:useLocalDpi xmlns:a14="http://schemas.microsoft.com/office/drawing/2010/main" val="0"/>
+                  </a:ext>
+                </a:extLst>
+              </a:blip>
+              <a:srcRect r="5093"/>
+              <a:stretch/>
+            </p:blipFill>
+            <p:spPr>
+              <a:xfrm rot="5400000">
+                <a:off x="5706470" y="6173526"/>
+                <a:ext cx="758952" cy="606425"/>
+              </a:xfrm>
+              <a:prstGeom prst="rect">
+                <a:avLst/>
+              </a:prstGeom>
+            </p:spPr>
+          </p:pic>
+        </p:grpSp>
+      </p:grpSp>
       <p:sp>
         <p:nvSpPr>
           <p:cNvPr id="2" name="Title 1">
@@ -9457,18 +10819,72 @@
             <p:ph type="title"/>
           </p:nvPr>
         </p:nvSpPr>
-        <p:spPr/>
+        <p:spPr>
+          <a:xfrm>
+            <a:off x="1295402" y="982132"/>
+            <a:ext cx="3660056" cy="1325373"/>
+          </a:xfrm>
+        </p:spPr>
         <p:txBody>
-          <a:bodyPr/>
+          <a:bodyPr anchor="b">
+            <a:normAutofit/>
+          </a:bodyPr>
           <a:lstStyle/>
           <a:p>
             <a:r>
-              <a:rPr lang="en-US" dirty="0"/>
+              <a:rPr lang="en-US" sz="2400" dirty="0"/>
               <a:t>Maximum ABV</a:t>
             </a:r>
           </a:p>
         </p:txBody>
       </p:sp>
+      <p:cxnSp>
+        <p:nvCxnSpPr>
+          <p:cNvPr id="17" name="Straight Connector 16">
+            <a:extLst>
+              <a:ext uri="{FF2B5EF4-FFF2-40B4-BE49-F238E27FC236}">
+                <a16:creationId xmlns:a16="http://schemas.microsoft.com/office/drawing/2014/main" id="{E59A63C7-BCAC-464C-B7D5-9A713B4CAC34}"/>
+              </a:ext>
+              <a:ext uri="{C183D7F6-B498-43B3-948B-1728B52AA6E4}">
+                <adec:decorative xmlns:adec="http://schemas.microsoft.com/office/drawing/2017/decorative" val="1"/>
+              </a:ext>
+            </a:extLst>
+          </p:cNvPr>
+          <p:cNvCxnSpPr>
+            <a:cxnSpLocks noGrp="1" noRot="1" noChangeAspect="1" noMove="1" noResize="1" noEditPoints="1" noAdjustHandles="1" noChangeArrowheads="1" noChangeShapeType="1"/>
+          </p:cNvCxnSpPr>
+          <p:nvPr>
+            <p:extLst>
+              <p:ext uri="{386F3935-93C4-4BCD-93E2-E3B085C9AB24}">
+                <p16:designElem xmlns:p16="http://schemas.microsoft.com/office/powerpoint/2015/main" val="1"/>
+              </p:ext>
+            </p:extLst>
+          </p:nvPr>
+        </p:nvCxnSpPr>
+        <p:spPr>
+          <a:xfrm>
+            <a:off x="1295401" y="2400639"/>
+            <a:ext cx="3660057" cy="0"/>
+          </a:xfrm>
+          <a:prstGeom prst="line">
+            <a:avLst/>
+          </a:prstGeom>
+        </p:spPr>
+        <p:style>
+          <a:lnRef idx="2">
+            <a:schemeClr val="accent1"/>
+          </a:lnRef>
+          <a:fillRef idx="0">
+            <a:schemeClr val="accent1"/>
+          </a:fillRef>
+          <a:effectRef idx="1">
+            <a:schemeClr val="accent1"/>
+          </a:effectRef>
+          <a:fontRef idx="minor">
+            <a:schemeClr val="tx1"/>
+          </a:fontRef>
+        </p:style>
+      </p:cxnSp>
       <p:sp>
         <p:nvSpPr>
           <p:cNvPr id="3" name="Content Placeholder 2">
@@ -9485,90 +10901,1149 @@
             <p:ph idx="1"/>
           </p:nvPr>
         </p:nvSpPr>
-        <p:spPr/>
+        <p:spPr>
+          <a:xfrm>
+            <a:off x="1295401" y="2493774"/>
+            <a:ext cx="3660057" cy="3382094"/>
+          </a:xfrm>
+        </p:spPr>
         <p:txBody>
           <a:bodyPr>
-            <a:normAutofit fontScale="85000" lnSpcReduction="20000"/>
+            <a:normAutofit/>
           </a:bodyPr>
           <a:lstStyle/>
           <a:p>
-            <a:r>
-              <a:rPr lang="en-US" dirty="0"/>
+            <a:pPr algn="ctr">
+              <a:lnSpc>
+                <a:spcPct val="90000"/>
+              </a:lnSpc>
+            </a:pPr>
+            <a:r>
+              <a:rPr lang="en-US" sz="1200" dirty="0"/>
               <a:t>We could calculate the maximum ABV value with the given data, but there appeared to be more to the story than simple maximums</a:t>
             </a:r>
           </a:p>
           <a:p>
-            <a:r>
-              <a:rPr lang="en-US" dirty="0"/>
+            <a:pPr algn="ctr">
+              <a:lnSpc>
+                <a:spcPct val="90000"/>
+              </a:lnSpc>
+            </a:pPr>
+            <a:r>
+              <a:rPr lang="en-US" sz="1200" dirty="0"/>
               <a:t>We calculated the five states with the highest scoring ABV beers from the incomplete, original data (to make sure no made-up data was counted), as there was only one repeat (CO) in the top six candidates:</a:t>
             </a:r>
           </a:p>
           <a:p>
-            <a:endParaRPr lang="en-US" dirty="0"/>
-          </a:p>
-          <a:p>
-            <a:endParaRPr lang="en-US" dirty="0"/>
-          </a:p>
-          <a:p>
-            <a:endParaRPr lang="en-US" dirty="0"/>
-          </a:p>
-          <a:p>
-            <a:r>
-              <a:rPr lang="en-US" dirty="0"/>
+            <a:pPr algn="ctr">
+              <a:lnSpc>
+                <a:spcPct val="90000"/>
+              </a:lnSpc>
+            </a:pPr>
+            <a:endParaRPr lang="en-US" sz="1200" dirty="0"/>
+          </a:p>
+          <a:p>
+            <a:pPr algn="ctr">
+              <a:lnSpc>
+                <a:spcPct val="90000"/>
+              </a:lnSpc>
+            </a:pPr>
+            <a:r>
+              <a:rPr lang="en-US" sz="1200" dirty="0"/>
               <a:t>From here, we determined that the beer with the greatest Alcohol by Volume was </a:t>
             </a:r>
             <a:r>
-              <a:rPr lang="en-US" b="1" dirty="0"/>
+              <a:rPr lang="en-US" sz="1200" b="1" dirty="0"/>
               <a:t>Colorado’s</a:t>
             </a:r>
             <a:r>
-              <a:rPr lang="en-US" dirty="0"/>
+              <a:rPr lang="en-US" sz="1200" dirty="0"/>
               <a:t> "Lee Hill Series Vol. 5 - Belgian Style </a:t>
             </a:r>
             <a:r>
-              <a:rPr lang="en-US" dirty="0" err="1"/>
+              <a:rPr lang="en-US" sz="1200" dirty="0" err="1"/>
               <a:t>Quadrupel</a:t>
             </a:r>
             <a:r>
-              <a:rPr lang="en-US" dirty="0"/>
+              <a:rPr lang="en-US" sz="1200" dirty="0"/>
               <a:t> Ale"</a:t>
             </a:r>
           </a:p>
           <a:p>
-            <a:endParaRPr lang="en-US" dirty="0"/>
+            <a:pPr algn="ctr">
+              <a:lnSpc>
+                <a:spcPct val="90000"/>
+              </a:lnSpc>
+            </a:pPr>
+            <a:endParaRPr lang="en-US" sz="1200" dirty="0"/>
           </a:p>
         </p:txBody>
       </p:sp>
-      <p:pic>
-        <p:nvPicPr>
-          <p:cNvPr id="7" name="Picture 6">
+      <p:graphicFrame>
+        <p:nvGraphicFramePr>
+          <p:cNvPr id="4" name="Table 4">
             <a:extLst>
               <a:ext uri="{FF2B5EF4-FFF2-40B4-BE49-F238E27FC236}">
-                <a16:creationId xmlns:a16="http://schemas.microsoft.com/office/drawing/2014/main" id="{A6C73A1F-F0B4-4FAF-7793-584CB49ABBC0}"/>
+                <a16:creationId xmlns:a16="http://schemas.microsoft.com/office/drawing/2014/main" id="{063AEBBC-D57D-9E57-8B8C-3317A8463AB5}"/>
               </a:ext>
             </a:extLst>
           </p:cNvPr>
-          <p:cNvPicPr>
-            <a:picLocks noChangeAspect="1"/>
-          </p:cNvPicPr>
-          <p:nvPr/>
-        </p:nvPicPr>
-        <p:blipFill>
-          <a:blip r:embed="rId2"/>
-          <a:stretch>
-            <a:fillRect/>
-          </a:stretch>
-        </p:blipFill>
-        <p:spPr>
-          <a:xfrm>
-            <a:off x="1496290" y="4089857"/>
-            <a:ext cx="9199418" cy="908315"/>
-          </a:xfrm>
-          <a:prstGeom prst="rect">
-            <a:avLst/>
-          </a:prstGeom>
-        </p:spPr>
-      </p:pic>
+          <p:cNvGraphicFramePr>
+            <a:graphicFrameLocks noGrp="1"/>
+          </p:cNvGraphicFramePr>
+          <p:nvPr>
+            <p:extLst>
+              <p:ext uri="{D42A27DB-BD31-4B8C-83A1-F6EECF244321}">
+                <p14:modId xmlns:p14="http://schemas.microsoft.com/office/powerpoint/2010/main" val="3079866572"/>
+              </p:ext>
+            </p:extLst>
+          </p:nvPr>
+        </p:nvGraphicFramePr>
+        <p:xfrm>
+          <a:off x="5418668" y="2134433"/>
+          <a:ext cx="5469471" cy="2589136"/>
+        </p:xfrm>
+        <a:graphic>
+          <a:graphicData uri="http://schemas.openxmlformats.org/drawingml/2006/table">
+            <a:tbl>
+              <a:tblPr firstRow="1" bandRow="1">
+                <a:tableStyleId>{5C22544A-7EE6-4342-B048-85BDC9FD1C3A}</a:tableStyleId>
+              </a:tblPr>
+              <a:tblGrid>
+                <a:gridCol w="427185">
+                  <a:extLst>
+                    <a:ext uri="{9D8B030D-6E8A-4147-A177-3AD203B41FA5}">
+                      <a16:colId xmlns:a16="http://schemas.microsoft.com/office/drawing/2014/main" val="3051622101"/>
+                    </a:ext>
+                  </a:extLst>
+                </a:gridCol>
+                <a:gridCol w="813819">
+                  <a:extLst>
+                    <a:ext uri="{9D8B030D-6E8A-4147-A177-3AD203B41FA5}">
+                      <a16:colId xmlns:a16="http://schemas.microsoft.com/office/drawing/2014/main" val="4110295671"/>
+                    </a:ext>
+                  </a:extLst>
+                </a:gridCol>
+                <a:gridCol w="635826">
+                  <a:extLst>
+                    <a:ext uri="{9D8B030D-6E8A-4147-A177-3AD203B41FA5}">
+                      <a16:colId xmlns:a16="http://schemas.microsoft.com/office/drawing/2014/main" val="2466961085"/>
+                    </a:ext>
+                  </a:extLst>
+                </a:gridCol>
+                <a:gridCol w="430721">
+                  <a:extLst>
+                    <a:ext uri="{9D8B030D-6E8A-4147-A177-3AD203B41FA5}">
+                      <a16:colId xmlns:a16="http://schemas.microsoft.com/office/drawing/2014/main" val="3420225646"/>
+                    </a:ext>
+                  </a:extLst>
+                </a:gridCol>
+                <a:gridCol w="718340">
+                  <a:extLst>
+                    <a:ext uri="{9D8B030D-6E8A-4147-A177-3AD203B41FA5}">
+                      <a16:colId xmlns:a16="http://schemas.microsoft.com/office/drawing/2014/main" val="673110402"/>
+                    </a:ext>
+                  </a:extLst>
+                </a:gridCol>
+                <a:gridCol w="420112">
+                  <a:extLst>
+                    <a:ext uri="{9D8B030D-6E8A-4147-A177-3AD203B41FA5}">
+                      <a16:colId xmlns:a16="http://schemas.microsoft.com/office/drawing/2014/main" val="3783519652"/>
+                    </a:ext>
+                  </a:extLst>
+                </a:gridCol>
+                <a:gridCol w="446045">
+                  <a:extLst>
+                    <a:ext uri="{9D8B030D-6E8A-4147-A177-3AD203B41FA5}">
+                      <a16:colId xmlns:a16="http://schemas.microsoft.com/office/drawing/2014/main" val="3593136865"/>
+                    </a:ext>
+                  </a:extLst>
+                </a:gridCol>
+                <a:gridCol w="369425">
+                  <a:extLst>
+                    <a:ext uri="{9D8B030D-6E8A-4147-A177-3AD203B41FA5}">
+                      <a16:colId xmlns:a16="http://schemas.microsoft.com/office/drawing/2014/main" val="2989964959"/>
+                    </a:ext>
+                  </a:extLst>
+                </a:gridCol>
+                <a:gridCol w="672367">
+                  <a:extLst>
+                    <a:ext uri="{9D8B030D-6E8A-4147-A177-3AD203B41FA5}">
+                      <a16:colId xmlns:a16="http://schemas.microsoft.com/office/drawing/2014/main" val="3631843000"/>
+                    </a:ext>
+                  </a:extLst>
+                </a:gridCol>
+                <a:gridCol w="535631">
+                  <a:extLst>
+                    <a:ext uri="{9D8B030D-6E8A-4147-A177-3AD203B41FA5}">
+                      <a16:colId xmlns:a16="http://schemas.microsoft.com/office/drawing/2014/main" val="1838428892"/>
+                    </a:ext>
+                  </a:extLst>
+                </a:gridCol>
+              </a:tblGrid>
+              <a:tr h="321379">
+                <a:tc>
+                  <a:txBody>
+                    <a:bodyPr/>
+                    <a:lstStyle/>
+                    <a:p>
+                      <a:r>
+                        <a:rPr lang="en-US" sz="700"/>
+                        <a:t>Brew ID</a:t>
+                      </a:r>
+                    </a:p>
+                  </a:txBody>
+                  <a:tcPr marL="67897" marR="67897" marT="33948" marB="33948"/>
+                </a:tc>
+                <a:tc>
+                  <a:txBody>
+                    <a:bodyPr/>
+                    <a:lstStyle/>
+                    <a:p>
+                      <a:r>
+                        <a:rPr lang="en-US" sz="700"/>
+                        <a:t>Brew Name</a:t>
+                      </a:r>
+                    </a:p>
+                  </a:txBody>
+                  <a:tcPr marL="67897" marR="67897" marT="33948" marB="33948"/>
+                </a:tc>
+                <a:tc>
+                  <a:txBody>
+                    <a:bodyPr/>
+                    <a:lstStyle/>
+                    <a:p>
+                      <a:r>
+                        <a:rPr lang="en-US" sz="700"/>
+                        <a:t>City</a:t>
+                      </a:r>
+                    </a:p>
+                  </a:txBody>
+                  <a:tcPr marL="67897" marR="67897" marT="33948" marB="33948"/>
+                </a:tc>
+                <a:tc>
+                  <a:txBody>
+                    <a:bodyPr/>
+                    <a:lstStyle/>
+                    <a:p>
+                      <a:r>
+                        <a:rPr lang="en-US" sz="700"/>
+                        <a:t>State</a:t>
+                      </a:r>
+                    </a:p>
+                  </a:txBody>
+                  <a:tcPr marL="67897" marR="67897" marT="33948" marB="33948"/>
+                </a:tc>
+                <a:tc>
+                  <a:txBody>
+                    <a:bodyPr/>
+                    <a:lstStyle/>
+                    <a:p>
+                      <a:r>
+                        <a:rPr lang="en-US" sz="700"/>
+                        <a:t>Beer Name</a:t>
+                      </a:r>
+                    </a:p>
+                  </a:txBody>
+                  <a:tcPr marL="67897" marR="67897" marT="33948" marB="33948"/>
+                </a:tc>
+                <a:tc>
+                  <a:txBody>
+                    <a:bodyPr/>
+                    <a:lstStyle/>
+                    <a:p>
+                      <a:r>
+                        <a:rPr lang="en-US" sz="700"/>
+                        <a:t>Beer ID</a:t>
+                      </a:r>
+                    </a:p>
+                  </a:txBody>
+                  <a:tcPr marL="67897" marR="67897" marT="33948" marB="33948"/>
+                </a:tc>
+                <a:tc>
+                  <a:txBody>
+                    <a:bodyPr/>
+                    <a:lstStyle/>
+                    <a:p>
+                      <a:r>
+                        <a:rPr lang="en-US" sz="700"/>
+                        <a:t>ABV</a:t>
+                      </a:r>
+                    </a:p>
+                  </a:txBody>
+                  <a:tcPr marL="67897" marR="67897" marT="33948" marB="33948"/>
+                </a:tc>
+                <a:tc>
+                  <a:txBody>
+                    <a:bodyPr/>
+                    <a:lstStyle/>
+                    <a:p>
+                      <a:r>
+                        <a:rPr lang="en-US" sz="700"/>
+                        <a:t>IBU</a:t>
+                      </a:r>
+                    </a:p>
+                  </a:txBody>
+                  <a:tcPr marL="67897" marR="67897" marT="33948" marB="33948"/>
+                </a:tc>
+                <a:tc>
+                  <a:txBody>
+                    <a:bodyPr/>
+                    <a:lstStyle/>
+                    <a:p>
+                      <a:r>
+                        <a:rPr lang="en-US" sz="700"/>
+                        <a:t>Style</a:t>
+                      </a:r>
+                    </a:p>
+                  </a:txBody>
+                  <a:tcPr marL="67897" marR="67897" marT="33948" marB="33948"/>
+                </a:tc>
+                <a:tc>
+                  <a:txBody>
+                    <a:bodyPr/>
+                    <a:lstStyle/>
+                    <a:p>
+                      <a:r>
+                        <a:rPr lang="en-US" sz="700"/>
+                        <a:t>Ounces</a:t>
+                      </a:r>
+                    </a:p>
+                  </a:txBody>
+                  <a:tcPr marL="67897" marR="67897" marT="33948" marB="33948"/>
+                </a:tc>
+                <a:extLst>
+                  <a:ext uri="{0D108BD9-81ED-4DB2-BD59-A6C34878D82A}">
+                    <a16:rowId xmlns:a16="http://schemas.microsoft.com/office/drawing/2014/main" val="1682694520"/>
+                  </a:ext>
+                </a:extLst>
+              </a:tr>
+              <a:tr h="434540">
+                <a:tc>
+                  <a:txBody>
+                    <a:bodyPr/>
+                    <a:lstStyle/>
+                    <a:p>
+                      <a:r>
+                        <a:rPr lang="en-US" sz="700"/>
+                        <a:t>52</a:t>
+                      </a:r>
+                    </a:p>
+                  </a:txBody>
+                  <a:tcPr marL="67897" marR="67897" marT="33948" marB="33948"/>
+                </a:tc>
+                <a:tc>
+                  <a:txBody>
+                    <a:bodyPr/>
+                    <a:lstStyle/>
+                    <a:p>
+                      <a:r>
+                        <a:rPr lang="en-US" sz="700"/>
+                        <a:t>Upslope Brewing Company</a:t>
+                      </a:r>
+                    </a:p>
+                  </a:txBody>
+                  <a:tcPr marL="67897" marR="67897" marT="33948" marB="33948"/>
+                </a:tc>
+                <a:tc>
+                  <a:txBody>
+                    <a:bodyPr/>
+                    <a:lstStyle/>
+                    <a:p>
+                      <a:r>
+                        <a:rPr lang="en-US" sz="700"/>
+                        <a:t>Boulder</a:t>
+                      </a:r>
+                    </a:p>
+                  </a:txBody>
+                  <a:tcPr marL="67897" marR="67897" marT="33948" marB="33948"/>
+                </a:tc>
+                <a:tc>
+                  <a:txBody>
+                    <a:bodyPr/>
+                    <a:lstStyle/>
+                    <a:p>
+                      <a:r>
+                        <a:rPr lang="en-US" sz="700"/>
+                        <a:t>CO</a:t>
+                      </a:r>
+                    </a:p>
+                  </a:txBody>
+                  <a:tcPr marL="67897" marR="67897" marT="33948" marB="33948"/>
+                </a:tc>
+                <a:tc>
+                  <a:txBody>
+                    <a:bodyPr/>
+                    <a:lstStyle/>
+                    <a:p>
+                      <a:r>
+                        <a:rPr lang="en-US" sz="700"/>
+                        <a:t>Lee Hill Serier Vol 5</a:t>
+                      </a:r>
+                    </a:p>
+                  </a:txBody>
+                  <a:tcPr marL="67897" marR="67897" marT="33948" marB="33948"/>
+                </a:tc>
+                <a:tc>
+                  <a:txBody>
+                    <a:bodyPr/>
+                    <a:lstStyle/>
+                    <a:p>
+                      <a:r>
+                        <a:rPr lang="en-US" sz="700"/>
+                        <a:t>2565</a:t>
+                      </a:r>
+                    </a:p>
+                  </a:txBody>
+                  <a:tcPr marL="67897" marR="67897" marT="33948" marB="33948"/>
+                </a:tc>
+                <a:tc>
+                  <a:txBody>
+                    <a:bodyPr/>
+                    <a:lstStyle/>
+                    <a:p>
+                      <a:r>
+                        <a:rPr lang="en-US" sz="700"/>
+                        <a:t>0.128</a:t>
+                      </a:r>
+                    </a:p>
+                  </a:txBody>
+                  <a:tcPr marL="67897" marR="67897" marT="33948" marB="33948"/>
+                </a:tc>
+                <a:tc>
+                  <a:txBody>
+                    <a:bodyPr/>
+                    <a:lstStyle/>
+                    <a:p>
+                      <a:r>
+                        <a:rPr lang="en-US" sz="700"/>
+                        <a:t>NA</a:t>
+                      </a:r>
+                    </a:p>
+                  </a:txBody>
+                  <a:tcPr marL="67897" marR="67897" marT="33948" marB="33948"/>
+                </a:tc>
+                <a:tc>
+                  <a:txBody>
+                    <a:bodyPr/>
+                    <a:lstStyle/>
+                    <a:p>
+                      <a:r>
+                        <a:rPr lang="en-US" sz="700"/>
+                        <a:t>Quadrupel</a:t>
+                      </a:r>
+                    </a:p>
+                  </a:txBody>
+                  <a:tcPr marL="67897" marR="67897" marT="33948" marB="33948"/>
+                </a:tc>
+                <a:tc>
+                  <a:txBody>
+                    <a:bodyPr/>
+                    <a:lstStyle/>
+                    <a:p>
+                      <a:r>
+                        <a:rPr lang="en-US" sz="700"/>
+                        <a:t>19.2</a:t>
+                      </a:r>
+                    </a:p>
+                  </a:txBody>
+                  <a:tcPr marL="67897" marR="67897" marT="33948" marB="33948"/>
+                </a:tc>
+                <a:extLst>
+                  <a:ext uri="{0D108BD9-81ED-4DB2-BD59-A6C34878D82A}">
+                    <a16:rowId xmlns:a16="http://schemas.microsoft.com/office/drawing/2014/main" val="3091988028"/>
+                  </a:ext>
+                </a:extLst>
+              </a:tr>
+              <a:tr h="321379">
+                <a:tc>
+                  <a:txBody>
+                    <a:bodyPr/>
+                    <a:lstStyle/>
+                    <a:p>
+                      <a:r>
+                        <a:rPr lang="en-US" sz="700"/>
+                        <a:t>2</a:t>
+                      </a:r>
+                    </a:p>
+                  </a:txBody>
+                  <a:tcPr marL="67897" marR="67897" marT="33948" marB="33948"/>
+                </a:tc>
+                <a:tc>
+                  <a:txBody>
+                    <a:bodyPr/>
+                    <a:lstStyle/>
+                    <a:p>
+                      <a:r>
+                        <a:rPr lang="en-US" sz="700"/>
+                        <a:t>Against the Grain Brewery</a:t>
+                      </a:r>
+                    </a:p>
+                  </a:txBody>
+                  <a:tcPr marL="67897" marR="67897" marT="33948" marB="33948"/>
+                </a:tc>
+                <a:tc>
+                  <a:txBody>
+                    <a:bodyPr/>
+                    <a:lstStyle/>
+                    <a:p>
+                      <a:r>
+                        <a:rPr lang="en-US" sz="700"/>
+                        <a:t>Louisville</a:t>
+                      </a:r>
+                    </a:p>
+                  </a:txBody>
+                  <a:tcPr marL="67897" marR="67897" marT="33948" marB="33948"/>
+                </a:tc>
+                <a:tc>
+                  <a:txBody>
+                    <a:bodyPr/>
+                    <a:lstStyle/>
+                    <a:p>
+                      <a:r>
+                        <a:rPr lang="en-US" sz="700"/>
+                        <a:t>KY</a:t>
+                      </a:r>
+                    </a:p>
+                  </a:txBody>
+                  <a:tcPr marL="67897" marR="67897" marT="33948" marB="33948"/>
+                </a:tc>
+                <a:tc>
+                  <a:txBody>
+                    <a:bodyPr/>
+                    <a:lstStyle/>
+                    <a:p>
+                      <a:r>
+                        <a:rPr lang="en-US" sz="700"/>
+                        <a:t>London Balling</a:t>
+                      </a:r>
+                    </a:p>
+                  </a:txBody>
+                  <a:tcPr marL="67897" marR="67897" marT="33948" marB="33948"/>
+                </a:tc>
+                <a:tc>
+                  <a:txBody>
+                    <a:bodyPr/>
+                    <a:lstStyle/>
+                    <a:p>
+                      <a:r>
+                        <a:rPr lang="en-US" sz="700"/>
+                        <a:t>2685</a:t>
+                      </a:r>
+                    </a:p>
+                  </a:txBody>
+                  <a:tcPr marL="67897" marR="67897" marT="33948" marB="33948"/>
+                </a:tc>
+                <a:tc>
+                  <a:txBody>
+                    <a:bodyPr/>
+                    <a:lstStyle/>
+                    <a:p>
+                      <a:r>
+                        <a:rPr lang="en-US" sz="700"/>
+                        <a:t>0.125</a:t>
+                      </a:r>
+                    </a:p>
+                  </a:txBody>
+                  <a:tcPr marL="67897" marR="67897" marT="33948" marB="33948"/>
+                </a:tc>
+                <a:tc>
+                  <a:txBody>
+                    <a:bodyPr/>
+                    <a:lstStyle/>
+                    <a:p>
+                      <a:r>
+                        <a:rPr lang="en-US" sz="700"/>
+                        <a:t>80</a:t>
+                      </a:r>
+                    </a:p>
+                  </a:txBody>
+                  <a:tcPr marL="67897" marR="67897" marT="33948" marB="33948"/>
+                </a:tc>
+                <a:tc>
+                  <a:txBody>
+                    <a:bodyPr/>
+                    <a:lstStyle/>
+                    <a:p>
+                      <a:r>
+                        <a:rPr lang="en-US" sz="700"/>
+                        <a:t>English Barleywine</a:t>
+                      </a:r>
+                    </a:p>
+                  </a:txBody>
+                  <a:tcPr marL="67897" marR="67897" marT="33948" marB="33948"/>
+                </a:tc>
+                <a:tc>
+                  <a:txBody>
+                    <a:bodyPr/>
+                    <a:lstStyle/>
+                    <a:p>
+                      <a:r>
+                        <a:rPr lang="en-US" sz="700"/>
+                        <a:t>16.0</a:t>
+                      </a:r>
+                    </a:p>
+                  </a:txBody>
+                  <a:tcPr marL="67897" marR="67897" marT="33948" marB="33948"/>
+                </a:tc>
+                <a:extLst>
+                  <a:ext uri="{0D108BD9-81ED-4DB2-BD59-A6C34878D82A}">
+                    <a16:rowId xmlns:a16="http://schemas.microsoft.com/office/drawing/2014/main" val="3983447916"/>
+                  </a:ext>
+                </a:extLst>
+              </a:tr>
+              <a:tr h="434540">
+                <a:tc>
+                  <a:txBody>
+                    <a:bodyPr/>
+                    <a:lstStyle/>
+                    <a:p>
+                      <a:r>
+                        <a:rPr lang="en-US" sz="700"/>
+                        <a:t>18</a:t>
+                      </a:r>
+                    </a:p>
+                  </a:txBody>
+                  <a:tcPr marL="67897" marR="67897" marT="33948" marB="33948"/>
+                </a:tc>
+                <a:tc>
+                  <a:txBody>
+                    <a:bodyPr/>
+                    <a:lstStyle/>
+                    <a:p>
+                      <a:r>
+                        <a:rPr lang="en-US" sz="700"/>
+                        <a:t>Tin Man Brewing Company</a:t>
+                      </a:r>
+                    </a:p>
+                  </a:txBody>
+                  <a:tcPr marL="67897" marR="67897" marT="33948" marB="33948"/>
+                </a:tc>
+                <a:tc>
+                  <a:txBody>
+                    <a:bodyPr/>
+                    <a:lstStyle/>
+                    <a:p>
+                      <a:r>
+                        <a:rPr lang="en-US" sz="700"/>
+                        <a:t>Evansville</a:t>
+                      </a:r>
+                    </a:p>
+                  </a:txBody>
+                  <a:tcPr marL="67897" marR="67897" marT="33948" marB="33948"/>
+                </a:tc>
+                <a:tc>
+                  <a:txBody>
+                    <a:bodyPr/>
+                    <a:lstStyle/>
+                    <a:p>
+                      <a:r>
+                        <a:rPr lang="en-US" sz="700"/>
+                        <a:t>IN</a:t>
+                      </a:r>
+                    </a:p>
+                  </a:txBody>
+                  <a:tcPr marL="67897" marR="67897" marT="33948" marB="33948"/>
+                </a:tc>
+                <a:tc>
+                  <a:txBody>
+                    <a:bodyPr/>
+                    <a:lstStyle/>
+                    <a:p>
+                      <a:r>
+                        <a:rPr lang="en-US" sz="700"/>
+                        <a:t>Csar</a:t>
+                      </a:r>
+                    </a:p>
+                  </a:txBody>
+                  <a:tcPr marL="67897" marR="67897" marT="33948" marB="33948"/>
+                </a:tc>
+                <a:tc>
+                  <a:txBody>
+                    <a:bodyPr/>
+                    <a:lstStyle/>
+                    <a:p>
+                      <a:r>
+                        <a:rPr lang="en-US" sz="700"/>
+                        <a:t>2621</a:t>
+                      </a:r>
+                    </a:p>
+                  </a:txBody>
+                  <a:tcPr marL="67897" marR="67897" marT="33948" marB="33948"/>
+                </a:tc>
+                <a:tc>
+                  <a:txBody>
+                    <a:bodyPr/>
+                    <a:lstStyle/>
+                    <a:p>
+                      <a:r>
+                        <a:rPr lang="en-US" sz="700"/>
+                        <a:t>0.120</a:t>
+                      </a:r>
+                    </a:p>
+                  </a:txBody>
+                  <a:tcPr marL="67897" marR="67897" marT="33948" marB="33948"/>
+                </a:tc>
+                <a:tc>
+                  <a:txBody>
+                    <a:bodyPr/>
+                    <a:lstStyle/>
+                    <a:p>
+                      <a:r>
+                        <a:rPr lang="en-US" sz="700"/>
+                        <a:t>90</a:t>
+                      </a:r>
+                    </a:p>
+                  </a:txBody>
+                  <a:tcPr marL="67897" marR="67897" marT="33948" marB="33948"/>
+                </a:tc>
+                <a:tc>
+                  <a:txBody>
+                    <a:bodyPr/>
+                    <a:lstStyle/>
+                    <a:p>
+                      <a:r>
+                        <a:rPr lang="en-US" sz="700"/>
+                        <a:t>Russian Imperial Stout</a:t>
+                      </a:r>
+                    </a:p>
+                  </a:txBody>
+                  <a:tcPr marL="67897" marR="67897" marT="33948" marB="33948"/>
+                </a:tc>
+                <a:tc>
+                  <a:txBody>
+                    <a:bodyPr/>
+                    <a:lstStyle/>
+                    <a:p>
+                      <a:r>
+                        <a:rPr lang="en-US" sz="700"/>
+                        <a:t>16.0</a:t>
+                      </a:r>
+                    </a:p>
+                  </a:txBody>
+                  <a:tcPr marL="67897" marR="67897" marT="33948" marB="33948"/>
+                </a:tc>
+                <a:extLst>
+                  <a:ext uri="{0D108BD9-81ED-4DB2-BD59-A6C34878D82A}">
+                    <a16:rowId xmlns:a16="http://schemas.microsoft.com/office/drawing/2014/main" val="2924671169"/>
+                  </a:ext>
+                </a:extLst>
+              </a:tr>
+              <a:tr h="434540">
+                <a:tc>
+                  <a:txBody>
+                    <a:bodyPr/>
+                    <a:lstStyle/>
+                    <a:p>
+                      <a:r>
+                        <a:rPr lang="en-US" sz="700"/>
+                        <a:t>52</a:t>
+                      </a:r>
+                    </a:p>
+                  </a:txBody>
+                  <a:tcPr marL="67897" marR="67897" marT="33948" marB="33948"/>
+                </a:tc>
+                <a:tc>
+                  <a:txBody>
+                    <a:bodyPr/>
+                    <a:lstStyle/>
+                    <a:p>
+                      <a:r>
+                        <a:rPr lang="en-US" sz="700"/>
+                        <a:t>Upslope Brewing Company</a:t>
+                      </a:r>
+                    </a:p>
+                  </a:txBody>
+                  <a:tcPr marL="67897" marR="67897" marT="33948" marB="33948"/>
+                </a:tc>
+                <a:tc>
+                  <a:txBody>
+                    <a:bodyPr/>
+                    <a:lstStyle/>
+                    <a:p>
+                      <a:r>
+                        <a:rPr lang="en-US" sz="700"/>
+                        <a:t>Boulder</a:t>
+                      </a:r>
+                    </a:p>
+                  </a:txBody>
+                  <a:tcPr marL="67897" marR="67897" marT="33948" marB="33948"/>
+                </a:tc>
+                <a:tc>
+                  <a:txBody>
+                    <a:bodyPr/>
+                    <a:lstStyle/>
+                    <a:p>
+                      <a:r>
+                        <a:rPr lang="en-US" sz="700"/>
+                        <a:t>CO</a:t>
+                      </a:r>
+                    </a:p>
+                  </a:txBody>
+                  <a:tcPr marL="67897" marR="67897" marT="33948" marB="33948"/>
+                </a:tc>
+                <a:tc>
+                  <a:txBody>
+                    <a:bodyPr/>
+                    <a:lstStyle/>
+                    <a:p>
+                      <a:r>
+                        <a:rPr lang="en-US" sz="700"/>
+                        <a:t>Leen Hil Series Vol 5</a:t>
+                      </a:r>
+                    </a:p>
+                  </a:txBody>
+                  <a:tcPr marL="67897" marR="67897" marT="33948" marB="33948"/>
+                </a:tc>
+                <a:tc>
+                  <a:txBody>
+                    <a:bodyPr/>
+                    <a:lstStyle/>
+                    <a:p>
+                      <a:r>
+                        <a:rPr lang="en-US" sz="700"/>
+                        <a:t>2564</a:t>
+                      </a:r>
+                    </a:p>
+                  </a:txBody>
+                  <a:tcPr marL="67897" marR="67897" marT="33948" marB="33948"/>
+                </a:tc>
+                <a:tc>
+                  <a:txBody>
+                    <a:bodyPr/>
+                    <a:lstStyle/>
+                    <a:p>
+                      <a:r>
+                        <a:rPr lang="en-US" sz="700"/>
+                        <a:t>0.104</a:t>
+                      </a:r>
+                    </a:p>
+                  </a:txBody>
+                  <a:tcPr marL="67897" marR="67897" marT="33948" marB="33948"/>
+                </a:tc>
+                <a:tc>
+                  <a:txBody>
+                    <a:bodyPr/>
+                    <a:lstStyle/>
+                    <a:p>
+                      <a:r>
+                        <a:rPr lang="en-US" sz="700"/>
+                        <a:t>NA</a:t>
+                      </a:r>
+                    </a:p>
+                  </a:txBody>
+                  <a:tcPr marL="67897" marR="67897" marT="33948" marB="33948"/>
+                </a:tc>
+                <a:tc>
+                  <a:txBody>
+                    <a:bodyPr/>
+                    <a:lstStyle/>
+                    <a:p>
+                      <a:r>
+                        <a:rPr lang="en-US" sz="700"/>
+                        <a:t>Rye Beer</a:t>
+                      </a:r>
+                    </a:p>
+                  </a:txBody>
+                  <a:tcPr marL="67897" marR="67897" marT="33948" marB="33948"/>
+                </a:tc>
+                <a:tc>
+                  <a:txBody>
+                    <a:bodyPr/>
+                    <a:lstStyle/>
+                    <a:p>
+                      <a:r>
+                        <a:rPr lang="en-US" sz="700"/>
+                        <a:t>19.2</a:t>
+                      </a:r>
+                    </a:p>
+                  </a:txBody>
+                  <a:tcPr marL="67897" marR="67897" marT="33948" marB="33948"/>
+                </a:tc>
+                <a:extLst>
+                  <a:ext uri="{0D108BD9-81ED-4DB2-BD59-A6C34878D82A}">
+                    <a16:rowId xmlns:a16="http://schemas.microsoft.com/office/drawing/2014/main" val="2801572255"/>
+                  </a:ext>
+                </a:extLst>
+              </a:tr>
+              <a:tr h="321379">
+                <a:tc>
+                  <a:txBody>
+                    <a:bodyPr/>
+                    <a:lstStyle/>
+                    <a:p>
+                      <a:r>
+                        <a:rPr lang="en-US" sz="700"/>
+                        <a:t>47</a:t>
+                      </a:r>
+                    </a:p>
+                  </a:txBody>
+                  <a:tcPr marL="67897" marR="67897" marT="33948" marB="33948"/>
+                </a:tc>
+                <a:tc>
+                  <a:txBody>
+                    <a:bodyPr/>
+                    <a:lstStyle/>
+                    <a:p>
+                      <a:r>
+                        <a:rPr lang="en-US" sz="700"/>
+                        <a:t>Sixpoint Craft Ales</a:t>
+                      </a:r>
+                    </a:p>
+                  </a:txBody>
+                  <a:tcPr marL="67897" marR="67897" marT="33948" marB="33948"/>
+                </a:tc>
+                <a:tc>
+                  <a:txBody>
+                    <a:bodyPr/>
+                    <a:lstStyle/>
+                    <a:p>
+                      <a:r>
+                        <a:rPr lang="en-US" sz="700"/>
+                        <a:t>Brooklyn</a:t>
+                      </a:r>
+                    </a:p>
+                  </a:txBody>
+                  <a:tcPr marL="67897" marR="67897" marT="33948" marB="33948"/>
+                </a:tc>
+                <a:tc>
+                  <a:txBody>
+                    <a:bodyPr/>
+                    <a:lstStyle/>
+                    <a:p>
+                      <a:r>
+                        <a:rPr lang="en-US" sz="700"/>
+                        <a:t>NY</a:t>
+                      </a:r>
+                    </a:p>
+                  </a:txBody>
+                  <a:tcPr marL="67897" marR="67897" marT="33948" marB="33948"/>
+                </a:tc>
+                <a:tc>
+                  <a:txBody>
+                    <a:bodyPr/>
+                    <a:lstStyle/>
+                    <a:p>
+                      <a:r>
+                        <a:rPr lang="en-US" sz="700"/>
+                        <a:t>4Beans</a:t>
+                      </a:r>
+                    </a:p>
+                  </a:txBody>
+                  <a:tcPr marL="67897" marR="67897" marT="33948" marB="33948"/>
+                </a:tc>
+                <a:tc>
+                  <a:txBody>
+                    <a:bodyPr/>
+                    <a:lstStyle/>
+                    <a:p>
+                      <a:r>
+                        <a:rPr lang="en-US" sz="700"/>
+                        <a:t>2574</a:t>
+                      </a:r>
+                    </a:p>
+                  </a:txBody>
+                  <a:tcPr marL="67897" marR="67897" marT="33948" marB="33948"/>
+                </a:tc>
+                <a:tc>
+                  <a:txBody>
+                    <a:bodyPr/>
+                    <a:lstStyle/>
+                    <a:p>
+                      <a:r>
+                        <a:rPr lang="en-US" sz="700"/>
+                        <a:t>0.100</a:t>
+                      </a:r>
+                    </a:p>
+                  </a:txBody>
+                  <a:tcPr marL="67897" marR="67897" marT="33948" marB="33948"/>
+                </a:tc>
+                <a:tc>
+                  <a:txBody>
+                    <a:bodyPr/>
+                    <a:lstStyle/>
+                    <a:p>
+                      <a:r>
+                        <a:rPr lang="en-US" sz="700"/>
+                        <a:t>52</a:t>
+                      </a:r>
+                    </a:p>
+                  </a:txBody>
+                  <a:tcPr marL="67897" marR="67897" marT="33948" marB="33948"/>
+                </a:tc>
+                <a:tc>
+                  <a:txBody>
+                    <a:bodyPr/>
+                    <a:lstStyle/>
+                    <a:p>
+                      <a:r>
+                        <a:rPr lang="en-US" sz="700"/>
+                        <a:t>Baltic Porter</a:t>
+                      </a:r>
+                    </a:p>
+                  </a:txBody>
+                  <a:tcPr marL="67897" marR="67897" marT="33948" marB="33948"/>
+                </a:tc>
+                <a:tc>
+                  <a:txBody>
+                    <a:bodyPr/>
+                    <a:lstStyle/>
+                    <a:p>
+                      <a:r>
+                        <a:rPr lang="en-US" sz="700"/>
+                        <a:t>12.0</a:t>
+                      </a:r>
+                    </a:p>
+                  </a:txBody>
+                  <a:tcPr marL="67897" marR="67897" marT="33948" marB="33948"/>
+                </a:tc>
+                <a:extLst>
+                  <a:ext uri="{0D108BD9-81ED-4DB2-BD59-A6C34878D82A}">
+                    <a16:rowId xmlns:a16="http://schemas.microsoft.com/office/drawing/2014/main" val="1503432686"/>
+                  </a:ext>
+                </a:extLst>
+              </a:tr>
+              <a:tr h="321379">
+                <a:tc>
+                  <a:txBody>
+                    <a:bodyPr/>
+                    <a:lstStyle/>
+                    <a:p>
+                      <a:r>
+                        <a:rPr lang="en-US" sz="700"/>
+                        <a:t>11</a:t>
+                      </a:r>
+                    </a:p>
+                  </a:txBody>
+                  <a:tcPr marL="67897" marR="67897" marT="33948" marB="33948"/>
+                </a:tc>
+                <a:tc>
+                  <a:txBody>
+                    <a:bodyPr/>
+                    <a:lstStyle/>
+                    <a:p>
+                      <a:r>
+                        <a:rPr lang="en-US" sz="700"/>
+                        <a:t>Brewery Vivant</a:t>
+                      </a:r>
+                    </a:p>
+                  </a:txBody>
+                  <a:tcPr marL="67897" marR="67897" marT="33948" marB="33948"/>
+                </a:tc>
+                <a:tc>
+                  <a:txBody>
+                    <a:bodyPr/>
+                    <a:lstStyle/>
+                    <a:p>
+                      <a:r>
+                        <a:rPr lang="en-US" sz="700"/>
+                        <a:t>Grand Rapids</a:t>
+                      </a:r>
+                    </a:p>
+                  </a:txBody>
+                  <a:tcPr marL="67897" marR="67897" marT="33948" marB="33948"/>
+                </a:tc>
+                <a:tc>
+                  <a:txBody>
+                    <a:bodyPr/>
+                    <a:lstStyle/>
+                    <a:p>
+                      <a:r>
+                        <a:rPr lang="en-US" sz="700"/>
+                        <a:t>MI</a:t>
+                      </a:r>
+                    </a:p>
+                  </a:txBody>
+                  <a:tcPr marL="67897" marR="67897" marT="33948" marB="33948"/>
+                </a:tc>
+                <a:tc>
+                  <a:txBody>
+                    <a:bodyPr/>
+                    <a:lstStyle/>
+                    <a:p>
+                      <a:r>
+                        <a:rPr lang="en-US" sz="700"/>
+                        <a:t>Wizard Burial Ground</a:t>
+                      </a:r>
+                    </a:p>
+                  </a:txBody>
+                  <a:tcPr marL="67897" marR="67897" marT="33948" marB="33948"/>
+                </a:tc>
+                <a:tc>
+                  <a:txBody>
+                    <a:bodyPr/>
+                    <a:lstStyle/>
+                    <a:p>
+                      <a:r>
+                        <a:rPr lang="en-US" sz="700"/>
+                        <a:t>2137</a:t>
+                      </a:r>
+                    </a:p>
+                  </a:txBody>
+                  <a:tcPr marL="67897" marR="67897" marT="33948" marB="33948"/>
+                </a:tc>
+                <a:tc>
+                  <a:txBody>
+                    <a:bodyPr/>
+                    <a:lstStyle/>
+                    <a:p>
+                      <a:r>
+                        <a:rPr lang="en-US" sz="700"/>
+                        <a:t>0.099</a:t>
+                      </a:r>
+                    </a:p>
+                  </a:txBody>
+                  <a:tcPr marL="67897" marR="67897" marT="33948" marB="33948"/>
+                </a:tc>
+                <a:tc>
+                  <a:txBody>
+                    <a:bodyPr/>
+                    <a:lstStyle/>
+                    <a:p>
+                      <a:r>
+                        <a:rPr lang="en-US" sz="700"/>
+                        <a:t>NA</a:t>
+                      </a:r>
+                    </a:p>
+                  </a:txBody>
+                  <a:tcPr marL="67897" marR="67897" marT="33948" marB="33948"/>
+                </a:tc>
+                <a:tc>
+                  <a:txBody>
+                    <a:bodyPr/>
+                    <a:lstStyle/>
+                    <a:p>
+                      <a:r>
+                        <a:rPr lang="en-US" sz="700"/>
+                        <a:t>Quadrupel</a:t>
+                      </a:r>
+                    </a:p>
+                  </a:txBody>
+                  <a:tcPr marL="67897" marR="67897" marT="33948" marB="33948"/>
+                </a:tc>
+                <a:tc>
+                  <a:txBody>
+                    <a:bodyPr/>
+                    <a:lstStyle/>
+                    <a:p>
+                      <a:r>
+                        <a:rPr lang="en-US" sz="700" dirty="0"/>
+                        <a:t>16.0</a:t>
+                      </a:r>
+                    </a:p>
+                  </a:txBody>
+                  <a:tcPr marL="67897" marR="67897" marT="33948" marB="33948"/>
+                </a:tc>
+                <a:extLst>
+                  <a:ext uri="{0D108BD9-81ED-4DB2-BD59-A6C34878D82A}">
+                    <a16:rowId xmlns:a16="http://schemas.microsoft.com/office/drawing/2014/main" val="3487716095"/>
+                  </a:ext>
+                </a:extLst>
+              </a:tr>
+            </a:tbl>
+          </a:graphicData>
+        </a:graphic>
+      </p:graphicFrame>
     </p:spTree>
     <p:extLst>
       <p:ext uri="{BB962C8B-B14F-4D97-AF65-F5344CB8AC3E}">
@@ -9725,7 +12200,7 @@
                             </p:stCondLst>
                             <p:childTnLst>
                               <p:par>
-                                <p:cTn id="15" presetID="10" presetClass="entr" presetSubtype="0" fill="hold" nodeType="clickEffect">
+                                <p:cTn id="15" presetID="10" presetClass="entr" presetSubtype="0" fill="hold" grpId="0" nodeType="clickEffect">
                                   <p:stCondLst>
                                     <p:cond delay="0"/>
                                   </p:stCondLst>
@@ -9738,7 +12213,11 @@
                                           </p:stCondLst>
                                         </p:cTn>
                                         <p:tgtEl>
-                                          <p:spTgt spid="7"/>
+                                          <p:spTgt spid="3">
+                                            <p:txEl>
+                                              <p:pRg st="3" end="3"/>
+                                            </p:txEl>
+                                          </p:spTgt>
                                         </p:tgtEl>
                                         <p:attrNameLst>
                                           <p:attrName>style.visibility</p:attrName>
@@ -9752,66 +12231,9 @@
                                       <p:cBhvr>
                                         <p:cTn id="17" dur="500"/>
                                         <p:tgtEl>
-                                          <p:spTgt spid="7"/>
-                                        </p:tgtEl>
-                                      </p:cBhvr>
-                                    </p:animEffect>
-                                  </p:childTnLst>
-                                </p:cTn>
-                              </p:par>
-                            </p:childTnLst>
-                          </p:cTn>
-                        </p:par>
-                      </p:childTnLst>
-                    </p:cTn>
-                  </p:par>
-                  <p:par>
-                    <p:cTn id="18" fill="hold">
-                      <p:stCondLst>
-                        <p:cond delay="indefinite"/>
-                      </p:stCondLst>
-                      <p:childTnLst>
-                        <p:par>
-                          <p:cTn id="19" fill="hold">
-                            <p:stCondLst>
-                              <p:cond delay="0"/>
-                            </p:stCondLst>
-                            <p:childTnLst>
-                              <p:par>
-                                <p:cTn id="20" presetID="10" presetClass="entr" presetSubtype="0" fill="hold" grpId="0" nodeType="clickEffect">
-                                  <p:stCondLst>
-                                    <p:cond delay="0"/>
-                                  </p:stCondLst>
-                                  <p:childTnLst>
-                                    <p:set>
-                                      <p:cBhvr>
-                                        <p:cTn id="21" dur="1" fill="hold">
-                                          <p:stCondLst>
-                                            <p:cond delay="0"/>
-                                          </p:stCondLst>
-                                        </p:cTn>
-                                        <p:tgtEl>
                                           <p:spTgt spid="3">
                                             <p:txEl>
-                                              <p:pRg st="5" end="5"/>
-                                            </p:txEl>
-                                          </p:spTgt>
-                                        </p:tgtEl>
-                                        <p:attrNameLst>
-                                          <p:attrName>style.visibility</p:attrName>
-                                        </p:attrNameLst>
-                                      </p:cBhvr>
-                                      <p:to>
-                                        <p:strVal val="visible"/>
-                                      </p:to>
-                                    </p:set>
-                                    <p:animEffect transition="in" filter="fade">
-                                      <p:cBhvr>
-                                        <p:cTn id="22" dur="500"/>
-                                        <p:tgtEl>
-                                          <p:spTgt spid="3">
-                                            <p:txEl>
-                                              <p:pRg st="5" end="5"/>
+                                              <p:pRg st="3" end="3"/>
                                             </p:txEl>
                                           </p:spTgt>
                                         </p:tgtEl>
@@ -10125,6 +12547,15 @@
 <file path=ppt/slides/slide7.xml><?xml version="1.0" encoding="utf-8"?>
 <p:sld xmlns:a="http://schemas.openxmlformats.org/drawingml/2006/main" xmlns:r="http://schemas.openxmlformats.org/officeDocument/2006/relationships" xmlns:p="http://schemas.openxmlformats.org/presentationml/2006/main">
   <p:cSld>
+    <p:bg>
+      <p:bgPr>
+        <a:blipFill>
+          <a:blip r:embed="rId2"/>
+          <a:stretch/>
+        </a:blipFill>
+        <a:effectLst/>
+      </p:bgPr>
+    </p:bg>
     <p:spTree>
       <p:nvGrpSpPr>
         <p:cNvPr id="1" name=""/>
@@ -10139,6 +12570,308 @@
           <a:chExt cx="0" cy="0"/>
         </a:xfrm>
       </p:grpSpPr>
+      <p:grpSp>
+        <p:nvGrpSpPr>
+          <p:cNvPr id="9" name="Group 8">
+            <a:extLst>
+              <a:ext uri="{FF2B5EF4-FFF2-40B4-BE49-F238E27FC236}">
+                <a16:creationId xmlns:a16="http://schemas.microsoft.com/office/drawing/2014/main" id="{247C940C-BCEA-4B94-ADAB-E5DF93AD2501}"/>
+              </a:ext>
+              <a:ext uri="{C183D7F6-B498-43B3-948B-1728B52AA6E4}">
+                <adec:decorative xmlns:adec="http://schemas.microsoft.com/office/drawing/2017/decorative" val="1"/>
+              </a:ext>
+            </a:extLst>
+          </p:cNvPr>
+          <p:cNvGrpSpPr>
+            <a:grpSpLocks noGrp="1" noUngrp="1" noRot="1" noChangeAspect="1" noMove="1" noResize="1"/>
+          </p:cNvGrpSpPr>
+          <p:nvPr>
+            <p:extLst>
+              <p:ext uri="{386F3935-93C4-4BCD-93E2-E3B085C9AB24}">
+                <p16:designElem xmlns:p16="http://schemas.microsoft.com/office/powerpoint/2015/main" val="1"/>
+              </p:ext>
+            </p:extLst>
+          </p:nvPr>
+        </p:nvGrpSpPr>
+        <p:grpSpPr>
+          <a:xfrm>
+            <a:off x="0" y="0"/>
+            <a:ext cx="12192000" cy="6858000"/>
+            <a:chOff x="0" y="0"/>
+            <a:chExt cx="12192000" cy="6858000"/>
+          </a:xfrm>
+        </p:grpSpPr>
+        <p:sp useBgFill="1">
+          <p:nvSpPr>
+            <p:cNvPr id="10" name="Rectangle 9">
+              <a:extLst>
+                <a:ext uri="{FF2B5EF4-FFF2-40B4-BE49-F238E27FC236}">
+                  <a16:creationId xmlns:a16="http://schemas.microsoft.com/office/drawing/2014/main" id="{43355E07-D27F-496A-A202-82B978528A76}"/>
+                </a:ext>
+                <a:ext uri="{C183D7F6-B498-43B3-948B-1728B52AA6E4}">
+                  <adec:decorative xmlns:adec="http://schemas.microsoft.com/office/drawing/2017/decorative" val="1"/>
+                </a:ext>
+              </a:extLst>
+            </p:cNvPr>
+            <p:cNvSpPr/>
+            <p:nvPr>
+              <p:extLst>
+                <p:ext uri="{386F3935-93C4-4BCD-93E2-E3B085C9AB24}">
+                  <p16:designElem xmlns:p16="http://schemas.microsoft.com/office/powerpoint/2015/main" val="1"/>
+                </p:ext>
+              </p:extLst>
+            </p:nvPr>
+          </p:nvSpPr>
+          <p:spPr>
+            <a:xfrm>
+              <a:off x="0" y="0"/>
+              <a:ext cx="12192000" cy="6858000"/>
+            </a:xfrm>
+            <a:prstGeom prst="rect">
+              <a:avLst/>
+            </a:prstGeom>
+            <a:ln>
+              <a:noFill/>
+            </a:ln>
+          </p:spPr>
+          <p:style>
+            <a:lnRef idx="2">
+              <a:schemeClr val="accent1">
+                <a:shade val="50000"/>
+              </a:schemeClr>
+            </a:lnRef>
+            <a:fillRef idx="1">
+              <a:schemeClr val="accent1"/>
+            </a:fillRef>
+            <a:effectRef idx="0">
+              <a:schemeClr val="accent1"/>
+            </a:effectRef>
+            <a:fontRef idx="minor">
+              <a:schemeClr val="lt1"/>
+            </a:fontRef>
+          </p:style>
+          <p:txBody>
+            <a:bodyPr rtlCol="0" anchor="ctr"/>
+            <a:lstStyle/>
+            <a:p>
+              <a:pPr algn="ctr"/>
+              <a:endParaRPr lang="en-US"/>
+            </a:p>
+          </p:txBody>
+        </p:sp>
+        <p:grpSp>
+          <p:nvGrpSpPr>
+            <p:cNvPr id="11" name="Group 10">
+              <a:extLst>
+                <a:ext uri="{FF2B5EF4-FFF2-40B4-BE49-F238E27FC236}">
+                  <a16:creationId xmlns:a16="http://schemas.microsoft.com/office/drawing/2014/main" id="{7ABE8173-1154-4FFD-A647-BE335D1BFCD7}"/>
+                </a:ext>
+                <a:ext uri="{C183D7F6-B498-43B3-948B-1728B52AA6E4}">
+                  <adec:decorative xmlns:adec="http://schemas.microsoft.com/office/drawing/2017/decorative" val="1"/>
+                </a:ext>
+              </a:extLst>
+            </p:cNvPr>
+            <p:cNvGrpSpPr/>
+            <p:nvPr>
+              <p:extLst>
+                <p:ext uri="{386F3935-93C4-4BCD-93E2-E3B085C9AB24}">
+                  <p16:designElem xmlns:p16="http://schemas.microsoft.com/office/powerpoint/2015/main" val="1"/>
+                </p:ext>
+              </p:extLst>
+            </p:nvPr>
+          </p:nvGrpSpPr>
+          <p:grpSpPr>
+            <a:xfrm>
+              <a:off x="0" y="0"/>
+              <a:ext cx="12188825" cy="6856215"/>
+              <a:chOff x="0" y="0"/>
+              <a:chExt cx="12188825" cy="6856215"/>
+            </a:xfrm>
+          </p:grpSpPr>
+          <p:pic>
+            <p:nvPicPr>
+              <p:cNvPr id="12" name="Picture 11">
+                <a:extLst>
+                  <a:ext uri="{FF2B5EF4-FFF2-40B4-BE49-F238E27FC236}">
+                    <a16:creationId xmlns:a16="http://schemas.microsoft.com/office/drawing/2014/main" id="{372EFA8A-6EE3-4B25-873B-F4CED90537E0}"/>
+                  </a:ext>
+                  <a:ext uri="{C183D7F6-B498-43B3-948B-1728B52AA6E4}">
+                    <adec:decorative xmlns:adec="http://schemas.microsoft.com/office/drawing/2017/decorative" val="1"/>
+                  </a:ext>
+                </a:extLst>
+              </p:cNvPr>
+              <p:cNvPicPr>
+                <a:picLocks noChangeAspect="1"/>
+              </p:cNvPicPr>
+              <p:nvPr>
+                <p:extLst>
+                  <p:ext uri="{386F3935-93C4-4BCD-93E2-E3B085C9AB24}">
+                    <p16:designElem xmlns:p16="http://schemas.microsoft.com/office/powerpoint/2015/main" val="1"/>
+                  </p:ext>
+                </p:extLst>
+              </p:nvPr>
+            </p:nvPicPr>
+            <p:blipFill>
+              <a:blip r:embed="rId3">
+                <a:extLst>
+                  <a:ext uri="{28A0092B-C50C-407E-A947-70E740481C1C}">
+                    <a14:useLocalDpi xmlns:a14="http://schemas.microsoft.com/office/drawing/2010/main" val="0"/>
+                  </a:ext>
+                </a:extLst>
+              </a:blip>
+              <a:stretch>
+                <a:fillRect/>
+              </a:stretch>
+            </p:blipFill>
+            <p:spPr>
+              <a:xfrm>
+                <a:off x="0" y="0"/>
+                <a:ext cx="12188825" cy="6856214"/>
+              </a:xfrm>
+              <a:prstGeom prst="rect">
+                <a:avLst/>
+              </a:prstGeom>
+            </p:spPr>
+          </p:pic>
+          <p:sp>
+            <p:nvSpPr>
+              <p:cNvPr id="13" name="Rectangle 12">
+                <a:extLst>
+                  <a:ext uri="{FF2B5EF4-FFF2-40B4-BE49-F238E27FC236}">
+                    <a16:creationId xmlns:a16="http://schemas.microsoft.com/office/drawing/2014/main" id="{18C03B2B-142C-4AD5-8F21-0FC939548A69}"/>
+                  </a:ext>
+                  <a:ext uri="{C183D7F6-B498-43B3-948B-1728B52AA6E4}">
+                    <adec:decorative xmlns:adec="http://schemas.microsoft.com/office/drawing/2017/decorative" val="1"/>
+                  </a:ext>
+                </a:extLst>
+              </p:cNvPr>
+              <p:cNvSpPr/>
+              <p:nvPr>
+                <p:extLst>
+                  <p:ext uri="{386F3935-93C4-4BCD-93E2-E3B085C9AB24}">
+                    <p16:designElem xmlns:p16="http://schemas.microsoft.com/office/powerpoint/2015/main" val="1"/>
+                  </p:ext>
+                </p:extLst>
+              </p:nvPr>
+            </p:nvSpPr>
+            <p:spPr>
+              <a:xfrm>
+                <a:off x="608012" y="609600"/>
+                <a:ext cx="10972800" cy="5638800"/>
+              </a:xfrm>
+              <a:prstGeom prst="rect">
+                <a:avLst/>
+              </a:prstGeom>
+              <a:noFill/>
+              <a:ln w="15875" cap="flat">
+                <a:miter lim="800000"/>
+              </a:ln>
+            </p:spPr>
+            <p:style>
+              <a:lnRef idx="1">
+                <a:schemeClr val="accent1"/>
+              </a:lnRef>
+              <a:fillRef idx="3">
+                <a:schemeClr val="accent1"/>
+              </a:fillRef>
+              <a:effectRef idx="2">
+                <a:schemeClr val="accent1"/>
+              </a:effectRef>
+              <a:fontRef idx="minor">
+                <a:schemeClr val="lt1"/>
+              </a:fontRef>
+            </p:style>
+          </p:sp>
+          <p:pic>
+            <p:nvPicPr>
+              <p:cNvPr id="14" name="Picture 13">
+                <a:extLst>
+                  <a:ext uri="{FF2B5EF4-FFF2-40B4-BE49-F238E27FC236}">
+                    <a16:creationId xmlns:a16="http://schemas.microsoft.com/office/drawing/2014/main" id="{C6FAF349-1EBC-4906-8CCB-C668CAE69004}"/>
+                  </a:ext>
+                  <a:ext uri="{C183D7F6-B498-43B3-948B-1728B52AA6E4}">
+                    <adec:decorative xmlns:adec="http://schemas.microsoft.com/office/drawing/2017/decorative" val="1"/>
+                  </a:ext>
+                </a:extLst>
+              </p:cNvPr>
+              <p:cNvPicPr>
+                <a:picLocks noChangeAspect="1"/>
+              </p:cNvPicPr>
+              <p:nvPr>
+                <p:extLst>
+                  <p:ext uri="{386F3935-93C4-4BCD-93E2-E3B085C9AB24}">
+                    <p16:designElem xmlns:p16="http://schemas.microsoft.com/office/powerpoint/2015/main" val="1"/>
+                  </p:ext>
+                </p:extLst>
+              </p:nvPr>
+            </p:nvPicPr>
+            <p:blipFill rotWithShape="1">
+              <a:blip r:embed="rId4">
+                <a:extLst>
+                  <a:ext uri="{28A0092B-C50C-407E-A947-70E740481C1C}">
+                    <a14:useLocalDpi xmlns:a14="http://schemas.microsoft.com/office/drawing/2010/main" val="0"/>
+                  </a:ext>
+                </a:extLst>
+              </a:blip>
+              <a:srcRect r="5093"/>
+              <a:stretch/>
+            </p:blipFill>
+            <p:spPr>
+              <a:xfrm rot="5400000">
+                <a:off x="5706471" y="76265"/>
+                <a:ext cx="758952" cy="606425"/>
+              </a:xfrm>
+              <a:prstGeom prst="rect">
+                <a:avLst/>
+              </a:prstGeom>
+            </p:spPr>
+          </p:pic>
+          <p:pic>
+            <p:nvPicPr>
+              <p:cNvPr id="15" name="Picture 14">
+                <a:extLst>
+                  <a:ext uri="{FF2B5EF4-FFF2-40B4-BE49-F238E27FC236}">
+                    <a16:creationId xmlns:a16="http://schemas.microsoft.com/office/drawing/2014/main" id="{15541360-9082-4D4C-A106-460B85E98C33}"/>
+                  </a:ext>
+                  <a:ext uri="{C183D7F6-B498-43B3-948B-1728B52AA6E4}">
+                    <adec:decorative xmlns:adec="http://schemas.microsoft.com/office/drawing/2017/decorative" val="1"/>
+                  </a:ext>
+                </a:extLst>
+              </p:cNvPr>
+              <p:cNvPicPr>
+                <a:picLocks noChangeAspect="1"/>
+              </p:cNvPicPr>
+              <p:nvPr>
+                <p:extLst>
+                  <p:ext uri="{386F3935-93C4-4BCD-93E2-E3B085C9AB24}">
+                    <p16:designElem xmlns:p16="http://schemas.microsoft.com/office/powerpoint/2015/main" val="1"/>
+                  </p:ext>
+                </p:extLst>
+              </p:nvPr>
+            </p:nvPicPr>
+            <p:blipFill rotWithShape="1">
+              <a:blip r:embed="rId4">
+                <a:extLst>
+                  <a:ext uri="{28A0092B-C50C-407E-A947-70E740481C1C}">
+                    <a14:useLocalDpi xmlns:a14="http://schemas.microsoft.com/office/drawing/2010/main" val="0"/>
+                  </a:ext>
+                </a:extLst>
+              </a:blip>
+              <a:srcRect r="5093"/>
+              <a:stretch/>
+            </p:blipFill>
+            <p:spPr>
+              <a:xfrm rot="5400000">
+                <a:off x="5706470" y="6173526"/>
+                <a:ext cx="758952" cy="606425"/>
+              </a:xfrm>
+              <a:prstGeom prst="rect">
+                <a:avLst/>
+              </a:prstGeom>
+            </p:spPr>
+          </p:pic>
+        </p:grpSp>
+      </p:grpSp>
       <p:sp>
         <p:nvSpPr>
           <p:cNvPr id="2" name="Title 1">
@@ -10155,18 +12888,72 @@
             <p:ph type="title"/>
           </p:nvPr>
         </p:nvSpPr>
-        <p:spPr/>
+        <p:spPr>
+          <a:xfrm>
+            <a:off x="1295402" y="982132"/>
+            <a:ext cx="3660056" cy="1325373"/>
+          </a:xfrm>
+        </p:spPr>
         <p:txBody>
-          <a:bodyPr/>
+          <a:bodyPr anchor="b">
+            <a:normAutofit/>
+          </a:bodyPr>
           <a:lstStyle/>
           <a:p>
             <a:r>
-              <a:rPr lang="en-US" dirty="0"/>
+              <a:rPr lang="en-US" sz="2400"/>
               <a:t>Maximum IBU</a:t>
             </a:r>
           </a:p>
         </p:txBody>
       </p:sp>
+      <p:cxnSp>
+        <p:nvCxnSpPr>
+          <p:cNvPr id="17" name="Straight Connector 16">
+            <a:extLst>
+              <a:ext uri="{FF2B5EF4-FFF2-40B4-BE49-F238E27FC236}">
+                <a16:creationId xmlns:a16="http://schemas.microsoft.com/office/drawing/2014/main" id="{E59A63C7-BCAC-464C-B7D5-9A713B4CAC34}"/>
+              </a:ext>
+              <a:ext uri="{C183D7F6-B498-43B3-948B-1728B52AA6E4}">
+                <adec:decorative xmlns:adec="http://schemas.microsoft.com/office/drawing/2017/decorative" val="1"/>
+              </a:ext>
+            </a:extLst>
+          </p:cNvPr>
+          <p:cNvCxnSpPr>
+            <a:cxnSpLocks noGrp="1" noRot="1" noChangeAspect="1" noMove="1" noResize="1" noEditPoints="1" noAdjustHandles="1" noChangeArrowheads="1" noChangeShapeType="1"/>
+          </p:cNvCxnSpPr>
+          <p:nvPr>
+            <p:extLst>
+              <p:ext uri="{386F3935-93C4-4BCD-93E2-E3B085C9AB24}">
+                <p16:designElem xmlns:p16="http://schemas.microsoft.com/office/powerpoint/2015/main" val="1"/>
+              </p:ext>
+            </p:extLst>
+          </p:nvPr>
+        </p:nvCxnSpPr>
+        <p:spPr>
+          <a:xfrm>
+            <a:off x="1295401" y="2400639"/>
+            <a:ext cx="3660057" cy="0"/>
+          </a:xfrm>
+          <a:prstGeom prst="line">
+            <a:avLst/>
+          </a:prstGeom>
+        </p:spPr>
+        <p:style>
+          <a:lnRef idx="2">
+            <a:schemeClr val="accent1"/>
+          </a:lnRef>
+          <a:fillRef idx="0">
+            <a:schemeClr val="accent1"/>
+          </a:fillRef>
+          <a:effectRef idx="1">
+            <a:schemeClr val="accent1"/>
+          </a:effectRef>
+          <a:fontRef idx="minor">
+            <a:schemeClr val="tx1"/>
+          </a:fontRef>
+        </p:style>
+      </p:cxnSp>
       <p:sp>
         <p:nvSpPr>
           <p:cNvPr id="3" name="Content Placeholder 2">
@@ -10183,72 +12970,1266 @@
             <p:ph idx="1"/>
           </p:nvPr>
         </p:nvSpPr>
-        <p:spPr/>
+        <p:spPr>
+          <a:xfrm>
+            <a:off x="1295401" y="2493774"/>
+            <a:ext cx="3660057" cy="3382094"/>
+          </a:xfrm>
+        </p:spPr>
         <p:txBody>
           <a:bodyPr>
-            <a:normAutofit fontScale="92500" lnSpcReduction="10000"/>
+            <a:normAutofit/>
           </a:bodyPr>
           <a:lstStyle/>
           <a:p>
-            <a:r>
-              <a:rPr lang="en-US" dirty="0"/>
-              <a:t>A similar story could be told with IBU, however, the missing data would be more significant in this instance:</a:t>
-            </a:r>
-          </a:p>
-          <a:p>
-            <a:endParaRPr lang="en-US" dirty="0"/>
-          </a:p>
-          <a:p>
-            <a:endParaRPr lang="en-US" dirty="0"/>
-          </a:p>
-          <a:p>
-            <a:endParaRPr lang="en-US" dirty="0"/>
-          </a:p>
-          <a:p>
-            <a:endParaRPr lang="en-US" dirty="0"/>
-          </a:p>
-          <a:p>
-            <a:r>
-              <a:rPr lang="en-US" dirty="0"/>
-              <a:t>The highest ranking IBU beer was aptly titled, “Bitter Bitch Imperial IPA” from </a:t>
-            </a:r>
-            <a:r>
-              <a:rPr lang="en-US" b="1" dirty="0"/>
+            <a:pPr algn="ctr"/>
+            <a:r>
+              <a:rPr lang="en-US" sz="1600" dirty="0"/>
+              <a:t>A similar story could be told with IBU; however, the missing data would be more significant in this instance:</a:t>
+            </a:r>
+          </a:p>
+          <a:p>
+            <a:pPr marL="0" indent="0" algn="ctr">
+              <a:buNone/>
+            </a:pPr>
+            <a:endParaRPr lang="en-US" sz="1600" dirty="0"/>
+          </a:p>
+          <a:p>
+            <a:pPr algn="ctr"/>
+            <a:r>
+              <a:rPr lang="en-US" sz="1600" dirty="0"/>
+              <a:t>The highest-ranking IBU beer was aptly titled “Bitter Bitch Imperial IPA” from </a:t>
+            </a:r>
+            <a:r>
+              <a:rPr lang="en-US" sz="1600" b="1" dirty="0"/>
               <a:t>Oregon</a:t>
             </a:r>
           </a:p>
         </p:txBody>
       </p:sp>
-      <p:pic>
-        <p:nvPicPr>
-          <p:cNvPr id="5" name="Picture 4">
+      <p:graphicFrame>
+        <p:nvGraphicFramePr>
+          <p:cNvPr id="4" name="Table 5">
             <a:extLst>
               <a:ext uri="{FF2B5EF4-FFF2-40B4-BE49-F238E27FC236}">
-                <a16:creationId xmlns:a16="http://schemas.microsoft.com/office/drawing/2014/main" id="{A2F015A2-7D5E-1ACD-2E6A-C1E5B00807C8}"/>
+                <a16:creationId xmlns:a16="http://schemas.microsoft.com/office/drawing/2014/main" id="{B81A82A0-6775-A414-BAD3-4BAC2305E95F}"/>
               </a:ext>
             </a:extLst>
           </p:cNvPr>
-          <p:cNvPicPr>
-            <a:picLocks noChangeAspect="1"/>
-          </p:cNvPicPr>
-          <p:nvPr/>
-        </p:nvPicPr>
-        <p:blipFill>
-          <a:blip r:embed="rId2"/>
-          <a:stretch>
-            <a:fillRect/>
-          </a:stretch>
-        </p:blipFill>
-        <p:spPr>
-          <a:xfrm>
-            <a:off x="1169485" y="3658393"/>
-            <a:ext cx="9853027" cy="1116014"/>
-          </a:xfrm>
-          <a:prstGeom prst="rect">
-            <a:avLst/>
-          </a:prstGeom>
-        </p:spPr>
-      </p:pic>
+          <p:cNvGraphicFramePr>
+            <a:graphicFrameLocks noGrp="1"/>
+          </p:cNvGraphicFramePr>
+          <p:nvPr>
+            <p:extLst>
+              <p:ext uri="{D42A27DB-BD31-4B8C-83A1-F6EECF244321}">
+                <p14:modId xmlns:p14="http://schemas.microsoft.com/office/powerpoint/2010/main" val="3885666102"/>
+              </p:ext>
+            </p:extLst>
+          </p:nvPr>
+        </p:nvGraphicFramePr>
+        <p:xfrm>
+          <a:off x="5418668" y="2136088"/>
+          <a:ext cx="5469471" cy="2585825"/>
+        </p:xfrm>
+        <a:graphic>
+          <a:graphicData uri="http://schemas.openxmlformats.org/drawingml/2006/table">
+            <a:tbl>
+              <a:tblPr firstRow="1" bandRow="1">
+                <a:tableStyleId>{5C22544A-7EE6-4342-B048-85BDC9FD1C3A}</a:tableStyleId>
+              </a:tblPr>
+              <a:tblGrid>
+                <a:gridCol w="408772">
+                  <a:extLst>
+                    <a:ext uri="{9D8B030D-6E8A-4147-A177-3AD203B41FA5}">
+                      <a16:colId xmlns:a16="http://schemas.microsoft.com/office/drawing/2014/main" val="2013686756"/>
+                    </a:ext>
+                  </a:extLst>
+                </a:gridCol>
+                <a:gridCol w="951320">
+                  <a:extLst>
+                    <a:ext uri="{9D8B030D-6E8A-4147-A177-3AD203B41FA5}">
+                      <a16:colId xmlns:a16="http://schemas.microsoft.com/office/drawing/2014/main" val="4107673984"/>
+                    </a:ext>
+                  </a:extLst>
+                </a:gridCol>
+                <a:gridCol w="637747">
+                  <a:extLst>
+                    <a:ext uri="{9D8B030D-6E8A-4147-A177-3AD203B41FA5}">
+                      <a16:colId xmlns:a16="http://schemas.microsoft.com/office/drawing/2014/main" val="3623055062"/>
+                    </a:ext>
+                  </a:extLst>
+                </a:gridCol>
+                <a:gridCol w="412156">
+                  <a:extLst>
+                    <a:ext uri="{9D8B030D-6E8A-4147-A177-3AD203B41FA5}">
+                      <a16:colId xmlns:a16="http://schemas.microsoft.com/office/drawing/2014/main" val="2772763119"/>
+                    </a:ext>
+                  </a:extLst>
+                </a:gridCol>
+                <a:gridCol w="707681">
+                  <a:extLst>
+                    <a:ext uri="{9D8B030D-6E8A-4147-A177-3AD203B41FA5}">
+                      <a16:colId xmlns:a16="http://schemas.microsoft.com/office/drawing/2014/main" val="1468175623"/>
+                    </a:ext>
+                  </a:extLst>
+                </a:gridCol>
+                <a:gridCol w="402005">
+                  <a:extLst>
+                    <a:ext uri="{9D8B030D-6E8A-4147-A177-3AD203B41FA5}">
+                      <a16:colId xmlns:a16="http://schemas.microsoft.com/office/drawing/2014/main" val="13906224"/>
+                    </a:ext>
+                  </a:extLst>
+                </a:gridCol>
+                <a:gridCol w="426820">
+                  <a:extLst>
+                    <a:ext uri="{9D8B030D-6E8A-4147-A177-3AD203B41FA5}">
+                      <a16:colId xmlns:a16="http://schemas.microsoft.com/office/drawing/2014/main" val="3031557917"/>
+                    </a:ext>
+                  </a:extLst>
+                </a:gridCol>
+                <a:gridCol w="353503">
+                  <a:extLst>
+                    <a:ext uri="{9D8B030D-6E8A-4147-A177-3AD203B41FA5}">
+                      <a16:colId xmlns:a16="http://schemas.microsoft.com/office/drawing/2014/main" val="3728292830"/>
+                    </a:ext>
+                  </a:extLst>
+                </a:gridCol>
+                <a:gridCol w="656923">
+                  <a:extLst>
+                    <a:ext uri="{9D8B030D-6E8A-4147-A177-3AD203B41FA5}">
+                      <a16:colId xmlns:a16="http://schemas.microsoft.com/office/drawing/2014/main" val="3943542306"/>
+                    </a:ext>
+                  </a:extLst>
+                </a:gridCol>
+                <a:gridCol w="512544">
+                  <a:extLst>
+                    <a:ext uri="{9D8B030D-6E8A-4147-A177-3AD203B41FA5}">
+                      <a16:colId xmlns:a16="http://schemas.microsoft.com/office/drawing/2014/main" val="2796815195"/>
+                    </a:ext>
+                  </a:extLst>
+                </a:gridCol>
+              </a:tblGrid>
+              <a:tr h="307527">
+                <a:tc>
+                  <a:txBody>
+                    <a:bodyPr/>
+                    <a:lstStyle/>
+                    <a:p>
+                      <a:pPr algn="ctr"/>
+                      <a:r>
+                        <a:rPr lang="en-US" sz="700" dirty="0"/>
+                        <a:t>Brew ID</a:t>
+                      </a:r>
+                    </a:p>
+                  </a:txBody>
+                  <a:tcPr marL="64970" marR="64970" marT="32485" marB="32485" anchor="ctr"/>
+                </a:tc>
+                <a:tc>
+                  <a:txBody>
+                    <a:bodyPr/>
+                    <a:lstStyle/>
+                    <a:p>
+                      <a:pPr algn="ctr"/>
+                      <a:r>
+                        <a:rPr lang="en-US" sz="700" dirty="0"/>
+                        <a:t>Brew Name</a:t>
+                      </a:r>
+                    </a:p>
+                  </a:txBody>
+                  <a:tcPr marL="64970" marR="64970" marT="32485" marB="32485" anchor="ctr"/>
+                </a:tc>
+                <a:tc>
+                  <a:txBody>
+                    <a:bodyPr/>
+                    <a:lstStyle/>
+                    <a:p>
+                      <a:pPr algn="ctr"/>
+                      <a:r>
+                        <a:rPr lang="en-US" sz="700" dirty="0"/>
+                        <a:t>City</a:t>
+                      </a:r>
+                    </a:p>
+                  </a:txBody>
+                  <a:tcPr marL="64970" marR="64970" marT="32485" marB="32485" anchor="ctr"/>
+                </a:tc>
+                <a:tc>
+                  <a:txBody>
+                    <a:bodyPr/>
+                    <a:lstStyle/>
+                    <a:p>
+                      <a:pPr algn="ctr"/>
+                      <a:r>
+                        <a:rPr lang="en-US" sz="700" dirty="0"/>
+                        <a:t>State</a:t>
+                      </a:r>
+                    </a:p>
+                  </a:txBody>
+                  <a:tcPr marL="64970" marR="64970" marT="32485" marB="32485" anchor="ctr"/>
+                </a:tc>
+                <a:tc>
+                  <a:txBody>
+                    <a:bodyPr/>
+                    <a:lstStyle/>
+                    <a:p>
+                      <a:pPr algn="ctr"/>
+                      <a:r>
+                        <a:rPr lang="en-US" sz="700" dirty="0"/>
+                        <a:t>Beer Name</a:t>
+                      </a:r>
+                    </a:p>
+                  </a:txBody>
+                  <a:tcPr marL="64970" marR="64970" marT="32485" marB="32485" anchor="ctr"/>
+                </a:tc>
+                <a:tc>
+                  <a:txBody>
+                    <a:bodyPr/>
+                    <a:lstStyle/>
+                    <a:p>
+                      <a:pPr algn="ctr"/>
+                      <a:r>
+                        <a:rPr lang="en-US" sz="700" dirty="0"/>
+                        <a:t>Beer ID</a:t>
+                      </a:r>
+                    </a:p>
+                  </a:txBody>
+                  <a:tcPr marL="64970" marR="64970" marT="32485" marB="32485" anchor="ctr"/>
+                </a:tc>
+                <a:tc>
+                  <a:txBody>
+                    <a:bodyPr/>
+                    <a:lstStyle/>
+                    <a:p>
+                      <a:pPr algn="ctr"/>
+                      <a:r>
+                        <a:rPr lang="en-US" sz="700" dirty="0"/>
+                        <a:t>ABV</a:t>
+                      </a:r>
+                    </a:p>
+                  </a:txBody>
+                  <a:tcPr marL="64970" marR="64970" marT="32485" marB="32485" anchor="ctr"/>
+                </a:tc>
+                <a:tc>
+                  <a:txBody>
+                    <a:bodyPr/>
+                    <a:lstStyle/>
+                    <a:p>
+                      <a:pPr algn="ctr"/>
+                      <a:r>
+                        <a:rPr lang="en-US" sz="700" dirty="0"/>
+                        <a:t>IBU</a:t>
+                      </a:r>
+                    </a:p>
+                  </a:txBody>
+                  <a:tcPr marL="64970" marR="64970" marT="32485" marB="32485" anchor="ctr"/>
+                </a:tc>
+                <a:tc>
+                  <a:txBody>
+                    <a:bodyPr/>
+                    <a:lstStyle/>
+                    <a:p>
+                      <a:pPr algn="ctr"/>
+                      <a:r>
+                        <a:rPr lang="en-US" sz="700" dirty="0"/>
+                        <a:t>Style</a:t>
+                      </a:r>
+                    </a:p>
+                  </a:txBody>
+                  <a:tcPr marL="64970" marR="64970" marT="32485" marB="32485" anchor="ctr"/>
+                </a:tc>
+                <a:tc>
+                  <a:txBody>
+                    <a:bodyPr/>
+                    <a:lstStyle/>
+                    <a:p>
+                      <a:pPr algn="ctr"/>
+                      <a:r>
+                        <a:rPr lang="en-US" sz="700" dirty="0"/>
+                        <a:t>Ounces</a:t>
+                      </a:r>
+                    </a:p>
+                  </a:txBody>
+                  <a:tcPr marL="64970" marR="64970" marT="32485" marB="32485" anchor="ctr"/>
+                </a:tc>
+                <a:extLst>
+                  <a:ext uri="{0D108BD9-81ED-4DB2-BD59-A6C34878D82A}">
+                    <a16:rowId xmlns:a16="http://schemas.microsoft.com/office/drawing/2014/main" val="3601535618"/>
+                  </a:ext>
+                </a:extLst>
+              </a:tr>
+              <a:tr h="307527">
+                <a:tc>
+                  <a:txBody>
+                    <a:bodyPr/>
+                    <a:lstStyle/>
+                    <a:p>
+                      <a:pPr algn="ctr"/>
+                      <a:r>
+                        <a:rPr lang="en-US" sz="700" dirty="0"/>
+                        <a:t>375</a:t>
+                      </a:r>
+                    </a:p>
+                  </a:txBody>
+                  <a:tcPr marL="64970" marR="64970" marT="32485" marB="32485" anchor="ctr"/>
+                </a:tc>
+                <a:tc>
+                  <a:txBody>
+                    <a:bodyPr/>
+                    <a:lstStyle/>
+                    <a:p>
+                      <a:pPr algn="ctr"/>
+                      <a:r>
+                        <a:rPr lang="en-US" sz="700" dirty="0"/>
+                        <a:t>Astoria Brewing Company</a:t>
+                      </a:r>
+                    </a:p>
+                  </a:txBody>
+                  <a:tcPr marL="64970" marR="64970" marT="32485" marB="32485" anchor="ctr"/>
+                </a:tc>
+                <a:tc>
+                  <a:txBody>
+                    <a:bodyPr/>
+                    <a:lstStyle/>
+                    <a:p>
+                      <a:pPr algn="ctr"/>
+                      <a:r>
+                        <a:rPr lang="en-US" sz="700" dirty="0"/>
+                        <a:t>Astoria</a:t>
+                      </a:r>
+                    </a:p>
+                  </a:txBody>
+                  <a:tcPr marL="64970" marR="64970" marT="32485" marB="32485" anchor="ctr"/>
+                </a:tc>
+                <a:tc>
+                  <a:txBody>
+                    <a:bodyPr/>
+                    <a:lstStyle/>
+                    <a:p>
+                      <a:pPr algn="ctr"/>
+                      <a:r>
+                        <a:rPr lang="en-US" sz="700" dirty="0"/>
+                        <a:t>OR</a:t>
+                      </a:r>
+                    </a:p>
+                  </a:txBody>
+                  <a:tcPr marL="64970" marR="64970" marT="32485" marB="32485" anchor="ctr"/>
+                </a:tc>
+                <a:tc>
+                  <a:txBody>
+                    <a:bodyPr/>
+                    <a:lstStyle/>
+                    <a:p>
+                      <a:pPr algn="ctr"/>
+                      <a:r>
+                        <a:rPr lang="en-US" sz="700" dirty="0"/>
+                        <a:t>Bitter Bitch Imperial IPA</a:t>
+                      </a:r>
+                    </a:p>
+                  </a:txBody>
+                  <a:tcPr marL="64970" marR="64970" marT="32485" marB="32485" anchor="ctr"/>
+                </a:tc>
+                <a:tc>
+                  <a:txBody>
+                    <a:bodyPr/>
+                    <a:lstStyle/>
+                    <a:p>
+                      <a:pPr algn="ctr"/>
+                      <a:r>
+                        <a:rPr lang="en-US" sz="700" dirty="0"/>
+                        <a:t>980</a:t>
+                      </a:r>
+                    </a:p>
+                  </a:txBody>
+                  <a:tcPr marL="64970" marR="64970" marT="32485" marB="32485" anchor="ctr"/>
+                </a:tc>
+                <a:tc>
+                  <a:txBody>
+                    <a:bodyPr/>
+                    <a:lstStyle/>
+                    <a:p>
+                      <a:pPr algn="ctr"/>
+                      <a:r>
+                        <a:rPr lang="en-US" sz="700" dirty="0"/>
+                        <a:t>0.082</a:t>
+                      </a:r>
+                    </a:p>
+                  </a:txBody>
+                  <a:tcPr marL="64970" marR="64970" marT="32485" marB="32485" anchor="ctr"/>
+                </a:tc>
+                <a:tc>
+                  <a:txBody>
+                    <a:bodyPr/>
+                    <a:lstStyle/>
+                    <a:p>
+                      <a:pPr algn="ctr"/>
+                      <a:r>
+                        <a:rPr lang="en-US" sz="700" dirty="0"/>
+                        <a:t>138</a:t>
+                      </a:r>
+                    </a:p>
+                  </a:txBody>
+                  <a:tcPr marL="64970" marR="64970" marT="32485" marB="32485" anchor="ctr"/>
+                </a:tc>
+                <a:tc>
+                  <a:txBody>
+                    <a:bodyPr/>
+                    <a:lstStyle/>
+                    <a:p>
+                      <a:pPr algn="ctr"/>
+                      <a:r>
+                        <a:rPr lang="en-US" sz="700" dirty="0"/>
+                        <a:t>American Double/IPA</a:t>
+                      </a:r>
+                    </a:p>
+                  </a:txBody>
+                  <a:tcPr marL="64970" marR="64970" marT="32485" marB="32485" anchor="ctr"/>
+                </a:tc>
+                <a:tc>
+                  <a:txBody>
+                    <a:bodyPr/>
+                    <a:lstStyle/>
+                    <a:p>
+                      <a:pPr algn="ctr"/>
+                      <a:r>
+                        <a:rPr lang="en-US" sz="700" dirty="0"/>
+                        <a:t>12</a:t>
+                      </a:r>
+                    </a:p>
+                  </a:txBody>
+                  <a:tcPr marL="64970" marR="64970" marT="32485" marB="32485" anchor="ctr"/>
+                </a:tc>
+                <a:extLst>
+                  <a:ext uri="{0D108BD9-81ED-4DB2-BD59-A6C34878D82A}">
+                    <a16:rowId xmlns:a16="http://schemas.microsoft.com/office/drawing/2014/main" val="2879842095"/>
+                  </a:ext>
+                </a:extLst>
+              </a:tr>
+              <a:tr h="307527">
+                <a:tc>
+                  <a:txBody>
+                    <a:bodyPr/>
+                    <a:lstStyle/>
+                    <a:p>
+                      <a:pPr algn="ctr"/>
+                      <a:r>
+                        <a:rPr lang="en-US" sz="700" dirty="0"/>
+                        <a:t>345</a:t>
+                      </a:r>
+                    </a:p>
+                  </a:txBody>
+                  <a:tcPr marL="64970" marR="64970" marT="32485" marB="32485" anchor="ctr"/>
+                </a:tc>
+                <a:tc>
+                  <a:txBody>
+                    <a:bodyPr/>
+                    <a:lstStyle/>
+                    <a:p>
+                      <a:pPr algn="ctr"/>
+                      <a:r>
+                        <a:rPr lang="en-US" sz="700" dirty="0"/>
+                        <a:t>Wolf Hills Brewing Company</a:t>
+                      </a:r>
+                    </a:p>
+                  </a:txBody>
+                  <a:tcPr marL="64970" marR="64970" marT="32485" marB="32485" anchor="ctr"/>
+                </a:tc>
+                <a:tc>
+                  <a:txBody>
+                    <a:bodyPr/>
+                    <a:lstStyle/>
+                    <a:p>
+                      <a:pPr algn="ctr"/>
+                      <a:r>
+                        <a:rPr lang="en-US" sz="700" dirty="0"/>
+                        <a:t>Abingdon</a:t>
+                      </a:r>
+                    </a:p>
+                  </a:txBody>
+                  <a:tcPr marL="64970" marR="64970" marT="32485" marB="32485" anchor="ctr"/>
+                </a:tc>
+                <a:tc>
+                  <a:txBody>
+                    <a:bodyPr/>
+                    <a:lstStyle/>
+                    <a:p>
+                      <a:pPr algn="ctr"/>
+                      <a:r>
+                        <a:rPr lang="en-US" sz="700" dirty="0"/>
+                        <a:t>VA</a:t>
+                      </a:r>
+                    </a:p>
+                  </a:txBody>
+                  <a:tcPr marL="64970" marR="64970" marT="32485" marB="32485" anchor="ctr"/>
+                </a:tc>
+                <a:tc>
+                  <a:txBody>
+                    <a:bodyPr/>
+                    <a:lstStyle/>
+                    <a:p>
+                      <a:pPr algn="ctr"/>
+                      <a:r>
+                        <a:rPr lang="en-US" sz="700" dirty="0"/>
+                        <a:t>Troopers Alley IPA</a:t>
+                      </a:r>
+                    </a:p>
+                  </a:txBody>
+                  <a:tcPr marL="64970" marR="64970" marT="32485" marB="32485" anchor="ctr"/>
+                </a:tc>
+                <a:tc>
+                  <a:txBody>
+                    <a:bodyPr/>
+                    <a:lstStyle/>
+                    <a:p>
+                      <a:pPr algn="ctr"/>
+                      <a:r>
+                        <a:rPr lang="en-US" sz="700" dirty="0"/>
+                        <a:t>1676</a:t>
+                      </a:r>
+                    </a:p>
+                  </a:txBody>
+                  <a:tcPr marL="64970" marR="64970" marT="32485" marB="32485" anchor="ctr"/>
+                </a:tc>
+                <a:tc>
+                  <a:txBody>
+                    <a:bodyPr/>
+                    <a:lstStyle/>
+                    <a:p>
+                      <a:pPr algn="ctr"/>
+                      <a:r>
+                        <a:rPr lang="en-US" sz="700" dirty="0"/>
+                        <a:t>0.059</a:t>
+                      </a:r>
+                    </a:p>
+                  </a:txBody>
+                  <a:tcPr marL="64970" marR="64970" marT="32485" marB="32485" anchor="ctr"/>
+                </a:tc>
+                <a:tc>
+                  <a:txBody>
+                    <a:bodyPr/>
+                    <a:lstStyle/>
+                    <a:p>
+                      <a:pPr algn="ctr"/>
+                      <a:r>
+                        <a:rPr lang="en-US" sz="700" dirty="0"/>
+                        <a:t>135</a:t>
+                      </a:r>
+                    </a:p>
+                  </a:txBody>
+                  <a:tcPr marL="64970" marR="64970" marT="32485" marB="32485" anchor="ctr"/>
+                </a:tc>
+                <a:tc>
+                  <a:txBody>
+                    <a:bodyPr/>
+                    <a:lstStyle/>
+                    <a:p>
+                      <a:pPr algn="ctr"/>
+                      <a:r>
+                        <a:rPr lang="en-US" sz="700" dirty="0"/>
+                        <a:t>American IPA</a:t>
+                      </a:r>
+                    </a:p>
+                  </a:txBody>
+                  <a:tcPr marL="64970" marR="64970" marT="32485" marB="32485" anchor="ctr"/>
+                </a:tc>
+                <a:tc>
+                  <a:txBody>
+                    <a:bodyPr/>
+                    <a:lstStyle/>
+                    <a:p>
+                      <a:pPr algn="ctr"/>
+                      <a:r>
+                        <a:rPr lang="en-US" sz="700" dirty="0"/>
+                        <a:t>12</a:t>
+                      </a:r>
+                    </a:p>
+                  </a:txBody>
+                  <a:tcPr marL="64970" marR="64970" marT="32485" marB="32485" anchor="ctr"/>
+                </a:tc>
+                <a:extLst>
+                  <a:ext uri="{0D108BD9-81ED-4DB2-BD59-A6C34878D82A}">
+                    <a16:rowId xmlns:a16="http://schemas.microsoft.com/office/drawing/2014/main" val="2138483602"/>
+                  </a:ext>
+                </a:extLst>
+              </a:tr>
+              <a:tr h="415811">
+                <a:tc>
+                  <a:txBody>
+                    <a:bodyPr/>
+                    <a:lstStyle/>
+                    <a:p>
+                      <a:pPr algn="ctr"/>
+                      <a:r>
+                        <a:rPr lang="en-US" sz="700" dirty="0"/>
+                        <a:t>231</a:t>
+                      </a:r>
+                    </a:p>
+                  </a:txBody>
+                  <a:tcPr marL="64970" marR="64970" marT="32485" marB="32485" anchor="ctr"/>
+                </a:tc>
+                <a:tc>
+                  <a:txBody>
+                    <a:bodyPr/>
+                    <a:lstStyle/>
+                    <a:p>
+                      <a:pPr algn="ctr"/>
+                      <a:r>
+                        <a:rPr lang="en-US" sz="700" dirty="0"/>
+                        <a:t>Cape Ann Brewing Company</a:t>
+                      </a:r>
+                    </a:p>
+                  </a:txBody>
+                  <a:tcPr marL="64970" marR="64970" marT="32485" marB="32485" anchor="ctr"/>
+                </a:tc>
+                <a:tc>
+                  <a:txBody>
+                    <a:bodyPr/>
+                    <a:lstStyle/>
+                    <a:p>
+                      <a:pPr algn="ctr"/>
+                      <a:r>
+                        <a:rPr lang="en-US" sz="700" dirty="0"/>
+                        <a:t>Gloucester</a:t>
+                      </a:r>
+                    </a:p>
+                  </a:txBody>
+                  <a:tcPr marL="64970" marR="64970" marT="32485" marB="32485" anchor="ctr"/>
+                </a:tc>
+                <a:tc>
+                  <a:txBody>
+                    <a:bodyPr/>
+                    <a:lstStyle/>
+                    <a:p>
+                      <a:pPr algn="ctr"/>
+                      <a:r>
+                        <a:rPr lang="en-US" sz="700" dirty="0"/>
+                        <a:t>MA</a:t>
+                      </a:r>
+                    </a:p>
+                  </a:txBody>
+                  <a:tcPr marL="64970" marR="64970" marT="32485" marB="32485" anchor="ctr"/>
+                </a:tc>
+                <a:tc>
+                  <a:txBody>
+                    <a:bodyPr/>
+                    <a:lstStyle/>
+                    <a:p>
+                      <a:pPr algn="ctr"/>
+                      <a:r>
+                        <a:rPr lang="en-US" sz="700" dirty="0"/>
+                        <a:t>Dead-Eye DIPA</a:t>
+                      </a:r>
+                    </a:p>
+                  </a:txBody>
+                  <a:tcPr marL="64970" marR="64970" marT="32485" marB="32485" anchor="ctr"/>
+                </a:tc>
+                <a:tc>
+                  <a:txBody>
+                    <a:bodyPr/>
+                    <a:lstStyle/>
+                    <a:p>
+                      <a:pPr algn="ctr"/>
+                      <a:r>
+                        <a:rPr lang="en-US" sz="700" dirty="0"/>
+                        <a:t>2067</a:t>
+                      </a:r>
+                    </a:p>
+                  </a:txBody>
+                  <a:tcPr marL="64970" marR="64970" marT="32485" marB="32485" anchor="ctr"/>
+                </a:tc>
+                <a:tc>
+                  <a:txBody>
+                    <a:bodyPr/>
+                    <a:lstStyle/>
+                    <a:p>
+                      <a:pPr algn="ctr"/>
+                      <a:r>
+                        <a:rPr lang="en-US" sz="700" dirty="0"/>
+                        <a:t>0.090</a:t>
+                      </a:r>
+                    </a:p>
+                  </a:txBody>
+                  <a:tcPr marL="64970" marR="64970" marT="32485" marB="32485" anchor="ctr"/>
+                </a:tc>
+                <a:tc>
+                  <a:txBody>
+                    <a:bodyPr/>
+                    <a:lstStyle/>
+                    <a:p>
+                      <a:pPr algn="ctr"/>
+                      <a:r>
+                        <a:rPr lang="en-US" sz="700" dirty="0"/>
+                        <a:t>130</a:t>
+                      </a:r>
+                    </a:p>
+                  </a:txBody>
+                  <a:tcPr marL="64970" marR="64970" marT="32485" marB="32485" anchor="ctr"/>
+                </a:tc>
+                <a:tc>
+                  <a:txBody>
+                    <a:bodyPr/>
+                    <a:lstStyle/>
+                    <a:p>
+                      <a:pPr marL="0" marR="0" lvl="0" indent="0" algn="ctr" defTabSz="457200" rtl="0" eaLnBrk="1" fontAlgn="auto" latinLnBrk="0" hangingPunct="1">
+                        <a:lnSpc>
+                          <a:spcPct val="100000"/>
+                        </a:lnSpc>
+                        <a:spcBef>
+                          <a:spcPts val="0"/>
+                        </a:spcBef>
+                        <a:spcAft>
+                          <a:spcPts val="0"/>
+                        </a:spcAft>
+                        <a:buClrTx/>
+                        <a:buSzTx/>
+                        <a:buFontTx/>
+                        <a:buNone/>
+                        <a:tabLst/>
+                        <a:defRPr/>
+                      </a:pPr>
+                      <a:r>
+                        <a:rPr lang="en-US" sz="700" dirty="0"/>
+                        <a:t>American Double/IPA</a:t>
+                      </a:r>
+                    </a:p>
+                    <a:p>
+                      <a:pPr algn="ctr"/>
+                      <a:endParaRPr lang="en-US" sz="700" dirty="0"/>
+                    </a:p>
+                  </a:txBody>
+                  <a:tcPr marL="64970" marR="64970" marT="32485" marB="32485" anchor="ctr"/>
+                </a:tc>
+                <a:tc>
+                  <a:txBody>
+                    <a:bodyPr/>
+                    <a:lstStyle/>
+                    <a:p>
+                      <a:pPr algn="ctr"/>
+                      <a:r>
+                        <a:rPr lang="en-US" sz="700" dirty="0"/>
+                        <a:t>16</a:t>
+                      </a:r>
+                    </a:p>
+                  </a:txBody>
+                  <a:tcPr marL="64970" marR="64970" marT="32485" marB="32485" anchor="ctr"/>
+                </a:tc>
+                <a:extLst>
+                  <a:ext uri="{0D108BD9-81ED-4DB2-BD59-A6C34878D82A}">
+                    <a16:rowId xmlns:a16="http://schemas.microsoft.com/office/drawing/2014/main" val="3070312989"/>
+                  </a:ext>
+                </a:extLst>
+              </a:tr>
+              <a:tr h="415811">
+                <a:tc>
+                  <a:txBody>
+                    <a:bodyPr/>
+                    <a:lstStyle/>
+                    <a:p>
+                      <a:pPr algn="ctr"/>
+                      <a:r>
+                        <a:rPr lang="en-US" sz="700" dirty="0"/>
+                        <a:t>100</a:t>
+                      </a:r>
+                    </a:p>
+                  </a:txBody>
+                  <a:tcPr marL="64970" marR="64970" marT="32485" marB="32485" anchor="ctr"/>
+                </a:tc>
+                <a:tc>
+                  <a:txBody>
+                    <a:bodyPr/>
+                    <a:lstStyle/>
+                    <a:p>
+                      <a:pPr algn="ctr"/>
+                      <a:r>
+                        <a:rPr lang="en-US" sz="700" dirty="0"/>
+                        <a:t>Christian </a:t>
+                      </a:r>
+                      <a:r>
+                        <a:rPr lang="en-US" sz="700" dirty="0" err="1"/>
+                        <a:t>Moerlein</a:t>
+                      </a:r>
+                      <a:r>
+                        <a:rPr lang="en-US" sz="700" dirty="0"/>
+                        <a:t> Brewing Company</a:t>
+                      </a:r>
+                    </a:p>
+                  </a:txBody>
+                  <a:tcPr marL="64970" marR="64970" marT="32485" marB="32485" anchor="ctr"/>
+                </a:tc>
+                <a:tc>
+                  <a:txBody>
+                    <a:bodyPr/>
+                    <a:lstStyle/>
+                    <a:p>
+                      <a:pPr algn="ctr"/>
+                      <a:r>
+                        <a:rPr lang="en-US" sz="700" dirty="0"/>
+                        <a:t>Cincinnati</a:t>
+                      </a:r>
+                    </a:p>
+                  </a:txBody>
+                  <a:tcPr marL="64970" marR="64970" marT="32485" marB="32485" anchor="ctr"/>
+                </a:tc>
+                <a:tc>
+                  <a:txBody>
+                    <a:bodyPr/>
+                    <a:lstStyle/>
+                    <a:p>
+                      <a:pPr algn="ctr"/>
+                      <a:r>
+                        <a:rPr lang="en-US" sz="700" dirty="0"/>
+                        <a:t>OH</a:t>
+                      </a:r>
+                    </a:p>
+                  </a:txBody>
+                  <a:tcPr marL="64970" marR="64970" marT="32485" marB="32485" anchor="ctr"/>
+                </a:tc>
+                <a:tc>
+                  <a:txBody>
+                    <a:bodyPr/>
+                    <a:lstStyle/>
+                    <a:p>
+                      <a:pPr algn="ctr"/>
+                      <a:r>
+                        <a:rPr lang="en-US" sz="700" dirty="0"/>
+                        <a:t>Bay of Bengal Double IPA</a:t>
+                      </a:r>
+                    </a:p>
+                  </a:txBody>
+                  <a:tcPr marL="64970" marR="64970" marT="32485" marB="32485" anchor="ctr"/>
+                </a:tc>
+                <a:tc>
+                  <a:txBody>
+                    <a:bodyPr/>
+                    <a:lstStyle/>
+                    <a:p>
+                      <a:pPr algn="ctr"/>
+                      <a:r>
+                        <a:rPr lang="en-US" sz="700" dirty="0"/>
+                        <a:t>2440</a:t>
+                      </a:r>
+                    </a:p>
+                  </a:txBody>
+                  <a:tcPr marL="64970" marR="64970" marT="32485" marB="32485" anchor="ctr"/>
+                </a:tc>
+                <a:tc>
+                  <a:txBody>
+                    <a:bodyPr/>
+                    <a:lstStyle/>
+                    <a:p>
+                      <a:pPr algn="ctr"/>
+                      <a:r>
+                        <a:rPr lang="en-US" sz="700" dirty="0"/>
+                        <a:t>0.089</a:t>
+                      </a:r>
+                    </a:p>
+                  </a:txBody>
+                  <a:tcPr marL="64970" marR="64970" marT="32485" marB="32485" anchor="ctr"/>
+                </a:tc>
+                <a:tc>
+                  <a:txBody>
+                    <a:bodyPr/>
+                    <a:lstStyle/>
+                    <a:p>
+                      <a:pPr algn="ctr"/>
+                      <a:r>
+                        <a:rPr lang="en-US" sz="700" dirty="0"/>
+                        <a:t>126</a:t>
+                      </a:r>
+                    </a:p>
+                  </a:txBody>
+                  <a:tcPr marL="64970" marR="64970" marT="32485" marB="32485" anchor="ctr"/>
+                </a:tc>
+                <a:tc>
+                  <a:txBody>
+                    <a:bodyPr/>
+                    <a:lstStyle/>
+                    <a:p>
+                      <a:pPr marL="0" marR="0" lvl="0" indent="0" algn="ctr" defTabSz="457200" rtl="0" eaLnBrk="1" fontAlgn="auto" latinLnBrk="0" hangingPunct="1">
+                        <a:lnSpc>
+                          <a:spcPct val="100000"/>
+                        </a:lnSpc>
+                        <a:spcBef>
+                          <a:spcPts val="0"/>
+                        </a:spcBef>
+                        <a:spcAft>
+                          <a:spcPts val="0"/>
+                        </a:spcAft>
+                        <a:buClrTx/>
+                        <a:buSzTx/>
+                        <a:buFontTx/>
+                        <a:buNone/>
+                        <a:tabLst/>
+                        <a:defRPr/>
+                      </a:pPr>
+                      <a:r>
+                        <a:rPr lang="en-US" sz="700" dirty="0"/>
+                        <a:t>American Double/IPA</a:t>
+                      </a:r>
+                    </a:p>
+                    <a:p>
+                      <a:pPr algn="ctr"/>
+                      <a:endParaRPr lang="en-US" sz="700" dirty="0"/>
+                    </a:p>
+                  </a:txBody>
+                  <a:tcPr marL="64970" marR="64970" marT="32485" marB="32485" anchor="ctr"/>
+                </a:tc>
+                <a:tc>
+                  <a:txBody>
+                    <a:bodyPr/>
+                    <a:lstStyle/>
+                    <a:p>
+                      <a:pPr algn="ctr"/>
+                      <a:r>
+                        <a:rPr lang="en-US" sz="700" dirty="0"/>
+                        <a:t>12</a:t>
+                      </a:r>
+                    </a:p>
+                  </a:txBody>
+                  <a:tcPr marL="64970" marR="64970" marT="32485" marB="32485" anchor="ctr"/>
+                </a:tc>
+                <a:extLst>
+                  <a:ext uri="{0D108BD9-81ED-4DB2-BD59-A6C34878D82A}">
+                    <a16:rowId xmlns:a16="http://schemas.microsoft.com/office/drawing/2014/main" val="2238208841"/>
+                  </a:ext>
+                </a:extLst>
+              </a:tr>
+              <a:tr h="415811">
+                <a:tc>
+                  <a:txBody>
+                    <a:bodyPr/>
+                    <a:lstStyle/>
+                    <a:p>
+                      <a:pPr algn="ctr"/>
+                      <a:r>
+                        <a:rPr lang="en-US" sz="700" dirty="0"/>
+                        <a:t>62</a:t>
+                      </a:r>
+                    </a:p>
+                  </a:txBody>
+                  <a:tcPr marL="64970" marR="64970" marT="32485" marB="32485" anchor="ctr"/>
+                </a:tc>
+                <a:tc>
+                  <a:txBody>
+                    <a:bodyPr/>
+                    <a:lstStyle/>
+                    <a:p>
+                      <a:pPr algn="ctr"/>
+                      <a:r>
+                        <a:rPr lang="en-US" sz="700" dirty="0"/>
+                        <a:t>Surly Brewing Company</a:t>
+                      </a:r>
+                    </a:p>
+                  </a:txBody>
+                  <a:tcPr marL="64970" marR="64970" marT="32485" marB="32485" anchor="ctr"/>
+                </a:tc>
+                <a:tc>
+                  <a:txBody>
+                    <a:bodyPr/>
+                    <a:lstStyle/>
+                    <a:p>
+                      <a:pPr algn="ctr"/>
+                      <a:r>
+                        <a:rPr lang="en-US" sz="700" dirty="0"/>
+                        <a:t>Brooklyn Center</a:t>
+                      </a:r>
+                    </a:p>
+                  </a:txBody>
+                  <a:tcPr marL="64970" marR="64970" marT="32485" marB="32485" anchor="ctr"/>
+                </a:tc>
+                <a:tc>
+                  <a:txBody>
+                    <a:bodyPr/>
+                    <a:lstStyle/>
+                    <a:p>
+                      <a:pPr algn="ctr"/>
+                      <a:r>
+                        <a:rPr lang="en-US" sz="700" dirty="0"/>
+                        <a:t>MN</a:t>
+                      </a:r>
+                    </a:p>
+                  </a:txBody>
+                  <a:tcPr marL="64970" marR="64970" marT="32485" marB="32485" anchor="ctr"/>
+                </a:tc>
+                <a:tc>
+                  <a:txBody>
+                    <a:bodyPr/>
+                    <a:lstStyle/>
+                    <a:p>
+                      <a:pPr algn="ctr"/>
+                      <a:r>
+                        <a:rPr lang="en-US" sz="700" dirty="0"/>
+                        <a:t>Abrasive Ale</a:t>
+                      </a:r>
+                    </a:p>
+                  </a:txBody>
+                  <a:tcPr marL="64970" marR="64970" marT="32485" marB="32485" anchor="ctr"/>
+                </a:tc>
+                <a:tc>
+                  <a:txBody>
+                    <a:bodyPr/>
+                    <a:lstStyle/>
+                    <a:p>
+                      <a:pPr algn="ctr"/>
+                      <a:r>
+                        <a:rPr lang="en-US" sz="700" dirty="0"/>
+                        <a:t>15</a:t>
+                      </a:r>
+                    </a:p>
+                  </a:txBody>
+                  <a:tcPr marL="64970" marR="64970" marT="32485" marB="32485" anchor="ctr"/>
+                </a:tc>
+                <a:tc>
+                  <a:txBody>
+                    <a:bodyPr/>
+                    <a:lstStyle/>
+                    <a:p>
+                      <a:pPr algn="ctr"/>
+                      <a:r>
+                        <a:rPr lang="en-US" sz="700" dirty="0"/>
+                        <a:t>0.097</a:t>
+                      </a:r>
+                    </a:p>
+                  </a:txBody>
+                  <a:tcPr marL="64970" marR="64970" marT="32485" marB="32485" anchor="ctr"/>
+                </a:tc>
+                <a:tc>
+                  <a:txBody>
+                    <a:bodyPr/>
+                    <a:lstStyle/>
+                    <a:p>
+                      <a:pPr algn="ctr"/>
+                      <a:r>
+                        <a:rPr lang="en-US" sz="700" dirty="0"/>
+                        <a:t>120</a:t>
+                      </a:r>
+                    </a:p>
+                  </a:txBody>
+                  <a:tcPr marL="64970" marR="64970" marT="32485" marB="32485" anchor="ctr"/>
+                </a:tc>
+                <a:tc>
+                  <a:txBody>
+                    <a:bodyPr/>
+                    <a:lstStyle/>
+                    <a:p>
+                      <a:pPr marL="0" marR="0" lvl="0" indent="0" algn="ctr" defTabSz="457200" rtl="0" eaLnBrk="1" fontAlgn="auto" latinLnBrk="0" hangingPunct="1">
+                        <a:lnSpc>
+                          <a:spcPct val="100000"/>
+                        </a:lnSpc>
+                        <a:spcBef>
+                          <a:spcPts val="0"/>
+                        </a:spcBef>
+                        <a:spcAft>
+                          <a:spcPts val="0"/>
+                        </a:spcAft>
+                        <a:buClrTx/>
+                        <a:buSzTx/>
+                        <a:buFontTx/>
+                        <a:buNone/>
+                        <a:tabLst/>
+                        <a:defRPr/>
+                      </a:pPr>
+                      <a:r>
+                        <a:rPr lang="en-US" sz="700" dirty="0"/>
+                        <a:t>American Double/IPA</a:t>
+                      </a:r>
+                    </a:p>
+                    <a:p>
+                      <a:pPr algn="ctr"/>
+                      <a:endParaRPr lang="en-US" sz="700" dirty="0"/>
+                    </a:p>
+                  </a:txBody>
+                  <a:tcPr marL="64970" marR="64970" marT="32485" marB="32485" anchor="ctr"/>
+                </a:tc>
+                <a:tc>
+                  <a:txBody>
+                    <a:bodyPr/>
+                    <a:lstStyle/>
+                    <a:p>
+                      <a:pPr algn="ctr"/>
+                      <a:r>
+                        <a:rPr lang="en-US" sz="700" dirty="0"/>
+                        <a:t>16</a:t>
+                      </a:r>
+                    </a:p>
+                  </a:txBody>
+                  <a:tcPr marL="64970" marR="64970" marT="32485" marB="32485" anchor="ctr"/>
+                </a:tc>
+                <a:extLst>
+                  <a:ext uri="{0D108BD9-81ED-4DB2-BD59-A6C34878D82A}">
+                    <a16:rowId xmlns:a16="http://schemas.microsoft.com/office/drawing/2014/main" val="1437986373"/>
+                  </a:ext>
+                </a:extLst>
+              </a:tr>
+              <a:tr h="415811">
+                <a:tc>
+                  <a:txBody>
+                    <a:bodyPr/>
+                    <a:lstStyle/>
+                    <a:p>
+                      <a:pPr algn="ctr"/>
+                      <a:r>
+                        <a:rPr lang="en-US" sz="700" dirty="0"/>
+                        <a:t>273</a:t>
+                      </a:r>
+                    </a:p>
+                  </a:txBody>
+                  <a:tcPr marL="64970" marR="64970" marT="32485" marB="32485" anchor="ctr"/>
+                </a:tc>
+                <a:tc>
+                  <a:txBody>
+                    <a:bodyPr/>
+                    <a:lstStyle/>
+                    <a:p>
+                      <a:pPr algn="ctr"/>
+                      <a:r>
+                        <a:rPr lang="en-US" sz="700" dirty="0"/>
+                        <a:t>The Alchemist</a:t>
+                      </a:r>
+                    </a:p>
+                  </a:txBody>
+                  <a:tcPr marL="64970" marR="64970" marT="32485" marB="32485" anchor="ctr"/>
+                </a:tc>
+                <a:tc>
+                  <a:txBody>
+                    <a:bodyPr/>
+                    <a:lstStyle/>
+                    <a:p>
+                      <a:pPr algn="ctr"/>
+                      <a:r>
+                        <a:rPr lang="en-US" sz="700" dirty="0"/>
+                        <a:t>Waterbury</a:t>
+                      </a:r>
+                    </a:p>
+                  </a:txBody>
+                  <a:tcPr marL="64970" marR="64970" marT="32485" marB="32485" anchor="ctr"/>
+                </a:tc>
+                <a:tc>
+                  <a:txBody>
+                    <a:bodyPr/>
+                    <a:lstStyle/>
+                    <a:p>
+                      <a:pPr algn="ctr"/>
+                      <a:r>
+                        <a:rPr lang="en-US" sz="700" dirty="0"/>
+                        <a:t>VT</a:t>
+                      </a:r>
+                    </a:p>
+                  </a:txBody>
+                  <a:tcPr marL="64970" marR="64970" marT="32485" marB="32485" anchor="ctr"/>
+                </a:tc>
+                <a:tc>
+                  <a:txBody>
+                    <a:bodyPr/>
+                    <a:lstStyle/>
+                    <a:p>
+                      <a:pPr algn="ctr"/>
+                      <a:r>
+                        <a:rPr lang="en-US" sz="700" dirty="0"/>
+                        <a:t>Heady Topper</a:t>
+                      </a:r>
+                    </a:p>
+                  </a:txBody>
+                  <a:tcPr marL="64970" marR="64970" marT="32485" marB="32485" anchor="ctr"/>
+                </a:tc>
+                <a:tc>
+                  <a:txBody>
+                    <a:bodyPr/>
+                    <a:lstStyle/>
+                    <a:p>
+                      <a:pPr algn="ctr"/>
+                      <a:r>
+                        <a:rPr lang="en-US" sz="700" dirty="0"/>
+                        <a:t>1111</a:t>
+                      </a:r>
+                    </a:p>
+                  </a:txBody>
+                  <a:tcPr marL="64970" marR="64970" marT="32485" marB="32485" anchor="ctr"/>
+                </a:tc>
+                <a:tc>
+                  <a:txBody>
+                    <a:bodyPr/>
+                    <a:lstStyle/>
+                    <a:p>
+                      <a:pPr algn="ctr"/>
+                      <a:r>
+                        <a:rPr lang="en-US" sz="700" dirty="0"/>
+                        <a:t>0.080</a:t>
+                      </a:r>
+                    </a:p>
+                  </a:txBody>
+                  <a:tcPr marL="64970" marR="64970" marT="32485" marB="32485" anchor="ctr"/>
+                </a:tc>
+                <a:tc>
+                  <a:txBody>
+                    <a:bodyPr/>
+                    <a:lstStyle/>
+                    <a:p>
+                      <a:pPr algn="ctr"/>
+                      <a:r>
+                        <a:rPr lang="en-US" sz="700" dirty="0"/>
+                        <a:t>120</a:t>
+                      </a:r>
+                    </a:p>
+                  </a:txBody>
+                  <a:tcPr marL="64970" marR="64970" marT="32485" marB="32485" anchor="ctr"/>
+                </a:tc>
+                <a:tc>
+                  <a:txBody>
+                    <a:bodyPr/>
+                    <a:lstStyle/>
+                    <a:p>
+                      <a:pPr marL="0" marR="0" lvl="0" indent="0" algn="ctr" defTabSz="457200" rtl="0" eaLnBrk="1" fontAlgn="auto" latinLnBrk="0" hangingPunct="1">
+                        <a:lnSpc>
+                          <a:spcPct val="100000"/>
+                        </a:lnSpc>
+                        <a:spcBef>
+                          <a:spcPts val="0"/>
+                        </a:spcBef>
+                        <a:spcAft>
+                          <a:spcPts val="0"/>
+                        </a:spcAft>
+                        <a:buClrTx/>
+                        <a:buSzTx/>
+                        <a:buFontTx/>
+                        <a:buNone/>
+                        <a:tabLst/>
+                        <a:defRPr/>
+                      </a:pPr>
+                      <a:r>
+                        <a:rPr lang="en-US" sz="700" dirty="0"/>
+                        <a:t>American Double/IPA</a:t>
+                      </a:r>
+                    </a:p>
+                    <a:p>
+                      <a:pPr algn="ctr"/>
+                      <a:endParaRPr lang="en-US" sz="700" dirty="0"/>
+                    </a:p>
+                  </a:txBody>
+                  <a:tcPr marL="64970" marR="64970" marT="32485" marB="32485" anchor="ctr"/>
+                </a:tc>
+                <a:tc>
+                  <a:txBody>
+                    <a:bodyPr/>
+                    <a:lstStyle/>
+                    <a:p>
+                      <a:pPr algn="ctr"/>
+                      <a:r>
+                        <a:rPr lang="en-US" sz="700" dirty="0"/>
+                        <a:t>16</a:t>
+                      </a:r>
+                    </a:p>
+                  </a:txBody>
+                  <a:tcPr marL="64970" marR="64970" marT="32485" marB="32485" anchor="ctr"/>
+                </a:tc>
+                <a:extLst>
+                  <a:ext uri="{0D108BD9-81ED-4DB2-BD59-A6C34878D82A}">
+                    <a16:rowId xmlns:a16="http://schemas.microsoft.com/office/drawing/2014/main" val="3019424733"/>
+                  </a:ext>
+                </a:extLst>
+              </a:tr>
+            </a:tbl>
+          </a:graphicData>
+        </a:graphic>
+      </p:graphicFrame>
     </p:spTree>
     <p:extLst>
       <p:ext uri="{BB962C8B-B14F-4D97-AF65-F5344CB8AC3E}">
@@ -10344,7 +14325,7 @@
                             </p:stCondLst>
                             <p:childTnLst>
                               <p:par>
-                                <p:cTn id="10" presetID="10" presetClass="entr" presetSubtype="0" fill="hold" nodeType="clickEffect">
+                                <p:cTn id="10" presetID="10" presetClass="entr" presetSubtype="0" fill="hold" grpId="0" nodeType="clickEffect">
                                   <p:stCondLst>
                                     <p:cond delay="0"/>
                                   </p:stCondLst>
@@ -10357,7 +14338,11 @@
                                           </p:stCondLst>
                                         </p:cTn>
                                         <p:tgtEl>
-                                          <p:spTgt spid="5"/>
+                                          <p:spTgt spid="3">
+                                            <p:txEl>
+                                              <p:pRg st="2" end="2"/>
+                                            </p:txEl>
+                                          </p:spTgt>
                                         </p:tgtEl>
                                         <p:attrNameLst>
                                           <p:attrName>style.visibility</p:attrName>
@@ -10371,66 +14356,9 @@
                                       <p:cBhvr>
                                         <p:cTn id="12" dur="500"/>
                                         <p:tgtEl>
-                                          <p:spTgt spid="5"/>
-                                        </p:tgtEl>
-                                      </p:cBhvr>
-                                    </p:animEffect>
-                                  </p:childTnLst>
-                                </p:cTn>
-                              </p:par>
-                            </p:childTnLst>
-                          </p:cTn>
-                        </p:par>
-                      </p:childTnLst>
-                    </p:cTn>
-                  </p:par>
-                  <p:par>
-                    <p:cTn id="13" fill="hold">
-                      <p:stCondLst>
-                        <p:cond delay="indefinite"/>
-                      </p:stCondLst>
-                      <p:childTnLst>
-                        <p:par>
-                          <p:cTn id="14" fill="hold">
-                            <p:stCondLst>
-                              <p:cond delay="0"/>
-                            </p:stCondLst>
-                            <p:childTnLst>
-                              <p:par>
-                                <p:cTn id="15" presetID="10" presetClass="entr" presetSubtype="0" fill="hold" grpId="0" nodeType="clickEffect">
-                                  <p:stCondLst>
-                                    <p:cond delay="0"/>
-                                  </p:stCondLst>
-                                  <p:childTnLst>
-                                    <p:set>
-                                      <p:cBhvr>
-                                        <p:cTn id="16" dur="1" fill="hold">
-                                          <p:stCondLst>
-                                            <p:cond delay="0"/>
-                                          </p:stCondLst>
-                                        </p:cTn>
-                                        <p:tgtEl>
                                           <p:spTgt spid="3">
                                             <p:txEl>
-                                              <p:pRg st="5" end="5"/>
-                                            </p:txEl>
-                                          </p:spTgt>
-                                        </p:tgtEl>
-                                        <p:attrNameLst>
-                                          <p:attrName>style.visibility</p:attrName>
-                                        </p:attrNameLst>
-                                      </p:cBhvr>
-                                      <p:to>
-                                        <p:strVal val="visible"/>
-                                      </p:to>
-                                    </p:set>
-                                    <p:animEffect transition="in" filter="fade">
-                                      <p:cBhvr>
-                                        <p:cTn id="17" dur="500"/>
-                                        <p:tgtEl>
-                                          <p:spTgt spid="3">
-                                            <p:txEl>
-                                              <p:pRg st="5" end="5"/>
+                                              <p:pRg st="2" end="2"/>
                                             </p:txEl>
                                           </p:spTgt>
                                         </p:tgtEl>

--- a/BeersAndBreweries/EDA I – Part 1.pptx
+++ b/BeersAndBreweries/EDA I – Part 1.pptx
@@ -211,7 +211,7 @@
           <a:p>
             <a:fld id="{9F696B56-8B5D-B24B-AD03-72F94C57230D}" type="datetimeFigureOut">
               <a:rPr lang="en-US" smtClean="0"/>
-              <a:t>3/3/2023</a:t>
+              <a:t>3/4/2023</a:t>
             </a:fld>
             <a:endParaRPr lang="en-US"/>
           </a:p>
@@ -1319,7 +1319,7 @@
           <a:p>
             <a:fld id="{46BF16B6-8507-4900-B3DF-8BA44FFCABEE}" type="datetimeFigureOut">
               <a:rPr lang="en-US" smtClean="0"/>
-              <a:t>3/3/2023</a:t>
+              <a:t>3/4/2023</a:t>
             </a:fld>
             <a:endParaRPr lang="en-US"/>
           </a:p>
@@ -1646,7 +1646,7 @@
           <a:p>
             <a:fld id="{46BF16B6-8507-4900-B3DF-8BA44FFCABEE}" type="datetimeFigureOut">
               <a:rPr lang="en-US" smtClean="0"/>
-              <a:t>3/3/2023</a:t>
+              <a:t>3/4/2023</a:t>
             </a:fld>
             <a:endParaRPr lang="en-US"/>
           </a:p>
@@ -1897,7 +1897,7 @@
           <a:p>
             <a:fld id="{46BF16B6-8507-4900-B3DF-8BA44FFCABEE}" type="datetimeFigureOut">
               <a:rPr lang="en-US" smtClean="0"/>
-              <a:t>3/3/2023</a:t>
+              <a:t>3/4/2023</a:t>
             </a:fld>
             <a:endParaRPr lang="en-US"/>
           </a:p>
@@ -2239,7 +2239,7 @@
           <a:p>
             <a:fld id="{46BF16B6-8507-4900-B3DF-8BA44FFCABEE}" type="datetimeFigureOut">
               <a:rPr lang="en-US" smtClean="0"/>
-              <a:t>3/3/2023</a:t>
+              <a:t>3/4/2023</a:t>
             </a:fld>
             <a:endParaRPr lang="en-US"/>
           </a:p>
@@ -2589,7 +2589,7 @@
           <a:p>
             <a:fld id="{46BF16B6-8507-4900-B3DF-8BA44FFCABEE}" type="datetimeFigureOut">
               <a:rPr lang="en-US" smtClean="0"/>
-              <a:t>3/3/2023</a:t>
+              <a:t>3/4/2023</a:t>
             </a:fld>
             <a:endParaRPr lang="en-US"/>
           </a:p>
@@ -2966,7 +2966,7 @@
           <a:p>
             <a:fld id="{46BF16B6-8507-4900-B3DF-8BA44FFCABEE}" type="datetimeFigureOut">
               <a:rPr lang="en-US" smtClean="0"/>
-              <a:t>3/3/2023</a:t>
+              <a:t>3/4/2023</a:t>
             </a:fld>
             <a:endParaRPr lang="en-US"/>
           </a:p>
@@ -3439,7 +3439,7 @@
           <a:p>
             <a:fld id="{46BF16B6-8507-4900-B3DF-8BA44FFCABEE}" type="datetimeFigureOut">
               <a:rPr lang="en-US" smtClean="0"/>
-              <a:t>3/3/2023</a:t>
+              <a:t>3/4/2023</a:t>
             </a:fld>
             <a:endParaRPr lang="en-US"/>
           </a:p>
@@ -3647,7 +3647,7 @@
           <a:p>
             <a:fld id="{46BF16B6-8507-4900-B3DF-8BA44FFCABEE}" type="datetimeFigureOut">
               <a:rPr lang="en-US" smtClean="0"/>
-              <a:t>3/3/2023</a:t>
+              <a:t>3/4/2023</a:t>
             </a:fld>
             <a:endParaRPr lang="en-US"/>
           </a:p>
@@ -3861,7 +3861,7 @@
           <a:p>
             <a:fld id="{46BF16B6-8507-4900-B3DF-8BA44FFCABEE}" type="datetimeFigureOut">
               <a:rPr lang="en-US" smtClean="0"/>
-              <a:t>3/3/2023</a:t>
+              <a:t>3/4/2023</a:t>
             </a:fld>
             <a:endParaRPr lang="en-US"/>
           </a:p>
@@ -4096,7 +4096,7 @@
           <a:p>
             <a:fld id="{46BF16B6-8507-4900-B3DF-8BA44FFCABEE}" type="datetimeFigureOut">
               <a:rPr lang="en-US" smtClean="0"/>
-              <a:t>3/3/2023</a:t>
+              <a:t>3/4/2023</a:t>
             </a:fld>
             <a:endParaRPr lang="en-US"/>
           </a:p>
@@ -4347,7 +4347,7 @@
           <a:p>
             <a:fld id="{46BF16B6-8507-4900-B3DF-8BA44FFCABEE}" type="datetimeFigureOut">
               <a:rPr lang="en-US" smtClean="0"/>
-              <a:t>3/3/2023</a:t>
+              <a:t>3/4/2023</a:t>
             </a:fld>
             <a:endParaRPr lang="en-US"/>
           </a:p>
@@ -4617,7 +4617,7 @@
           <a:p>
             <a:fld id="{46BF16B6-8507-4900-B3DF-8BA44FFCABEE}" type="datetimeFigureOut">
               <a:rPr lang="en-US" smtClean="0"/>
-              <a:t>3/3/2023</a:t>
+              <a:t>3/4/2023</a:t>
             </a:fld>
             <a:endParaRPr lang="en-US"/>
           </a:p>
@@ -5033,7 +5033,7 @@
           <a:p>
             <a:fld id="{46BF16B6-8507-4900-B3DF-8BA44FFCABEE}" type="datetimeFigureOut">
               <a:rPr lang="en-US" smtClean="0"/>
-              <a:t>3/3/2023</a:t>
+              <a:t>3/4/2023</a:t>
             </a:fld>
             <a:endParaRPr lang="en-US"/>
           </a:p>
@@ -5185,7 +5185,7 @@
           <a:p>
             <a:fld id="{46BF16B6-8507-4900-B3DF-8BA44FFCABEE}" type="datetimeFigureOut">
               <a:rPr lang="en-US" smtClean="0"/>
-              <a:t>3/3/2023</a:t>
+              <a:t>3/4/2023</a:t>
             </a:fld>
             <a:endParaRPr lang="en-US"/>
           </a:p>
@@ -5314,7 +5314,7 @@
           <a:p>
             <a:fld id="{46BF16B6-8507-4900-B3DF-8BA44FFCABEE}" type="datetimeFigureOut">
               <a:rPr lang="en-US" smtClean="0"/>
-              <a:t>3/3/2023</a:t>
+              <a:t>3/4/2023</a:t>
             </a:fld>
             <a:endParaRPr lang="en-US"/>
           </a:p>
@@ -5572,7 +5572,7 @@
           <a:p>
             <a:fld id="{46BF16B6-8507-4900-B3DF-8BA44FFCABEE}" type="datetimeFigureOut">
               <a:rPr lang="en-US" smtClean="0"/>
-              <a:t>3/3/2023</a:t>
+              <a:t>3/4/2023</a:t>
             </a:fld>
             <a:endParaRPr lang="en-US"/>
           </a:p>
@@ -5890,7 +5890,7 @@
           <a:p>
             <a:fld id="{46BF16B6-8507-4900-B3DF-8BA44FFCABEE}" type="datetimeFigureOut">
               <a:rPr lang="en-US" smtClean="0"/>
-              <a:t>3/3/2023</a:t>
+              <a:t>3/4/2023</a:t>
             </a:fld>
             <a:endParaRPr lang="en-US"/>
           </a:p>
@@ -6244,7 +6244,7 @@
           <a:p>
             <a:fld id="{46BF16B6-8507-4900-B3DF-8BA44FFCABEE}" type="datetimeFigureOut">
               <a:rPr lang="en-US" smtClean="0"/>
-              <a:t>3/3/2023</a:t>
+              <a:t>3/4/2023</a:t>
             </a:fld>
             <a:endParaRPr lang="en-US"/>
           </a:p>
@@ -6813,7 +6813,7 @@
           <a:p>
             <a:r>
               <a:rPr lang="en-US" dirty="0"/>
-              <a:t>EDA I – Part 1</a:t>
+              <a:t>Market Analysis – Brewery and Beer Data</a:t>
             </a:r>
           </a:p>
         </p:txBody>
@@ -8486,35 +8486,47 @@
         <p:spPr/>
         <p:txBody>
           <a:bodyPr>
-            <a:normAutofit/>
+            <a:normAutofit fontScale="92500" lnSpcReduction="20000"/>
           </a:bodyPr>
           <a:lstStyle/>
           <a:p>
-            <a:r>
-              <a:rPr lang="en-US" dirty="0"/>
-              <a:t>Please reach out to:</a:t>
-            </a:r>
-          </a:p>
-          <a:p>
-            <a:pPr lvl="1"/>
-            <a:r>
-              <a:rPr lang="en-US" dirty="0"/>
-              <a:t>O’Neal Gray</a:t>
-            </a:r>
-          </a:p>
-          <a:p>
-            <a:pPr lvl="2"/>
-            <a:r>
-              <a:rPr lang="en-US" dirty="0"/>
-              <a:t>(214) 724-2020</a:t>
-            </a:r>
-          </a:p>
-          <a:p>
-            <a:pPr lvl="2"/>
             <a:r>
               <a:rPr lang="en-US" dirty="0">
                 <a:hlinkClick r:id="rId2"/>
               </a:rPr>
+              <a:t>https://github.com/DHLaurel/DoingDataScience/blob/master/BeersAndBreweries/README.md</a:t>
+            </a:r>
+            <a:r>
+              <a:rPr lang="en-US" dirty="0"/>
+              <a:t> </a:t>
+            </a:r>
+          </a:p>
+          <a:p>
+            <a:r>
+              <a:rPr lang="en-US" dirty="0"/>
+              <a:t>Please reach out to:</a:t>
+            </a:r>
+          </a:p>
+          <a:p>
+            <a:pPr lvl="1"/>
+            <a:r>
+              <a:rPr lang="en-US" dirty="0"/>
+              <a:t>O’Neal Gray</a:t>
+            </a:r>
+          </a:p>
+          <a:p>
+            <a:pPr lvl="2"/>
+            <a:r>
+              <a:rPr lang="en-US" dirty="0"/>
+              <a:t>(214) 724-2020</a:t>
+            </a:r>
+          </a:p>
+          <a:p>
+            <a:pPr lvl="2"/>
+            <a:r>
+              <a:rPr lang="en-US" dirty="0">
+                <a:hlinkClick r:id="rId3"/>
+              </a:rPr>
               <a:t>ogray@mail.smu.edu</a:t>
             </a:r>
             <a:endParaRPr lang="en-US" dirty="0"/>
@@ -8537,7 +8549,7 @@
             <a:pPr lvl="2"/>
             <a:r>
               <a:rPr lang="en-US" dirty="0">
-                <a:hlinkClick r:id="rId3"/>
+                <a:hlinkClick r:id="rId4"/>
               </a:rPr>
               <a:t>dlaurel@mail.smu.edu</a:t>
             </a:r>
@@ -8638,9 +8650,42 @@
               <a:buAutoNum type="arabicPeriod"/>
             </a:pPr>
             <a:r>
-              <a:rPr lang="en-US" dirty="0"/>
+              <a:rPr lang="en-US" dirty="0">
+                <a:hlinkClick r:id="rId2"/>
+              </a:rPr>
               <a:t>https://reason.com/2021/09/20/why-is-this-beer-banned-in-15-states/</a:t>
             </a:r>
+            <a:endParaRPr lang="en-US" dirty="0"/>
+          </a:p>
+          <a:p>
+            <a:pPr marL="457200" indent="-457200">
+              <a:buFont typeface="+mj-lt"/>
+              <a:buAutoNum type="arabicPeriod"/>
+            </a:pPr>
+            <a:r>
+              <a:rPr lang="en-US" u="sng" dirty="0"/>
+              <a:t>https://</a:t>
+            </a:r>
+            <a:r>
+              <a:rPr lang="en-US" u="sng" dirty="0" err="1"/>
+              <a:t>backgroundchecks.org</a:t>
+            </a:r>
+            <a:r>
+              <a:rPr lang="en-US" u="sng" dirty="0"/>
+              <a:t>/which-states-have-the-worst-dui-</a:t>
+            </a:r>
+            <a:r>
+              <a:rPr lang="en-US" u="sng" dirty="0" err="1"/>
+              <a:t>problems.html</a:t>
+            </a:r>
+            <a:endParaRPr lang="en-US" u="sng" dirty="0"/>
+          </a:p>
+          <a:p>
+            <a:pPr marL="457200" indent="-457200">
+              <a:buFont typeface="+mj-lt"/>
+              <a:buAutoNum type="arabicPeriod"/>
+            </a:pPr>
+            <a:endParaRPr lang="en-US" dirty="0"/>
           </a:p>
         </p:txBody>
       </p:sp>
